--- a/documentation/Quark Wireframes and User Stories.pptx
+++ b/documentation/Quark Wireframes and User Stories.pptx
@@ -12,11 +12,11 @@
     <p:sldId id="261" r:id="rId6"/>
     <p:sldId id="263" r:id="rId7"/>
     <p:sldId id="264" r:id="rId8"/>
-    <p:sldId id="262" r:id="rId9"/>
-    <p:sldId id="265" r:id="rId10"/>
-    <p:sldId id="267" r:id="rId11"/>
-    <p:sldId id="268" r:id="rId12"/>
-    <p:sldId id="269" r:id="rId13"/>
+    <p:sldId id="275" r:id="rId9"/>
+    <p:sldId id="262" r:id="rId10"/>
+    <p:sldId id="265" r:id="rId11"/>
+    <p:sldId id="267" r:id="rId12"/>
+    <p:sldId id="268" r:id="rId13"/>
     <p:sldId id="270" r:id="rId14"/>
     <p:sldId id="271" r:id="rId15"/>
     <p:sldId id="266" r:id="rId16"/>
@@ -3469,6 +3469,420 @@
       </p:grpSpPr>
       <p:sp>
         <p:nvSpPr>
+          <p:cNvPr id="25" name="Rectangle 24">
+            <a:extLst>
+              <a:ext uri="{FF2B5EF4-FFF2-40B4-BE49-F238E27FC236}">
+                <a16:creationId xmlns:a16="http://schemas.microsoft.com/office/drawing/2014/main" id="{505ABA61-6089-9968-B629-AC0E5695B58F}"/>
+              </a:ext>
+            </a:extLst>
+          </p:cNvPr>
+          <p:cNvSpPr/>
+          <p:nvPr/>
+        </p:nvSpPr>
+        <p:spPr>
+          <a:xfrm>
+            <a:off x="4442460" y="365125"/>
+            <a:ext cx="7208520" cy="6127750"/>
+          </a:xfrm>
+          <a:prstGeom prst="rect">
+            <a:avLst/>
+          </a:prstGeom>
+          <a:solidFill>
+            <a:schemeClr val="bg1">
+              <a:lumMod val="95000"/>
+            </a:schemeClr>
+          </a:solidFill>
+          <a:ln>
+            <a:noFill/>
+          </a:ln>
+        </p:spPr>
+        <p:style>
+          <a:lnRef idx="2">
+            <a:schemeClr val="accent1">
+              <a:shade val="50000"/>
+            </a:schemeClr>
+          </a:lnRef>
+          <a:fillRef idx="1">
+            <a:schemeClr val="accent1"/>
+          </a:fillRef>
+          <a:effectRef idx="0">
+            <a:schemeClr val="accent1"/>
+          </a:effectRef>
+          <a:fontRef idx="minor">
+            <a:schemeClr val="lt1"/>
+          </a:fontRef>
+        </p:style>
+        <p:txBody>
+          <a:bodyPr rtlCol="0" anchor="ctr"/>
+          <a:lstStyle/>
+          <a:p>
+            <a:pPr algn="ctr"/>
+            <a:endParaRPr lang="en-GB" dirty="0">
+              <a:solidFill>
+                <a:schemeClr val="tx1"/>
+              </a:solidFill>
+            </a:endParaRPr>
+          </a:p>
+        </p:txBody>
+      </p:sp>
+      <p:sp>
+        <p:nvSpPr>
+          <p:cNvPr id="2" name="Title 1">
+            <a:extLst>
+              <a:ext uri="{FF2B5EF4-FFF2-40B4-BE49-F238E27FC236}">
+                <a16:creationId xmlns:a16="http://schemas.microsoft.com/office/drawing/2014/main" id="{E29F74C9-B0C7-BA5C-41DC-C21FA1F2E126}"/>
+              </a:ext>
+            </a:extLst>
+          </p:cNvPr>
+          <p:cNvSpPr>
+            <a:spLocks noGrp="1" noRot="1" noMove="1" noResize="1" noEditPoints="1" noAdjustHandles="1" noChangeArrowheads="1" noChangeShapeType="1"/>
+          </p:cNvSpPr>
+          <p:nvPr>
+            <p:ph type="title"/>
+          </p:nvPr>
+        </p:nvSpPr>
+        <p:spPr/>
+        <p:txBody>
+          <a:bodyPr/>
+          <a:lstStyle/>
+          <a:p>
+            <a:r>
+              <a:rPr lang="en-GB" dirty="0"/>
+              <a:t>Download Page</a:t>
+            </a:r>
+          </a:p>
+        </p:txBody>
+      </p:sp>
+      <p:sp>
+        <p:nvSpPr>
+          <p:cNvPr id="37" name="TextBox 36">
+            <a:extLst>
+              <a:ext uri="{FF2B5EF4-FFF2-40B4-BE49-F238E27FC236}">
+                <a16:creationId xmlns:a16="http://schemas.microsoft.com/office/drawing/2014/main" id="{D5FAD78A-C10D-11AD-3D24-7D377684D22B}"/>
+              </a:ext>
+            </a:extLst>
+          </p:cNvPr>
+          <p:cNvSpPr txBox="1"/>
+          <p:nvPr/>
+        </p:nvSpPr>
+        <p:spPr>
+          <a:xfrm>
+            <a:off x="838199" y="1523048"/>
+            <a:ext cx="3154681" cy="646331"/>
+          </a:xfrm>
+          <a:prstGeom prst="rect">
+            <a:avLst/>
+          </a:prstGeom>
+          <a:noFill/>
+        </p:spPr>
+        <p:txBody>
+          <a:bodyPr wrap="square" rtlCol="0">
+            <a:spAutoFit/>
+          </a:bodyPr>
+          <a:lstStyle/>
+          <a:p>
+            <a:endParaRPr lang="en-GB" dirty="0"/>
+          </a:p>
+          <a:p>
+            <a:endParaRPr lang="en-GB" dirty="0"/>
+          </a:p>
+        </p:txBody>
+      </p:sp>
+      <p:grpSp>
+        <p:nvGrpSpPr>
+          <p:cNvPr id="3" name="Group 2">
+            <a:extLst>
+              <a:ext uri="{FF2B5EF4-FFF2-40B4-BE49-F238E27FC236}">
+                <a16:creationId xmlns:a16="http://schemas.microsoft.com/office/drawing/2014/main" id="{D32A1889-69F8-F163-2E6B-CFEDE8405A41}"/>
+              </a:ext>
+            </a:extLst>
+          </p:cNvPr>
+          <p:cNvGrpSpPr/>
+          <p:nvPr/>
+        </p:nvGrpSpPr>
+        <p:grpSpPr>
+          <a:xfrm>
+            <a:off x="5920740" y="365126"/>
+            <a:ext cx="4251962" cy="6127750"/>
+            <a:chOff x="5920740" y="365126"/>
+            <a:chExt cx="4251962" cy="6127750"/>
+          </a:xfrm>
+        </p:grpSpPr>
+        <p:sp>
+          <p:nvSpPr>
+            <p:cNvPr id="11" name="Rectangle 10">
+              <a:extLst>
+                <a:ext uri="{FF2B5EF4-FFF2-40B4-BE49-F238E27FC236}">
+                  <a16:creationId xmlns:a16="http://schemas.microsoft.com/office/drawing/2014/main" id="{817C8EA7-0B3E-A8D5-0C59-1B4DE6195DEA}"/>
+                </a:ext>
+              </a:extLst>
+            </p:cNvPr>
+            <p:cNvSpPr/>
+            <p:nvPr/>
+          </p:nvSpPr>
+          <p:spPr>
+            <a:xfrm>
+              <a:off x="5920740" y="365126"/>
+              <a:ext cx="4251960" cy="6127750"/>
+            </a:xfrm>
+            <a:prstGeom prst="rect">
+              <a:avLst/>
+            </a:prstGeom>
+            <a:solidFill>
+              <a:schemeClr val="bg1"/>
+            </a:solidFill>
+            <a:ln>
+              <a:solidFill>
+                <a:schemeClr val="tx1"/>
+              </a:solidFill>
+              <a:prstDash val="lgDash"/>
+            </a:ln>
+          </p:spPr>
+          <p:style>
+            <a:lnRef idx="2">
+              <a:schemeClr val="accent1">
+                <a:shade val="50000"/>
+              </a:schemeClr>
+            </a:lnRef>
+            <a:fillRef idx="1">
+              <a:schemeClr val="accent1"/>
+            </a:fillRef>
+            <a:effectRef idx="0">
+              <a:schemeClr val="accent1"/>
+            </a:effectRef>
+            <a:fontRef idx="minor">
+              <a:schemeClr val="lt1"/>
+            </a:fontRef>
+          </p:style>
+          <p:txBody>
+            <a:bodyPr rtlCol="0" anchor="ctr"/>
+            <a:lstStyle/>
+            <a:p>
+              <a:pPr algn="ctr"/>
+              <a:endParaRPr lang="en-GB" dirty="0">
+                <a:solidFill>
+                  <a:schemeClr val="tx1"/>
+                </a:solidFill>
+              </a:endParaRPr>
+            </a:p>
+          </p:txBody>
+        </p:sp>
+        <p:sp>
+          <p:nvSpPr>
+            <p:cNvPr id="7" name="TextBox 6">
+              <a:extLst>
+                <a:ext uri="{FF2B5EF4-FFF2-40B4-BE49-F238E27FC236}">
+                  <a16:creationId xmlns:a16="http://schemas.microsoft.com/office/drawing/2014/main" id="{FBE1CE47-47F0-6B5D-D4F4-675A1D5C96F8}"/>
+                </a:ext>
+              </a:extLst>
+            </p:cNvPr>
+            <p:cNvSpPr txBox="1"/>
+            <p:nvPr/>
+          </p:nvSpPr>
+          <p:spPr>
+            <a:xfrm>
+              <a:off x="5920740" y="1523048"/>
+              <a:ext cx="4251962" cy="369332"/>
+            </a:xfrm>
+            <a:prstGeom prst="rect">
+              <a:avLst/>
+            </a:prstGeom>
+            <a:noFill/>
+          </p:spPr>
+          <p:txBody>
+            <a:bodyPr wrap="square" rtlCol="0">
+              <a:spAutoFit/>
+            </a:bodyPr>
+            <a:lstStyle/>
+            <a:p>
+              <a:pPr algn="ctr"/>
+              <a:r>
+                <a:rPr lang="en-GB" dirty="0"/>
+                <a:t>Download The App!</a:t>
+              </a:r>
+            </a:p>
+          </p:txBody>
+        </p:sp>
+        <p:sp>
+          <p:nvSpPr>
+            <p:cNvPr id="8" name="Rectangle 7">
+              <a:extLst>
+                <a:ext uri="{FF2B5EF4-FFF2-40B4-BE49-F238E27FC236}">
+                  <a16:creationId xmlns:a16="http://schemas.microsoft.com/office/drawing/2014/main" id="{F81785E0-2F36-3B16-519A-73B335E26E19}"/>
+                </a:ext>
+              </a:extLst>
+            </p:cNvPr>
+            <p:cNvSpPr/>
+            <p:nvPr/>
+          </p:nvSpPr>
+          <p:spPr>
+            <a:xfrm>
+              <a:off x="7071361" y="2454358"/>
+              <a:ext cx="1950720" cy="341852"/>
+            </a:xfrm>
+            <a:prstGeom prst="rect">
+              <a:avLst/>
+            </a:prstGeom>
+          </p:spPr>
+          <p:style>
+            <a:lnRef idx="2">
+              <a:schemeClr val="accent1">
+                <a:shade val="50000"/>
+              </a:schemeClr>
+            </a:lnRef>
+            <a:fillRef idx="1">
+              <a:schemeClr val="accent1"/>
+            </a:fillRef>
+            <a:effectRef idx="0">
+              <a:schemeClr val="accent1"/>
+            </a:effectRef>
+            <a:fontRef idx="minor">
+              <a:schemeClr val="lt1"/>
+            </a:fontRef>
+          </p:style>
+          <p:txBody>
+            <a:bodyPr rtlCol="0" anchor="ctr"/>
+            <a:lstStyle/>
+            <a:p>
+              <a:pPr algn="ctr"/>
+              <a:r>
+                <a:rPr lang="en-GB" dirty="0"/>
+                <a:t>MacOS</a:t>
+              </a:r>
+            </a:p>
+          </p:txBody>
+        </p:sp>
+        <p:sp>
+          <p:nvSpPr>
+            <p:cNvPr id="9" name="Rectangle 8">
+              <a:extLst>
+                <a:ext uri="{FF2B5EF4-FFF2-40B4-BE49-F238E27FC236}">
+                  <a16:creationId xmlns:a16="http://schemas.microsoft.com/office/drawing/2014/main" id="{A1EB36E1-015F-DF99-3887-301D1B741170}"/>
+                </a:ext>
+              </a:extLst>
+            </p:cNvPr>
+            <p:cNvSpPr/>
+            <p:nvPr/>
+          </p:nvSpPr>
+          <p:spPr>
+            <a:xfrm>
+              <a:off x="7071361" y="2028822"/>
+              <a:ext cx="1950720" cy="341852"/>
+            </a:xfrm>
+            <a:prstGeom prst="rect">
+              <a:avLst/>
+            </a:prstGeom>
+          </p:spPr>
+          <p:style>
+            <a:lnRef idx="2">
+              <a:schemeClr val="accent1">
+                <a:shade val="50000"/>
+              </a:schemeClr>
+            </a:lnRef>
+            <a:fillRef idx="1">
+              <a:schemeClr val="accent1"/>
+            </a:fillRef>
+            <a:effectRef idx="0">
+              <a:schemeClr val="accent1"/>
+            </a:effectRef>
+            <a:fontRef idx="minor">
+              <a:schemeClr val="lt1"/>
+            </a:fontRef>
+          </p:style>
+          <p:txBody>
+            <a:bodyPr rtlCol="0" anchor="ctr"/>
+            <a:lstStyle/>
+            <a:p>
+              <a:pPr algn="ctr"/>
+              <a:r>
+                <a:rPr lang="en-GB" dirty="0"/>
+                <a:t>Windows</a:t>
+              </a:r>
+            </a:p>
+          </p:txBody>
+        </p:sp>
+        <p:sp>
+          <p:nvSpPr>
+            <p:cNvPr id="10" name="Rectangle 9">
+              <a:extLst>
+                <a:ext uri="{FF2B5EF4-FFF2-40B4-BE49-F238E27FC236}">
+                  <a16:creationId xmlns:a16="http://schemas.microsoft.com/office/drawing/2014/main" id="{93427F94-E8B2-01BE-06B7-6194084F00A7}"/>
+                </a:ext>
+              </a:extLst>
+            </p:cNvPr>
+            <p:cNvSpPr/>
+            <p:nvPr/>
+          </p:nvSpPr>
+          <p:spPr>
+            <a:xfrm>
+              <a:off x="7071361" y="2879894"/>
+              <a:ext cx="1950720" cy="341852"/>
+            </a:xfrm>
+            <a:prstGeom prst="rect">
+              <a:avLst/>
+            </a:prstGeom>
+          </p:spPr>
+          <p:style>
+            <a:lnRef idx="2">
+              <a:schemeClr val="accent1">
+                <a:shade val="50000"/>
+              </a:schemeClr>
+            </a:lnRef>
+            <a:fillRef idx="1">
+              <a:schemeClr val="accent1"/>
+            </a:fillRef>
+            <a:effectRef idx="0">
+              <a:schemeClr val="accent1"/>
+            </a:effectRef>
+            <a:fontRef idx="minor">
+              <a:schemeClr val="lt1"/>
+            </a:fontRef>
+          </p:style>
+          <p:txBody>
+            <a:bodyPr rtlCol="0" anchor="ctr"/>
+            <a:lstStyle/>
+            <a:p>
+              <a:pPr algn="ctr"/>
+              <a:r>
+                <a:rPr lang="en-GB" dirty="0"/>
+                <a:t>Linux</a:t>
+              </a:r>
+            </a:p>
+          </p:txBody>
+        </p:sp>
+      </p:grpSp>
+    </p:spTree>
+    <p:extLst>
+      <p:ext uri="{BB962C8B-B14F-4D97-AF65-F5344CB8AC3E}">
+        <p14:creationId xmlns:p14="http://schemas.microsoft.com/office/powerpoint/2010/main" val="3903081222"/>
+      </p:ext>
+    </p:extLst>
+  </p:cSld>
+  <p:clrMapOvr>
+    <a:masterClrMapping/>
+  </p:clrMapOvr>
+</p:sld>
+</file>
+
+<file path=ppt/slides/slide11.xml><?xml version="1.0" encoding="utf-8"?>
+<p:sld xmlns:a="http://schemas.openxmlformats.org/drawingml/2006/main" xmlns:r="http://schemas.openxmlformats.org/officeDocument/2006/relationships" xmlns:p="http://schemas.openxmlformats.org/presentationml/2006/main">
+  <p:cSld>
+    <p:spTree>
+      <p:nvGrpSpPr>
+        <p:cNvPr id="1" name=""/>
+        <p:cNvGrpSpPr/>
+        <p:nvPr/>
+      </p:nvGrpSpPr>
+      <p:grpSpPr>
+        <a:xfrm>
+          <a:off x="0" y="0"/>
+          <a:ext cx="0" cy="0"/>
+          <a:chOff x="0" y="0"/>
+          <a:chExt cx="0" cy="0"/>
+        </a:xfrm>
+      </p:grpSpPr>
+      <p:sp>
+        <p:nvSpPr>
           <p:cNvPr id="2" name="Title 1">
             <a:extLst>
               <a:ext uri="{FF2B5EF4-FFF2-40B4-BE49-F238E27FC236}">
@@ -4928,68 +5342,745 @@
           </a:fontRef>
         </p:style>
       </p:cxnSp>
+      <p:grpSp>
+        <p:nvGrpSpPr>
+          <p:cNvPr id="36" name="Group 35">
+            <a:extLst>
+              <a:ext uri="{FF2B5EF4-FFF2-40B4-BE49-F238E27FC236}">
+                <a16:creationId xmlns:a16="http://schemas.microsoft.com/office/drawing/2014/main" id="{06A80A22-572F-8AC1-CC8B-A89E7FDA70AB}"/>
+              </a:ext>
+            </a:extLst>
+          </p:cNvPr>
+          <p:cNvGrpSpPr/>
+          <p:nvPr/>
+        </p:nvGrpSpPr>
+        <p:grpSpPr>
+          <a:xfrm>
+            <a:off x="838199" y="1510446"/>
+            <a:ext cx="3125260" cy="203545"/>
+            <a:chOff x="4064860" y="1000495"/>
+            <a:chExt cx="6824120" cy="444451"/>
+          </a:xfrm>
+        </p:grpSpPr>
+        <p:sp>
+          <p:nvSpPr>
+            <p:cNvPr id="37" name="Rectangle 36">
+              <a:extLst>
+                <a:ext uri="{FF2B5EF4-FFF2-40B4-BE49-F238E27FC236}">
+                  <a16:creationId xmlns:a16="http://schemas.microsoft.com/office/drawing/2014/main" id="{B4B10004-41C7-C262-6D40-1F679FF55CF2}"/>
+                </a:ext>
+              </a:extLst>
+            </p:cNvPr>
+            <p:cNvSpPr/>
+            <p:nvPr/>
+          </p:nvSpPr>
+          <p:spPr>
+            <a:xfrm>
+              <a:off x="4064860" y="1000495"/>
+              <a:ext cx="6824120" cy="390464"/>
+            </a:xfrm>
+            <a:prstGeom prst="rect">
+              <a:avLst/>
+            </a:prstGeom>
+            <a:solidFill>
+              <a:schemeClr val="bg1"/>
+            </a:solidFill>
+            <a:ln>
+              <a:solidFill>
+                <a:schemeClr val="tx1"/>
+              </a:solidFill>
+            </a:ln>
+          </p:spPr>
+          <p:style>
+            <a:lnRef idx="2">
+              <a:schemeClr val="accent1">
+                <a:shade val="50000"/>
+              </a:schemeClr>
+            </a:lnRef>
+            <a:fillRef idx="1">
+              <a:schemeClr val="accent1"/>
+            </a:fillRef>
+            <a:effectRef idx="0">
+              <a:schemeClr val="accent1"/>
+            </a:effectRef>
+            <a:fontRef idx="minor">
+              <a:schemeClr val="lt1"/>
+            </a:fontRef>
+          </p:style>
+          <p:txBody>
+            <a:bodyPr rtlCol="0" anchor="ctr"/>
+            <a:lstStyle/>
+            <a:p>
+              <a:r>
+                <a:rPr lang="en-GB" sz="700" dirty="0">
+                  <a:solidFill>
+                    <a:schemeClr val="tx1"/>
+                  </a:solidFill>
+                </a:rPr>
+                <a:t>Quark</a:t>
+              </a:r>
+            </a:p>
+          </p:txBody>
+        </p:sp>
+        <p:sp>
+          <p:nvSpPr>
+            <p:cNvPr id="39" name="TextBox 38">
+              <a:extLst>
+                <a:ext uri="{FF2B5EF4-FFF2-40B4-BE49-F238E27FC236}">
+                  <a16:creationId xmlns:a16="http://schemas.microsoft.com/office/drawing/2014/main" id="{C0BDAD19-6EBD-5375-EDB4-A8039F3AED45}"/>
+                </a:ext>
+              </a:extLst>
+            </p:cNvPr>
+            <p:cNvSpPr txBox="1"/>
+            <p:nvPr/>
+          </p:nvSpPr>
+          <p:spPr>
+            <a:xfrm>
+              <a:off x="6441284" y="1008116"/>
+              <a:ext cx="886254" cy="436830"/>
+            </a:xfrm>
+            <a:prstGeom prst="rect">
+              <a:avLst/>
+            </a:prstGeom>
+            <a:noFill/>
+          </p:spPr>
+          <p:txBody>
+            <a:bodyPr wrap="none" rtlCol="0">
+              <a:spAutoFit/>
+            </a:bodyPr>
+            <a:lstStyle/>
+            <a:p>
+              <a:r>
+                <a:rPr lang="en-GB" sz="700" dirty="0"/>
+                <a:t>Home</a:t>
+              </a:r>
+            </a:p>
+          </p:txBody>
+        </p:sp>
+        <p:sp>
+          <p:nvSpPr>
+            <p:cNvPr id="40" name="TextBox 39">
+              <a:extLst>
+                <a:ext uri="{FF2B5EF4-FFF2-40B4-BE49-F238E27FC236}">
+                  <a16:creationId xmlns:a16="http://schemas.microsoft.com/office/drawing/2014/main" id="{1200E75B-CC80-213A-B4A7-452AB2B3B03A}"/>
+                </a:ext>
+              </a:extLst>
+            </p:cNvPr>
+            <p:cNvSpPr txBox="1"/>
+            <p:nvPr/>
+          </p:nvSpPr>
+          <p:spPr>
+            <a:xfrm>
+              <a:off x="7271864" y="1008116"/>
+              <a:ext cx="1421788" cy="436830"/>
+            </a:xfrm>
+            <a:prstGeom prst="rect">
+              <a:avLst/>
+            </a:prstGeom>
+            <a:noFill/>
+          </p:spPr>
+          <p:txBody>
+            <a:bodyPr wrap="none" rtlCol="0">
+              <a:spAutoFit/>
+            </a:bodyPr>
+            <a:lstStyle/>
+            <a:p>
+              <a:r>
+                <a:rPr lang="en-GB" sz="700" dirty="0"/>
+                <a:t>Leaderboard</a:t>
+              </a:r>
+            </a:p>
+          </p:txBody>
+        </p:sp>
+        <p:sp>
+          <p:nvSpPr>
+            <p:cNvPr id="41" name="TextBox 40">
+              <a:extLst>
+                <a:ext uri="{FF2B5EF4-FFF2-40B4-BE49-F238E27FC236}">
+                  <a16:creationId xmlns:a16="http://schemas.microsoft.com/office/drawing/2014/main" id="{D5EA517E-A299-0EE4-327E-67638C2637EE}"/>
+                </a:ext>
+              </a:extLst>
+            </p:cNvPr>
+            <p:cNvSpPr txBox="1"/>
+            <p:nvPr/>
+          </p:nvSpPr>
+          <p:spPr>
+            <a:xfrm>
+              <a:off x="8730884" y="1008116"/>
+              <a:ext cx="830251" cy="436830"/>
+            </a:xfrm>
+            <a:prstGeom prst="rect">
+              <a:avLst/>
+            </a:prstGeom>
+            <a:noFill/>
+          </p:spPr>
+          <p:txBody>
+            <a:bodyPr wrap="none" rtlCol="0">
+              <a:spAutoFit/>
+            </a:bodyPr>
+            <a:lstStyle/>
+            <a:p>
+              <a:r>
+                <a:rPr lang="en-GB" sz="700" dirty="0"/>
+                <a:t>Login</a:t>
+              </a:r>
+            </a:p>
+          </p:txBody>
+        </p:sp>
+        <p:sp>
+          <p:nvSpPr>
+            <p:cNvPr id="42" name="Rectangle 41">
+              <a:extLst>
+                <a:ext uri="{FF2B5EF4-FFF2-40B4-BE49-F238E27FC236}">
+                  <a16:creationId xmlns:a16="http://schemas.microsoft.com/office/drawing/2014/main" id="{97B6070E-FE3F-9B48-92C5-EB6D2A68FF8D}"/>
+                </a:ext>
+              </a:extLst>
+            </p:cNvPr>
+            <p:cNvSpPr/>
+            <p:nvPr/>
+          </p:nvSpPr>
+          <p:spPr>
+            <a:xfrm>
+              <a:off x="9597252" y="1037068"/>
+              <a:ext cx="1249754" cy="325385"/>
+            </a:xfrm>
+            <a:prstGeom prst="rect">
+              <a:avLst/>
+            </a:prstGeom>
+            <a:solidFill>
+              <a:schemeClr val="accent1"/>
+            </a:solidFill>
+            <a:ln>
+              <a:noFill/>
+            </a:ln>
+          </p:spPr>
+          <p:style>
+            <a:lnRef idx="2">
+              <a:schemeClr val="accent1">
+                <a:shade val="50000"/>
+              </a:schemeClr>
+            </a:lnRef>
+            <a:fillRef idx="1">
+              <a:schemeClr val="accent1"/>
+            </a:fillRef>
+            <a:effectRef idx="0">
+              <a:schemeClr val="accent1"/>
+            </a:effectRef>
+            <a:fontRef idx="minor">
+              <a:schemeClr val="lt1"/>
+            </a:fontRef>
+          </p:style>
+          <p:txBody>
+            <a:bodyPr rtlCol="0" anchor="ctr"/>
+            <a:lstStyle/>
+            <a:p>
+              <a:pPr algn="ctr"/>
+              <a:r>
+                <a:rPr lang="en-GB" sz="700" dirty="0">
+                  <a:solidFill>
+                    <a:schemeClr val="bg1"/>
+                  </a:solidFill>
+                </a:rPr>
+                <a:t>Download</a:t>
+              </a:r>
+            </a:p>
+          </p:txBody>
+        </p:sp>
+      </p:grpSp>
+      <p:grpSp>
+        <p:nvGrpSpPr>
+          <p:cNvPr id="43" name="Group 42">
+            <a:extLst>
+              <a:ext uri="{FF2B5EF4-FFF2-40B4-BE49-F238E27FC236}">
+                <a16:creationId xmlns:a16="http://schemas.microsoft.com/office/drawing/2014/main" id="{DD10A407-070D-B996-996F-BF0A4FE80402}"/>
+              </a:ext>
+            </a:extLst>
+          </p:cNvPr>
+          <p:cNvGrpSpPr/>
+          <p:nvPr/>
+        </p:nvGrpSpPr>
+        <p:grpSpPr>
+          <a:xfrm>
+            <a:off x="4626705" y="1506633"/>
+            <a:ext cx="3125260" cy="203545"/>
+            <a:chOff x="4064860" y="1000495"/>
+            <a:chExt cx="6824120" cy="444451"/>
+          </a:xfrm>
+        </p:grpSpPr>
+        <p:sp>
+          <p:nvSpPr>
+            <p:cNvPr id="44" name="Rectangle 43">
+              <a:extLst>
+                <a:ext uri="{FF2B5EF4-FFF2-40B4-BE49-F238E27FC236}">
+                  <a16:creationId xmlns:a16="http://schemas.microsoft.com/office/drawing/2014/main" id="{6CD9EFEB-07B8-4FE9-F083-D71F6E9EDCE9}"/>
+                </a:ext>
+              </a:extLst>
+            </p:cNvPr>
+            <p:cNvSpPr/>
+            <p:nvPr/>
+          </p:nvSpPr>
+          <p:spPr>
+            <a:xfrm>
+              <a:off x="4064860" y="1000495"/>
+              <a:ext cx="6824120" cy="390464"/>
+            </a:xfrm>
+            <a:prstGeom prst="rect">
+              <a:avLst/>
+            </a:prstGeom>
+            <a:solidFill>
+              <a:schemeClr val="bg1"/>
+            </a:solidFill>
+            <a:ln>
+              <a:solidFill>
+                <a:schemeClr val="tx1"/>
+              </a:solidFill>
+            </a:ln>
+          </p:spPr>
+          <p:style>
+            <a:lnRef idx="2">
+              <a:schemeClr val="accent1">
+                <a:shade val="50000"/>
+              </a:schemeClr>
+            </a:lnRef>
+            <a:fillRef idx="1">
+              <a:schemeClr val="accent1"/>
+            </a:fillRef>
+            <a:effectRef idx="0">
+              <a:schemeClr val="accent1"/>
+            </a:effectRef>
+            <a:fontRef idx="minor">
+              <a:schemeClr val="lt1"/>
+            </a:fontRef>
+          </p:style>
+          <p:txBody>
+            <a:bodyPr rtlCol="0" anchor="ctr"/>
+            <a:lstStyle/>
+            <a:p>
+              <a:r>
+                <a:rPr lang="en-GB" sz="700" dirty="0">
+                  <a:solidFill>
+                    <a:schemeClr val="tx1"/>
+                  </a:solidFill>
+                </a:rPr>
+                <a:t>Quark</a:t>
+              </a:r>
+            </a:p>
+          </p:txBody>
+        </p:sp>
+        <p:sp>
+          <p:nvSpPr>
+            <p:cNvPr id="45" name="TextBox 44">
+              <a:extLst>
+                <a:ext uri="{FF2B5EF4-FFF2-40B4-BE49-F238E27FC236}">
+                  <a16:creationId xmlns:a16="http://schemas.microsoft.com/office/drawing/2014/main" id="{0BBBF684-C8F3-EB4B-8CA8-7D4FBF46A2A4}"/>
+                </a:ext>
+              </a:extLst>
+            </p:cNvPr>
+            <p:cNvSpPr txBox="1"/>
+            <p:nvPr/>
+          </p:nvSpPr>
+          <p:spPr>
+            <a:xfrm>
+              <a:off x="6441284" y="1008116"/>
+              <a:ext cx="886254" cy="436830"/>
+            </a:xfrm>
+            <a:prstGeom prst="rect">
+              <a:avLst/>
+            </a:prstGeom>
+            <a:noFill/>
+          </p:spPr>
+          <p:txBody>
+            <a:bodyPr wrap="none" rtlCol="0">
+              <a:spAutoFit/>
+            </a:bodyPr>
+            <a:lstStyle/>
+            <a:p>
+              <a:r>
+                <a:rPr lang="en-GB" sz="700" dirty="0"/>
+                <a:t>Home</a:t>
+              </a:r>
+            </a:p>
+          </p:txBody>
+        </p:sp>
+        <p:sp>
+          <p:nvSpPr>
+            <p:cNvPr id="46" name="TextBox 45">
+              <a:extLst>
+                <a:ext uri="{FF2B5EF4-FFF2-40B4-BE49-F238E27FC236}">
+                  <a16:creationId xmlns:a16="http://schemas.microsoft.com/office/drawing/2014/main" id="{C449DE1D-FEDB-24F1-E709-E8A5334CFF75}"/>
+                </a:ext>
+              </a:extLst>
+            </p:cNvPr>
+            <p:cNvSpPr txBox="1"/>
+            <p:nvPr/>
+          </p:nvSpPr>
+          <p:spPr>
+            <a:xfrm>
+              <a:off x="7271864" y="1008116"/>
+              <a:ext cx="1421788" cy="436830"/>
+            </a:xfrm>
+            <a:prstGeom prst="rect">
+              <a:avLst/>
+            </a:prstGeom>
+            <a:noFill/>
+          </p:spPr>
+          <p:txBody>
+            <a:bodyPr wrap="none" rtlCol="0">
+              <a:spAutoFit/>
+            </a:bodyPr>
+            <a:lstStyle/>
+            <a:p>
+              <a:r>
+                <a:rPr lang="en-GB" sz="700" dirty="0"/>
+                <a:t>Leaderboard</a:t>
+              </a:r>
+            </a:p>
+          </p:txBody>
+        </p:sp>
+        <p:sp>
+          <p:nvSpPr>
+            <p:cNvPr id="47" name="TextBox 46">
+              <a:extLst>
+                <a:ext uri="{FF2B5EF4-FFF2-40B4-BE49-F238E27FC236}">
+                  <a16:creationId xmlns:a16="http://schemas.microsoft.com/office/drawing/2014/main" id="{025B82D2-E741-109B-7F97-B77AB000BBA4}"/>
+                </a:ext>
+              </a:extLst>
+            </p:cNvPr>
+            <p:cNvSpPr txBox="1"/>
+            <p:nvPr/>
+          </p:nvSpPr>
+          <p:spPr>
+            <a:xfrm>
+              <a:off x="8730884" y="1008116"/>
+              <a:ext cx="830251" cy="436830"/>
+            </a:xfrm>
+            <a:prstGeom prst="rect">
+              <a:avLst/>
+            </a:prstGeom>
+            <a:noFill/>
+          </p:spPr>
+          <p:txBody>
+            <a:bodyPr wrap="none" rtlCol="0">
+              <a:spAutoFit/>
+            </a:bodyPr>
+            <a:lstStyle/>
+            <a:p>
+              <a:r>
+                <a:rPr lang="en-GB" sz="700" dirty="0"/>
+                <a:t>Login</a:t>
+              </a:r>
+            </a:p>
+          </p:txBody>
+        </p:sp>
+        <p:sp>
+          <p:nvSpPr>
+            <p:cNvPr id="48" name="Rectangle 47">
+              <a:extLst>
+                <a:ext uri="{FF2B5EF4-FFF2-40B4-BE49-F238E27FC236}">
+                  <a16:creationId xmlns:a16="http://schemas.microsoft.com/office/drawing/2014/main" id="{DABCE2E6-5650-A52A-F2CC-0D3037F492BF}"/>
+                </a:ext>
+              </a:extLst>
+            </p:cNvPr>
+            <p:cNvSpPr/>
+            <p:nvPr/>
+          </p:nvSpPr>
+          <p:spPr>
+            <a:xfrm>
+              <a:off x="9597252" y="1037068"/>
+              <a:ext cx="1249754" cy="325385"/>
+            </a:xfrm>
+            <a:prstGeom prst="rect">
+              <a:avLst/>
+            </a:prstGeom>
+            <a:solidFill>
+              <a:schemeClr val="accent1"/>
+            </a:solidFill>
+            <a:ln>
+              <a:noFill/>
+            </a:ln>
+          </p:spPr>
+          <p:style>
+            <a:lnRef idx="2">
+              <a:schemeClr val="accent1">
+                <a:shade val="50000"/>
+              </a:schemeClr>
+            </a:lnRef>
+            <a:fillRef idx="1">
+              <a:schemeClr val="accent1"/>
+            </a:fillRef>
+            <a:effectRef idx="0">
+              <a:schemeClr val="accent1"/>
+            </a:effectRef>
+            <a:fontRef idx="minor">
+              <a:schemeClr val="lt1"/>
+            </a:fontRef>
+          </p:style>
+          <p:txBody>
+            <a:bodyPr rtlCol="0" anchor="ctr"/>
+            <a:lstStyle/>
+            <a:p>
+              <a:pPr algn="ctr"/>
+              <a:r>
+                <a:rPr lang="en-GB" sz="700" dirty="0">
+                  <a:solidFill>
+                    <a:schemeClr val="bg1"/>
+                  </a:solidFill>
+                </a:rPr>
+                <a:t>Download</a:t>
+              </a:r>
+            </a:p>
+          </p:txBody>
+        </p:sp>
+      </p:grpSp>
+      <p:grpSp>
+        <p:nvGrpSpPr>
+          <p:cNvPr id="49" name="Group 48">
+            <a:extLst>
+              <a:ext uri="{FF2B5EF4-FFF2-40B4-BE49-F238E27FC236}">
+                <a16:creationId xmlns:a16="http://schemas.microsoft.com/office/drawing/2014/main" id="{350815A8-4804-B8E9-D9D8-F2B76A9BA9F7}"/>
+              </a:ext>
+            </a:extLst>
+          </p:cNvPr>
+          <p:cNvGrpSpPr/>
+          <p:nvPr/>
+        </p:nvGrpSpPr>
+        <p:grpSpPr>
+          <a:xfrm>
+            <a:off x="8230633" y="1510979"/>
+            <a:ext cx="3125260" cy="203545"/>
+            <a:chOff x="4064860" y="1000495"/>
+            <a:chExt cx="6824120" cy="444451"/>
+          </a:xfrm>
+        </p:grpSpPr>
+        <p:sp>
+          <p:nvSpPr>
+            <p:cNvPr id="50" name="Rectangle 49">
+              <a:extLst>
+                <a:ext uri="{FF2B5EF4-FFF2-40B4-BE49-F238E27FC236}">
+                  <a16:creationId xmlns:a16="http://schemas.microsoft.com/office/drawing/2014/main" id="{335F46D8-AF9D-4849-1C0E-592CC7BA788A}"/>
+                </a:ext>
+              </a:extLst>
+            </p:cNvPr>
+            <p:cNvSpPr/>
+            <p:nvPr/>
+          </p:nvSpPr>
+          <p:spPr>
+            <a:xfrm>
+              <a:off x="4064860" y="1000495"/>
+              <a:ext cx="6824120" cy="390464"/>
+            </a:xfrm>
+            <a:prstGeom prst="rect">
+              <a:avLst/>
+            </a:prstGeom>
+            <a:solidFill>
+              <a:schemeClr val="bg1"/>
+            </a:solidFill>
+            <a:ln>
+              <a:solidFill>
+                <a:schemeClr val="tx1"/>
+              </a:solidFill>
+            </a:ln>
+          </p:spPr>
+          <p:style>
+            <a:lnRef idx="2">
+              <a:schemeClr val="accent1">
+                <a:shade val="50000"/>
+              </a:schemeClr>
+            </a:lnRef>
+            <a:fillRef idx="1">
+              <a:schemeClr val="accent1"/>
+            </a:fillRef>
+            <a:effectRef idx="0">
+              <a:schemeClr val="accent1"/>
+            </a:effectRef>
+            <a:fontRef idx="minor">
+              <a:schemeClr val="lt1"/>
+            </a:fontRef>
+          </p:style>
+          <p:txBody>
+            <a:bodyPr rtlCol="0" anchor="ctr"/>
+            <a:lstStyle/>
+            <a:p>
+              <a:r>
+                <a:rPr lang="en-GB" sz="700" dirty="0">
+                  <a:solidFill>
+                    <a:schemeClr val="tx1"/>
+                  </a:solidFill>
+                </a:rPr>
+                <a:t>Quark</a:t>
+              </a:r>
+            </a:p>
+          </p:txBody>
+        </p:sp>
+        <p:sp>
+          <p:nvSpPr>
+            <p:cNvPr id="51" name="TextBox 50">
+              <a:extLst>
+                <a:ext uri="{FF2B5EF4-FFF2-40B4-BE49-F238E27FC236}">
+                  <a16:creationId xmlns:a16="http://schemas.microsoft.com/office/drawing/2014/main" id="{AA612FAF-5F64-0342-FD78-008121F38E6B}"/>
+                </a:ext>
+              </a:extLst>
+            </p:cNvPr>
+            <p:cNvSpPr txBox="1"/>
+            <p:nvPr/>
+          </p:nvSpPr>
+          <p:spPr>
+            <a:xfrm>
+              <a:off x="6441284" y="1008116"/>
+              <a:ext cx="886254" cy="436830"/>
+            </a:xfrm>
+            <a:prstGeom prst="rect">
+              <a:avLst/>
+            </a:prstGeom>
+            <a:noFill/>
+          </p:spPr>
+          <p:txBody>
+            <a:bodyPr wrap="none" rtlCol="0">
+              <a:spAutoFit/>
+            </a:bodyPr>
+            <a:lstStyle/>
+            <a:p>
+              <a:r>
+                <a:rPr lang="en-GB" sz="700" dirty="0"/>
+                <a:t>Home</a:t>
+              </a:r>
+            </a:p>
+          </p:txBody>
+        </p:sp>
+        <p:sp>
+          <p:nvSpPr>
+            <p:cNvPr id="52" name="TextBox 51">
+              <a:extLst>
+                <a:ext uri="{FF2B5EF4-FFF2-40B4-BE49-F238E27FC236}">
+                  <a16:creationId xmlns:a16="http://schemas.microsoft.com/office/drawing/2014/main" id="{43D83432-88A7-DA47-9C96-19133C43C697}"/>
+                </a:ext>
+              </a:extLst>
+            </p:cNvPr>
+            <p:cNvSpPr txBox="1"/>
+            <p:nvPr/>
+          </p:nvSpPr>
+          <p:spPr>
+            <a:xfrm>
+              <a:off x="7271864" y="1008116"/>
+              <a:ext cx="1421788" cy="436830"/>
+            </a:xfrm>
+            <a:prstGeom prst="rect">
+              <a:avLst/>
+            </a:prstGeom>
+            <a:noFill/>
+          </p:spPr>
+          <p:txBody>
+            <a:bodyPr wrap="none" rtlCol="0">
+              <a:spAutoFit/>
+            </a:bodyPr>
+            <a:lstStyle/>
+            <a:p>
+              <a:r>
+                <a:rPr lang="en-GB" sz="700" dirty="0"/>
+                <a:t>Leaderboard</a:t>
+              </a:r>
+            </a:p>
+          </p:txBody>
+        </p:sp>
+        <p:sp>
+          <p:nvSpPr>
+            <p:cNvPr id="53" name="TextBox 52">
+              <a:extLst>
+                <a:ext uri="{FF2B5EF4-FFF2-40B4-BE49-F238E27FC236}">
+                  <a16:creationId xmlns:a16="http://schemas.microsoft.com/office/drawing/2014/main" id="{4D7C5AFB-E584-26BF-CFCF-0CD6D271D60F}"/>
+                </a:ext>
+              </a:extLst>
+            </p:cNvPr>
+            <p:cNvSpPr txBox="1"/>
+            <p:nvPr/>
+          </p:nvSpPr>
+          <p:spPr>
+            <a:xfrm>
+              <a:off x="8730884" y="1008116"/>
+              <a:ext cx="830251" cy="436830"/>
+            </a:xfrm>
+            <a:prstGeom prst="rect">
+              <a:avLst/>
+            </a:prstGeom>
+            <a:noFill/>
+          </p:spPr>
+          <p:txBody>
+            <a:bodyPr wrap="none" rtlCol="0">
+              <a:spAutoFit/>
+            </a:bodyPr>
+            <a:lstStyle/>
+            <a:p>
+              <a:r>
+                <a:rPr lang="en-GB" sz="700" dirty="0"/>
+                <a:t>Login</a:t>
+              </a:r>
+            </a:p>
+          </p:txBody>
+        </p:sp>
+        <p:sp>
+          <p:nvSpPr>
+            <p:cNvPr id="54" name="Rectangle 53">
+              <a:extLst>
+                <a:ext uri="{FF2B5EF4-FFF2-40B4-BE49-F238E27FC236}">
+                  <a16:creationId xmlns:a16="http://schemas.microsoft.com/office/drawing/2014/main" id="{ABF8A9BA-7796-61B0-DA12-22A5EE4CC9B5}"/>
+                </a:ext>
+              </a:extLst>
+            </p:cNvPr>
+            <p:cNvSpPr/>
+            <p:nvPr/>
+          </p:nvSpPr>
+          <p:spPr>
+            <a:xfrm>
+              <a:off x="9597252" y="1037068"/>
+              <a:ext cx="1249754" cy="325385"/>
+            </a:xfrm>
+            <a:prstGeom prst="rect">
+              <a:avLst/>
+            </a:prstGeom>
+            <a:solidFill>
+              <a:schemeClr val="accent1"/>
+            </a:solidFill>
+            <a:ln>
+              <a:noFill/>
+            </a:ln>
+          </p:spPr>
+          <p:style>
+            <a:lnRef idx="2">
+              <a:schemeClr val="accent1">
+                <a:shade val="50000"/>
+              </a:schemeClr>
+            </a:lnRef>
+            <a:fillRef idx="1">
+              <a:schemeClr val="accent1"/>
+            </a:fillRef>
+            <a:effectRef idx="0">
+              <a:schemeClr val="accent1"/>
+            </a:effectRef>
+            <a:fontRef idx="minor">
+              <a:schemeClr val="lt1"/>
+            </a:fontRef>
+          </p:style>
+          <p:txBody>
+            <a:bodyPr rtlCol="0" anchor="ctr"/>
+            <a:lstStyle/>
+            <a:p>
+              <a:pPr algn="ctr"/>
+              <a:r>
+                <a:rPr lang="en-GB" sz="700" dirty="0">
+                  <a:solidFill>
+                    <a:schemeClr val="bg1"/>
+                  </a:solidFill>
+                </a:rPr>
+                <a:t>Download</a:t>
+              </a:r>
+            </a:p>
+          </p:txBody>
+        </p:sp>
+      </p:grpSp>
     </p:spTree>
     <p:extLst>
       <p:ext uri="{BB962C8B-B14F-4D97-AF65-F5344CB8AC3E}">
         <p14:creationId xmlns:p14="http://schemas.microsoft.com/office/powerpoint/2010/main" val="3416982590"/>
-      </p:ext>
-    </p:extLst>
-  </p:cSld>
-  <p:clrMapOvr>
-    <a:masterClrMapping/>
-  </p:clrMapOvr>
-</p:sld>
-</file>
-
-<file path=ppt/slides/slide11.xml><?xml version="1.0" encoding="utf-8"?>
-<p:sld xmlns:a="http://schemas.openxmlformats.org/drawingml/2006/main" xmlns:r="http://schemas.openxmlformats.org/officeDocument/2006/relationships" xmlns:p="http://schemas.openxmlformats.org/presentationml/2006/main">
-  <p:cSld>
-    <p:spTree>
-      <p:nvGrpSpPr>
-        <p:cNvPr id="1" name=""/>
-        <p:cNvGrpSpPr/>
-        <p:nvPr/>
-      </p:nvGrpSpPr>
-      <p:grpSpPr>
-        <a:xfrm>
-          <a:off x="0" y="0"/>
-          <a:ext cx="0" cy="0"/>
-          <a:chOff x="0" y="0"/>
-          <a:chExt cx="0" cy="0"/>
-        </a:xfrm>
-      </p:grpSpPr>
-      <p:sp>
-        <p:nvSpPr>
-          <p:cNvPr id="2" name="Title 1">
-            <a:extLst>
-              <a:ext uri="{FF2B5EF4-FFF2-40B4-BE49-F238E27FC236}">
-                <a16:creationId xmlns:a16="http://schemas.microsoft.com/office/drawing/2014/main" id="{E29F74C9-B0C7-BA5C-41DC-C21FA1F2E126}"/>
-              </a:ext>
-            </a:extLst>
-          </p:cNvPr>
-          <p:cNvSpPr>
-            <a:spLocks noGrp="1" noRot="1" noMove="1" noResize="1" noEditPoints="1" noAdjustHandles="1" noChangeArrowheads="1" noChangeShapeType="1"/>
-          </p:cNvSpPr>
-          <p:nvPr>
-            <p:ph type="title"/>
-          </p:nvPr>
-        </p:nvSpPr>
-        <p:spPr/>
-        <p:txBody>
-          <a:bodyPr/>
-          <a:lstStyle/>
-          <a:p>
-            <a:r>
-              <a:rPr lang="en-GB" dirty="0"/>
-              <a:t>Login Process</a:t>
-            </a:r>
-          </a:p>
-        </p:txBody>
-      </p:sp>
-    </p:spTree>
-    <p:extLst>
-      <p:ext uri="{BB962C8B-B14F-4D97-AF65-F5344CB8AC3E}">
-        <p14:creationId xmlns:p14="http://schemas.microsoft.com/office/powerpoint/2010/main" val="3964222311"/>
       </p:ext>
     </p:extLst>
   </p:cSld>
@@ -5039,15 +6130,2357 @@
           <a:p>
             <a:r>
               <a:rPr lang="en-GB" dirty="0"/>
-              <a:t>View Profile</a:t>
+              <a:t>Login / View Profile Process</a:t>
             </a:r>
           </a:p>
         </p:txBody>
       </p:sp>
+      <p:grpSp>
+        <p:nvGrpSpPr>
+          <p:cNvPr id="3" name="Group 2">
+            <a:extLst>
+              <a:ext uri="{FF2B5EF4-FFF2-40B4-BE49-F238E27FC236}">
+                <a16:creationId xmlns:a16="http://schemas.microsoft.com/office/drawing/2014/main" id="{EDD2ADD4-31B9-89FD-4EF0-736222E23D67}"/>
+              </a:ext>
+            </a:extLst>
+          </p:cNvPr>
+          <p:cNvGrpSpPr/>
+          <p:nvPr/>
+        </p:nvGrpSpPr>
+        <p:grpSpPr>
+          <a:xfrm>
+            <a:off x="4410301" y="2011963"/>
+            <a:ext cx="3125260" cy="4503997"/>
+            <a:chOff x="5920740" y="365126"/>
+            <a:chExt cx="4251960" cy="6127750"/>
+          </a:xfrm>
+        </p:grpSpPr>
+        <p:sp>
+          <p:nvSpPr>
+            <p:cNvPr id="4" name="Rectangle 3">
+              <a:extLst>
+                <a:ext uri="{FF2B5EF4-FFF2-40B4-BE49-F238E27FC236}">
+                  <a16:creationId xmlns:a16="http://schemas.microsoft.com/office/drawing/2014/main" id="{548A1C3D-ACA3-F09F-8AAC-362AE8F4E33E}"/>
+                </a:ext>
+              </a:extLst>
+            </p:cNvPr>
+            <p:cNvSpPr/>
+            <p:nvPr/>
+          </p:nvSpPr>
+          <p:spPr>
+            <a:xfrm>
+              <a:off x="5920740" y="365126"/>
+              <a:ext cx="4251960" cy="6127750"/>
+            </a:xfrm>
+            <a:prstGeom prst="rect">
+              <a:avLst/>
+            </a:prstGeom>
+            <a:solidFill>
+              <a:schemeClr val="bg1"/>
+            </a:solidFill>
+            <a:ln>
+              <a:solidFill>
+                <a:schemeClr val="tx1"/>
+              </a:solidFill>
+              <a:prstDash val="lgDash"/>
+            </a:ln>
+          </p:spPr>
+          <p:style>
+            <a:lnRef idx="2">
+              <a:schemeClr val="accent1">
+                <a:shade val="50000"/>
+              </a:schemeClr>
+            </a:lnRef>
+            <a:fillRef idx="1">
+              <a:schemeClr val="accent1"/>
+            </a:fillRef>
+            <a:effectRef idx="0">
+              <a:schemeClr val="accent1"/>
+            </a:effectRef>
+            <a:fontRef idx="minor">
+              <a:schemeClr val="lt1"/>
+            </a:fontRef>
+          </p:style>
+          <p:txBody>
+            <a:bodyPr rtlCol="0" anchor="ctr"/>
+            <a:lstStyle/>
+            <a:p>
+              <a:pPr algn="ctr"/>
+              <a:endParaRPr lang="en-GB" sz="1100" dirty="0">
+                <a:solidFill>
+                  <a:schemeClr val="tx1"/>
+                </a:solidFill>
+              </a:endParaRPr>
+            </a:p>
+          </p:txBody>
+        </p:sp>
+        <p:sp>
+          <p:nvSpPr>
+            <p:cNvPr id="5" name="Rectangle: Rounded Corners 4">
+              <a:extLst>
+                <a:ext uri="{FF2B5EF4-FFF2-40B4-BE49-F238E27FC236}">
+                  <a16:creationId xmlns:a16="http://schemas.microsoft.com/office/drawing/2014/main" id="{F5BC74E0-347F-3098-9686-02793847A643}"/>
+                </a:ext>
+              </a:extLst>
+            </p:cNvPr>
+            <p:cNvSpPr/>
+            <p:nvPr/>
+          </p:nvSpPr>
+          <p:spPr>
+            <a:xfrm>
+              <a:off x="6823092" y="2642427"/>
+              <a:ext cx="2654540" cy="457200"/>
+            </a:xfrm>
+            <a:prstGeom prst="roundRect">
+              <a:avLst/>
+            </a:prstGeom>
+            <a:solidFill>
+              <a:schemeClr val="bg1"/>
+            </a:solidFill>
+            <a:ln>
+              <a:solidFill>
+                <a:schemeClr val="tx1"/>
+              </a:solidFill>
+            </a:ln>
+          </p:spPr>
+          <p:style>
+            <a:lnRef idx="2">
+              <a:schemeClr val="accent1">
+                <a:shade val="50000"/>
+              </a:schemeClr>
+            </a:lnRef>
+            <a:fillRef idx="1">
+              <a:schemeClr val="accent1"/>
+            </a:fillRef>
+            <a:effectRef idx="0">
+              <a:schemeClr val="accent1"/>
+            </a:effectRef>
+            <a:fontRef idx="minor">
+              <a:schemeClr val="lt1"/>
+            </a:fontRef>
+          </p:style>
+          <p:txBody>
+            <a:bodyPr rtlCol="0" anchor="ctr"/>
+            <a:lstStyle/>
+            <a:p>
+              <a:pPr algn="ctr"/>
+              <a:endParaRPr lang="en-GB" sz="1100"/>
+            </a:p>
+          </p:txBody>
+        </p:sp>
+        <p:sp>
+          <p:nvSpPr>
+            <p:cNvPr id="6" name="TextBox 5">
+              <a:extLst>
+                <a:ext uri="{FF2B5EF4-FFF2-40B4-BE49-F238E27FC236}">
+                  <a16:creationId xmlns:a16="http://schemas.microsoft.com/office/drawing/2014/main" id="{D3B210B6-F421-4DCB-C6CC-CC454CA850DE}"/>
+                </a:ext>
+              </a:extLst>
+            </p:cNvPr>
+            <p:cNvSpPr txBox="1"/>
+            <p:nvPr/>
+          </p:nvSpPr>
+          <p:spPr>
+            <a:xfrm>
+              <a:off x="6740610" y="2273096"/>
+              <a:ext cx="728860" cy="355924"/>
+            </a:xfrm>
+            <a:prstGeom prst="rect">
+              <a:avLst/>
+            </a:prstGeom>
+            <a:noFill/>
+          </p:spPr>
+          <p:txBody>
+            <a:bodyPr wrap="none" rtlCol="0">
+              <a:spAutoFit/>
+            </a:bodyPr>
+            <a:lstStyle/>
+            <a:p>
+              <a:r>
+                <a:rPr lang="en-GB" sz="1100" dirty="0"/>
+                <a:t>Email:</a:t>
+              </a:r>
+            </a:p>
+          </p:txBody>
+        </p:sp>
+        <p:sp>
+          <p:nvSpPr>
+            <p:cNvPr id="7" name="Rectangle: Rounded Corners 6">
+              <a:extLst>
+                <a:ext uri="{FF2B5EF4-FFF2-40B4-BE49-F238E27FC236}">
+                  <a16:creationId xmlns:a16="http://schemas.microsoft.com/office/drawing/2014/main" id="{83F28AA6-512E-1A61-EF11-CD90CDDA44B3}"/>
+                </a:ext>
+              </a:extLst>
+            </p:cNvPr>
+            <p:cNvSpPr/>
+            <p:nvPr/>
+          </p:nvSpPr>
+          <p:spPr>
+            <a:xfrm>
+              <a:off x="6823092" y="3537181"/>
+              <a:ext cx="2654540" cy="457200"/>
+            </a:xfrm>
+            <a:prstGeom prst="roundRect">
+              <a:avLst/>
+            </a:prstGeom>
+            <a:solidFill>
+              <a:schemeClr val="bg1"/>
+            </a:solidFill>
+            <a:ln>
+              <a:solidFill>
+                <a:schemeClr val="tx1"/>
+              </a:solidFill>
+            </a:ln>
+          </p:spPr>
+          <p:style>
+            <a:lnRef idx="2">
+              <a:schemeClr val="accent1">
+                <a:shade val="50000"/>
+              </a:schemeClr>
+            </a:lnRef>
+            <a:fillRef idx="1">
+              <a:schemeClr val="accent1"/>
+            </a:fillRef>
+            <a:effectRef idx="0">
+              <a:schemeClr val="accent1"/>
+            </a:effectRef>
+            <a:fontRef idx="minor">
+              <a:schemeClr val="lt1"/>
+            </a:fontRef>
+          </p:style>
+          <p:txBody>
+            <a:bodyPr rtlCol="0" anchor="ctr"/>
+            <a:lstStyle/>
+            <a:p>
+              <a:pPr algn="ctr"/>
+              <a:endParaRPr lang="en-GB" sz="1100"/>
+            </a:p>
+          </p:txBody>
+        </p:sp>
+        <p:sp>
+          <p:nvSpPr>
+            <p:cNvPr id="8" name="TextBox 7">
+              <a:extLst>
+                <a:ext uri="{FF2B5EF4-FFF2-40B4-BE49-F238E27FC236}">
+                  <a16:creationId xmlns:a16="http://schemas.microsoft.com/office/drawing/2014/main" id="{72ABF180-A1EA-2826-D5B6-6EBC22457DF8}"/>
+                </a:ext>
+              </a:extLst>
+            </p:cNvPr>
+            <p:cNvSpPr txBox="1"/>
+            <p:nvPr/>
+          </p:nvSpPr>
+          <p:spPr>
+            <a:xfrm>
+              <a:off x="6740610" y="3167848"/>
+              <a:ext cx="1047273" cy="355924"/>
+            </a:xfrm>
+            <a:prstGeom prst="rect">
+              <a:avLst/>
+            </a:prstGeom>
+            <a:noFill/>
+          </p:spPr>
+          <p:txBody>
+            <a:bodyPr wrap="none" rtlCol="0">
+              <a:spAutoFit/>
+            </a:bodyPr>
+            <a:lstStyle/>
+            <a:p>
+              <a:r>
+                <a:rPr lang="en-GB" sz="1100" dirty="0"/>
+                <a:t>Password:</a:t>
+              </a:r>
+            </a:p>
+          </p:txBody>
+        </p:sp>
+        <p:sp>
+          <p:nvSpPr>
+            <p:cNvPr id="9" name="TextBox 8">
+              <a:extLst>
+                <a:ext uri="{FF2B5EF4-FFF2-40B4-BE49-F238E27FC236}">
+                  <a16:creationId xmlns:a16="http://schemas.microsoft.com/office/drawing/2014/main" id="{DB949BA5-ACB9-3B84-FB08-8FD9BB67AC60}"/>
+                </a:ext>
+              </a:extLst>
+            </p:cNvPr>
+            <p:cNvSpPr txBox="1"/>
+            <p:nvPr/>
+          </p:nvSpPr>
+          <p:spPr>
+            <a:xfrm>
+              <a:off x="6740610" y="1681653"/>
+              <a:ext cx="857533" cy="460607"/>
+            </a:xfrm>
+            <a:prstGeom prst="rect">
+              <a:avLst/>
+            </a:prstGeom>
+            <a:noFill/>
+          </p:spPr>
+          <p:txBody>
+            <a:bodyPr wrap="none" rtlCol="0">
+              <a:spAutoFit/>
+            </a:bodyPr>
+            <a:lstStyle/>
+            <a:p>
+              <a:r>
+                <a:rPr lang="en-GB" sz="1600" dirty="0"/>
+                <a:t>Login</a:t>
+              </a:r>
+            </a:p>
+          </p:txBody>
+        </p:sp>
+        <p:sp>
+          <p:nvSpPr>
+            <p:cNvPr id="10" name="Rectangle: Rounded Corners 9">
+              <a:extLst>
+                <a:ext uri="{FF2B5EF4-FFF2-40B4-BE49-F238E27FC236}">
+                  <a16:creationId xmlns:a16="http://schemas.microsoft.com/office/drawing/2014/main" id="{BB27BA76-B271-E93C-BB82-9C13AA55ACAE}"/>
+                </a:ext>
+              </a:extLst>
+            </p:cNvPr>
+            <p:cNvSpPr/>
+            <p:nvPr/>
+          </p:nvSpPr>
+          <p:spPr>
+            <a:xfrm>
+              <a:off x="6823092" y="4431935"/>
+              <a:ext cx="2654540" cy="457200"/>
+            </a:xfrm>
+            <a:prstGeom prst="roundRect">
+              <a:avLst/>
+            </a:prstGeom>
+            <a:solidFill>
+              <a:schemeClr val="accent1"/>
+            </a:solidFill>
+            <a:ln>
+              <a:solidFill>
+                <a:schemeClr val="tx1"/>
+              </a:solidFill>
+            </a:ln>
+          </p:spPr>
+          <p:style>
+            <a:lnRef idx="2">
+              <a:schemeClr val="accent1">
+                <a:shade val="50000"/>
+              </a:schemeClr>
+            </a:lnRef>
+            <a:fillRef idx="1">
+              <a:schemeClr val="accent1"/>
+            </a:fillRef>
+            <a:effectRef idx="0">
+              <a:schemeClr val="accent1"/>
+            </a:effectRef>
+            <a:fontRef idx="minor">
+              <a:schemeClr val="lt1"/>
+            </a:fontRef>
+          </p:style>
+          <p:txBody>
+            <a:bodyPr rtlCol="0" anchor="ctr"/>
+            <a:lstStyle/>
+            <a:p>
+              <a:pPr algn="ctr"/>
+              <a:r>
+                <a:rPr lang="en-GB" sz="1100" dirty="0">
+                  <a:solidFill>
+                    <a:schemeClr val="bg1"/>
+                  </a:solidFill>
+                </a:rPr>
+                <a:t>Log In</a:t>
+              </a:r>
+            </a:p>
+          </p:txBody>
+        </p:sp>
+      </p:grpSp>
+      <p:grpSp>
+        <p:nvGrpSpPr>
+          <p:cNvPr id="11" name="Group 10">
+            <a:extLst>
+              <a:ext uri="{FF2B5EF4-FFF2-40B4-BE49-F238E27FC236}">
+                <a16:creationId xmlns:a16="http://schemas.microsoft.com/office/drawing/2014/main" id="{FE12B7F8-F368-C83A-07DB-AEF160FABE16}"/>
+              </a:ext>
+            </a:extLst>
+          </p:cNvPr>
+          <p:cNvGrpSpPr/>
+          <p:nvPr/>
+        </p:nvGrpSpPr>
+        <p:grpSpPr>
+          <a:xfrm>
+            <a:off x="838200" y="2011964"/>
+            <a:ext cx="3125261" cy="4503997"/>
+            <a:chOff x="5920739" y="365126"/>
+            <a:chExt cx="4251962" cy="6127750"/>
+          </a:xfrm>
+        </p:grpSpPr>
+        <p:sp>
+          <p:nvSpPr>
+            <p:cNvPr id="12" name="Rectangle 11">
+              <a:extLst>
+                <a:ext uri="{FF2B5EF4-FFF2-40B4-BE49-F238E27FC236}">
+                  <a16:creationId xmlns:a16="http://schemas.microsoft.com/office/drawing/2014/main" id="{202D3DBD-F0CB-1BB0-E931-A68828708194}"/>
+                </a:ext>
+              </a:extLst>
+            </p:cNvPr>
+            <p:cNvSpPr/>
+            <p:nvPr/>
+          </p:nvSpPr>
+          <p:spPr>
+            <a:xfrm>
+              <a:off x="5920740" y="365126"/>
+              <a:ext cx="4251960" cy="6127750"/>
+            </a:xfrm>
+            <a:prstGeom prst="rect">
+              <a:avLst/>
+            </a:prstGeom>
+            <a:solidFill>
+              <a:schemeClr val="bg1"/>
+            </a:solidFill>
+            <a:ln>
+              <a:solidFill>
+                <a:schemeClr val="tx1"/>
+              </a:solidFill>
+              <a:prstDash val="lgDash"/>
+            </a:ln>
+          </p:spPr>
+          <p:style>
+            <a:lnRef idx="2">
+              <a:schemeClr val="accent1">
+                <a:shade val="50000"/>
+              </a:schemeClr>
+            </a:lnRef>
+            <a:fillRef idx="1">
+              <a:schemeClr val="accent1"/>
+            </a:fillRef>
+            <a:effectRef idx="0">
+              <a:schemeClr val="accent1"/>
+            </a:effectRef>
+            <a:fontRef idx="minor">
+              <a:schemeClr val="lt1"/>
+            </a:fontRef>
+          </p:style>
+          <p:txBody>
+            <a:bodyPr rtlCol="0" anchor="ctr"/>
+            <a:lstStyle/>
+            <a:p>
+              <a:pPr algn="ctr"/>
+              <a:endParaRPr lang="en-GB" sz="1100" dirty="0">
+                <a:solidFill>
+                  <a:schemeClr val="tx1"/>
+                </a:solidFill>
+              </a:endParaRPr>
+            </a:p>
+          </p:txBody>
+        </p:sp>
+        <p:sp>
+          <p:nvSpPr>
+            <p:cNvPr id="13" name="Rectangle 12">
+              <a:extLst>
+                <a:ext uri="{FF2B5EF4-FFF2-40B4-BE49-F238E27FC236}">
+                  <a16:creationId xmlns:a16="http://schemas.microsoft.com/office/drawing/2014/main" id="{DC71007F-DC4C-97EA-C935-BCE8ED088471}"/>
+                </a:ext>
+              </a:extLst>
+            </p:cNvPr>
+            <p:cNvSpPr/>
+            <p:nvPr/>
+          </p:nvSpPr>
+          <p:spPr>
+            <a:xfrm>
+              <a:off x="7429500" y="717604"/>
+              <a:ext cx="1234440" cy="727288"/>
+            </a:xfrm>
+            <a:prstGeom prst="rect">
+              <a:avLst/>
+            </a:prstGeom>
+            <a:solidFill>
+              <a:schemeClr val="bg1"/>
+            </a:solidFill>
+            <a:ln>
+              <a:solidFill>
+                <a:schemeClr val="tx1"/>
+              </a:solidFill>
+            </a:ln>
+          </p:spPr>
+          <p:style>
+            <a:lnRef idx="2">
+              <a:schemeClr val="accent1">
+                <a:shade val="50000"/>
+              </a:schemeClr>
+            </a:lnRef>
+            <a:fillRef idx="1">
+              <a:schemeClr val="accent1"/>
+            </a:fillRef>
+            <a:effectRef idx="0">
+              <a:schemeClr val="accent1"/>
+            </a:effectRef>
+            <a:fontRef idx="minor">
+              <a:schemeClr val="lt1"/>
+            </a:fontRef>
+          </p:style>
+          <p:txBody>
+            <a:bodyPr rtlCol="0" anchor="ctr"/>
+            <a:lstStyle/>
+            <a:p>
+              <a:pPr algn="ctr"/>
+              <a:r>
+                <a:rPr lang="en-GB" sz="900" dirty="0">
+                  <a:solidFill>
+                    <a:schemeClr val="tx1"/>
+                  </a:solidFill>
+                </a:rPr>
+                <a:t>Image of App /</a:t>
+              </a:r>
+              <a:br>
+                <a:rPr lang="en-GB" sz="900" dirty="0">
+                  <a:solidFill>
+                    <a:schemeClr val="tx1"/>
+                  </a:solidFill>
+                </a:rPr>
+              </a:br>
+              <a:r>
+                <a:rPr lang="en-GB" sz="900" dirty="0">
+                  <a:solidFill>
+                    <a:schemeClr val="tx1"/>
+                  </a:solidFill>
+                </a:rPr>
+                <a:t>Logo</a:t>
+              </a:r>
+            </a:p>
+          </p:txBody>
+        </p:sp>
+        <p:sp>
+          <p:nvSpPr>
+            <p:cNvPr id="14" name="TextBox 13">
+              <a:extLst>
+                <a:ext uri="{FF2B5EF4-FFF2-40B4-BE49-F238E27FC236}">
+                  <a16:creationId xmlns:a16="http://schemas.microsoft.com/office/drawing/2014/main" id="{D109AF81-B823-8190-E909-BE36CB4D03E2}"/>
+                </a:ext>
+              </a:extLst>
+            </p:cNvPr>
+            <p:cNvSpPr txBox="1"/>
+            <p:nvPr/>
+          </p:nvSpPr>
+          <p:spPr>
+            <a:xfrm>
+              <a:off x="5920739" y="1523048"/>
+              <a:ext cx="4251962" cy="355924"/>
+            </a:xfrm>
+            <a:prstGeom prst="rect">
+              <a:avLst/>
+            </a:prstGeom>
+            <a:noFill/>
+          </p:spPr>
+          <p:txBody>
+            <a:bodyPr wrap="square" rtlCol="0">
+              <a:spAutoFit/>
+            </a:bodyPr>
+            <a:lstStyle/>
+            <a:p>
+              <a:pPr algn="ctr"/>
+              <a:r>
+                <a:rPr lang="en-GB" sz="1100" dirty="0"/>
+                <a:t>A minimal, cross platform pomodoro timer</a:t>
+              </a:r>
+            </a:p>
+          </p:txBody>
+        </p:sp>
+        <p:sp>
+          <p:nvSpPr>
+            <p:cNvPr id="15" name="TextBox 14">
+              <a:extLst>
+                <a:ext uri="{FF2B5EF4-FFF2-40B4-BE49-F238E27FC236}">
+                  <a16:creationId xmlns:a16="http://schemas.microsoft.com/office/drawing/2014/main" id="{6784E2A2-3982-304D-181F-A85AB6487B71}"/>
+                </a:ext>
+              </a:extLst>
+            </p:cNvPr>
+            <p:cNvSpPr txBox="1"/>
+            <p:nvPr/>
+          </p:nvSpPr>
+          <p:spPr>
+            <a:xfrm>
+              <a:off x="5920739" y="3432742"/>
+              <a:ext cx="4251962" cy="355924"/>
+            </a:xfrm>
+            <a:prstGeom prst="rect">
+              <a:avLst/>
+            </a:prstGeom>
+            <a:noFill/>
+          </p:spPr>
+          <p:txBody>
+            <a:bodyPr wrap="square" rtlCol="0">
+              <a:spAutoFit/>
+            </a:bodyPr>
+            <a:lstStyle/>
+            <a:p>
+              <a:pPr algn="ctr"/>
+              <a:r>
+                <a:rPr lang="en-GB" sz="1100" dirty="0"/>
+                <a:t>Why the pomodoro technique</a:t>
+              </a:r>
+            </a:p>
+          </p:txBody>
+        </p:sp>
+        <p:sp>
+          <p:nvSpPr>
+            <p:cNvPr id="16" name="Rectangle 15">
+              <a:extLst>
+                <a:ext uri="{FF2B5EF4-FFF2-40B4-BE49-F238E27FC236}">
+                  <a16:creationId xmlns:a16="http://schemas.microsoft.com/office/drawing/2014/main" id="{5485D8D8-3308-13FC-14DF-4555B4004B21}"/>
+                </a:ext>
+              </a:extLst>
+            </p:cNvPr>
+            <p:cNvSpPr/>
+            <p:nvPr/>
+          </p:nvSpPr>
+          <p:spPr>
+            <a:xfrm>
+              <a:off x="7429500" y="2611343"/>
+              <a:ext cx="1234440" cy="727288"/>
+            </a:xfrm>
+            <a:prstGeom prst="rect">
+              <a:avLst/>
+            </a:prstGeom>
+            <a:solidFill>
+              <a:schemeClr val="bg1"/>
+            </a:solidFill>
+            <a:ln>
+              <a:solidFill>
+                <a:schemeClr val="tx1"/>
+              </a:solidFill>
+            </a:ln>
+          </p:spPr>
+          <p:style>
+            <a:lnRef idx="2">
+              <a:schemeClr val="accent1">
+                <a:shade val="50000"/>
+              </a:schemeClr>
+            </a:lnRef>
+            <a:fillRef idx="1">
+              <a:schemeClr val="accent1"/>
+            </a:fillRef>
+            <a:effectRef idx="0">
+              <a:schemeClr val="accent1"/>
+            </a:effectRef>
+            <a:fontRef idx="minor">
+              <a:schemeClr val="lt1"/>
+            </a:fontRef>
+          </p:style>
+          <p:txBody>
+            <a:bodyPr rtlCol="0" anchor="ctr"/>
+            <a:lstStyle/>
+            <a:p>
+              <a:pPr algn="ctr"/>
+              <a:r>
+                <a:rPr lang="en-GB" sz="900" dirty="0">
+                  <a:solidFill>
+                    <a:schemeClr val="tx1"/>
+                  </a:solidFill>
+                </a:rPr>
+                <a:t>Image to represent pomodoro</a:t>
+              </a:r>
+            </a:p>
+          </p:txBody>
+        </p:sp>
+        <p:sp>
+          <p:nvSpPr>
+            <p:cNvPr id="17" name="Rectangle 16">
+              <a:extLst>
+                <a:ext uri="{FF2B5EF4-FFF2-40B4-BE49-F238E27FC236}">
+                  <a16:creationId xmlns:a16="http://schemas.microsoft.com/office/drawing/2014/main" id="{817614B4-592D-D9D3-58B9-ED20FC6AF819}"/>
+                </a:ext>
+              </a:extLst>
+            </p:cNvPr>
+            <p:cNvSpPr/>
+            <p:nvPr/>
+          </p:nvSpPr>
+          <p:spPr>
+            <a:xfrm>
+              <a:off x="6385557" y="1892380"/>
+              <a:ext cx="3322326" cy="226562"/>
+            </a:xfrm>
+            <a:prstGeom prst="rect">
+              <a:avLst/>
+            </a:prstGeom>
+            <a:solidFill>
+              <a:schemeClr val="bg1">
+                <a:lumMod val="95000"/>
+              </a:schemeClr>
+            </a:solidFill>
+            <a:ln>
+              <a:noFill/>
+            </a:ln>
+          </p:spPr>
+          <p:style>
+            <a:lnRef idx="2">
+              <a:schemeClr val="accent1">
+                <a:shade val="50000"/>
+              </a:schemeClr>
+            </a:lnRef>
+            <a:fillRef idx="1">
+              <a:schemeClr val="accent1"/>
+            </a:fillRef>
+            <a:effectRef idx="0">
+              <a:schemeClr val="accent1"/>
+            </a:effectRef>
+            <a:fontRef idx="minor">
+              <a:schemeClr val="lt1"/>
+            </a:fontRef>
+          </p:style>
+          <p:txBody>
+            <a:bodyPr rtlCol="0" anchor="ctr"/>
+            <a:lstStyle/>
+            <a:p>
+              <a:pPr algn="ctr"/>
+              <a:r>
+                <a:rPr lang="en-GB" sz="800" dirty="0">
+                  <a:solidFill>
+                    <a:schemeClr val="tx1"/>
+                  </a:solidFill>
+                </a:rPr>
+                <a:t>App description</a:t>
+              </a:r>
+            </a:p>
+          </p:txBody>
+        </p:sp>
+        <p:sp>
+          <p:nvSpPr>
+            <p:cNvPr id="18" name="Rectangle 17">
+              <a:extLst>
+                <a:ext uri="{FF2B5EF4-FFF2-40B4-BE49-F238E27FC236}">
+                  <a16:creationId xmlns:a16="http://schemas.microsoft.com/office/drawing/2014/main" id="{DD431044-02BD-61AA-515C-FC7E6284F1F9}"/>
+                </a:ext>
+              </a:extLst>
+            </p:cNvPr>
+            <p:cNvSpPr/>
+            <p:nvPr/>
+          </p:nvSpPr>
+          <p:spPr>
+            <a:xfrm>
+              <a:off x="6385557" y="3836026"/>
+              <a:ext cx="3322326" cy="827414"/>
+            </a:xfrm>
+            <a:prstGeom prst="rect">
+              <a:avLst/>
+            </a:prstGeom>
+            <a:solidFill>
+              <a:schemeClr val="bg1">
+                <a:lumMod val="95000"/>
+              </a:schemeClr>
+            </a:solidFill>
+            <a:ln>
+              <a:noFill/>
+            </a:ln>
+          </p:spPr>
+          <p:style>
+            <a:lnRef idx="2">
+              <a:schemeClr val="accent1">
+                <a:shade val="50000"/>
+              </a:schemeClr>
+            </a:lnRef>
+            <a:fillRef idx="1">
+              <a:schemeClr val="accent1"/>
+            </a:fillRef>
+            <a:effectRef idx="0">
+              <a:schemeClr val="accent1"/>
+            </a:effectRef>
+            <a:fontRef idx="minor">
+              <a:schemeClr val="lt1"/>
+            </a:fontRef>
+          </p:style>
+          <p:txBody>
+            <a:bodyPr rtlCol="0" anchor="ctr"/>
+            <a:lstStyle/>
+            <a:p>
+              <a:pPr algn="ctr"/>
+              <a:r>
+                <a:rPr lang="en-GB" sz="900" dirty="0">
+                  <a:solidFill>
+                    <a:schemeClr val="tx1"/>
+                  </a:solidFill>
+                </a:rPr>
+                <a:t>Describe the technique and its benefits</a:t>
+              </a:r>
+            </a:p>
+          </p:txBody>
+        </p:sp>
+        <p:sp>
+          <p:nvSpPr>
+            <p:cNvPr id="19" name="TextBox 18">
+              <a:extLst>
+                <a:ext uri="{FF2B5EF4-FFF2-40B4-BE49-F238E27FC236}">
+                  <a16:creationId xmlns:a16="http://schemas.microsoft.com/office/drawing/2014/main" id="{7CB29D64-1F32-7182-9FFA-89D91803CBE1}"/>
+                </a:ext>
+              </a:extLst>
+            </p:cNvPr>
+            <p:cNvSpPr txBox="1"/>
+            <p:nvPr/>
+          </p:nvSpPr>
+          <p:spPr>
+            <a:xfrm>
+              <a:off x="5920739" y="4746544"/>
+              <a:ext cx="4251962" cy="355924"/>
+            </a:xfrm>
+            <a:prstGeom prst="rect">
+              <a:avLst/>
+            </a:prstGeom>
+            <a:noFill/>
+          </p:spPr>
+          <p:txBody>
+            <a:bodyPr wrap="square" rtlCol="0">
+              <a:spAutoFit/>
+            </a:bodyPr>
+            <a:lstStyle/>
+            <a:p>
+              <a:pPr algn="ctr"/>
+              <a:r>
+                <a:rPr lang="en-GB" sz="1100" dirty="0"/>
+                <a:t>Get started!</a:t>
+              </a:r>
+            </a:p>
+          </p:txBody>
+        </p:sp>
+        <p:sp>
+          <p:nvSpPr>
+            <p:cNvPr id="20" name="Rectangle 19">
+              <a:extLst>
+                <a:ext uri="{FF2B5EF4-FFF2-40B4-BE49-F238E27FC236}">
+                  <a16:creationId xmlns:a16="http://schemas.microsoft.com/office/drawing/2014/main" id="{7A8FA439-0EB2-092F-5124-A010F6078F8F}"/>
+                </a:ext>
+              </a:extLst>
+            </p:cNvPr>
+            <p:cNvSpPr/>
+            <p:nvPr/>
+          </p:nvSpPr>
+          <p:spPr>
+            <a:xfrm>
+              <a:off x="7071360" y="5677852"/>
+              <a:ext cx="1950720" cy="341852"/>
+            </a:xfrm>
+            <a:prstGeom prst="rect">
+              <a:avLst/>
+            </a:prstGeom>
+          </p:spPr>
+          <p:style>
+            <a:lnRef idx="2">
+              <a:schemeClr val="accent1">
+                <a:shade val="50000"/>
+              </a:schemeClr>
+            </a:lnRef>
+            <a:fillRef idx="1">
+              <a:schemeClr val="accent1"/>
+            </a:fillRef>
+            <a:effectRef idx="0">
+              <a:schemeClr val="accent1"/>
+            </a:effectRef>
+            <a:fontRef idx="minor">
+              <a:schemeClr val="lt1"/>
+            </a:fontRef>
+          </p:style>
+          <p:txBody>
+            <a:bodyPr rtlCol="0" anchor="ctr"/>
+            <a:lstStyle/>
+            <a:p>
+              <a:pPr algn="ctr"/>
+              <a:r>
+                <a:rPr lang="en-GB" sz="1100" dirty="0"/>
+                <a:t>Download</a:t>
+              </a:r>
+            </a:p>
+          </p:txBody>
+        </p:sp>
+        <p:sp>
+          <p:nvSpPr>
+            <p:cNvPr id="21" name="Rectangle 20">
+              <a:extLst>
+                <a:ext uri="{FF2B5EF4-FFF2-40B4-BE49-F238E27FC236}">
+                  <a16:creationId xmlns:a16="http://schemas.microsoft.com/office/drawing/2014/main" id="{1B7855AD-5B11-3FA3-FCE7-E3683C994C46}"/>
+                </a:ext>
+              </a:extLst>
+            </p:cNvPr>
+            <p:cNvSpPr/>
+            <p:nvPr/>
+          </p:nvSpPr>
+          <p:spPr>
+            <a:xfrm>
+              <a:off x="7071360" y="5252316"/>
+              <a:ext cx="1950720" cy="341852"/>
+            </a:xfrm>
+            <a:prstGeom prst="rect">
+              <a:avLst/>
+            </a:prstGeom>
+          </p:spPr>
+          <p:style>
+            <a:lnRef idx="2">
+              <a:schemeClr val="accent1">
+                <a:shade val="50000"/>
+              </a:schemeClr>
+            </a:lnRef>
+            <a:fillRef idx="1">
+              <a:schemeClr val="accent1"/>
+            </a:fillRef>
+            <a:effectRef idx="0">
+              <a:schemeClr val="accent1"/>
+            </a:effectRef>
+            <a:fontRef idx="minor">
+              <a:schemeClr val="lt1"/>
+            </a:fontRef>
+          </p:style>
+          <p:txBody>
+            <a:bodyPr rtlCol="0" anchor="ctr"/>
+            <a:lstStyle/>
+            <a:p>
+              <a:pPr algn="ctr"/>
+              <a:r>
+                <a:rPr lang="en-GB" sz="1100" dirty="0"/>
+                <a:t>Sign up</a:t>
+              </a:r>
+            </a:p>
+          </p:txBody>
+        </p:sp>
+      </p:grpSp>
+      <p:grpSp>
+        <p:nvGrpSpPr>
+          <p:cNvPr id="22" name="Group 21">
+            <a:extLst>
+              <a:ext uri="{FF2B5EF4-FFF2-40B4-BE49-F238E27FC236}">
+                <a16:creationId xmlns:a16="http://schemas.microsoft.com/office/drawing/2014/main" id="{487C6EB3-A583-0E98-1587-E7EDB99A40C2}"/>
+              </a:ext>
+            </a:extLst>
+          </p:cNvPr>
+          <p:cNvGrpSpPr/>
+          <p:nvPr/>
+        </p:nvGrpSpPr>
+        <p:grpSpPr>
+          <a:xfrm>
+            <a:off x="8138179" y="2011963"/>
+            <a:ext cx="3125263" cy="4503997"/>
+            <a:chOff x="5920738" y="365126"/>
+            <a:chExt cx="4251964" cy="6127750"/>
+          </a:xfrm>
+        </p:grpSpPr>
+        <p:sp>
+          <p:nvSpPr>
+            <p:cNvPr id="23" name="Rectangle 22">
+              <a:extLst>
+                <a:ext uri="{FF2B5EF4-FFF2-40B4-BE49-F238E27FC236}">
+                  <a16:creationId xmlns:a16="http://schemas.microsoft.com/office/drawing/2014/main" id="{95B47E64-799B-F66F-2577-6C98D986C13C}"/>
+                </a:ext>
+              </a:extLst>
+            </p:cNvPr>
+            <p:cNvSpPr/>
+            <p:nvPr/>
+          </p:nvSpPr>
+          <p:spPr>
+            <a:xfrm>
+              <a:off x="5920740" y="365126"/>
+              <a:ext cx="4251960" cy="6127750"/>
+            </a:xfrm>
+            <a:prstGeom prst="rect">
+              <a:avLst/>
+            </a:prstGeom>
+            <a:solidFill>
+              <a:schemeClr val="bg1"/>
+            </a:solidFill>
+            <a:ln>
+              <a:solidFill>
+                <a:schemeClr val="tx1"/>
+              </a:solidFill>
+              <a:prstDash val="lgDash"/>
+            </a:ln>
+          </p:spPr>
+          <p:style>
+            <a:lnRef idx="2">
+              <a:schemeClr val="accent1">
+                <a:shade val="50000"/>
+              </a:schemeClr>
+            </a:lnRef>
+            <a:fillRef idx="1">
+              <a:schemeClr val="accent1"/>
+            </a:fillRef>
+            <a:effectRef idx="0">
+              <a:schemeClr val="accent1"/>
+            </a:effectRef>
+            <a:fontRef idx="minor">
+              <a:schemeClr val="lt1"/>
+            </a:fontRef>
+          </p:style>
+          <p:txBody>
+            <a:bodyPr rtlCol="0" anchor="ctr"/>
+            <a:lstStyle/>
+            <a:p>
+              <a:pPr algn="ctr"/>
+              <a:endParaRPr lang="en-GB" sz="1400" dirty="0">
+                <a:solidFill>
+                  <a:schemeClr val="tx1"/>
+                </a:solidFill>
+              </a:endParaRPr>
+            </a:p>
+          </p:txBody>
+        </p:sp>
+        <p:sp>
+          <p:nvSpPr>
+            <p:cNvPr id="24" name="TextBox 23">
+              <a:extLst>
+                <a:ext uri="{FF2B5EF4-FFF2-40B4-BE49-F238E27FC236}">
+                  <a16:creationId xmlns:a16="http://schemas.microsoft.com/office/drawing/2014/main" id="{CA9E5BC6-5DF3-1722-2091-FA2360EB31D1}"/>
+                </a:ext>
+              </a:extLst>
+            </p:cNvPr>
+            <p:cNvSpPr txBox="1"/>
+            <p:nvPr/>
+          </p:nvSpPr>
+          <p:spPr>
+            <a:xfrm>
+              <a:off x="5920739" y="2486876"/>
+              <a:ext cx="4251963" cy="418735"/>
+            </a:xfrm>
+            <a:prstGeom prst="rect">
+              <a:avLst/>
+            </a:prstGeom>
+            <a:noFill/>
+          </p:spPr>
+          <p:txBody>
+            <a:bodyPr wrap="square" rtlCol="0">
+              <a:spAutoFit/>
+            </a:bodyPr>
+            <a:lstStyle/>
+            <a:p>
+              <a:pPr algn="ctr"/>
+              <a:r>
+                <a:rPr lang="en-GB" sz="1400" dirty="0"/>
+                <a:t>Username</a:t>
+              </a:r>
+            </a:p>
+          </p:txBody>
+        </p:sp>
+        <p:sp>
+          <p:nvSpPr>
+            <p:cNvPr id="25" name="TextBox 24">
+              <a:extLst>
+                <a:ext uri="{FF2B5EF4-FFF2-40B4-BE49-F238E27FC236}">
+                  <a16:creationId xmlns:a16="http://schemas.microsoft.com/office/drawing/2014/main" id="{99C6FD38-39DB-2825-69E0-806D384D032F}"/>
+                </a:ext>
+              </a:extLst>
+            </p:cNvPr>
+            <p:cNvSpPr txBox="1"/>
+            <p:nvPr/>
+          </p:nvSpPr>
+          <p:spPr>
+            <a:xfrm>
+              <a:off x="5920739" y="2856208"/>
+              <a:ext cx="4251963" cy="418735"/>
+            </a:xfrm>
+            <a:prstGeom prst="rect">
+              <a:avLst/>
+            </a:prstGeom>
+            <a:noFill/>
+          </p:spPr>
+          <p:txBody>
+            <a:bodyPr wrap="square" rtlCol="0">
+              <a:spAutoFit/>
+            </a:bodyPr>
+            <a:lstStyle/>
+            <a:p>
+              <a:pPr algn="ctr"/>
+              <a:r>
+                <a:rPr lang="en-GB" sz="1400" dirty="0"/>
+                <a:t>Email Address</a:t>
+              </a:r>
+            </a:p>
+          </p:txBody>
+        </p:sp>
+        <p:sp>
+          <p:nvSpPr>
+            <p:cNvPr id="26" name="TextBox 25">
+              <a:extLst>
+                <a:ext uri="{FF2B5EF4-FFF2-40B4-BE49-F238E27FC236}">
+                  <a16:creationId xmlns:a16="http://schemas.microsoft.com/office/drawing/2014/main" id="{340059FF-F1AA-96DC-4335-C10C0878444B}"/>
+                </a:ext>
+              </a:extLst>
+            </p:cNvPr>
+            <p:cNvSpPr txBox="1"/>
+            <p:nvPr/>
+          </p:nvSpPr>
+          <p:spPr>
+            <a:xfrm>
+              <a:off x="5920738" y="3242566"/>
+              <a:ext cx="4251963" cy="418735"/>
+            </a:xfrm>
+            <a:prstGeom prst="rect">
+              <a:avLst/>
+            </a:prstGeom>
+            <a:noFill/>
+          </p:spPr>
+          <p:txBody>
+            <a:bodyPr wrap="square" rtlCol="0">
+              <a:spAutoFit/>
+            </a:bodyPr>
+            <a:lstStyle/>
+            <a:p>
+              <a:pPr algn="ctr"/>
+              <a:r>
+                <a:rPr lang="en-GB" sz="1400" dirty="0"/>
+                <a:t>Total Units</a:t>
+              </a:r>
+            </a:p>
+          </p:txBody>
+        </p:sp>
+        <p:sp>
+          <p:nvSpPr>
+            <p:cNvPr id="27" name="Oval 26">
+              <a:extLst>
+                <a:ext uri="{FF2B5EF4-FFF2-40B4-BE49-F238E27FC236}">
+                  <a16:creationId xmlns:a16="http://schemas.microsoft.com/office/drawing/2014/main" id="{04507E51-49A6-1D47-EA77-AF26CF566893}"/>
+                </a:ext>
+              </a:extLst>
+            </p:cNvPr>
+            <p:cNvSpPr/>
+            <p:nvPr/>
+          </p:nvSpPr>
+          <p:spPr>
+            <a:xfrm>
+              <a:off x="7474600" y="1222513"/>
+              <a:ext cx="1144238" cy="1144238"/>
+            </a:xfrm>
+            <a:prstGeom prst="ellipse">
+              <a:avLst/>
+            </a:prstGeom>
+            <a:solidFill>
+              <a:schemeClr val="bg1"/>
+            </a:solidFill>
+            <a:ln>
+              <a:solidFill>
+                <a:schemeClr val="tx1"/>
+              </a:solidFill>
+            </a:ln>
+          </p:spPr>
+          <p:style>
+            <a:lnRef idx="2">
+              <a:schemeClr val="accent1">
+                <a:shade val="50000"/>
+              </a:schemeClr>
+            </a:lnRef>
+            <a:fillRef idx="1">
+              <a:schemeClr val="accent1"/>
+            </a:fillRef>
+            <a:effectRef idx="0">
+              <a:schemeClr val="accent1"/>
+            </a:effectRef>
+            <a:fontRef idx="minor">
+              <a:schemeClr val="lt1"/>
+            </a:fontRef>
+          </p:style>
+          <p:txBody>
+            <a:bodyPr rtlCol="0" anchor="ctr"/>
+            <a:lstStyle/>
+            <a:p>
+              <a:pPr algn="ctr"/>
+              <a:r>
+                <a:rPr lang="en-GB" sz="1100" dirty="0">
+                  <a:solidFill>
+                    <a:sysClr val="windowText" lastClr="000000"/>
+                  </a:solidFill>
+                </a:rPr>
+                <a:t>Profile Picture</a:t>
+              </a:r>
+            </a:p>
+          </p:txBody>
+        </p:sp>
+        <p:grpSp>
+          <p:nvGrpSpPr>
+            <p:cNvPr id="28" name="Group 27">
+              <a:extLst>
+                <a:ext uri="{FF2B5EF4-FFF2-40B4-BE49-F238E27FC236}">
+                  <a16:creationId xmlns:a16="http://schemas.microsoft.com/office/drawing/2014/main" id="{1A3A594E-4686-31D6-14ED-838CAB4335A4}"/>
+                </a:ext>
+              </a:extLst>
+            </p:cNvPr>
+            <p:cNvGrpSpPr/>
+            <p:nvPr/>
+          </p:nvGrpSpPr>
+          <p:grpSpPr>
+            <a:xfrm>
+              <a:off x="6764705" y="3887730"/>
+              <a:ext cx="2712927" cy="914400"/>
+              <a:chOff x="6764705" y="3269892"/>
+              <a:chExt cx="2712927" cy="914400"/>
+            </a:xfrm>
+          </p:grpSpPr>
+          <p:grpSp>
+            <p:nvGrpSpPr>
+              <p:cNvPr id="29" name="Group 28">
+                <a:extLst>
+                  <a:ext uri="{FF2B5EF4-FFF2-40B4-BE49-F238E27FC236}">
+                    <a16:creationId xmlns:a16="http://schemas.microsoft.com/office/drawing/2014/main" id="{611F95C6-6986-1A3D-5482-35B551FA98A0}"/>
+                  </a:ext>
+                </a:extLst>
+              </p:cNvPr>
+              <p:cNvGrpSpPr/>
+              <p:nvPr/>
+            </p:nvGrpSpPr>
+            <p:grpSpPr>
+              <a:xfrm>
+                <a:off x="6764705" y="3269892"/>
+                <a:ext cx="2564027" cy="914400"/>
+                <a:chOff x="2564027" y="2910016"/>
+                <a:chExt cx="2564027" cy="914400"/>
+              </a:xfrm>
+            </p:grpSpPr>
+            <p:cxnSp>
+              <p:nvCxnSpPr>
+                <p:cNvPr id="32" name="Straight Connector 31">
+                  <a:extLst>
+                    <a:ext uri="{FF2B5EF4-FFF2-40B4-BE49-F238E27FC236}">
+                      <a16:creationId xmlns:a16="http://schemas.microsoft.com/office/drawing/2014/main" id="{2A526728-BF47-5742-BA95-1059F0141567}"/>
+                    </a:ext>
+                  </a:extLst>
+                </p:cNvPr>
+                <p:cNvCxnSpPr>
+                  <a:cxnSpLocks/>
+                </p:cNvCxnSpPr>
+                <p:nvPr/>
+              </p:nvCxnSpPr>
+              <p:spPr>
+                <a:xfrm>
+                  <a:off x="2564027" y="2910016"/>
+                  <a:ext cx="0" cy="914400"/>
+                </a:xfrm>
+                <a:prstGeom prst="line">
+                  <a:avLst/>
+                </a:prstGeom>
+                <a:ln w="19050">
+                  <a:solidFill>
+                    <a:schemeClr val="tx1"/>
+                  </a:solidFill>
+                </a:ln>
+              </p:spPr>
+              <p:style>
+                <a:lnRef idx="1">
+                  <a:schemeClr val="accent1"/>
+                </a:lnRef>
+                <a:fillRef idx="0">
+                  <a:schemeClr val="accent1"/>
+                </a:fillRef>
+                <a:effectRef idx="0">
+                  <a:schemeClr val="accent1"/>
+                </a:effectRef>
+                <a:fontRef idx="minor">
+                  <a:schemeClr val="tx1"/>
+                </a:fontRef>
+              </p:style>
+            </p:cxnSp>
+            <p:cxnSp>
+              <p:nvCxnSpPr>
+                <p:cNvPr id="33" name="Straight Connector 32">
+                  <a:extLst>
+                    <a:ext uri="{FF2B5EF4-FFF2-40B4-BE49-F238E27FC236}">
+                      <a16:creationId xmlns:a16="http://schemas.microsoft.com/office/drawing/2014/main" id="{49D996E0-CD86-F572-CB75-491E95F612CE}"/>
+                    </a:ext>
+                  </a:extLst>
+                </p:cNvPr>
+                <p:cNvCxnSpPr>
+                  <a:cxnSpLocks/>
+                </p:cNvCxnSpPr>
+                <p:nvPr/>
+              </p:nvCxnSpPr>
+              <p:spPr>
+                <a:xfrm flipH="1">
+                  <a:off x="2564027" y="3824416"/>
+                  <a:ext cx="2564027" cy="0"/>
+                </a:xfrm>
+                <a:prstGeom prst="line">
+                  <a:avLst/>
+                </a:prstGeom>
+                <a:ln w="19050">
+                  <a:solidFill>
+                    <a:schemeClr val="tx1"/>
+                  </a:solidFill>
+                </a:ln>
+              </p:spPr>
+              <p:style>
+                <a:lnRef idx="1">
+                  <a:schemeClr val="accent1"/>
+                </a:lnRef>
+                <a:fillRef idx="0">
+                  <a:schemeClr val="accent1"/>
+                </a:fillRef>
+                <a:effectRef idx="0">
+                  <a:schemeClr val="accent1"/>
+                </a:effectRef>
+                <a:fontRef idx="minor">
+                  <a:schemeClr val="tx1"/>
+                </a:fontRef>
+              </p:style>
+            </p:cxnSp>
+          </p:grpSp>
+          <p:sp>
+            <p:nvSpPr>
+              <p:cNvPr id="30" name="Freeform: Shape 29">
+                <a:extLst>
+                  <a:ext uri="{FF2B5EF4-FFF2-40B4-BE49-F238E27FC236}">
+                    <a16:creationId xmlns:a16="http://schemas.microsoft.com/office/drawing/2014/main" id="{57D51458-6BF4-5644-C8F9-6C017D22E1F7}"/>
+                  </a:ext>
+                </a:extLst>
+              </p:cNvPr>
+              <p:cNvSpPr/>
+              <p:nvPr/>
+            </p:nvSpPr>
+            <p:spPr>
+              <a:xfrm>
+                <a:off x="6765324" y="3379573"/>
+                <a:ext cx="2712308" cy="606126"/>
+              </a:xfrm>
+              <a:custGeom>
+                <a:avLst/>
+                <a:gdLst>
+                  <a:gd name="connsiteX0" fmla="*/ 0 w 2712308"/>
+                  <a:gd name="connsiteY0" fmla="*/ 240957 h 606126"/>
+                  <a:gd name="connsiteX1" fmla="*/ 444844 w 2712308"/>
+                  <a:gd name="connsiteY1" fmla="*/ 24713 h 606126"/>
+                  <a:gd name="connsiteX2" fmla="*/ 1149179 w 2712308"/>
+                  <a:gd name="connsiteY2" fmla="*/ 370703 h 606126"/>
+                  <a:gd name="connsiteX3" fmla="*/ 1513703 w 2712308"/>
+                  <a:gd name="connsiteY3" fmla="*/ 315097 h 606126"/>
+                  <a:gd name="connsiteX4" fmla="*/ 2125362 w 2712308"/>
+                  <a:gd name="connsiteY4" fmla="*/ 605481 h 606126"/>
+                  <a:gd name="connsiteX5" fmla="*/ 2570206 w 2712308"/>
+                  <a:gd name="connsiteY5" fmla="*/ 222422 h 606126"/>
+                  <a:gd name="connsiteX6" fmla="*/ 2712308 w 2712308"/>
+                  <a:gd name="connsiteY6" fmla="*/ 0 h 606126"/>
+                </a:gdLst>
+                <a:ahLst/>
+                <a:cxnLst>
+                  <a:cxn ang="0">
+                    <a:pos x="connsiteX0" y="connsiteY0"/>
+                  </a:cxn>
+                  <a:cxn ang="0">
+                    <a:pos x="connsiteX1" y="connsiteY1"/>
+                  </a:cxn>
+                  <a:cxn ang="0">
+                    <a:pos x="connsiteX2" y="connsiteY2"/>
+                  </a:cxn>
+                  <a:cxn ang="0">
+                    <a:pos x="connsiteX3" y="connsiteY3"/>
+                  </a:cxn>
+                  <a:cxn ang="0">
+                    <a:pos x="connsiteX4" y="connsiteY4"/>
+                  </a:cxn>
+                  <a:cxn ang="0">
+                    <a:pos x="connsiteX5" y="connsiteY5"/>
+                  </a:cxn>
+                  <a:cxn ang="0">
+                    <a:pos x="connsiteX6" y="connsiteY6"/>
+                  </a:cxn>
+                </a:cxnLst>
+                <a:rect l="l" t="t" r="r" b="b"/>
+                <a:pathLst>
+                  <a:path w="2712308" h="606126">
+                    <a:moveTo>
+                      <a:pt x="0" y="240957"/>
+                    </a:moveTo>
+                    <a:cubicBezTo>
+                      <a:pt x="126657" y="122023"/>
+                      <a:pt x="253314" y="3089"/>
+                      <a:pt x="444844" y="24713"/>
+                    </a:cubicBezTo>
+                    <a:cubicBezTo>
+                      <a:pt x="636374" y="46337"/>
+                      <a:pt x="971036" y="322306"/>
+                      <a:pt x="1149179" y="370703"/>
+                    </a:cubicBezTo>
+                    <a:cubicBezTo>
+                      <a:pt x="1327322" y="419100"/>
+                      <a:pt x="1351006" y="275967"/>
+                      <a:pt x="1513703" y="315097"/>
+                    </a:cubicBezTo>
+                    <a:cubicBezTo>
+                      <a:pt x="1676400" y="354227"/>
+                      <a:pt x="1949278" y="620927"/>
+                      <a:pt x="2125362" y="605481"/>
+                    </a:cubicBezTo>
+                    <a:cubicBezTo>
+                      <a:pt x="2301446" y="590035"/>
+                      <a:pt x="2472382" y="323335"/>
+                      <a:pt x="2570206" y="222422"/>
+                    </a:cubicBezTo>
+                    <a:cubicBezTo>
+                      <a:pt x="2668030" y="121509"/>
+                      <a:pt x="2525927" y="64873"/>
+                      <a:pt x="2712308" y="0"/>
+                    </a:cubicBezTo>
+                  </a:path>
+                </a:pathLst>
+              </a:custGeom>
+              <a:ln w="9525">
+                <a:solidFill>
+                  <a:schemeClr val="tx1">
+                    <a:lumMod val="65000"/>
+                    <a:lumOff val="35000"/>
+                  </a:schemeClr>
+                </a:solidFill>
+              </a:ln>
+            </p:spPr>
+            <p:style>
+              <a:lnRef idx="1">
+                <a:schemeClr val="dk1"/>
+              </a:lnRef>
+              <a:fillRef idx="0">
+                <a:schemeClr val="dk1"/>
+              </a:fillRef>
+              <a:effectRef idx="0">
+                <a:schemeClr val="dk1"/>
+              </a:effectRef>
+              <a:fontRef idx="minor">
+                <a:schemeClr val="tx1"/>
+              </a:fontRef>
+            </p:style>
+            <p:txBody>
+              <a:bodyPr rtlCol="0" anchor="ctr"/>
+              <a:lstStyle/>
+              <a:p>
+                <a:pPr algn="ctr"/>
+                <a:endParaRPr lang="en-GB" sz="1400"/>
+              </a:p>
+            </p:txBody>
+          </p:sp>
+          <p:sp>
+            <p:nvSpPr>
+              <p:cNvPr id="31" name="Freeform: Shape 30">
+                <a:extLst>
+                  <a:ext uri="{FF2B5EF4-FFF2-40B4-BE49-F238E27FC236}">
+                    <a16:creationId xmlns:a16="http://schemas.microsoft.com/office/drawing/2014/main" id="{1DA795C2-E73D-ACE9-2B4B-42E8ED20383C}"/>
+                  </a:ext>
+                </a:extLst>
+              </p:cNvPr>
+              <p:cNvSpPr/>
+              <p:nvPr/>
+            </p:nvSpPr>
+            <p:spPr>
+              <a:xfrm>
+                <a:off x="6765324" y="3288108"/>
+                <a:ext cx="2551671" cy="816185"/>
+              </a:xfrm>
+              <a:custGeom>
+                <a:avLst/>
+                <a:gdLst>
+                  <a:gd name="connsiteX0" fmla="*/ 0 w 2551671"/>
+                  <a:gd name="connsiteY0" fmla="*/ 530130 h 816185"/>
+                  <a:gd name="connsiteX1" fmla="*/ 413952 w 2551671"/>
+                  <a:gd name="connsiteY1" fmla="*/ 4968 h 816185"/>
+                  <a:gd name="connsiteX2" fmla="*/ 1241854 w 2551671"/>
+                  <a:gd name="connsiteY2" fmla="*/ 808157 h 816185"/>
+                  <a:gd name="connsiteX3" fmla="*/ 2057400 w 2551671"/>
+                  <a:gd name="connsiteY3" fmla="*/ 431276 h 816185"/>
+                  <a:gd name="connsiteX4" fmla="*/ 2551671 w 2551671"/>
+                  <a:gd name="connsiteY4" fmla="*/ 659876 h 816185"/>
+                </a:gdLst>
+                <a:ahLst/>
+                <a:cxnLst>
+                  <a:cxn ang="0">
+                    <a:pos x="connsiteX0" y="connsiteY0"/>
+                  </a:cxn>
+                  <a:cxn ang="0">
+                    <a:pos x="connsiteX1" y="connsiteY1"/>
+                  </a:cxn>
+                  <a:cxn ang="0">
+                    <a:pos x="connsiteX2" y="connsiteY2"/>
+                  </a:cxn>
+                  <a:cxn ang="0">
+                    <a:pos x="connsiteX3" y="connsiteY3"/>
+                  </a:cxn>
+                  <a:cxn ang="0">
+                    <a:pos x="connsiteX4" y="connsiteY4"/>
+                  </a:cxn>
+                </a:cxnLst>
+                <a:rect l="l" t="t" r="r" b="b"/>
+                <a:pathLst>
+                  <a:path w="2551671" h="816185">
+                    <a:moveTo>
+                      <a:pt x="0" y="530130"/>
+                    </a:moveTo>
+                    <a:cubicBezTo>
+                      <a:pt x="103488" y="244380"/>
+                      <a:pt x="206976" y="-41370"/>
+                      <a:pt x="413952" y="4968"/>
+                    </a:cubicBezTo>
+                    <a:cubicBezTo>
+                      <a:pt x="620928" y="51306"/>
+                      <a:pt x="967946" y="737106"/>
+                      <a:pt x="1241854" y="808157"/>
+                    </a:cubicBezTo>
+                    <a:cubicBezTo>
+                      <a:pt x="1515762" y="879208"/>
+                      <a:pt x="1839097" y="455989"/>
+                      <a:pt x="2057400" y="431276"/>
+                    </a:cubicBezTo>
+                    <a:cubicBezTo>
+                      <a:pt x="2275703" y="406562"/>
+                      <a:pt x="2413687" y="533219"/>
+                      <a:pt x="2551671" y="659876"/>
+                    </a:cubicBezTo>
+                  </a:path>
+                </a:pathLst>
+              </a:custGeom>
+              <a:noFill/>
+              <a:ln w="19050">
+                <a:solidFill>
+                  <a:schemeClr val="tx1"/>
+                </a:solidFill>
+              </a:ln>
+            </p:spPr>
+            <p:style>
+              <a:lnRef idx="2">
+                <a:schemeClr val="accent1">
+                  <a:shade val="50000"/>
+                </a:schemeClr>
+              </a:lnRef>
+              <a:fillRef idx="1">
+                <a:schemeClr val="accent1"/>
+              </a:fillRef>
+              <a:effectRef idx="0">
+                <a:schemeClr val="accent1"/>
+              </a:effectRef>
+              <a:fontRef idx="minor">
+                <a:schemeClr val="lt1"/>
+              </a:fontRef>
+            </p:style>
+            <p:txBody>
+              <a:bodyPr rtlCol="0" anchor="ctr"/>
+              <a:lstStyle/>
+              <a:p>
+                <a:pPr algn="ctr"/>
+                <a:endParaRPr lang="en-GB" sz="1400"/>
+              </a:p>
+            </p:txBody>
+          </p:sp>
+        </p:grpSp>
+      </p:grpSp>
+      <p:grpSp>
+        <p:nvGrpSpPr>
+          <p:cNvPr id="34" name="Group 33">
+            <a:extLst>
+              <a:ext uri="{FF2B5EF4-FFF2-40B4-BE49-F238E27FC236}">
+                <a16:creationId xmlns:a16="http://schemas.microsoft.com/office/drawing/2014/main" id="{6E6D7841-662E-7649-6C24-C3A880F78286}"/>
+              </a:ext>
+            </a:extLst>
+          </p:cNvPr>
+          <p:cNvGrpSpPr/>
+          <p:nvPr/>
+        </p:nvGrpSpPr>
+        <p:grpSpPr>
+          <a:xfrm>
+            <a:off x="838201" y="1839170"/>
+            <a:ext cx="3125260" cy="203545"/>
+            <a:chOff x="4064860" y="1000495"/>
+            <a:chExt cx="6824120" cy="444451"/>
+          </a:xfrm>
+        </p:grpSpPr>
+        <p:sp>
+          <p:nvSpPr>
+            <p:cNvPr id="35" name="Rectangle 34">
+              <a:extLst>
+                <a:ext uri="{FF2B5EF4-FFF2-40B4-BE49-F238E27FC236}">
+                  <a16:creationId xmlns:a16="http://schemas.microsoft.com/office/drawing/2014/main" id="{AE3F459D-4592-D407-5F18-1F7A85F838FB}"/>
+                </a:ext>
+              </a:extLst>
+            </p:cNvPr>
+            <p:cNvSpPr/>
+            <p:nvPr/>
+          </p:nvSpPr>
+          <p:spPr>
+            <a:xfrm>
+              <a:off x="4064860" y="1000495"/>
+              <a:ext cx="6824120" cy="390464"/>
+            </a:xfrm>
+            <a:prstGeom prst="rect">
+              <a:avLst/>
+            </a:prstGeom>
+            <a:solidFill>
+              <a:schemeClr val="bg1"/>
+            </a:solidFill>
+            <a:ln>
+              <a:solidFill>
+                <a:schemeClr val="tx1"/>
+              </a:solidFill>
+            </a:ln>
+          </p:spPr>
+          <p:style>
+            <a:lnRef idx="2">
+              <a:schemeClr val="accent1">
+                <a:shade val="50000"/>
+              </a:schemeClr>
+            </a:lnRef>
+            <a:fillRef idx="1">
+              <a:schemeClr val="accent1"/>
+            </a:fillRef>
+            <a:effectRef idx="0">
+              <a:schemeClr val="accent1"/>
+            </a:effectRef>
+            <a:fontRef idx="minor">
+              <a:schemeClr val="lt1"/>
+            </a:fontRef>
+          </p:style>
+          <p:txBody>
+            <a:bodyPr rtlCol="0" anchor="ctr"/>
+            <a:lstStyle/>
+            <a:p>
+              <a:r>
+                <a:rPr lang="en-GB" sz="700" dirty="0">
+                  <a:solidFill>
+                    <a:schemeClr val="tx1"/>
+                  </a:solidFill>
+                </a:rPr>
+                <a:t>Quark</a:t>
+              </a:r>
+            </a:p>
+          </p:txBody>
+        </p:sp>
+        <p:sp>
+          <p:nvSpPr>
+            <p:cNvPr id="36" name="TextBox 35">
+              <a:extLst>
+                <a:ext uri="{FF2B5EF4-FFF2-40B4-BE49-F238E27FC236}">
+                  <a16:creationId xmlns:a16="http://schemas.microsoft.com/office/drawing/2014/main" id="{67170FAB-547D-993A-D73F-4E081A62416F}"/>
+                </a:ext>
+              </a:extLst>
+            </p:cNvPr>
+            <p:cNvSpPr txBox="1"/>
+            <p:nvPr/>
+          </p:nvSpPr>
+          <p:spPr>
+            <a:xfrm>
+              <a:off x="6441284" y="1008116"/>
+              <a:ext cx="886254" cy="436830"/>
+            </a:xfrm>
+            <a:prstGeom prst="rect">
+              <a:avLst/>
+            </a:prstGeom>
+            <a:noFill/>
+          </p:spPr>
+          <p:txBody>
+            <a:bodyPr wrap="none" rtlCol="0">
+              <a:spAutoFit/>
+            </a:bodyPr>
+            <a:lstStyle/>
+            <a:p>
+              <a:r>
+                <a:rPr lang="en-GB" sz="700" dirty="0"/>
+                <a:t>Home</a:t>
+              </a:r>
+            </a:p>
+          </p:txBody>
+        </p:sp>
+        <p:sp>
+          <p:nvSpPr>
+            <p:cNvPr id="37" name="TextBox 36">
+              <a:extLst>
+                <a:ext uri="{FF2B5EF4-FFF2-40B4-BE49-F238E27FC236}">
+                  <a16:creationId xmlns:a16="http://schemas.microsoft.com/office/drawing/2014/main" id="{07969838-0C83-1689-43DD-142D9B0C9CC6}"/>
+                </a:ext>
+              </a:extLst>
+            </p:cNvPr>
+            <p:cNvSpPr txBox="1"/>
+            <p:nvPr/>
+          </p:nvSpPr>
+          <p:spPr>
+            <a:xfrm>
+              <a:off x="7271864" y="1008116"/>
+              <a:ext cx="1421788" cy="436830"/>
+            </a:xfrm>
+            <a:prstGeom prst="rect">
+              <a:avLst/>
+            </a:prstGeom>
+            <a:noFill/>
+          </p:spPr>
+          <p:txBody>
+            <a:bodyPr wrap="none" rtlCol="0">
+              <a:spAutoFit/>
+            </a:bodyPr>
+            <a:lstStyle/>
+            <a:p>
+              <a:r>
+                <a:rPr lang="en-GB" sz="700" dirty="0"/>
+                <a:t>Leaderboard</a:t>
+              </a:r>
+            </a:p>
+          </p:txBody>
+        </p:sp>
+        <p:sp>
+          <p:nvSpPr>
+            <p:cNvPr id="38" name="TextBox 37">
+              <a:extLst>
+                <a:ext uri="{FF2B5EF4-FFF2-40B4-BE49-F238E27FC236}">
+                  <a16:creationId xmlns:a16="http://schemas.microsoft.com/office/drawing/2014/main" id="{7957256B-72EA-F1C0-D292-8D91A5A04709}"/>
+                </a:ext>
+              </a:extLst>
+            </p:cNvPr>
+            <p:cNvSpPr txBox="1"/>
+            <p:nvPr/>
+          </p:nvSpPr>
+          <p:spPr>
+            <a:xfrm>
+              <a:off x="8730884" y="1008116"/>
+              <a:ext cx="830251" cy="436830"/>
+            </a:xfrm>
+            <a:prstGeom prst="rect">
+              <a:avLst/>
+            </a:prstGeom>
+            <a:noFill/>
+          </p:spPr>
+          <p:txBody>
+            <a:bodyPr wrap="none" rtlCol="0">
+              <a:spAutoFit/>
+            </a:bodyPr>
+            <a:lstStyle/>
+            <a:p>
+              <a:r>
+                <a:rPr lang="en-GB" sz="700" dirty="0"/>
+                <a:t>Login</a:t>
+              </a:r>
+            </a:p>
+          </p:txBody>
+        </p:sp>
+        <p:sp>
+          <p:nvSpPr>
+            <p:cNvPr id="39" name="Rectangle 38">
+              <a:extLst>
+                <a:ext uri="{FF2B5EF4-FFF2-40B4-BE49-F238E27FC236}">
+                  <a16:creationId xmlns:a16="http://schemas.microsoft.com/office/drawing/2014/main" id="{2EDF4480-0F87-1583-EE23-B53EEED1E552}"/>
+                </a:ext>
+              </a:extLst>
+            </p:cNvPr>
+            <p:cNvSpPr/>
+            <p:nvPr/>
+          </p:nvSpPr>
+          <p:spPr>
+            <a:xfrm>
+              <a:off x="9597252" y="1037068"/>
+              <a:ext cx="1249754" cy="325385"/>
+            </a:xfrm>
+            <a:prstGeom prst="rect">
+              <a:avLst/>
+            </a:prstGeom>
+            <a:solidFill>
+              <a:schemeClr val="accent1"/>
+            </a:solidFill>
+            <a:ln>
+              <a:noFill/>
+            </a:ln>
+          </p:spPr>
+          <p:style>
+            <a:lnRef idx="2">
+              <a:schemeClr val="accent1">
+                <a:shade val="50000"/>
+              </a:schemeClr>
+            </a:lnRef>
+            <a:fillRef idx="1">
+              <a:schemeClr val="accent1"/>
+            </a:fillRef>
+            <a:effectRef idx="0">
+              <a:schemeClr val="accent1"/>
+            </a:effectRef>
+            <a:fontRef idx="minor">
+              <a:schemeClr val="lt1"/>
+            </a:fontRef>
+          </p:style>
+          <p:txBody>
+            <a:bodyPr rtlCol="0" anchor="ctr"/>
+            <a:lstStyle/>
+            <a:p>
+              <a:pPr algn="ctr"/>
+              <a:r>
+                <a:rPr lang="en-GB" sz="700" dirty="0">
+                  <a:solidFill>
+                    <a:schemeClr val="bg1"/>
+                  </a:solidFill>
+                </a:rPr>
+                <a:t>Download</a:t>
+              </a:r>
+            </a:p>
+          </p:txBody>
+        </p:sp>
+      </p:grpSp>
+      <p:cxnSp>
+        <p:nvCxnSpPr>
+          <p:cNvPr id="43" name="Straight Arrow Connector 42">
+            <a:extLst>
+              <a:ext uri="{FF2B5EF4-FFF2-40B4-BE49-F238E27FC236}">
+                <a16:creationId xmlns:a16="http://schemas.microsoft.com/office/drawing/2014/main" id="{91B7668C-A553-7DF2-91B6-A962BBFF3DE6}"/>
+              </a:ext>
+            </a:extLst>
+          </p:cNvPr>
+          <p:cNvCxnSpPr>
+            <a:cxnSpLocks/>
+            <a:stCxn id="38" idx="2"/>
+          </p:cNvCxnSpPr>
+          <p:nvPr/>
+        </p:nvCxnSpPr>
+        <p:spPr>
+          <a:xfrm>
+            <a:off x="3165228" y="2042715"/>
+            <a:ext cx="1245073" cy="1371637"/>
+          </a:xfrm>
+          <a:prstGeom prst="straightConnector1">
+            <a:avLst/>
+          </a:prstGeom>
+          <a:ln w="57150">
+            <a:solidFill>
+              <a:srgbClr val="FF0000"/>
+            </a:solidFill>
+            <a:tailEnd type="triangle"/>
+          </a:ln>
+        </p:spPr>
+        <p:style>
+          <a:lnRef idx="1">
+            <a:schemeClr val="accent1"/>
+          </a:lnRef>
+          <a:fillRef idx="0">
+            <a:schemeClr val="accent1"/>
+          </a:fillRef>
+          <a:effectRef idx="0">
+            <a:schemeClr val="accent1"/>
+          </a:effectRef>
+          <a:fontRef idx="minor">
+            <a:schemeClr val="tx1"/>
+          </a:fontRef>
+        </p:style>
+      </p:cxnSp>
+      <p:cxnSp>
+        <p:nvCxnSpPr>
+          <p:cNvPr id="47" name="Straight Arrow Connector 46">
+            <a:extLst>
+              <a:ext uri="{FF2B5EF4-FFF2-40B4-BE49-F238E27FC236}">
+                <a16:creationId xmlns:a16="http://schemas.microsoft.com/office/drawing/2014/main" id="{85FF0902-ED33-BF81-0CC1-49062DC22D08}"/>
+              </a:ext>
+            </a:extLst>
+          </p:cNvPr>
+          <p:cNvCxnSpPr>
+            <a:cxnSpLocks/>
+            <a:stCxn id="10" idx="3"/>
+            <a:endCxn id="26" idx="1"/>
+          </p:cNvCxnSpPr>
+          <p:nvPr/>
+        </p:nvCxnSpPr>
+        <p:spPr>
+          <a:xfrm flipV="1">
+            <a:off x="7024674" y="4280818"/>
+            <a:ext cx="1113505" cy="888341"/>
+          </a:xfrm>
+          <a:prstGeom prst="straightConnector1">
+            <a:avLst/>
+          </a:prstGeom>
+          <a:ln w="57150">
+            <a:solidFill>
+              <a:srgbClr val="FF0000"/>
+            </a:solidFill>
+            <a:tailEnd type="triangle"/>
+          </a:ln>
+        </p:spPr>
+        <p:style>
+          <a:lnRef idx="1">
+            <a:schemeClr val="accent1"/>
+          </a:lnRef>
+          <a:fillRef idx="0">
+            <a:schemeClr val="accent1"/>
+          </a:fillRef>
+          <a:effectRef idx="0">
+            <a:schemeClr val="accent1"/>
+          </a:effectRef>
+          <a:fontRef idx="minor">
+            <a:schemeClr val="tx1"/>
+          </a:fontRef>
+        </p:style>
+      </p:cxnSp>
+      <p:grpSp>
+        <p:nvGrpSpPr>
+          <p:cNvPr id="51" name="Group 50">
+            <a:extLst>
+              <a:ext uri="{FF2B5EF4-FFF2-40B4-BE49-F238E27FC236}">
+                <a16:creationId xmlns:a16="http://schemas.microsoft.com/office/drawing/2014/main" id="{9842DFA3-6AD2-4CEC-2AF6-8D1B3A02F511}"/>
+              </a:ext>
+            </a:extLst>
+          </p:cNvPr>
+          <p:cNvGrpSpPr/>
+          <p:nvPr/>
+        </p:nvGrpSpPr>
+        <p:grpSpPr>
+          <a:xfrm>
+            <a:off x="4410301" y="1847866"/>
+            <a:ext cx="3125260" cy="203545"/>
+            <a:chOff x="4064860" y="1000495"/>
+            <a:chExt cx="6824120" cy="444451"/>
+          </a:xfrm>
+        </p:grpSpPr>
+        <p:sp>
+          <p:nvSpPr>
+            <p:cNvPr id="52" name="Rectangle 51">
+              <a:extLst>
+                <a:ext uri="{FF2B5EF4-FFF2-40B4-BE49-F238E27FC236}">
+                  <a16:creationId xmlns:a16="http://schemas.microsoft.com/office/drawing/2014/main" id="{F036110D-0546-997F-9836-9258697E160F}"/>
+                </a:ext>
+              </a:extLst>
+            </p:cNvPr>
+            <p:cNvSpPr/>
+            <p:nvPr/>
+          </p:nvSpPr>
+          <p:spPr>
+            <a:xfrm>
+              <a:off x="4064860" y="1000495"/>
+              <a:ext cx="6824120" cy="390464"/>
+            </a:xfrm>
+            <a:prstGeom prst="rect">
+              <a:avLst/>
+            </a:prstGeom>
+            <a:solidFill>
+              <a:schemeClr val="bg1"/>
+            </a:solidFill>
+            <a:ln>
+              <a:solidFill>
+                <a:schemeClr val="tx1"/>
+              </a:solidFill>
+            </a:ln>
+          </p:spPr>
+          <p:style>
+            <a:lnRef idx="2">
+              <a:schemeClr val="accent1">
+                <a:shade val="50000"/>
+              </a:schemeClr>
+            </a:lnRef>
+            <a:fillRef idx="1">
+              <a:schemeClr val="accent1"/>
+            </a:fillRef>
+            <a:effectRef idx="0">
+              <a:schemeClr val="accent1"/>
+            </a:effectRef>
+            <a:fontRef idx="minor">
+              <a:schemeClr val="lt1"/>
+            </a:fontRef>
+          </p:style>
+          <p:txBody>
+            <a:bodyPr rtlCol="0" anchor="ctr"/>
+            <a:lstStyle/>
+            <a:p>
+              <a:r>
+                <a:rPr lang="en-GB" sz="700" dirty="0">
+                  <a:solidFill>
+                    <a:schemeClr val="tx1"/>
+                  </a:solidFill>
+                </a:rPr>
+                <a:t>Quark</a:t>
+              </a:r>
+            </a:p>
+          </p:txBody>
+        </p:sp>
+        <p:sp>
+          <p:nvSpPr>
+            <p:cNvPr id="53" name="TextBox 52">
+              <a:extLst>
+                <a:ext uri="{FF2B5EF4-FFF2-40B4-BE49-F238E27FC236}">
+                  <a16:creationId xmlns:a16="http://schemas.microsoft.com/office/drawing/2014/main" id="{B3718EAD-A5BC-171E-C8FF-F92BA884501F}"/>
+                </a:ext>
+              </a:extLst>
+            </p:cNvPr>
+            <p:cNvSpPr txBox="1"/>
+            <p:nvPr/>
+          </p:nvSpPr>
+          <p:spPr>
+            <a:xfrm>
+              <a:off x="6441284" y="1008116"/>
+              <a:ext cx="886254" cy="436830"/>
+            </a:xfrm>
+            <a:prstGeom prst="rect">
+              <a:avLst/>
+            </a:prstGeom>
+            <a:noFill/>
+          </p:spPr>
+          <p:txBody>
+            <a:bodyPr wrap="none" rtlCol="0">
+              <a:spAutoFit/>
+            </a:bodyPr>
+            <a:lstStyle/>
+            <a:p>
+              <a:r>
+                <a:rPr lang="en-GB" sz="700" dirty="0"/>
+                <a:t>Home</a:t>
+              </a:r>
+            </a:p>
+          </p:txBody>
+        </p:sp>
+        <p:sp>
+          <p:nvSpPr>
+            <p:cNvPr id="54" name="TextBox 53">
+              <a:extLst>
+                <a:ext uri="{FF2B5EF4-FFF2-40B4-BE49-F238E27FC236}">
+                  <a16:creationId xmlns:a16="http://schemas.microsoft.com/office/drawing/2014/main" id="{E52CAEC1-8B71-2A0A-E1B0-873DE2698455}"/>
+                </a:ext>
+              </a:extLst>
+            </p:cNvPr>
+            <p:cNvSpPr txBox="1"/>
+            <p:nvPr/>
+          </p:nvSpPr>
+          <p:spPr>
+            <a:xfrm>
+              <a:off x="7271864" y="1008116"/>
+              <a:ext cx="1421788" cy="436830"/>
+            </a:xfrm>
+            <a:prstGeom prst="rect">
+              <a:avLst/>
+            </a:prstGeom>
+            <a:noFill/>
+          </p:spPr>
+          <p:txBody>
+            <a:bodyPr wrap="none" rtlCol="0">
+              <a:spAutoFit/>
+            </a:bodyPr>
+            <a:lstStyle/>
+            <a:p>
+              <a:r>
+                <a:rPr lang="en-GB" sz="700" dirty="0"/>
+                <a:t>Leaderboard</a:t>
+              </a:r>
+            </a:p>
+          </p:txBody>
+        </p:sp>
+        <p:sp>
+          <p:nvSpPr>
+            <p:cNvPr id="55" name="TextBox 54">
+              <a:extLst>
+                <a:ext uri="{FF2B5EF4-FFF2-40B4-BE49-F238E27FC236}">
+                  <a16:creationId xmlns:a16="http://schemas.microsoft.com/office/drawing/2014/main" id="{1A0F239D-2A39-BB07-B6FD-07F0C5FDBDB9}"/>
+                </a:ext>
+              </a:extLst>
+            </p:cNvPr>
+            <p:cNvSpPr txBox="1"/>
+            <p:nvPr/>
+          </p:nvSpPr>
+          <p:spPr>
+            <a:xfrm>
+              <a:off x="8730884" y="1008116"/>
+              <a:ext cx="935257" cy="436830"/>
+            </a:xfrm>
+            <a:prstGeom prst="rect">
+              <a:avLst/>
+            </a:prstGeom>
+            <a:noFill/>
+          </p:spPr>
+          <p:txBody>
+            <a:bodyPr wrap="none" rtlCol="0">
+              <a:spAutoFit/>
+            </a:bodyPr>
+            <a:lstStyle/>
+            <a:p>
+              <a:r>
+                <a:rPr lang="en-GB" sz="700" dirty="0"/>
+                <a:t>Signup</a:t>
+              </a:r>
+            </a:p>
+          </p:txBody>
+        </p:sp>
+        <p:sp>
+          <p:nvSpPr>
+            <p:cNvPr id="56" name="Rectangle 55">
+              <a:extLst>
+                <a:ext uri="{FF2B5EF4-FFF2-40B4-BE49-F238E27FC236}">
+                  <a16:creationId xmlns:a16="http://schemas.microsoft.com/office/drawing/2014/main" id="{2FBF8998-5429-A0EF-8C35-3DE16E9489B6}"/>
+                </a:ext>
+              </a:extLst>
+            </p:cNvPr>
+            <p:cNvSpPr/>
+            <p:nvPr/>
+          </p:nvSpPr>
+          <p:spPr>
+            <a:xfrm>
+              <a:off x="9597252" y="1037068"/>
+              <a:ext cx="1249754" cy="325385"/>
+            </a:xfrm>
+            <a:prstGeom prst="rect">
+              <a:avLst/>
+            </a:prstGeom>
+            <a:solidFill>
+              <a:schemeClr val="accent1"/>
+            </a:solidFill>
+            <a:ln>
+              <a:noFill/>
+            </a:ln>
+          </p:spPr>
+          <p:style>
+            <a:lnRef idx="2">
+              <a:schemeClr val="accent1">
+                <a:shade val="50000"/>
+              </a:schemeClr>
+            </a:lnRef>
+            <a:fillRef idx="1">
+              <a:schemeClr val="accent1"/>
+            </a:fillRef>
+            <a:effectRef idx="0">
+              <a:schemeClr val="accent1"/>
+            </a:effectRef>
+            <a:fontRef idx="minor">
+              <a:schemeClr val="lt1"/>
+            </a:fontRef>
+          </p:style>
+          <p:txBody>
+            <a:bodyPr rtlCol="0" anchor="ctr"/>
+            <a:lstStyle/>
+            <a:p>
+              <a:pPr algn="ctr"/>
+              <a:r>
+                <a:rPr lang="en-GB" sz="700" dirty="0">
+                  <a:solidFill>
+                    <a:schemeClr val="bg1"/>
+                  </a:solidFill>
+                </a:rPr>
+                <a:t>Download</a:t>
+              </a:r>
+            </a:p>
+          </p:txBody>
+        </p:sp>
+      </p:grpSp>
+      <p:grpSp>
+        <p:nvGrpSpPr>
+          <p:cNvPr id="57" name="Group 56">
+            <a:extLst>
+              <a:ext uri="{FF2B5EF4-FFF2-40B4-BE49-F238E27FC236}">
+                <a16:creationId xmlns:a16="http://schemas.microsoft.com/office/drawing/2014/main" id="{0AC1DA1E-5B09-F0FB-7336-2C2FE9F53515}"/>
+              </a:ext>
+            </a:extLst>
+          </p:cNvPr>
+          <p:cNvGrpSpPr/>
+          <p:nvPr/>
+        </p:nvGrpSpPr>
+        <p:grpSpPr>
+          <a:xfrm>
+            <a:off x="8140272" y="1839170"/>
+            <a:ext cx="3125260" cy="203545"/>
+            <a:chOff x="4064860" y="1000495"/>
+            <a:chExt cx="6824120" cy="444451"/>
+          </a:xfrm>
+        </p:grpSpPr>
+        <p:sp>
+          <p:nvSpPr>
+            <p:cNvPr id="58" name="Rectangle 57">
+              <a:extLst>
+                <a:ext uri="{FF2B5EF4-FFF2-40B4-BE49-F238E27FC236}">
+                  <a16:creationId xmlns:a16="http://schemas.microsoft.com/office/drawing/2014/main" id="{EFD9171A-D07F-F9C7-47CE-FD9FDCB7E284}"/>
+                </a:ext>
+              </a:extLst>
+            </p:cNvPr>
+            <p:cNvSpPr/>
+            <p:nvPr/>
+          </p:nvSpPr>
+          <p:spPr>
+            <a:xfrm>
+              <a:off x="4064860" y="1000495"/>
+              <a:ext cx="6824120" cy="390464"/>
+            </a:xfrm>
+            <a:prstGeom prst="rect">
+              <a:avLst/>
+            </a:prstGeom>
+            <a:solidFill>
+              <a:schemeClr val="bg1"/>
+            </a:solidFill>
+            <a:ln>
+              <a:solidFill>
+                <a:schemeClr val="tx1"/>
+              </a:solidFill>
+            </a:ln>
+          </p:spPr>
+          <p:style>
+            <a:lnRef idx="2">
+              <a:schemeClr val="accent1">
+                <a:shade val="50000"/>
+              </a:schemeClr>
+            </a:lnRef>
+            <a:fillRef idx="1">
+              <a:schemeClr val="accent1"/>
+            </a:fillRef>
+            <a:effectRef idx="0">
+              <a:schemeClr val="accent1"/>
+            </a:effectRef>
+            <a:fontRef idx="minor">
+              <a:schemeClr val="lt1"/>
+            </a:fontRef>
+          </p:style>
+          <p:txBody>
+            <a:bodyPr rtlCol="0" anchor="ctr"/>
+            <a:lstStyle/>
+            <a:p>
+              <a:r>
+                <a:rPr lang="en-GB" sz="700" dirty="0">
+                  <a:solidFill>
+                    <a:schemeClr val="tx1"/>
+                  </a:solidFill>
+                </a:rPr>
+                <a:t>Quark</a:t>
+              </a:r>
+            </a:p>
+          </p:txBody>
+        </p:sp>
+        <p:sp>
+          <p:nvSpPr>
+            <p:cNvPr id="59" name="TextBox 58">
+              <a:extLst>
+                <a:ext uri="{FF2B5EF4-FFF2-40B4-BE49-F238E27FC236}">
+                  <a16:creationId xmlns:a16="http://schemas.microsoft.com/office/drawing/2014/main" id="{7103551D-C2A4-E461-6542-F655F1025E29}"/>
+                </a:ext>
+              </a:extLst>
+            </p:cNvPr>
+            <p:cNvSpPr txBox="1"/>
+            <p:nvPr/>
+          </p:nvSpPr>
+          <p:spPr>
+            <a:xfrm>
+              <a:off x="6441284" y="1008116"/>
+              <a:ext cx="886254" cy="436830"/>
+            </a:xfrm>
+            <a:prstGeom prst="rect">
+              <a:avLst/>
+            </a:prstGeom>
+            <a:noFill/>
+          </p:spPr>
+          <p:txBody>
+            <a:bodyPr wrap="none" rtlCol="0">
+              <a:spAutoFit/>
+            </a:bodyPr>
+            <a:lstStyle/>
+            <a:p>
+              <a:r>
+                <a:rPr lang="en-GB" sz="700" dirty="0"/>
+                <a:t>Home</a:t>
+              </a:r>
+            </a:p>
+          </p:txBody>
+        </p:sp>
+        <p:sp>
+          <p:nvSpPr>
+            <p:cNvPr id="60" name="TextBox 59">
+              <a:extLst>
+                <a:ext uri="{FF2B5EF4-FFF2-40B4-BE49-F238E27FC236}">
+                  <a16:creationId xmlns:a16="http://schemas.microsoft.com/office/drawing/2014/main" id="{54F101E9-901D-DA1B-2808-577EC323FB89}"/>
+                </a:ext>
+              </a:extLst>
+            </p:cNvPr>
+            <p:cNvSpPr txBox="1"/>
+            <p:nvPr/>
+          </p:nvSpPr>
+          <p:spPr>
+            <a:xfrm>
+              <a:off x="7271864" y="1008116"/>
+              <a:ext cx="1421788" cy="436830"/>
+            </a:xfrm>
+            <a:prstGeom prst="rect">
+              <a:avLst/>
+            </a:prstGeom>
+            <a:noFill/>
+          </p:spPr>
+          <p:txBody>
+            <a:bodyPr wrap="none" rtlCol="0">
+              <a:spAutoFit/>
+            </a:bodyPr>
+            <a:lstStyle/>
+            <a:p>
+              <a:r>
+                <a:rPr lang="en-GB" sz="700" dirty="0"/>
+                <a:t>Leaderboard</a:t>
+              </a:r>
+            </a:p>
+          </p:txBody>
+        </p:sp>
+        <p:sp>
+          <p:nvSpPr>
+            <p:cNvPr id="61" name="TextBox 60">
+              <a:extLst>
+                <a:ext uri="{FF2B5EF4-FFF2-40B4-BE49-F238E27FC236}">
+                  <a16:creationId xmlns:a16="http://schemas.microsoft.com/office/drawing/2014/main" id="{6B3D2AEA-ECEA-5A3D-72D9-8C56034A0381}"/>
+                </a:ext>
+              </a:extLst>
+            </p:cNvPr>
+            <p:cNvSpPr txBox="1"/>
+            <p:nvPr/>
+          </p:nvSpPr>
+          <p:spPr>
+            <a:xfrm>
+              <a:off x="8730884" y="1008116"/>
+              <a:ext cx="928256" cy="436830"/>
+            </a:xfrm>
+            <a:prstGeom prst="rect">
+              <a:avLst/>
+            </a:prstGeom>
+            <a:noFill/>
+          </p:spPr>
+          <p:txBody>
+            <a:bodyPr wrap="none" rtlCol="0">
+              <a:spAutoFit/>
+            </a:bodyPr>
+            <a:lstStyle/>
+            <a:p>
+              <a:r>
+                <a:rPr lang="en-GB" sz="700" dirty="0"/>
+                <a:t>Profile</a:t>
+              </a:r>
+            </a:p>
+          </p:txBody>
+        </p:sp>
+        <p:sp>
+          <p:nvSpPr>
+            <p:cNvPr id="62" name="Rectangle 61">
+              <a:extLst>
+                <a:ext uri="{FF2B5EF4-FFF2-40B4-BE49-F238E27FC236}">
+                  <a16:creationId xmlns:a16="http://schemas.microsoft.com/office/drawing/2014/main" id="{9339C67C-5C42-FFEA-AE30-EA0B343469E5}"/>
+                </a:ext>
+              </a:extLst>
+            </p:cNvPr>
+            <p:cNvSpPr/>
+            <p:nvPr/>
+          </p:nvSpPr>
+          <p:spPr>
+            <a:xfrm>
+              <a:off x="9597252" y="1037068"/>
+              <a:ext cx="1249754" cy="325385"/>
+            </a:xfrm>
+            <a:prstGeom prst="rect">
+              <a:avLst/>
+            </a:prstGeom>
+            <a:solidFill>
+              <a:schemeClr val="accent1"/>
+            </a:solidFill>
+            <a:ln>
+              <a:noFill/>
+            </a:ln>
+          </p:spPr>
+          <p:style>
+            <a:lnRef idx="2">
+              <a:schemeClr val="accent1">
+                <a:shade val="50000"/>
+              </a:schemeClr>
+            </a:lnRef>
+            <a:fillRef idx="1">
+              <a:schemeClr val="accent1"/>
+            </a:fillRef>
+            <a:effectRef idx="0">
+              <a:schemeClr val="accent1"/>
+            </a:effectRef>
+            <a:fontRef idx="minor">
+              <a:schemeClr val="lt1"/>
+            </a:fontRef>
+          </p:style>
+          <p:txBody>
+            <a:bodyPr rtlCol="0" anchor="ctr"/>
+            <a:lstStyle/>
+            <a:p>
+              <a:pPr algn="ctr"/>
+              <a:r>
+                <a:rPr lang="en-GB" sz="700" dirty="0">
+                  <a:solidFill>
+                    <a:schemeClr val="bg1"/>
+                  </a:solidFill>
+                </a:rPr>
+                <a:t>Download</a:t>
+              </a:r>
+            </a:p>
+          </p:txBody>
+        </p:sp>
+      </p:grpSp>
     </p:spTree>
     <p:extLst>
       <p:ext uri="{BB962C8B-B14F-4D97-AF65-F5344CB8AC3E}">
-        <p14:creationId xmlns:p14="http://schemas.microsoft.com/office/powerpoint/2010/main" val="880780618"/>
+        <p14:creationId xmlns:p14="http://schemas.microsoft.com/office/powerpoint/2010/main" val="3964222311"/>
       </p:ext>
     </p:extLst>
   </p:cSld>
@@ -5102,6 +8535,2840 @@
           </a:p>
         </p:txBody>
       </p:sp>
+      <p:grpSp>
+        <p:nvGrpSpPr>
+          <p:cNvPr id="3" name="Group 2">
+            <a:extLst>
+              <a:ext uri="{FF2B5EF4-FFF2-40B4-BE49-F238E27FC236}">
+                <a16:creationId xmlns:a16="http://schemas.microsoft.com/office/drawing/2014/main" id="{2B1C17D5-7602-B8BC-CFCE-4641AE4EF954}"/>
+              </a:ext>
+            </a:extLst>
+          </p:cNvPr>
+          <p:cNvGrpSpPr/>
+          <p:nvPr/>
+        </p:nvGrpSpPr>
+        <p:grpSpPr>
+          <a:xfrm>
+            <a:off x="1944130" y="1863482"/>
+            <a:ext cx="3125261" cy="4503997"/>
+            <a:chOff x="5920739" y="365126"/>
+            <a:chExt cx="4251962" cy="6127750"/>
+          </a:xfrm>
+        </p:grpSpPr>
+        <p:sp>
+          <p:nvSpPr>
+            <p:cNvPr id="4" name="Rectangle 3">
+              <a:extLst>
+                <a:ext uri="{FF2B5EF4-FFF2-40B4-BE49-F238E27FC236}">
+                  <a16:creationId xmlns:a16="http://schemas.microsoft.com/office/drawing/2014/main" id="{B3E0F57F-14B1-D4BD-203F-49760235EB9B}"/>
+                </a:ext>
+              </a:extLst>
+            </p:cNvPr>
+            <p:cNvSpPr/>
+            <p:nvPr/>
+          </p:nvSpPr>
+          <p:spPr>
+            <a:xfrm>
+              <a:off x="5920740" y="365126"/>
+              <a:ext cx="4251960" cy="6127750"/>
+            </a:xfrm>
+            <a:prstGeom prst="rect">
+              <a:avLst/>
+            </a:prstGeom>
+            <a:solidFill>
+              <a:schemeClr val="bg1"/>
+            </a:solidFill>
+            <a:ln>
+              <a:solidFill>
+                <a:schemeClr val="tx1"/>
+              </a:solidFill>
+              <a:prstDash val="lgDash"/>
+            </a:ln>
+          </p:spPr>
+          <p:style>
+            <a:lnRef idx="2">
+              <a:schemeClr val="accent1">
+                <a:shade val="50000"/>
+              </a:schemeClr>
+            </a:lnRef>
+            <a:fillRef idx="1">
+              <a:schemeClr val="accent1"/>
+            </a:fillRef>
+            <a:effectRef idx="0">
+              <a:schemeClr val="accent1"/>
+            </a:effectRef>
+            <a:fontRef idx="minor">
+              <a:schemeClr val="lt1"/>
+            </a:fontRef>
+          </p:style>
+          <p:txBody>
+            <a:bodyPr rtlCol="0" anchor="ctr"/>
+            <a:lstStyle/>
+            <a:p>
+              <a:pPr algn="ctr"/>
+              <a:endParaRPr lang="en-GB" sz="1100" dirty="0">
+                <a:solidFill>
+                  <a:schemeClr val="tx1"/>
+                </a:solidFill>
+              </a:endParaRPr>
+            </a:p>
+          </p:txBody>
+        </p:sp>
+        <p:sp>
+          <p:nvSpPr>
+            <p:cNvPr id="5" name="Rectangle 4">
+              <a:extLst>
+                <a:ext uri="{FF2B5EF4-FFF2-40B4-BE49-F238E27FC236}">
+                  <a16:creationId xmlns:a16="http://schemas.microsoft.com/office/drawing/2014/main" id="{E8CA239A-E741-51CE-7286-19C8602A4027}"/>
+                </a:ext>
+              </a:extLst>
+            </p:cNvPr>
+            <p:cNvSpPr/>
+            <p:nvPr/>
+          </p:nvSpPr>
+          <p:spPr>
+            <a:xfrm>
+              <a:off x="7429500" y="717604"/>
+              <a:ext cx="1234440" cy="727288"/>
+            </a:xfrm>
+            <a:prstGeom prst="rect">
+              <a:avLst/>
+            </a:prstGeom>
+            <a:solidFill>
+              <a:schemeClr val="bg1"/>
+            </a:solidFill>
+            <a:ln>
+              <a:solidFill>
+                <a:schemeClr val="tx1"/>
+              </a:solidFill>
+            </a:ln>
+          </p:spPr>
+          <p:style>
+            <a:lnRef idx="2">
+              <a:schemeClr val="accent1">
+                <a:shade val="50000"/>
+              </a:schemeClr>
+            </a:lnRef>
+            <a:fillRef idx="1">
+              <a:schemeClr val="accent1"/>
+            </a:fillRef>
+            <a:effectRef idx="0">
+              <a:schemeClr val="accent1"/>
+            </a:effectRef>
+            <a:fontRef idx="minor">
+              <a:schemeClr val="lt1"/>
+            </a:fontRef>
+          </p:style>
+          <p:txBody>
+            <a:bodyPr rtlCol="0" anchor="ctr"/>
+            <a:lstStyle/>
+            <a:p>
+              <a:pPr algn="ctr"/>
+              <a:r>
+                <a:rPr lang="en-GB" sz="900" dirty="0">
+                  <a:solidFill>
+                    <a:schemeClr val="tx1"/>
+                  </a:solidFill>
+                </a:rPr>
+                <a:t>Image of App /</a:t>
+              </a:r>
+              <a:br>
+                <a:rPr lang="en-GB" sz="900" dirty="0">
+                  <a:solidFill>
+                    <a:schemeClr val="tx1"/>
+                  </a:solidFill>
+                </a:rPr>
+              </a:br>
+              <a:r>
+                <a:rPr lang="en-GB" sz="900" dirty="0">
+                  <a:solidFill>
+                    <a:schemeClr val="tx1"/>
+                  </a:solidFill>
+                </a:rPr>
+                <a:t>Logo</a:t>
+              </a:r>
+            </a:p>
+          </p:txBody>
+        </p:sp>
+        <p:sp>
+          <p:nvSpPr>
+            <p:cNvPr id="6" name="TextBox 5">
+              <a:extLst>
+                <a:ext uri="{FF2B5EF4-FFF2-40B4-BE49-F238E27FC236}">
+                  <a16:creationId xmlns:a16="http://schemas.microsoft.com/office/drawing/2014/main" id="{1B160FF3-5E90-56DC-98D9-213F099F4583}"/>
+                </a:ext>
+              </a:extLst>
+            </p:cNvPr>
+            <p:cNvSpPr txBox="1"/>
+            <p:nvPr/>
+          </p:nvSpPr>
+          <p:spPr>
+            <a:xfrm>
+              <a:off x="5920739" y="1523048"/>
+              <a:ext cx="4251962" cy="355924"/>
+            </a:xfrm>
+            <a:prstGeom prst="rect">
+              <a:avLst/>
+            </a:prstGeom>
+            <a:noFill/>
+          </p:spPr>
+          <p:txBody>
+            <a:bodyPr wrap="square" rtlCol="0">
+              <a:spAutoFit/>
+            </a:bodyPr>
+            <a:lstStyle/>
+            <a:p>
+              <a:pPr algn="ctr"/>
+              <a:r>
+                <a:rPr lang="en-GB" sz="1100" dirty="0"/>
+                <a:t>A minimal, cross platform pomodoro timer</a:t>
+              </a:r>
+            </a:p>
+          </p:txBody>
+        </p:sp>
+        <p:sp>
+          <p:nvSpPr>
+            <p:cNvPr id="7" name="TextBox 6">
+              <a:extLst>
+                <a:ext uri="{FF2B5EF4-FFF2-40B4-BE49-F238E27FC236}">
+                  <a16:creationId xmlns:a16="http://schemas.microsoft.com/office/drawing/2014/main" id="{270B5747-2147-D7F5-029B-522C83E0D78E}"/>
+                </a:ext>
+              </a:extLst>
+            </p:cNvPr>
+            <p:cNvSpPr txBox="1"/>
+            <p:nvPr/>
+          </p:nvSpPr>
+          <p:spPr>
+            <a:xfrm>
+              <a:off x="5920739" y="3432742"/>
+              <a:ext cx="4251962" cy="355924"/>
+            </a:xfrm>
+            <a:prstGeom prst="rect">
+              <a:avLst/>
+            </a:prstGeom>
+            <a:noFill/>
+          </p:spPr>
+          <p:txBody>
+            <a:bodyPr wrap="square" rtlCol="0">
+              <a:spAutoFit/>
+            </a:bodyPr>
+            <a:lstStyle/>
+            <a:p>
+              <a:pPr algn="ctr"/>
+              <a:r>
+                <a:rPr lang="en-GB" sz="1100" dirty="0"/>
+                <a:t>Why the pomodoro technique</a:t>
+              </a:r>
+            </a:p>
+          </p:txBody>
+        </p:sp>
+        <p:sp>
+          <p:nvSpPr>
+            <p:cNvPr id="8" name="Rectangle 7">
+              <a:extLst>
+                <a:ext uri="{FF2B5EF4-FFF2-40B4-BE49-F238E27FC236}">
+                  <a16:creationId xmlns:a16="http://schemas.microsoft.com/office/drawing/2014/main" id="{15488975-989B-E35B-149F-828F2DCAEDC6}"/>
+                </a:ext>
+              </a:extLst>
+            </p:cNvPr>
+            <p:cNvSpPr/>
+            <p:nvPr/>
+          </p:nvSpPr>
+          <p:spPr>
+            <a:xfrm>
+              <a:off x="7429500" y="2611343"/>
+              <a:ext cx="1234440" cy="727288"/>
+            </a:xfrm>
+            <a:prstGeom prst="rect">
+              <a:avLst/>
+            </a:prstGeom>
+            <a:solidFill>
+              <a:schemeClr val="bg1"/>
+            </a:solidFill>
+            <a:ln>
+              <a:solidFill>
+                <a:schemeClr val="tx1"/>
+              </a:solidFill>
+            </a:ln>
+          </p:spPr>
+          <p:style>
+            <a:lnRef idx="2">
+              <a:schemeClr val="accent1">
+                <a:shade val="50000"/>
+              </a:schemeClr>
+            </a:lnRef>
+            <a:fillRef idx="1">
+              <a:schemeClr val="accent1"/>
+            </a:fillRef>
+            <a:effectRef idx="0">
+              <a:schemeClr val="accent1"/>
+            </a:effectRef>
+            <a:fontRef idx="minor">
+              <a:schemeClr val="lt1"/>
+            </a:fontRef>
+          </p:style>
+          <p:txBody>
+            <a:bodyPr rtlCol="0" anchor="ctr"/>
+            <a:lstStyle/>
+            <a:p>
+              <a:pPr algn="ctr"/>
+              <a:r>
+                <a:rPr lang="en-GB" sz="900" dirty="0">
+                  <a:solidFill>
+                    <a:schemeClr val="tx1"/>
+                  </a:solidFill>
+                </a:rPr>
+                <a:t>Image to represent pomodoro</a:t>
+              </a:r>
+            </a:p>
+          </p:txBody>
+        </p:sp>
+        <p:sp>
+          <p:nvSpPr>
+            <p:cNvPr id="9" name="Rectangle 8">
+              <a:extLst>
+                <a:ext uri="{FF2B5EF4-FFF2-40B4-BE49-F238E27FC236}">
+                  <a16:creationId xmlns:a16="http://schemas.microsoft.com/office/drawing/2014/main" id="{3CE565A5-2EAB-1AF6-0B34-6ED8784FEF76}"/>
+                </a:ext>
+              </a:extLst>
+            </p:cNvPr>
+            <p:cNvSpPr/>
+            <p:nvPr/>
+          </p:nvSpPr>
+          <p:spPr>
+            <a:xfrm>
+              <a:off x="6385557" y="1892380"/>
+              <a:ext cx="3322326" cy="226562"/>
+            </a:xfrm>
+            <a:prstGeom prst="rect">
+              <a:avLst/>
+            </a:prstGeom>
+            <a:solidFill>
+              <a:schemeClr val="bg1">
+                <a:lumMod val="95000"/>
+              </a:schemeClr>
+            </a:solidFill>
+            <a:ln>
+              <a:noFill/>
+            </a:ln>
+          </p:spPr>
+          <p:style>
+            <a:lnRef idx="2">
+              <a:schemeClr val="accent1">
+                <a:shade val="50000"/>
+              </a:schemeClr>
+            </a:lnRef>
+            <a:fillRef idx="1">
+              <a:schemeClr val="accent1"/>
+            </a:fillRef>
+            <a:effectRef idx="0">
+              <a:schemeClr val="accent1"/>
+            </a:effectRef>
+            <a:fontRef idx="minor">
+              <a:schemeClr val="lt1"/>
+            </a:fontRef>
+          </p:style>
+          <p:txBody>
+            <a:bodyPr rtlCol="0" anchor="ctr"/>
+            <a:lstStyle/>
+            <a:p>
+              <a:pPr algn="ctr"/>
+              <a:r>
+                <a:rPr lang="en-GB" sz="800" dirty="0">
+                  <a:solidFill>
+                    <a:schemeClr val="tx1"/>
+                  </a:solidFill>
+                </a:rPr>
+                <a:t>App description</a:t>
+              </a:r>
+            </a:p>
+          </p:txBody>
+        </p:sp>
+        <p:sp>
+          <p:nvSpPr>
+            <p:cNvPr id="10" name="Rectangle 9">
+              <a:extLst>
+                <a:ext uri="{FF2B5EF4-FFF2-40B4-BE49-F238E27FC236}">
+                  <a16:creationId xmlns:a16="http://schemas.microsoft.com/office/drawing/2014/main" id="{2F164993-3789-F650-D445-BBB9E520CCA7}"/>
+                </a:ext>
+              </a:extLst>
+            </p:cNvPr>
+            <p:cNvSpPr/>
+            <p:nvPr/>
+          </p:nvSpPr>
+          <p:spPr>
+            <a:xfrm>
+              <a:off x="6385557" y="3836026"/>
+              <a:ext cx="3322326" cy="827414"/>
+            </a:xfrm>
+            <a:prstGeom prst="rect">
+              <a:avLst/>
+            </a:prstGeom>
+            <a:solidFill>
+              <a:schemeClr val="bg1">
+                <a:lumMod val="95000"/>
+              </a:schemeClr>
+            </a:solidFill>
+            <a:ln>
+              <a:noFill/>
+            </a:ln>
+          </p:spPr>
+          <p:style>
+            <a:lnRef idx="2">
+              <a:schemeClr val="accent1">
+                <a:shade val="50000"/>
+              </a:schemeClr>
+            </a:lnRef>
+            <a:fillRef idx="1">
+              <a:schemeClr val="accent1"/>
+            </a:fillRef>
+            <a:effectRef idx="0">
+              <a:schemeClr val="accent1"/>
+            </a:effectRef>
+            <a:fontRef idx="minor">
+              <a:schemeClr val="lt1"/>
+            </a:fontRef>
+          </p:style>
+          <p:txBody>
+            <a:bodyPr rtlCol="0" anchor="ctr"/>
+            <a:lstStyle/>
+            <a:p>
+              <a:pPr algn="ctr"/>
+              <a:r>
+                <a:rPr lang="en-GB" sz="900" dirty="0">
+                  <a:solidFill>
+                    <a:schemeClr val="tx1"/>
+                  </a:solidFill>
+                </a:rPr>
+                <a:t>Describe the technique and its benefits</a:t>
+              </a:r>
+            </a:p>
+          </p:txBody>
+        </p:sp>
+        <p:sp>
+          <p:nvSpPr>
+            <p:cNvPr id="11" name="TextBox 10">
+              <a:extLst>
+                <a:ext uri="{FF2B5EF4-FFF2-40B4-BE49-F238E27FC236}">
+                  <a16:creationId xmlns:a16="http://schemas.microsoft.com/office/drawing/2014/main" id="{888FB6B7-0A2D-E80B-4824-3A7496CDECC0}"/>
+                </a:ext>
+              </a:extLst>
+            </p:cNvPr>
+            <p:cNvSpPr txBox="1"/>
+            <p:nvPr/>
+          </p:nvSpPr>
+          <p:spPr>
+            <a:xfrm>
+              <a:off x="5920739" y="4746544"/>
+              <a:ext cx="4251962" cy="355924"/>
+            </a:xfrm>
+            <a:prstGeom prst="rect">
+              <a:avLst/>
+            </a:prstGeom>
+            <a:noFill/>
+          </p:spPr>
+          <p:txBody>
+            <a:bodyPr wrap="square" rtlCol="0">
+              <a:spAutoFit/>
+            </a:bodyPr>
+            <a:lstStyle/>
+            <a:p>
+              <a:pPr algn="ctr"/>
+              <a:r>
+                <a:rPr lang="en-GB" sz="1100" dirty="0"/>
+                <a:t>Get started!</a:t>
+              </a:r>
+            </a:p>
+          </p:txBody>
+        </p:sp>
+        <p:sp>
+          <p:nvSpPr>
+            <p:cNvPr id="12" name="Rectangle 11">
+              <a:extLst>
+                <a:ext uri="{FF2B5EF4-FFF2-40B4-BE49-F238E27FC236}">
+                  <a16:creationId xmlns:a16="http://schemas.microsoft.com/office/drawing/2014/main" id="{5305F622-6459-0EFA-88D8-F47177995462}"/>
+                </a:ext>
+              </a:extLst>
+            </p:cNvPr>
+            <p:cNvSpPr/>
+            <p:nvPr/>
+          </p:nvSpPr>
+          <p:spPr>
+            <a:xfrm>
+              <a:off x="7071360" y="5677852"/>
+              <a:ext cx="1950720" cy="341852"/>
+            </a:xfrm>
+            <a:prstGeom prst="rect">
+              <a:avLst/>
+            </a:prstGeom>
+          </p:spPr>
+          <p:style>
+            <a:lnRef idx="2">
+              <a:schemeClr val="accent1">
+                <a:shade val="50000"/>
+              </a:schemeClr>
+            </a:lnRef>
+            <a:fillRef idx="1">
+              <a:schemeClr val="accent1"/>
+            </a:fillRef>
+            <a:effectRef idx="0">
+              <a:schemeClr val="accent1"/>
+            </a:effectRef>
+            <a:fontRef idx="minor">
+              <a:schemeClr val="lt1"/>
+            </a:fontRef>
+          </p:style>
+          <p:txBody>
+            <a:bodyPr rtlCol="0" anchor="ctr"/>
+            <a:lstStyle/>
+            <a:p>
+              <a:pPr algn="ctr"/>
+              <a:r>
+                <a:rPr lang="en-GB" sz="1100" dirty="0"/>
+                <a:t>Download</a:t>
+              </a:r>
+            </a:p>
+          </p:txBody>
+        </p:sp>
+        <p:sp>
+          <p:nvSpPr>
+            <p:cNvPr id="13" name="Rectangle 12">
+              <a:extLst>
+                <a:ext uri="{FF2B5EF4-FFF2-40B4-BE49-F238E27FC236}">
+                  <a16:creationId xmlns:a16="http://schemas.microsoft.com/office/drawing/2014/main" id="{DADAA6AE-D30B-C88E-E3B7-827B7BE25D06}"/>
+                </a:ext>
+              </a:extLst>
+            </p:cNvPr>
+            <p:cNvSpPr/>
+            <p:nvPr/>
+          </p:nvSpPr>
+          <p:spPr>
+            <a:xfrm>
+              <a:off x="7071360" y="5252316"/>
+              <a:ext cx="1950720" cy="341852"/>
+            </a:xfrm>
+            <a:prstGeom prst="rect">
+              <a:avLst/>
+            </a:prstGeom>
+          </p:spPr>
+          <p:style>
+            <a:lnRef idx="2">
+              <a:schemeClr val="accent1">
+                <a:shade val="50000"/>
+              </a:schemeClr>
+            </a:lnRef>
+            <a:fillRef idx="1">
+              <a:schemeClr val="accent1"/>
+            </a:fillRef>
+            <a:effectRef idx="0">
+              <a:schemeClr val="accent1"/>
+            </a:effectRef>
+            <a:fontRef idx="minor">
+              <a:schemeClr val="lt1"/>
+            </a:fontRef>
+          </p:style>
+          <p:txBody>
+            <a:bodyPr rtlCol="0" anchor="ctr"/>
+            <a:lstStyle/>
+            <a:p>
+              <a:pPr algn="ctr"/>
+              <a:r>
+                <a:rPr lang="en-GB" sz="1100" dirty="0"/>
+                <a:t>Sign up</a:t>
+              </a:r>
+            </a:p>
+          </p:txBody>
+        </p:sp>
+      </p:grpSp>
+      <p:grpSp>
+        <p:nvGrpSpPr>
+          <p:cNvPr id="14" name="Group 13">
+            <a:extLst>
+              <a:ext uri="{FF2B5EF4-FFF2-40B4-BE49-F238E27FC236}">
+                <a16:creationId xmlns:a16="http://schemas.microsoft.com/office/drawing/2014/main" id="{A59F8C36-7EA9-BAB4-1257-E4978644AFFD}"/>
+              </a:ext>
+            </a:extLst>
+          </p:cNvPr>
+          <p:cNvGrpSpPr/>
+          <p:nvPr/>
+        </p:nvGrpSpPr>
+        <p:grpSpPr>
+          <a:xfrm>
+            <a:off x="1944131" y="1690688"/>
+            <a:ext cx="3125260" cy="203545"/>
+            <a:chOff x="4064860" y="1000495"/>
+            <a:chExt cx="6824120" cy="444451"/>
+          </a:xfrm>
+        </p:grpSpPr>
+        <p:sp>
+          <p:nvSpPr>
+            <p:cNvPr id="15" name="Rectangle 14">
+              <a:extLst>
+                <a:ext uri="{FF2B5EF4-FFF2-40B4-BE49-F238E27FC236}">
+                  <a16:creationId xmlns:a16="http://schemas.microsoft.com/office/drawing/2014/main" id="{7246571A-19FF-9B23-64E3-087BE783446A}"/>
+                </a:ext>
+              </a:extLst>
+            </p:cNvPr>
+            <p:cNvSpPr/>
+            <p:nvPr/>
+          </p:nvSpPr>
+          <p:spPr>
+            <a:xfrm>
+              <a:off x="4064860" y="1000495"/>
+              <a:ext cx="6824120" cy="390464"/>
+            </a:xfrm>
+            <a:prstGeom prst="rect">
+              <a:avLst/>
+            </a:prstGeom>
+            <a:solidFill>
+              <a:schemeClr val="bg1"/>
+            </a:solidFill>
+            <a:ln>
+              <a:solidFill>
+                <a:schemeClr val="tx1"/>
+              </a:solidFill>
+            </a:ln>
+          </p:spPr>
+          <p:style>
+            <a:lnRef idx="2">
+              <a:schemeClr val="accent1">
+                <a:shade val="50000"/>
+              </a:schemeClr>
+            </a:lnRef>
+            <a:fillRef idx="1">
+              <a:schemeClr val="accent1"/>
+            </a:fillRef>
+            <a:effectRef idx="0">
+              <a:schemeClr val="accent1"/>
+            </a:effectRef>
+            <a:fontRef idx="minor">
+              <a:schemeClr val="lt1"/>
+            </a:fontRef>
+          </p:style>
+          <p:txBody>
+            <a:bodyPr rtlCol="0" anchor="ctr"/>
+            <a:lstStyle/>
+            <a:p>
+              <a:r>
+                <a:rPr lang="en-GB" sz="700" dirty="0">
+                  <a:solidFill>
+                    <a:schemeClr val="tx1"/>
+                  </a:solidFill>
+                </a:rPr>
+                <a:t>Quark</a:t>
+              </a:r>
+            </a:p>
+          </p:txBody>
+        </p:sp>
+        <p:sp>
+          <p:nvSpPr>
+            <p:cNvPr id="16" name="TextBox 15">
+              <a:extLst>
+                <a:ext uri="{FF2B5EF4-FFF2-40B4-BE49-F238E27FC236}">
+                  <a16:creationId xmlns:a16="http://schemas.microsoft.com/office/drawing/2014/main" id="{D7172085-BF02-A919-EDAF-7C359DEA83B7}"/>
+                </a:ext>
+              </a:extLst>
+            </p:cNvPr>
+            <p:cNvSpPr txBox="1"/>
+            <p:nvPr/>
+          </p:nvSpPr>
+          <p:spPr>
+            <a:xfrm>
+              <a:off x="6441284" y="1008116"/>
+              <a:ext cx="886254" cy="436830"/>
+            </a:xfrm>
+            <a:prstGeom prst="rect">
+              <a:avLst/>
+            </a:prstGeom>
+            <a:noFill/>
+          </p:spPr>
+          <p:txBody>
+            <a:bodyPr wrap="none" rtlCol="0">
+              <a:spAutoFit/>
+            </a:bodyPr>
+            <a:lstStyle/>
+            <a:p>
+              <a:r>
+                <a:rPr lang="en-GB" sz="700" dirty="0"/>
+                <a:t>Home</a:t>
+              </a:r>
+            </a:p>
+          </p:txBody>
+        </p:sp>
+        <p:sp>
+          <p:nvSpPr>
+            <p:cNvPr id="17" name="TextBox 16">
+              <a:extLst>
+                <a:ext uri="{FF2B5EF4-FFF2-40B4-BE49-F238E27FC236}">
+                  <a16:creationId xmlns:a16="http://schemas.microsoft.com/office/drawing/2014/main" id="{CDA8A2E3-C001-20B0-63BB-D95BCAA8AC3C}"/>
+                </a:ext>
+              </a:extLst>
+            </p:cNvPr>
+            <p:cNvSpPr txBox="1"/>
+            <p:nvPr/>
+          </p:nvSpPr>
+          <p:spPr>
+            <a:xfrm>
+              <a:off x="7271864" y="1008116"/>
+              <a:ext cx="1421788" cy="436830"/>
+            </a:xfrm>
+            <a:prstGeom prst="rect">
+              <a:avLst/>
+            </a:prstGeom>
+            <a:noFill/>
+          </p:spPr>
+          <p:txBody>
+            <a:bodyPr wrap="none" rtlCol="0">
+              <a:spAutoFit/>
+            </a:bodyPr>
+            <a:lstStyle/>
+            <a:p>
+              <a:r>
+                <a:rPr lang="en-GB" sz="700" dirty="0"/>
+                <a:t>Leaderboard</a:t>
+              </a:r>
+            </a:p>
+          </p:txBody>
+        </p:sp>
+        <p:sp>
+          <p:nvSpPr>
+            <p:cNvPr id="18" name="TextBox 17">
+              <a:extLst>
+                <a:ext uri="{FF2B5EF4-FFF2-40B4-BE49-F238E27FC236}">
+                  <a16:creationId xmlns:a16="http://schemas.microsoft.com/office/drawing/2014/main" id="{722A8984-1421-0064-798A-76B28B992EB9}"/>
+                </a:ext>
+              </a:extLst>
+            </p:cNvPr>
+            <p:cNvSpPr txBox="1"/>
+            <p:nvPr/>
+          </p:nvSpPr>
+          <p:spPr>
+            <a:xfrm>
+              <a:off x="8730884" y="1008116"/>
+              <a:ext cx="928256" cy="436830"/>
+            </a:xfrm>
+            <a:prstGeom prst="rect">
+              <a:avLst/>
+            </a:prstGeom>
+            <a:noFill/>
+          </p:spPr>
+          <p:txBody>
+            <a:bodyPr wrap="none" rtlCol="0">
+              <a:spAutoFit/>
+            </a:bodyPr>
+            <a:lstStyle/>
+            <a:p>
+              <a:r>
+                <a:rPr lang="en-GB" sz="700" dirty="0"/>
+                <a:t>Profile</a:t>
+              </a:r>
+            </a:p>
+          </p:txBody>
+        </p:sp>
+        <p:sp>
+          <p:nvSpPr>
+            <p:cNvPr id="19" name="Rectangle 18">
+              <a:extLst>
+                <a:ext uri="{FF2B5EF4-FFF2-40B4-BE49-F238E27FC236}">
+                  <a16:creationId xmlns:a16="http://schemas.microsoft.com/office/drawing/2014/main" id="{2A0A02B8-6897-3CDF-E864-ECE340310D64}"/>
+                </a:ext>
+              </a:extLst>
+            </p:cNvPr>
+            <p:cNvSpPr/>
+            <p:nvPr/>
+          </p:nvSpPr>
+          <p:spPr>
+            <a:xfrm>
+              <a:off x="9597252" y="1037068"/>
+              <a:ext cx="1249754" cy="325385"/>
+            </a:xfrm>
+            <a:prstGeom prst="rect">
+              <a:avLst/>
+            </a:prstGeom>
+            <a:solidFill>
+              <a:schemeClr val="accent1"/>
+            </a:solidFill>
+            <a:ln>
+              <a:noFill/>
+            </a:ln>
+          </p:spPr>
+          <p:style>
+            <a:lnRef idx="2">
+              <a:schemeClr val="accent1">
+                <a:shade val="50000"/>
+              </a:schemeClr>
+            </a:lnRef>
+            <a:fillRef idx="1">
+              <a:schemeClr val="accent1"/>
+            </a:fillRef>
+            <a:effectRef idx="0">
+              <a:schemeClr val="accent1"/>
+            </a:effectRef>
+            <a:fontRef idx="minor">
+              <a:schemeClr val="lt1"/>
+            </a:fontRef>
+          </p:style>
+          <p:txBody>
+            <a:bodyPr rtlCol="0" anchor="ctr"/>
+            <a:lstStyle/>
+            <a:p>
+              <a:pPr algn="ctr"/>
+              <a:r>
+                <a:rPr lang="en-GB" sz="700" dirty="0">
+                  <a:solidFill>
+                    <a:schemeClr val="bg1"/>
+                  </a:solidFill>
+                </a:rPr>
+                <a:t>Download</a:t>
+              </a:r>
+            </a:p>
+          </p:txBody>
+        </p:sp>
+      </p:grpSp>
+      <p:cxnSp>
+        <p:nvCxnSpPr>
+          <p:cNvPr id="20" name="Straight Arrow Connector 19">
+            <a:extLst>
+              <a:ext uri="{FF2B5EF4-FFF2-40B4-BE49-F238E27FC236}">
+                <a16:creationId xmlns:a16="http://schemas.microsoft.com/office/drawing/2014/main" id="{F868FD7C-0B48-9848-3AEB-8E56C1D51E60}"/>
+              </a:ext>
+            </a:extLst>
+          </p:cNvPr>
+          <p:cNvCxnSpPr>
+            <a:cxnSpLocks/>
+            <a:stCxn id="17" idx="2"/>
+            <a:endCxn id="22" idx="1"/>
+          </p:cNvCxnSpPr>
+          <p:nvPr/>
+        </p:nvCxnSpPr>
+        <p:spPr>
+          <a:xfrm>
+            <a:off x="3738421" y="1894233"/>
+            <a:ext cx="2538464" cy="2214218"/>
+          </a:xfrm>
+          <a:prstGeom prst="straightConnector1">
+            <a:avLst/>
+          </a:prstGeom>
+          <a:ln w="57150">
+            <a:solidFill>
+              <a:srgbClr val="FF0000"/>
+            </a:solidFill>
+            <a:tailEnd type="triangle"/>
+          </a:ln>
+        </p:spPr>
+        <p:style>
+          <a:lnRef idx="1">
+            <a:schemeClr val="accent1"/>
+          </a:lnRef>
+          <a:fillRef idx="0">
+            <a:schemeClr val="accent1"/>
+          </a:fillRef>
+          <a:effectRef idx="0">
+            <a:schemeClr val="accent1"/>
+          </a:effectRef>
+          <a:fontRef idx="minor">
+            <a:schemeClr val="tx1"/>
+          </a:fontRef>
+        </p:style>
+      </p:cxnSp>
+      <p:grpSp>
+        <p:nvGrpSpPr>
+          <p:cNvPr id="21" name="Group 20">
+            <a:extLst>
+              <a:ext uri="{FF2B5EF4-FFF2-40B4-BE49-F238E27FC236}">
+                <a16:creationId xmlns:a16="http://schemas.microsoft.com/office/drawing/2014/main" id="{115608E2-FA2C-4910-02FD-945999A0AF95}"/>
+              </a:ext>
+            </a:extLst>
+          </p:cNvPr>
+          <p:cNvGrpSpPr/>
+          <p:nvPr/>
+        </p:nvGrpSpPr>
+        <p:grpSpPr>
+          <a:xfrm>
+            <a:off x="6276885" y="1856453"/>
+            <a:ext cx="3125260" cy="4503996"/>
+            <a:chOff x="5920740" y="365126"/>
+            <a:chExt cx="4251960" cy="6127750"/>
+          </a:xfrm>
+        </p:grpSpPr>
+        <p:sp>
+          <p:nvSpPr>
+            <p:cNvPr id="22" name="Rectangle 21">
+              <a:extLst>
+                <a:ext uri="{FF2B5EF4-FFF2-40B4-BE49-F238E27FC236}">
+                  <a16:creationId xmlns:a16="http://schemas.microsoft.com/office/drawing/2014/main" id="{42C60A0E-FF3A-7D80-B538-6AC73968CBF0}"/>
+                </a:ext>
+              </a:extLst>
+            </p:cNvPr>
+            <p:cNvSpPr/>
+            <p:nvPr/>
+          </p:nvSpPr>
+          <p:spPr>
+            <a:xfrm>
+              <a:off x="5920740" y="365126"/>
+              <a:ext cx="4251960" cy="6127750"/>
+            </a:xfrm>
+            <a:prstGeom prst="rect">
+              <a:avLst/>
+            </a:prstGeom>
+            <a:solidFill>
+              <a:schemeClr val="bg1"/>
+            </a:solidFill>
+            <a:ln>
+              <a:solidFill>
+                <a:schemeClr val="tx1"/>
+              </a:solidFill>
+              <a:prstDash val="lgDash"/>
+            </a:ln>
+          </p:spPr>
+          <p:style>
+            <a:lnRef idx="2">
+              <a:schemeClr val="accent1">
+                <a:shade val="50000"/>
+              </a:schemeClr>
+            </a:lnRef>
+            <a:fillRef idx="1">
+              <a:schemeClr val="accent1"/>
+            </a:fillRef>
+            <a:effectRef idx="0">
+              <a:schemeClr val="accent1"/>
+            </a:effectRef>
+            <a:fontRef idx="minor">
+              <a:schemeClr val="lt1"/>
+            </a:fontRef>
+          </p:style>
+          <p:txBody>
+            <a:bodyPr rtlCol="0" anchor="ctr"/>
+            <a:lstStyle/>
+            <a:p>
+              <a:pPr algn="ctr"/>
+              <a:endParaRPr lang="en-GB" sz="1050" dirty="0">
+                <a:solidFill>
+                  <a:schemeClr val="tx1"/>
+                </a:solidFill>
+              </a:endParaRPr>
+            </a:p>
+          </p:txBody>
+        </p:sp>
+        <p:grpSp>
+          <p:nvGrpSpPr>
+            <p:cNvPr id="23" name="Group 22">
+              <a:extLst>
+                <a:ext uri="{FF2B5EF4-FFF2-40B4-BE49-F238E27FC236}">
+                  <a16:creationId xmlns:a16="http://schemas.microsoft.com/office/drawing/2014/main" id="{C9BA9432-ADBB-9E6E-0649-77E7B4F66494}"/>
+                </a:ext>
+              </a:extLst>
+            </p:cNvPr>
+            <p:cNvGrpSpPr/>
+            <p:nvPr/>
+          </p:nvGrpSpPr>
+          <p:grpSpPr>
+            <a:xfrm>
+              <a:off x="6770781" y="2040042"/>
+              <a:ext cx="2626018" cy="275016"/>
+              <a:chOff x="1501139" y="2916195"/>
+              <a:chExt cx="5073192" cy="914400"/>
+            </a:xfrm>
+          </p:grpSpPr>
+          <p:sp>
+            <p:nvSpPr>
+              <p:cNvPr id="53" name="Rectangle 52">
+                <a:extLst>
+                  <a:ext uri="{FF2B5EF4-FFF2-40B4-BE49-F238E27FC236}">
+                    <a16:creationId xmlns:a16="http://schemas.microsoft.com/office/drawing/2014/main" id="{7BFDEE30-B092-9CBF-C33F-19D0FD5834E1}"/>
+                  </a:ext>
+                </a:extLst>
+              </p:cNvPr>
+              <p:cNvSpPr/>
+              <p:nvPr/>
+            </p:nvSpPr>
+            <p:spPr>
+              <a:xfrm>
+                <a:off x="1501139" y="2916195"/>
+                <a:ext cx="914400" cy="914400"/>
+              </a:xfrm>
+              <a:prstGeom prst="rect">
+                <a:avLst/>
+              </a:prstGeom>
+              <a:solidFill>
+                <a:schemeClr val="bg1"/>
+              </a:solidFill>
+              <a:ln>
+                <a:solidFill>
+                  <a:schemeClr val="tx1"/>
+                </a:solidFill>
+              </a:ln>
+            </p:spPr>
+            <p:style>
+              <a:lnRef idx="2">
+                <a:schemeClr val="accent1">
+                  <a:shade val="50000"/>
+                </a:schemeClr>
+              </a:lnRef>
+              <a:fillRef idx="1">
+                <a:schemeClr val="accent1"/>
+              </a:fillRef>
+              <a:effectRef idx="0">
+                <a:schemeClr val="accent1"/>
+              </a:effectRef>
+              <a:fontRef idx="minor">
+                <a:schemeClr val="lt1"/>
+              </a:fontRef>
+            </p:style>
+            <p:txBody>
+              <a:bodyPr rtlCol="0" anchor="ctr"/>
+              <a:lstStyle/>
+              <a:p>
+                <a:pPr algn="ctr"/>
+                <a:r>
+                  <a:rPr lang="en-GB" sz="600" dirty="0">
+                    <a:solidFill>
+                      <a:schemeClr val="tx1"/>
+                    </a:solidFill>
+                  </a:rPr>
+                  <a:t>Rank</a:t>
+                </a:r>
+              </a:p>
+            </p:txBody>
+          </p:sp>
+          <p:sp>
+            <p:nvSpPr>
+              <p:cNvPr id="54" name="Rectangle 53">
+                <a:extLst>
+                  <a:ext uri="{FF2B5EF4-FFF2-40B4-BE49-F238E27FC236}">
+                    <a16:creationId xmlns:a16="http://schemas.microsoft.com/office/drawing/2014/main" id="{A25921D7-DC41-7620-023F-D5271C1F1233}"/>
+                  </a:ext>
+                </a:extLst>
+              </p:cNvPr>
+              <p:cNvSpPr/>
+              <p:nvPr/>
+            </p:nvSpPr>
+            <p:spPr>
+              <a:xfrm>
+                <a:off x="2415536" y="2916195"/>
+                <a:ext cx="3244392" cy="914400"/>
+              </a:xfrm>
+              <a:prstGeom prst="rect">
+                <a:avLst/>
+              </a:prstGeom>
+              <a:solidFill>
+                <a:schemeClr val="bg1"/>
+              </a:solidFill>
+              <a:ln>
+                <a:solidFill>
+                  <a:schemeClr val="tx1"/>
+                </a:solidFill>
+              </a:ln>
+            </p:spPr>
+            <p:style>
+              <a:lnRef idx="2">
+                <a:schemeClr val="accent1">
+                  <a:shade val="50000"/>
+                </a:schemeClr>
+              </a:lnRef>
+              <a:fillRef idx="1">
+                <a:schemeClr val="accent1"/>
+              </a:fillRef>
+              <a:effectRef idx="0">
+                <a:schemeClr val="accent1"/>
+              </a:effectRef>
+              <a:fontRef idx="minor">
+                <a:schemeClr val="lt1"/>
+              </a:fontRef>
+            </p:style>
+            <p:txBody>
+              <a:bodyPr rtlCol="0" anchor="ctr"/>
+              <a:lstStyle/>
+              <a:p>
+                <a:pPr algn="ctr"/>
+                <a:r>
+                  <a:rPr lang="en-GB" sz="600" dirty="0">
+                    <a:solidFill>
+                      <a:schemeClr val="tx1"/>
+                    </a:solidFill>
+                  </a:rPr>
+                  <a:t>Username</a:t>
+                </a:r>
+              </a:p>
+            </p:txBody>
+          </p:sp>
+          <p:sp>
+            <p:nvSpPr>
+              <p:cNvPr id="55" name="Rectangle 54">
+                <a:extLst>
+                  <a:ext uri="{FF2B5EF4-FFF2-40B4-BE49-F238E27FC236}">
+                    <a16:creationId xmlns:a16="http://schemas.microsoft.com/office/drawing/2014/main" id="{6CAE4353-8C01-694B-9AC9-8EF86B9F8A1C}"/>
+                  </a:ext>
+                </a:extLst>
+              </p:cNvPr>
+              <p:cNvSpPr/>
+              <p:nvPr/>
+            </p:nvSpPr>
+            <p:spPr>
+              <a:xfrm>
+                <a:off x="5659930" y="2916195"/>
+                <a:ext cx="914401" cy="914400"/>
+              </a:xfrm>
+              <a:prstGeom prst="rect">
+                <a:avLst/>
+              </a:prstGeom>
+              <a:solidFill>
+                <a:schemeClr val="bg1"/>
+              </a:solidFill>
+              <a:ln>
+                <a:solidFill>
+                  <a:schemeClr val="tx1"/>
+                </a:solidFill>
+              </a:ln>
+            </p:spPr>
+            <p:style>
+              <a:lnRef idx="2">
+                <a:schemeClr val="accent1">
+                  <a:shade val="50000"/>
+                </a:schemeClr>
+              </a:lnRef>
+              <a:fillRef idx="1">
+                <a:schemeClr val="accent1"/>
+              </a:fillRef>
+              <a:effectRef idx="0">
+                <a:schemeClr val="accent1"/>
+              </a:effectRef>
+              <a:fontRef idx="minor">
+                <a:schemeClr val="lt1"/>
+              </a:fontRef>
+            </p:style>
+            <p:txBody>
+              <a:bodyPr rtlCol="0" anchor="ctr"/>
+              <a:lstStyle/>
+              <a:p>
+                <a:pPr algn="ctr"/>
+                <a:r>
+                  <a:rPr lang="en-GB" sz="600" dirty="0">
+                    <a:solidFill>
+                      <a:schemeClr val="tx1"/>
+                    </a:solidFill>
+                  </a:rPr>
+                  <a:t>Total</a:t>
+                </a:r>
+              </a:p>
+            </p:txBody>
+          </p:sp>
+        </p:grpSp>
+        <p:grpSp>
+          <p:nvGrpSpPr>
+            <p:cNvPr id="24" name="Group 23">
+              <a:extLst>
+                <a:ext uri="{FF2B5EF4-FFF2-40B4-BE49-F238E27FC236}">
+                  <a16:creationId xmlns:a16="http://schemas.microsoft.com/office/drawing/2014/main" id="{7E83C2A6-8C1F-B898-6381-5A37F0758D6C}"/>
+                </a:ext>
+              </a:extLst>
+            </p:cNvPr>
+            <p:cNvGrpSpPr/>
+            <p:nvPr/>
+          </p:nvGrpSpPr>
+          <p:grpSpPr>
+            <a:xfrm>
+              <a:off x="6770779" y="2315058"/>
+              <a:ext cx="2626018" cy="275016"/>
+              <a:chOff x="1501139" y="2916195"/>
+              <a:chExt cx="5073192" cy="914400"/>
+            </a:xfrm>
+          </p:grpSpPr>
+          <p:sp>
+            <p:nvSpPr>
+              <p:cNvPr id="50" name="Rectangle 49">
+                <a:extLst>
+                  <a:ext uri="{FF2B5EF4-FFF2-40B4-BE49-F238E27FC236}">
+                    <a16:creationId xmlns:a16="http://schemas.microsoft.com/office/drawing/2014/main" id="{C840EEEF-2BA5-BBC1-3967-85BAC278B312}"/>
+                  </a:ext>
+                </a:extLst>
+              </p:cNvPr>
+              <p:cNvSpPr/>
+              <p:nvPr/>
+            </p:nvSpPr>
+            <p:spPr>
+              <a:xfrm>
+                <a:off x="1501139" y="2916195"/>
+                <a:ext cx="914400" cy="914400"/>
+              </a:xfrm>
+              <a:prstGeom prst="rect">
+                <a:avLst/>
+              </a:prstGeom>
+              <a:solidFill>
+                <a:schemeClr val="bg1"/>
+              </a:solidFill>
+              <a:ln>
+                <a:solidFill>
+                  <a:schemeClr val="tx1"/>
+                </a:solidFill>
+              </a:ln>
+            </p:spPr>
+            <p:style>
+              <a:lnRef idx="2">
+                <a:schemeClr val="accent1">
+                  <a:shade val="50000"/>
+                </a:schemeClr>
+              </a:lnRef>
+              <a:fillRef idx="1">
+                <a:schemeClr val="accent1"/>
+              </a:fillRef>
+              <a:effectRef idx="0">
+                <a:schemeClr val="accent1"/>
+              </a:effectRef>
+              <a:fontRef idx="minor">
+                <a:schemeClr val="lt1"/>
+              </a:fontRef>
+            </p:style>
+            <p:txBody>
+              <a:bodyPr rtlCol="0" anchor="ctr"/>
+              <a:lstStyle/>
+              <a:p>
+                <a:pPr algn="ctr"/>
+                <a:r>
+                  <a:rPr lang="en-GB" sz="600" dirty="0">
+                    <a:solidFill>
+                      <a:schemeClr val="tx1"/>
+                    </a:solidFill>
+                  </a:rPr>
+                  <a:t>1</a:t>
+                </a:r>
+              </a:p>
+            </p:txBody>
+          </p:sp>
+          <p:sp>
+            <p:nvSpPr>
+              <p:cNvPr id="51" name="Rectangle 50">
+                <a:extLst>
+                  <a:ext uri="{FF2B5EF4-FFF2-40B4-BE49-F238E27FC236}">
+                    <a16:creationId xmlns:a16="http://schemas.microsoft.com/office/drawing/2014/main" id="{886B9BDB-D862-030F-E399-8F2E9152C145}"/>
+                  </a:ext>
+                </a:extLst>
+              </p:cNvPr>
+              <p:cNvSpPr/>
+              <p:nvPr/>
+            </p:nvSpPr>
+            <p:spPr>
+              <a:xfrm>
+                <a:off x="2415536" y="2916195"/>
+                <a:ext cx="3244392" cy="914400"/>
+              </a:xfrm>
+              <a:prstGeom prst="rect">
+                <a:avLst/>
+              </a:prstGeom>
+              <a:solidFill>
+                <a:schemeClr val="bg1"/>
+              </a:solidFill>
+              <a:ln>
+                <a:solidFill>
+                  <a:schemeClr val="tx1"/>
+                </a:solidFill>
+              </a:ln>
+            </p:spPr>
+            <p:style>
+              <a:lnRef idx="2">
+                <a:schemeClr val="accent1">
+                  <a:shade val="50000"/>
+                </a:schemeClr>
+              </a:lnRef>
+              <a:fillRef idx="1">
+                <a:schemeClr val="accent1"/>
+              </a:fillRef>
+              <a:effectRef idx="0">
+                <a:schemeClr val="accent1"/>
+              </a:effectRef>
+              <a:fontRef idx="minor">
+                <a:schemeClr val="lt1"/>
+              </a:fontRef>
+            </p:style>
+            <p:txBody>
+              <a:bodyPr rtlCol="0" anchor="ctr"/>
+              <a:lstStyle/>
+              <a:p>
+                <a:pPr algn="ctr"/>
+                <a:r>
+                  <a:rPr lang="en-GB" sz="600" dirty="0">
+                    <a:solidFill>
+                      <a:schemeClr val="tx1"/>
+                    </a:solidFill>
+                  </a:rPr>
+                  <a:t>Jazer</a:t>
+                </a:r>
+              </a:p>
+            </p:txBody>
+          </p:sp>
+          <p:sp>
+            <p:nvSpPr>
+              <p:cNvPr id="52" name="Rectangle 51">
+                <a:extLst>
+                  <a:ext uri="{FF2B5EF4-FFF2-40B4-BE49-F238E27FC236}">
+                    <a16:creationId xmlns:a16="http://schemas.microsoft.com/office/drawing/2014/main" id="{6662D919-6373-DF96-C5CC-56A00A62EB7B}"/>
+                  </a:ext>
+                </a:extLst>
+              </p:cNvPr>
+              <p:cNvSpPr/>
+              <p:nvPr/>
+            </p:nvSpPr>
+            <p:spPr>
+              <a:xfrm>
+                <a:off x="5659930" y="2916195"/>
+                <a:ext cx="914401" cy="914400"/>
+              </a:xfrm>
+              <a:prstGeom prst="rect">
+                <a:avLst/>
+              </a:prstGeom>
+              <a:solidFill>
+                <a:schemeClr val="bg1"/>
+              </a:solidFill>
+              <a:ln>
+                <a:solidFill>
+                  <a:schemeClr val="tx1"/>
+                </a:solidFill>
+              </a:ln>
+            </p:spPr>
+            <p:style>
+              <a:lnRef idx="2">
+                <a:schemeClr val="accent1">
+                  <a:shade val="50000"/>
+                </a:schemeClr>
+              </a:lnRef>
+              <a:fillRef idx="1">
+                <a:schemeClr val="accent1"/>
+              </a:fillRef>
+              <a:effectRef idx="0">
+                <a:schemeClr val="accent1"/>
+              </a:effectRef>
+              <a:fontRef idx="minor">
+                <a:schemeClr val="lt1"/>
+              </a:fontRef>
+            </p:style>
+            <p:txBody>
+              <a:bodyPr rtlCol="0" anchor="ctr"/>
+              <a:lstStyle/>
+              <a:p>
+                <a:pPr algn="ctr"/>
+                <a:r>
+                  <a:rPr lang="en-GB" sz="600" dirty="0">
+                    <a:solidFill>
+                      <a:schemeClr val="tx1"/>
+                    </a:solidFill>
+                  </a:rPr>
+                  <a:t>20</a:t>
+                </a:r>
+              </a:p>
+            </p:txBody>
+          </p:sp>
+        </p:grpSp>
+        <p:grpSp>
+          <p:nvGrpSpPr>
+            <p:cNvPr id="25" name="Group 24">
+              <a:extLst>
+                <a:ext uri="{FF2B5EF4-FFF2-40B4-BE49-F238E27FC236}">
+                  <a16:creationId xmlns:a16="http://schemas.microsoft.com/office/drawing/2014/main" id="{EEF696EF-448F-780D-90F8-2E966E4C6FC6}"/>
+                </a:ext>
+              </a:extLst>
+            </p:cNvPr>
+            <p:cNvGrpSpPr/>
+            <p:nvPr/>
+          </p:nvGrpSpPr>
+          <p:grpSpPr>
+            <a:xfrm>
+              <a:off x="6770777" y="2590074"/>
+              <a:ext cx="2626018" cy="275016"/>
+              <a:chOff x="1501139" y="2916195"/>
+              <a:chExt cx="5073192" cy="914400"/>
+            </a:xfrm>
+          </p:grpSpPr>
+          <p:sp>
+            <p:nvSpPr>
+              <p:cNvPr id="47" name="Rectangle 46">
+                <a:extLst>
+                  <a:ext uri="{FF2B5EF4-FFF2-40B4-BE49-F238E27FC236}">
+                    <a16:creationId xmlns:a16="http://schemas.microsoft.com/office/drawing/2014/main" id="{31A340B0-1B46-62B9-A362-B9F65341E576}"/>
+                  </a:ext>
+                </a:extLst>
+              </p:cNvPr>
+              <p:cNvSpPr/>
+              <p:nvPr/>
+            </p:nvSpPr>
+            <p:spPr>
+              <a:xfrm>
+                <a:off x="1501139" y="2916195"/>
+                <a:ext cx="914400" cy="914400"/>
+              </a:xfrm>
+              <a:prstGeom prst="rect">
+                <a:avLst/>
+              </a:prstGeom>
+              <a:solidFill>
+                <a:schemeClr val="bg1"/>
+              </a:solidFill>
+              <a:ln>
+                <a:solidFill>
+                  <a:schemeClr val="tx1"/>
+                </a:solidFill>
+              </a:ln>
+            </p:spPr>
+            <p:style>
+              <a:lnRef idx="2">
+                <a:schemeClr val="accent1">
+                  <a:shade val="50000"/>
+                </a:schemeClr>
+              </a:lnRef>
+              <a:fillRef idx="1">
+                <a:schemeClr val="accent1"/>
+              </a:fillRef>
+              <a:effectRef idx="0">
+                <a:schemeClr val="accent1"/>
+              </a:effectRef>
+              <a:fontRef idx="minor">
+                <a:schemeClr val="lt1"/>
+              </a:fontRef>
+            </p:style>
+            <p:txBody>
+              <a:bodyPr rtlCol="0" anchor="ctr"/>
+              <a:lstStyle/>
+              <a:p>
+                <a:pPr algn="ctr"/>
+                <a:r>
+                  <a:rPr lang="en-GB" sz="600" dirty="0">
+                    <a:solidFill>
+                      <a:schemeClr val="tx1"/>
+                    </a:solidFill>
+                  </a:rPr>
+                  <a:t>2</a:t>
+                </a:r>
+              </a:p>
+            </p:txBody>
+          </p:sp>
+          <p:sp>
+            <p:nvSpPr>
+              <p:cNvPr id="48" name="Rectangle 47">
+                <a:extLst>
+                  <a:ext uri="{FF2B5EF4-FFF2-40B4-BE49-F238E27FC236}">
+                    <a16:creationId xmlns:a16="http://schemas.microsoft.com/office/drawing/2014/main" id="{89B481CA-72FC-6932-90C6-AE6F804F4D75}"/>
+                  </a:ext>
+                </a:extLst>
+              </p:cNvPr>
+              <p:cNvSpPr/>
+              <p:nvPr/>
+            </p:nvSpPr>
+            <p:spPr>
+              <a:xfrm>
+                <a:off x="2415536" y="2916195"/>
+                <a:ext cx="3244392" cy="914400"/>
+              </a:xfrm>
+              <a:prstGeom prst="rect">
+                <a:avLst/>
+              </a:prstGeom>
+              <a:solidFill>
+                <a:schemeClr val="bg1"/>
+              </a:solidFill>
+              <a:ln>
+                <a:solidFill>
+                  <a:schemeClr val="tx1"/>
+                </a:solidFill>
+              </a:ln>
+            </p:spPr>
+            <p:style>
+              <a:lnRef idx="2">
+                <a:schemeClr val="accent1">
+                  <a:shade val="50000"/>
+                </a:schemeClr>
+              </a:lnRef>
+              <a:fillRef idx="1">
+                <a:schemeClr val="accent1"/>
+              </a:fillRef>
+              <a:effectRef idx="0">
+                <a:schemeClr val="accent1"/>
+              </a:effectRef>
+              <a:fontRef idx="minor">
+                <a:schemeClr val="lt1"/>
+              </a:fontRef>
+            </p:style>
+            <p:txBody>
+              <a:bodyPr rtlCol="0" anchor="ctr"/>
+              <a:lstStyle/>
+              <a:p>
+                <a:pPr algn="ctr"/>
+                <a:r>
+                  <a:rPr lang="en-GB" sz="600" dirty="0">
+                    <a:solidFill>
+                      <a:schemeClr val="tx1"/>
+                    </a:solidFill>
+                  </a:rPr>
+                  <a:t>Fin</a:t>
+                </a:r>
+              </a:p>
+            </p:txBody>
+          </p:sp>
+          <p:sp>
+            <p:nvSpPr>
+              <p:cNvPr id="49" name="Rectangle 48">
+                <a:extLst>
+                  <a:ext uri="{FF2B5EF4-FFF2-40B4-BE49-F238E27FC236}">
+                    <a16:creationId xmlns:a16="http://schemas.microsoft.com/office/drawing/2014/main" id="{3E0BAAD3-9F9D-32E5-C3D9-2F12EEEF65E8}"/>
+                  </a:ext>
+                </a:extLst>
+              </p:cNvPr>
+              <p:cNvSpPr/>
+              <p:nvPr/>
+            </p:nvSpPr>
+            <p:spPr>
+              <a:xfrm>
+                <a:off x="5659930" y="2916195"/>
+                <a:ext cx="914401" cy="914400"/>
+              </a:xfrm>
+              <a:prstGeom prst="rect">
+                <a:avLst/>
+              </a:prstGeom>
+              <a:solidFill>
+                <a:schemeClr val="bg1"/>
+              </a:solidFill>
+              <a:ln>
+                <a:solidFill>
+                  <a:schemeClr val="tx1"/>
+                </a:solidFill>
+              </a:ln>
+            </p:spPr>
+            <p:style>
+              <a:lnRef idx="2">
+                <a:schemeClr val="accent1">
+                  <a:shade val="50000"/>
+                </a:schemeClr>
+              </a:lnRef>
+              <a:fillRef idx="1">
+                <a:schemeClr val="accent1"/>
+              </a:fillRef>
+              <a:effectRef idx="0">
+                <a:schemeClr val="accent1"/>
+              </a:effectRef>
+              <a:fontRef idx="minor">
+                <a:schemeClr val="lt1"/>
+              </a:fontRef>
+            </p:style>
+            <p:txBody>
+              <a:bodyPr rtlCol="0" anchor="ctr"/>
+              <a:lstStyle/>
+              <a:p>
+                <a:pPr algn="ctr"/>
+                <a:r>
+                  <a:rPr lang="en-GB" sz="600" dirty="0">
+                    <a:solidFill>
+                      <a:schemeClr val="tx1"/>
+                    </a:solidFill>
+                  </a:rPr>
+                  <a:t>16</a:t>
+                </a:r>
+              </a:p>
+            </p:txBody>
+          </p:sp>
+        </p:grpSp>
+        <p:grpSp>
+          <p:nvGrpSpPr>
+            <p:cNvPr id="26" name="Group 25">
+              <a:extLst>
+                <a:ext uri="{FF2B5EF4-FFF2-40B4-BE49-F238E27FC236}">
+                  <a16:creationId xmlns:a16="http://schemas.microsoft.com/office/drawing/2014/main" id="{4A9B5CCB-E979-784C-9838-106F882B9513}"/>
+                </a:ext>
+              </a:extLst>
+            </p:cNvPr>
+            <p:cNvGrpSpPr/>
+            <p:nvPr/>
+          </p:nvGrpSpPr>
+          <p:grpSpPr>
+            <a:xfrm>
+              <a:off x="6770775" y="2865090"/>
+              <a:ext cx="2626018" cy="275016"/>
+              <a:chOff x="1501139" y="2916195"/>
+              <a:chExt cx="5073192" cy="914400"/>
+            </a:xfrm>
+          </p:grpSpPr>
+          <p:sp>
+            <p:nvSpPr>
+              <p:cNvPr id="44" name="Rectangle 43">
+                <a:extLst>
+                  <a:ext uri="{FF2B5EF4-FFF2-40B4-BE49-F238E27FC236}">
+                    <a16:creationId xmlns:a16="http://schemas.microsoft.com/office/drawing/2014/main" id="{F3CB9EE8-B6F8-17F9-3AE2-C2A42319AB73}"/>
+                  </a:ext>
+                </a:extLst>
+              </p:cNvPr>
+              <p:cNvSpPr/>
+              <p:nvPr/>
+            </p:nvSpPr>
+            <p:spPr>
+              <a:xfrm>
+                <a:off x="1501139" y="2916195"/>
+                <a:ext cx="914400" cy="914400"/>
+              </a:xfrm>
+              <a:prstGeom prst="rect">
+                <a:avLst/>
+              </a:prstGeom>
+              <a:solidFill>
+                <a:schemeClr val="bg1"/>
+              </a:solidFill>
+              <a:ln>
+                <a:solidFill>
+                  <a:schemeClr val="tx1"/>
+                </a:solidFill>
+              </a:ln>
+            </p:spPr>
+            <p:style>
+              <a:lnRef idx="2">
+                <a:schemeClr val="accent1">
+                  <a:shade val="50000"/>
+                </a:schemeClr>
+              </a:lnRef>
+              <a:fillRef idx="1">
+                <a:schemeClr val="accent1"/>
+              </a:fillRef>
+              <a:effectRef idx="0">
+                <a:schemeClr val="accent1"/>
+              </a:effectRef>
+              <a:fontRef idx="minor">
+                <a:schemeClr val="lt1"/>
+              </a:fontRef>
+            </p:style>
+            <p:txBody>
+              <a:bodyPr rtlCol="0" anchor="ctr"/>
+              <a:lstStyle/>
+              <a:p>
+                <a:pPr algn="ctr"/>
+                <a:r>
+                  <a:rPr lang="en-GB" sz="600" dirty="0">
+                    <a:solidFill>
+                      <a:schemeClr val="tx1"/>
+                    </a:solidFill>
+                  </a:rPr>
+                  <a:t>3</a:t>
+                </a:r>
+              </a:p>
+            </p:txBody>
+          </p:sp>
+          <p:sp>
+            <p:nvSpPr>
+              <p:cNvPr id="45" name="Rectangle 44">
+                <a:extLst>
+                  <a:ext uri="{FF2B5EF4-FFF2-40B4-BE49-F238E27FC236}">
+                    <a16:creationId xmlns:a16="http://schemas.microsoft.com/office/drawing/2014/main" id="{0F02D2BD-4E92-AE0A-AA34-332B12167E7C}"/>
+                  </a:ext>
+                </a:extLst>
+              </p:cNvPr>
+              <p:cNvSpPr/>
+              <p:nvPr/>
+            </p:nvSpPr>
+            <p:spPr>
+              <a:xfrm>
+                <a:off x="2415536" y="2916195"/>
+                <a:ext cx="3244392" cy="914400"/>
+              </a:xfrm>
+              <a:prstGeom prst="rect">
+                <a:avLst/>
+              </a:prstGeom>
+              <a:solidFill>
+                <a:schemeClr val="bg1"/>
+              </a:solidFill>
+              <a:ln>
+                <a:solidFill>
+                  <a:schemeClr val="tx1"/>
+                </a:solidFill>
+              </a:ln>
+            </p:spPr>
+            <p:style>
+              <a:lnRef idx="2">
+                <a:schemeClr val="accent1">
+                  <a:shade val="50000"/>
+                </a:schemeClr>
+              </a:lnRef>
+              <a:fillRef idx="1">
+                <a:schemeClr val="accent1"/>
+              </a:fillRef>
+              <a:effectRef idx="0">
+                <a:schemeClr val="accent1"/>
+              </a:effectRef>
+              <a:fontRef idx="minor">
+                <a:schemeClr val="lt1"/>
+              </a:fontRef>
+            </p:style>
+            <p:txBody>
+              <a:bodyPr rtlCol="0" anchor="ctr"/>
+              <a:lstStyle/>
+              <a:p>
+                <a:pPr algn="ctr"/>
+                <a:r>
+                  <a:rPr lang="en-GB" sz="600" dirty="0">
+                    <a:solidFill>
+                      <a:schemeClr val="tx1"/>
+                    </a:solidFill>
+                  </a:rPr>
+                  <a:t>Karan</a:t>
+                </a:r>
+              </a:p>
+            </p:txBody>
+          </p:sp>
+          <p:sp>
+            <p:nvSpPr>
+              <p:cNvPr id="46" name="Rectangle 45">
+                <a:extLst>
+                  <a:ext uri="{FF2B5EF4-FFF2-40B4-BE49-F238E27FC236}">
+                    <a16:creationId xmlns:a16="http://schemas.microsoft.com/office/drawing/2014/main" id="{4CD0A86C-8137-2A37-2CAD-9103ED912373}"/>
+                  </a:ext>
+                </a:extLst>
+              </p:cNvPr>
+              <p:cNvSpPr/>
+              <p:nvPr/>
+            </p:nvSpPr>
+            <p:spPr>
+              <a:xfrm>
+                <a:off x="5659930" y="2916195"/>
+                <a:ext cx="914401" cy="914400"/>
+              </a:xfrm>
+              <a:prstGeom prst="rect">
+                <a:avLst/>
+              </a:prstGeom>
+              <a:solidFill>
+                <a:schemeClr val="bg1"/>
+              </a:solidFill>
+              <a:ln>
+                <a:solidFill>
+                  <a:schemeClr val="tx1"/>
+                </a:solidFill>
+              </a:ln>
+            </p:spPr>
+            <p:style>
+              <a:lnRef idx="2">
+                <a:schemeClr val="accent1">
+                  <a:shade val="50000"/>
+                </a:schemeClr>
+              </a:lnRef>
+              <a:fillRef idx="1">
+                <a:schemeClr val="accent1"/>
+              </a:fillRef>
+              <a:effectRef idx="0">
+                <a:schemeClr val="accent1"/>
+              </a:effectRef>
+              <a:fontRef idx="minor">
+                <a:schemeClr val="lt1"/>
+              </a:fontRef>
+            </p:style>
+            <p:txBody>
+              <a:bodyPr rtlCol="0" anchor="ctr"/>
+              <a:lstStyle/>
+              <a:p>
+                <a:pPr algn="ctr"/>
+                <a:r>
+                  <a:rPr lang="en-GB" sz="600" dirty="0">
+                    <a:solidFill>
+                      <a:schemeClr val="tx1"/>
+                    </a:solidFill>
+                  </a:rPr>
+                  <a:t>14</a:t>
+                </a:r>
+              </a:p>
+            </p:txBody>
+          </p:sp>
+        </p:grpSp>
+        <p:grpSp>
+          <p:nvGrpSpPr>
+            <p:cNvPr id="27" name="Group 26">
+              <a:extLst>
+                <a:ext uri="{FF2B5EF4-FFF2-40B4-BE49-F238E27FC236}">
+                  <a16:creationId xmlns:a16="http://schemas.microsoft.com/office/drawing/2014/main" id="{D2266254-2990-59EE-E04F-49BE7BFD9044}"/>
+                </a:ext>
+              </a:extLst>
+            </p:cNvPr>
+            <p:cNvGrpSpPr/>
+            <p:nvPr/>
+          </p:nvGrpSpPr>
+          <p:grpSpPr>
+            <a:xfrm>
+              <a:off x="6770773" y="3140106"/>
+              <a:ext cx="2626018" cy="275016"/>
+              <a:chOff x="1501139" y="2916195"/>
+              <a:chExt cx="5073192" cy="914400"/>
+            </a:xfrm>
+          </p:grpSpPr>
+          <p:sp>
+            <p:nvSpPr>
+              <p:cNvPr id="41" name="Rectangle 40">
+                <a:extLst>
+                  <a:ext uri="{FF2B5EF4-FFF2-40B4-BE49-F238E27FC236}">
+                    <a16:creationId xmlns:a16="http://schemas.microsoft.com/office/drawing/2014/main" id="{54F751C5-8DF6-5483-4A6C-6118C36E9A45}"/>
+                  </a:ext>
+                </a:extLst>
+              </p:cNvPr>
+              <p:cNvSpPr/>
+              <p:nvPr/>
+            </p:nvSpPr>
+            <p:spPr>
+              <a:xfrm>
+                <a:off x="1501139" y="2916195"/>
+                <a:ext cx="914400" cy="914400"/>
+              </a:xfrm>
+              <a:prstGeom prst="rect">
+                <a:avLst/>
+              </a:prstGeom>
+              <a:solidFill>
+                <a:schemeClr val="bg1"/>
+              </a:solidFill>
+              <a:ln>
+                <a:solidFill>
+                  <a:schemeClr val="tx1"/>
+                </a:solidFill>
+              </a:ln>
+            </p:spPr>
+            <p:style>
+              <a:lnRef idx="2">
+                <a:schemeClr val="accent1">
+                  <a:shade val="50000"/>
+                </a:schemeClr>
+              </a:lnRef>
+              <a:fillRef idx="1">
+                <a:schemeClr val="accent1"/>
+              </a:fillRef>
+              <a:effectRef idx="0">
+                <a:schemeClr val="accent1"/>
+              </a:effectRef>
+              <a:fontRef idx="minor">
+                <a:schemeClr val="lt1"/>
+              </a:fontRef>
+            </p:style>
+            <p:txBody>
+              <a:bodyPr rtlCol="0" anchor="ctr"/>
+              <a:lstStyle/>
+              <a:p>
+                <a:pPr algn="ctr"/>
+                <a:r>
+                  <a:rPr lang="en-GB" sz="600" dirty="0">
+                    <a:solidFill>
+                      <a:schemeClr val="tx1"/>
+                    </a:solidFill>
+                  </a:rPr>
+                  <a:t>4</a:t>
+                </a:r>
+              </a:p>
+            </p:txBody>
+          </p:sp>
+          <p:sp>
+            <p:nvSpPr>
+              <p:cNvPr id="42" name="Rectangle 41">
+                <a:extLst>
+                  <a:ext uri="{FF2B5EF4-FFF2-40B4-BE49-F238E27FC236}">
+                    <a16:creationId xmlns:a16="http://schemas.microsoft.com/office/drawing/2014/main" id="{03C83ED6-4089-4069-B6FD-D66FA4C85A26}"/>
+                  </a:ext>
+                </a:extLst>
+              </p:cNvPr>
+              <p:cNvSpPr/>
+              <p:nvPr/>
+            </p:nvSpPr>
+            <p:spPr>
+              <a:xfrm>
+                <a:off x="2415536" y="2916195"/>
+                <a:ext cx="3244392" cy="914400"/>
+              </a:xfrm>
+              <a:prstGeom prst="rect">
+                <a:avLst/>
+              </a:prstGeom>
+              <a:solidFill>
+                <a:schemeClr val="bg1"/>
+              </a:solidFill>
+              <a:ln>
+                <a:solidFill>
+                  <a:schemeClr val="tx1"/>
+                </a:solidFill>
+              </a:ln>
+            </p:spPr>
+            <p:style>
+              <a:lnRef idx="2">
+                <a:schemeClr val="accent1">
+                  <a:shade val="50000"/>
+                </a:schemeClr>
+              </a:lnRef>
+              <a:fillRef idx="1">
+                <a:schemeClr val="accent1"/>
+              </a:fillRef>
+              <a:effectRef idx="0">
+                <a:schemeClr val="accent1"/>
+              </a:effectRef>
+              <a:fontRef idx="minor">
+                <a:schemeClr val="lt1"/>
+              </a:fontRef>
+            </p:style>
+            <p:txBody>
+              <a:bodyPr rtlCol="0" anchor="ctr"/>
+              <a:lstStyle/>
+              <a:p>
+                <a:pPr algn="ctr"/>
+                <a:r>
+                  <a:rPr lang="en-GB" sz="600" dirty="0">
+                    <a:solidFill>
+                      <a:schemeClr val="tx1"/>
+                    </a:solidFill>
+                  </a:rPr>
+                  <a:t>Kim</a:t>
+                </a:r>
+              </a:p>
+            </p:txBody>
+          </p:sp>
+          <p:sp>
+            <p:nvSpPr>
+              <p:cNvPr id="43" name="Rectangle 42">
+                <a:extLst>
+                  <a:ext uri="{FF2B5EF4-FFF2-40B4-BE49-F238E27FC236}">
+                    <a16:creationId xmlns:a16="http://schemas.microsoft.com/office/drawing/2014/main" id="{BAB4E0BB-F0F9-9478-A6F5-AA87AB1879B1}"/>
+                  </a:ext>
+                </a:extLst>
+              </p:cNvPr>
+              <p:cNvSpPr/>
+              <p:nvPr/>
+            </p:nvSpPr>
+            <p:spPr>
+              <a:xfrm>
+                <a:off x="5659930" y="2916195"/>
+                <a:ext cx="914401" cy="914400"/>
+              </a:xfrm>
+              <a:prstGeom prst="rect">
+                <a:avLst/>
+              </a:prstGeom>
+              <a:solidFill>
+                <a:schemeClr val="bg1"/>
+              </a:solidFill>
+              <a:ln>
+                <a:solidFill>
+                  <a:schemeClr val="tx1"/>
+                </a:solidFill>
+              </a:ln>
+            </p:spPr>
+            <p:style>
+              <a:lnRef idx="2">
+                <a:schemeClr val="accent1">
+                  <a:shade val="50000"/>
+                </a:schemeClr>
+              </a:lnRef>
+              <a:fillRef idx="1">
+                <a:schemeClr val="accent1"/>
+              </a:fillRef>
+              <a:effectRef idx="0">
+                <a:schemeClr val="accent1"/>
+              </a:effectRef>
+              <a:fontRef idx="minor">
+                <a:schemeClr val="lt1"/>
+              </a:fontRef>
+            </p:style>
+            <p:txBody>
+              <a:bodyPr rtlCol="0" anchor="ctr"/>
+              <a:lstStyle/>
+              <a:p>
+                <a:pPr algn="ctr"/>
+                <a:r>
+                  <a:rPr lang="en-GB" sz="600" dirty="0">
+                    <a:solidFill>
+                      <a:schemeClr val="tx1"/>
+                    </a:solidFill>
+                  </a:rPr>
+                  <a:t>10</a:t>
+                </a:r>
+              </a:p>
+            </p:txBody>
+          </p:sp>
+        </p:grpSp>
+        <p:grpSp>
+          <p:nvGrpSpPr>
+            <p:cNvPr id="28" name="Group 27">
+              <a:extLst>
+                <a:ext uri="{FF2B5EF4-FFF2-40B4-BE49-F238E27FC236}">
+                  <a16:creationId xmlns:a16="http://schemas.microsoft.com/office/drawing/2014/main" id="{14890A38-5878-4F4D-7A27-6B60F63E73AB}"/>
+                </a:ext>
+              </a:extLst>
+            </p:cNvPr>
+            <p:cNvGrpSpPr/>
+            <p:nvPr/>
+          </p:nvGrpSpPr>
+          <p:grpSpPr>
+            <a:xfrm>
+              <a:off x="6770771" y="3415122"/>
+              <a:ext cx="2626018" cy="275016"/>
+              <a:chOff x="1501139" y="2916195"/>
+              <a:chExt cx="5073192" cy="914400"/>
+            </a:xfrm>
+          </p:grpSpPr>
+          <p:sp>
+            <p:nvSpPr>
+              <p:cNvPr id="38" name="Rectangle 37">
+                <a:extLst>
+                  <a:ext uri="{FF2B5EF4-FFF2-40B4-BE49-F238E27FC236}">
+                    <a16:creationId xmlns:a16="http://schemas.microsoft.com/office/drawing/2014/main" id="{A3057970-6C8B-CD3F-5DCF-EF9A513F9DE2}"/>
+                  </a:ext>
+                </a:extLst>
+              </p:cNvPr>
+              <p:cNvSpPr/>
+              <p:nvPr/>
+            </p:nvSpPr>
+            <p:spPr>
+              <a:xfrm>
+                <a:off x="1501139" y="2916195"/>
+                <a:ext cx="914400" cy="914400"/>
+              </a:xfrm>
+              <a:prstGeom prst="rect">
+                <a:avLst/>
+              </a:prstGeom>
+              <a:solidFill>
+                <a:schemeClr val="bg1"/>
+              </a:solidFill>
+              <a:ln>
+                <a:solidFill>
+                  <a:schemeClr val="tx1"/>
+                </a:solidFill>
+              </a:ln>
+            </p:spPr>
+            <p:style>
+              <a:lnRef idx="2">
+                <a:schemeClr val="accent1">
+                  <a:shade val="50000"/>
+                </a:schemeClr>
+              </a:lnRef>
+              <a:fillRef idx="1">
+                <a:schemeClr val="accent1"/>
+              </a:fillRef>
+              <a:effectRef idx="0">
+                <a:schemeClr val="accent1"/>
+              </a:effectRef>
+              <a:fontRef idx="minor">
+                <a:schemeClr val="lt1"/>
+              </a:fontRef>
+            </p:style>
+            <p:txBody>
+              <a:bodyPr rtlCol="0" anchor="ctr"/>
+              <a:lstStyle/>
+              <a:p>
+                <a:pPr algn="ctr"/>
+                <a:r>
+                  <a:rPr lang="en-GB" sz="600" dirty="0">
+                    <a:solidFill>
+                      <a:schemeClr val="tx1"/>
+                    </a:solidFill>
+                  </a:rPr>
+                  <a:t>5</a:t>
+                </a:r>
+              </a:p>
+            </p:txBody>
+          </p:sp>
+          <p:sp>
+            <p:nvSpPr>
+              <p:cNvPr id="39" name="Rectangle 38">
+                <a:extLst>
+                  <a:ext uri="{FF2B5EF4-FFF2-40B4-BE49-F238E27FC236}">
+                    <a16:creationId xmlns:a16="http://schemas.microsoft.com/office/drawing/2014/main" id="{83F3EFC6-6D30-97E7-137B-A43E987E20AA}"/>
+                  </a:ext>
+                </a:extLst>
+              </p:cNvPr>
+              <p:cNvSpPr/>
+              <p:nvPr/>
+            </p:nvSpPr>
+            <p:spPr>
+              <a:xfrm>
+                <a:off x="2415536" y="2916195"/>
+                <a:ext cx="3244392" cy="914400"/>
+              </a:xfrm>
+              <a:prstGeom prst="rect">
+                <a:avLst/>
+              </a:prstGeom>
+              <a:solidFill>
+                <a:schemeClr val="bg1"/>
+              </a:solidFill>
+              <a:ln>
+                <a:solidFill>
+                  <a:schemeClr val="tx1"/>
+                </a:solidFill>
+              </a:ln>
+            </p:spPr>
+            <p:style>
+              <a:lnRef idx="2">
+                <a:schemeClr val="accent1">
+                  <a:shade val="50000"/>
+                </a:schemeClr>
+              </a:lnRef>
+              <a:fillRef idx="1">
+                <a:schemeClr val="accent1"/>
+              </a:fillRef>
+              <a:effectRef idx="0">
+                <a:schemeClr val="accent1"/>
+              </a:effectRef>
+              <a:fontRef idx="minor">
+                <a:schemeClr val="lt1"/>
+              </a:fontRef>
+            </p:style>
+            <p:txBody>
+              <a:bodyPr rtlCol="0" anchor="ctr"/>
+              <a:lstStyle/>
+              <a:p>
+                <a:pPr algn="ctr"/>
+                <a:r>
+                  <a:rPr lang="en-GB" sz="600" dirty="0" err="1">
+                    <a:solidFill>
+                      <a:schemeClr val="tx1"/>
+                    </a:solidFill>
+                  </a:rPr>
+                  <a:t>Danil</a:t>
+                </a:r>
+                <a:endParaRPr lang="en-GB" sz="600" dirty="0">
+                  <a:solidFill>
+                    <a:schemeClr val="tx1"/>
+                  </a:solidFill>
+                </a:endParaRPr>
+              </a:p>
+            </p:txBody>
+          </p:sp>
+          <p:sp>
+            <p:nvSpPr>
+              <p:cNvPr id="40" name="Rectangle 39">
+                <a:extLst>
+                  <a:ext uri="{FF2B5EF4-FFF2-40B4-BE49-F238E27FC236}">
+                    <a16:creationId xmlns:a16="http://schemas.microsoft.com/office/drawing/2014/main" id="{AFCB1F00-6FC0-669F-2E0F-4E721D947F2C}"/>
+                  </a:ext>
+                </a:extLst>
+              </p:cNvPr>
+              <p:cNvSpPr/>
+              <p:nvPr/>
+            </p:nvSpPr>
+            <p:spPr>
+              <a:xfrm>
+                <a:off x="5659930" y="2916195"/>
+                <a:ext cx="914401" cy="914400"/>
+              </a:xfrm>
+              <a:prstGeom prst="rect">
+                <a:avLst/>
+              </a:prstGeom>
+              <a:solidFill>
+                <a:schemeClr val="bg1"/>
+              </a:solidFill>
+              <a:ln>
+                <a:solidFill>
+                  <a:schemeClr val="tx1"/>
+                </a:solidFill>
+              </a:ln>
+            </p:spPr>
+            <p:style>
+              <a:lnRef idx="2">
+                <a:schemeClr val="accent1">
+                  <a:shade val="50000"/>
+                </a:schemeClr>
+              </a:lnRef>
+              <a:fillRef idx="1">
+                <a:schemeClr val="accent1"/>
+              </a:fillRef>
+              <a:effectRef idx="0">
+                <a:schemeClr val="accent1"/>
+              </a:effectRef>
+              <a:fontRef idx="minor">
+                <a:schemeClr val="lt1"/>
+              </a:fontRef>
+            </p:style>
+            <p:txBody>
+              <a:bodyPr rtlCol="0" anchor="ctr"/>
+              <a:lstStyle/>
+              <a:p>
+                <a:pPr algn="ctr"/>
+                <a:r>
+                  <a:rPr lang="en-GB" sz="600" dirty="0">
+                    <a:solidFill>
+                      <a:schemeClr val="tx1"/>
+                    </a:solidFill>
+                  </a:rPr>
+                  <a:t>8</a:t>
+                </a:r>
+              </a:p>
+            </p:txBody>
+          </p:sp>
+        </p:grpSp>
+        <p:grpSp>
+          <p:nvGrpSpPr>
+            <p:cNvPr id="29" name="Group 28">
+              <a:extLst>
+                <a:ext uri="{FF2B5EF4-FFF2-40B4-BE49-F238E27FC236}">
+                  <a16:creationId xmlns:a16="http://schemas.microsoft.com/office/drawing/2014/main" id="{DD76FC8B-17D9-8A38-EA4B-0F1037C4C005}"/>
+                </a:ext>
+              </a:extLst>
+            </p:cNvPr>
+            <p:cNvGrpSpPr/>
+            <p:nvPr/>
+          </p:nvGrpSpPr>
+          <p:grpSpPr>
+            <a:xfrm>
+              <a:off x="6770769" y="3690138"/>
+              <a:ext cx="2626018" cy="275016"/>
+              <a:chOff x="1501139" y="2916195"/>
+              <a:chExt cx="5073192" cy="914400"/>
+            </a:xfrm>
+          </p:grpSpPr>
+          <p:sp>
+            <p:nvSpPr>
+              <p:cNvPr id="35" name="Rectangle 34">
+                <a:extLst>
+                  <a:ext uri="{FF2B5EF4-FFF2-40B4-BE49-F238E27FC236}">
+                    <a16:creationId xmlns:a16="http://schemas.microsoft.com/office/drawing/2014/main" id="{72B6C3BE-2B7A-E733-6B15-7284F2092575}"/>
+                  </a:ext>
+                </a:extLst>
+              </p:cNvPr>
+              <p:cNvSpPr/>
+              <p:nvPr/>
+            </p:nvSpPr>
+            <p:spPr>
+              <a:xfrm>
+                <a:off x="1501139" y="2916195"/>
+                <a:ext cx="914400" cy="914400"/>
+              </a:xfrm>
+              <a:prstGeom prst="rect">
+                <a:avLst/>
+              </a:prstGeom>
+              <a:solidFill>
+                <a:schemeClr val="bg1"/>
+              </a:solidFill>
+              <a:ln>
+                <a:solidFill>
+                  <a:schemeClr val="tx1"/>
+                </a:solidFill>
+              </a:ln>
+            </p:spPr>
+            <p:style>
+              <a:lnRef idx="2">
+                <a:schemeClr val="accent1">
+                  <a:shade val="50000"/>
+                </a:schemeClr>
+              </a:lnRef>
+              <a:fillRef idx="1">
+                <a:schemeClr val="accent1"/>
+              </a:fillRef>
+              <a:effectRef idx="0">
+                <a:schemeClr val="accent1"/>
+              </a:effectRef>
+              <a:fontRef idx="minor">
+                <a:schemeClr val="lt1"/>
+              </a:fontRef>
+            </p:style>
+            <p:txBody>
+              <a:bodyPr rtlCol="0" anchor="ctr"/>
+              <a:lstStyle/>
+              <a:p>
+                <a:pPr algn="ctr"/>
+                <a:r>
+                  <a:rPr lang="en-GB" sz="600" dirty="0">
+                    <a:solidFill>
+                      <a:schemeClr val="tx1"/>
+                    </a:solidFill>
+                  </a:rPr>
+                  <a:t>6</a:t>
+                </a:r>
+              </a:p>
+            </p:txBody>
+          </p:sp>
+          <p:sp>
+            <p:nvSpPr>
+              <p:cNvPr id="36" name="Rectangle 35">
+                <a:extLst>
+                  <a:ext uri="{FF2B5EF4-FFF2-40B4-BE49-F238E27FC236}">
+                    <a16:creationId xmlns:a16="http://schemas.microsoft.com/office/drawing/2014/main" id="{7A64651A-E4C2-C9A8-BDB2-64E93D0577D2}"/>
+                  </a:ext>
+                </a:extLst>
+              </p:cNvPr>
+              <p:cNvSpPr/>
+              <p:nvPr/>
+            </p:nvSpPr>
+            <p:spPr>
+              <a:xfrm>
+                <a:off x="2415536" y="2916195"/>
+                <a:ext cx="3244392" cy="914400"/>
+              </a:xfrm>
+              <a:prstGeom prst="rect">
+                <a:avLst/>
+              </a:prstGeom>
+              <a:solidFill>
+                <a:schemeClr val="bg1"/>
+              </a:solidFill>
+              <a:ln>
+                <a:solidFill>
+                  <a:schemeClr val="tx1"/>
+                </a:solidFill>
+              </a:ln>
+            </p:spPr>
+            <p:style>
+              <a:lnRef idx="2">
+                <a:schemeClr val="accent1">
+                  <a:shade val="50000"/>
+                </a:schemeClr>
+              </a:lnRef>
+              <a:fillRef idx="1">
+                <a:schemeClr val="accent1"/>
+              </a:fillRef>
+              <a:effectRef idx="0">
+                <a:schemeClr val="accent1"/>
+              </a:effectRef>
+              <a:fontRef idx="minor">
+                <a:schemeClr val="lt1"/>
+              </a:fontRef>
+            </p:style>
+            <p:txBody>
+              <a:bodyPr rtlCol="0" anchor="ctr"/>
+              <a:lstStyle/>
+              <a:p>
+                <a:pPr algn="ctr"/>
+                <a:r>
+                  <a:rPr lang="en-GB" sz="600" dirty="0">
+                    <a:solidFill>
+                      <a:schemeClr val="tx1"/>
+                    </a:solidFill>
+                  </a:rPr>
+                  <a:t>Ben</a:t>
+                </a:r>
+              </a:p>
+            </p:txBody>
+          </p:sp>
+          <p:sp>
+            <p:nvSpPr>
+              <p:cNvPr id="37" name="Rectangle 36">
+                <a:extLst>
+                  <a:ext uri="{FF2B5EF4-FFF2-40B4-BE49-F238E27FC236}">
+                    <a16:creationId xmlns:a16="http://schemas.microsoft.com/office/drawing/2014/main" id="{82B17E65-C103-87EE-40BD-8EE7548C6501}"/>
+                  </a:ext>
+                </a:extLst>
+              </p:cNvPr>
+              <p:cNvSpPr/>
+              <p:nvPr/>
+            </p:nvSpPr>
+            <p:spPr>
+              <a:xfrm>
+                <a:off x="5659930" y="2916195"/>
+                <a:ext cx="914401" cy="914400"/>
+              </a:xfrm>
+              <a:prstGeom prst="rect">
+                <a:avLst/>
+              </a:prstGeom>
+              <a:solidFill>
+                <a:schemeClr val="bg1"/>
+              </a:solidFill>
+              <a:ln>
+                <a:solidFill>
+                  <a:schemeClr val="tx1"/>
+                </a:solidFill>
+              </a:ln>
+            </p:spPr>
+            <p:style>
+              <a:lnRef idx="2">
+                <a:schemeClr val="accent1">
+                  <a:shade val="50000"/>
+                </a:schemeClr>
+              </a:lnRef>
+              <a:fillRef idx="1">
+                <a:schemeClr val="accent1"/>
+              </a:fillRef>
+              <a:effectRef idx="0">
+                <a:schemeClr val="accent1"/>
+              </a:effectRef>
+              <a:fontRef idx="minor">
+                <a:schemeClr val="lt1"/>
+              </a:fontRef>
+            </p:style>
+            <p:txBody>
+              <a:bodyPr rtlCol="0" anchor="ctr"/>
+              <a:lstStyle/>
+              <a:p>
+                <a:pPr algn="ctr"/>
+                <a:r>
+                  <a:rPr lang="en-GB" sz="600" dirty="0">
+                    <a:solidFill>
+                      <a:schemeClr val="tx1"/>
+                    </a:solidFill>
+                  </a:rPr>
+                  <a:t>6</a:t>
+                </a:r>
+              </a:p>
+            </p:txBody>
+          </p:sp>
+        </p:grpSp>
+        <p:grpSp>
+          <p:nvGrpSpPr>
+            <p:cNvPr id="30" name="Group 29">
+              <a:extLst>
+                <a:ext uri="{FF2B5EF4-FFF2-40B4-BE49-F238E27FC236}">
+                  <a16:creationId xmlns:a16="http://schemas.microsoft.com/office/drawing/2014/main" id="{419390EB-112B-4A70-7496-160870F67949}"/>
+                </a:ext>
+              </a:extLst>
+            </p:cNvPr>
+            <p:cNvGrpSpPr/>
+            <p:nvPr/>
+          </p:nvGrpSpPr>
+          <p:grpSpPr>
+            <a:xfrm>
+              <a:off x="6770767" y="3945994"/>
+              <a:ext cx="2626018" cy="275016"/>
+              <a:chOff x="1501139" y="2916195"/>
+              <a:chExt cx="5073192" cy="914400"/>
+            </a:xfrm>
+          </p:grpSpPr>
+          <p:sp>
+            <p:nvSpPr>
+              <p:cNvPr id="32" name="Rectangle 31">
+                <a:extLst>
+                  <a:ext uri="{FF2B5EF4-FFF2-40B4-BE49-F238E27FC236}">
+                    <a16:creationId xmlns:a16="http://schemas.microsoft.com/office/drawing/2014/main" id="{A8C2CB60-E611-0514-9E5D-72428185577D}"/>
+                  </a:ext>
+                </a:extLst>
+              </p:cNvPr>
+              <p:cNvSpPr/>
+              <p:nvPr/>
+            </p:nvSpPr>
+            <p:spPr>
+              <a:xfrm>
+                <a:off x="1501139" y="2916195"/>
+                <a:ext cx="914400" cy="914400"/>
+              </a:xfrm>
+              <a:prstGeom prst="rect">
+                <a:avLst/>
+              </a:prstGeom>
+              <a:solidFill>
+                <a:schemeClr val="bg1"/>
+              </a:solidFill>
+              <a:ln>
+                <a:solidFill>
+                  <a:schemeClr val="tx1"/>
+                </a:solidFill>
+              </a:ln>
+            </p:spPr>
+            <p:style>
+              <a:lnRef idx="2">
+                <a:schemeClr val="accent1">
+                  <a:shade val="50000"/>
+                </a:schemeClr>
+              </a:lnRef>
+              <a:fillRef idx="1">
+                <a:schemeClr val="accent1"/>
+              </a:fillRef>
+              <a:effectRef idx="0">
+                <a:schemeClr val="accent1"/>
+              </a:effectRef>
+              <a:fontRef idx="minor">
+                <a:schemeClr val="lt1"/>
+              </a:fontRef>
+            </p:style>
+            <p:txBody>
+              <a:bodyPr rtlCol="0" anchor="ctr"/>
+              <a:lstStyle/>
+              <a:p>
+                <a:pPr algn="ctr"/>
+                <a:r>
+                  <a:rPr lang="en-GB" sz="600" dirty="0">
+                    <a:solidFill>
+                      <a:schemeClr val="tx1"/>
+                    </a:solidFill>
+                  </a:rPr>
+                  <a:t>…</a:t>
+                </a:r>
+              </a:p>
+            </p:txBody>
+          </p:sp>
+          <p:sp>
+            <p:nvSpPr>
+              <p:cNvPr id="33" name="Rectangle 32">
+                <a:extLst>
+                  <a:ext uri="{FF2B5EF4-FFF2-40B4-BE49-F238E27FC236}">
+                    <a16:creationId xmlns:a16="http://schemas.microsoft.com/office/drawing/2014/main" id="{7555E2CA-48F8-C606-0336-B2A4985DABBB}"/>
+                  </a:ext>
+                </a:extLst>
+              </p:cNvPr>
+              <p:cNvSpPr/>
+              <p:nvPr/>
+            </p:nvSpPr>
+            <p:spPr>
+              <a:xfrm>
+                <a:off x="2415536" y="2916195"/>
+                <a:ext cx="3244392" cy="914400"/>
+              </a:xfrm>
+              <a:prstGeom prst="rect">
+                <a:avLst/>
+              </a:prstGeom>
+              <a:solidFill>
+                <a:schemeClr val="bg1"/>
+              </a:solidFill>
+              <a:ln>
+                <a:solidFill>
+                  <a:schemeClr val="tx1"/>
+                </a:solidFill>
+              </a:ln>
+            </p:spPr>
+            <p:style>
+              <a:lnRef idx="2">
+                <a:schemeClr val="accent1">
+                  <a:shade val="50000"/>
+                </a:schemeClr>
+              </a:lnRef>
+              <a:fillRef idx="1">
+                <a:schemeClr val="accent1"/>
+              </a:fillRef>
+              <a:effectRef idx="0">
+                <a:schemeClr val="accent1"/>
+              </a:effectRef>
+              <a:fontRef idx="minor">
+                <a:schemeClr val="lt1"/>
+              </a:fontRef>
+            </p:style>
+            <p:txBody>
+              <a:bodyPr rtlCol="0" anchor="ctr"/>
+              <a:lstStyle/>
+              <a:p>
+                <a:pPr algn="ctr"/>
+                <a:r>
+                  <a:rPr lang="en-GB" sz="600" dirty="0">
+                    <a:solidFill>
+                      <a:schemeClr val="tx1"/>
+                    </a:solidFill>
+                  </a:rPr>
+                  <a:t>…</a:t>
+                </a:r>
+              </a:p>
+            </p:txBody>
+          </p:sp>
+          <p:sp>
+            <p:nvSpPr>
+              <p:cNvPr id="34" name="Rectangle 33">
+                <a:extLst>
+                  <a:ext uri="{FF2B5EF4-FFF2-40B4-BE49-F238E27FC236}">
+                    <a16:creationId xmlns:a16="http://schemas.microsoft.com/office/drawing/2014/main" id="{900E0F73-1698-49E5-B524-BB22E62029E0}"/>
+                  </a:ext>
+                </a:extLst>
+              </p:cNvPr>
+              <p:cNvSpPr/>
+              <p:nvPr/>
+            </p:nvSpPr>
+            <p:spPr>
+              <a:xfrm>
+                <a:off x="5659930" y="2916195"/>
+                <a:ext cx="914401" cy="914400"/>
+              </a:xfrm>
+              <a:prstGeom prst="rect">
+                <a:avLst/>
+              </a:prstGeom>
+              <a:solidFill>
+                <a:schemeClr val="bg1"/>
+              </a:solidFill>
+              <a:ln>
+                <a:solidFill>
+                  <a:schemeClr val="tx1"/>
+                </a:solidFill>
+              </a:ln>
+            </p:spPr>
+            <p:style>
+              <a:lnRef idx="2">
+                <a:schemeClr val="accent1">
+                  <a:shade val="50000"/>
+                </a:schemeClr>
+              </a:lnRef>
+              <a:fillRef idx="1">
+                <a:schemeClr val="accent1"/>
+              </a:fillRef>
+              <a:effectRef idx="0">
+                <a:schemeClr val="accent1"/>
+              </a:effectRef>
+              <a:fontRef idx="minor">
+                <a:schemeClr val="lt1"/>
+              </a:fontRef>
+            </p:style>
+            <p:txBody>
+              <a:bodyPr rtlCol="0" anchor="ctr"/>
+              <a:lstStyle/>
+              <a:p>
+                <a:pPr algn="ctr"/>
+                <a:r>
+                  <a:rPr lang="en-GB" sz="600" dirty="0">
+                    <a:solidFill>
+                      <a:schemeClr val="tx1"/>
+                    </a:solidFill>
+                  </a:rPr>
+                  <a:t>…</a:t>
+                </a:r>
+              </a:p>
+            </p:txBody>
+          </p:sp>
+        </p:grpSp>
+        <p:sp>
+          <p:nvSpPr>
+            <p:cNvPr id="31" name="TextBox 30">
+              <a:extLst>
+                <a:ext uri="{FF2B5EF4-FFF2-40B4-BE49-F238E27FC236}">
+                  <a16:creationId xmlns:a16="http://schemas.microsoft.com/office/drawing/2014/main" id="{FA68A742-C4C2-2776-FEE9-8E0A3A63CE7C}"/>
+                </a:ext>
+              </a:extLst>
+            </p:cNvPr>
+            <p:cNvSpPr txBox="1"/>
+            <p:nvPr/>
+          </p:nvSpPr>
+          <p:spPr>
+            <a:xfrm>
+              <a:off x="6506433" y="1506022"/>
+              <a:ext cx="3154681" cy="355924"/>
+            </a:xfrm>
+            <a:prstGeom prst="rect">
+              <a:avLst/>
+            </a:prstGeom>
+            <a:noFill/>
+          </p:spPr>
+          <p:txBody>
+            <a:bodyPr wrap="square" rtlCol="0">
+              <a:spAutoFit/>
+            </a:bodyPr>
+            <a:lstStyle/>
+            <a:p>
+              <a:pPr algn="ctr"/>
+              <a:r>
+                <a:rPr lang="en-GB" sz="1050" dirty="0"/>
+                <a:t>Top 100 Users</a:t>
+              </a:r>
+            </a:p>
+          </p:txBody>
+        </p:sp>
+      </p:grpSp>
+      <p:grpSp>
+        <p:nvGrpSpPr>
+          <p:cNvPr id="58" name="Group 57">
+            <a:extLst>
+              <a:ext uri="{FF2B5EF4-FFF2-40B4-BE49-F238E27FC236}">
+                <a16:creationId xmlns:a16="http://schemas.microsoft.com/office/drawing/2014/main" id="{94EF3A85-9E03-4309-AF50-7D22CFAE1455}"/>
+              </a:ext>
+            </a:extLst>
+          </p:cNvPr>
+          <p:cNvGrpSpPr/>
+          <p:nvPr/>
+        </p:nvGrpSpPr>
+        <p:grpSpPr>
+          <a:xfrm>
+            <a:off x="6276885" y="1675201"/>
+            <a:ext cx="3125260" cy="203545"/>
+            <a:chOff x="4064860" y="1000495"/>
+            <a:chExt cx="6824120" cy="444451"/>
+          </a:xfrm>
+        </p:grpSpPr>
+        <p:sp>
+          <p:nvSpPr>
+            <p:cNvPr id="59" name="Rectangle 58">
+              <a:extLst>
+                <a:ext uri="{FF2B5EF4-FFF2-40B4-BE49-F238E27FC236}">
+                  <a16:creationId xmlns:a16="http://schemas.microsoft.com/office/drawing/2014/main" id="{82AFC2BA-D124-86EB-552F-22EEC1EB5235}"/>
+                </a:ext>
+              </a:extLst>
+            </p:cNvPr>
+            <p:cNvSpPr/>
+            <p:nvPr/>
+          </p:nvSpPr>
+          <p:spPr>
+            <a:xfrm>
+              <a:off x="4064860" y="1000495"/>
+              <a:ext cx="6824120" cy="390464"/>
+            </a:xfrm>
+            <a:prstGeom prst="rect">
+              <a:avLst/>
+            </a:prstGeom>
+            <a:solidFill>
+              <a:schemeClr val="bg1"/>
+            </a:solidFill>
+            <a:ln>
+              <a:solidFill>
+                <a:schemeClr val="tx1"/>
+              </a:solidFill>
+            </a:ln>
+          </p:spPr>
+          <p:style>
+            <a:lnRef idx="2">
+              <a:schemeClr val="accent1">
+                <a:shade val="50000"/>
+              </a:schemeClr>
+            </a:lnRef>
+            <a:fillRef idx="1">
+              <a:schemeClr val="accent1"/>
+            </a:fillRef>
+            <a:effectRef idx="0">
+              <a:schemeClr val="accent1"/>
+            </a:effectRef>
+            <a:fontRef idx="minor">
+              <a:schemeClr val="lt1"/>
+            </a:fontRef>
+          </p:style>
+          <p:txBody>
+            <a:bodyPr rtlCol="0" anchor="ctr"/>
+            <a:lstStyle/>
+            <a:p>
+              <a:r>
+                <a:rPr lang="en-GB" sz="700" dirty="0">
+                  <a:solidFill>
+                    <a:schemeClr val="tx1"/>
+                  </a:solidFill>
+                </a:rPr>
+                <a:t>Quark</a:t>
+              </a:r>
+            </a:p>
+          </p:txBody>
+        </p:sp>
+        <p:sp>
+          <p:nvSpPr>
+            <p:cNvPr id="60" name="TextBox 59">
+              <a:extLst>
+                <a:ext uri="{FF2B5EF4-FFF2-40B4-BE49-F238E27FC236}">
+                  <a16:creationId xmlns:a16="http://schemas.microsoft.com/office/drawing/2014/main" id="{5E1ACCA0-B9AD-132A-64D5-FF02F3B54E97}"/>
+                </a:ext>
+              </a:extLst>
+            </p:cNvPr>
+            <p:cNvSpPr txBox="1"/>
+            <p:nvPr/>
+          </p:nvSpPr>
+          <p:spPr>
+            <a:xfrm>
+              <a:off x="6441284" y="1008116"/>
+              <a:ext cx="886254" cy="436830"/>
+            </a:xfrm>
+            <a:prstGeom prst="rect">
+              <a:avLst/>
+            </a:prstGeom>
+            <a:noFill/>
+          </p:spPr>
+          <p:txBody>
+            <a:bodyPr wrap="none" rtlCol="0">
+              <a:spAutoFit/>
+            </a:bodyPr>
+            <a:lstStyle/>
+            <a:p>
+              <a:r>
+                <a:rPr lang="en-GB" sz="700" dirty="0"/>
+                <a:t>Home</a:t>
+              </a:r>
+            </a:p>
+          </p:txBody>
+        </p:sp>
+        <p:sp>
+          <p:nvSpPr>
+            <p:cNvPr id="61" name="TextBox 60">
+              <a:extLst>
+                <a:ext uri="{FF2B5EF4-FFF2-40B4-BE49-F238E27FC236}">
+                  <a16:creationId xmlns:a16="http://schemas.microsoft.com/office/drawing/2014/main" id="{04F703FF-FB62-F717-99E1-A43CD7B7D39A}"/>
+                </a:ext>
+              </a:extLst>
+            </p:cNvPr>
+            <p:cNvSpPr txBox="1"/>
+            <p:nvPr/>
+          </p:nvSpPr>
+          <p:spPr>
+            <a:xfrm>
+              <a:off x="7271864" y="1008116"/>
+              <a:ext cx="1421788" cy="436830"/>
+            </a:xfrm>
+            <a:prstGeom prst="rect">
+              <a:avLst/>
+            </a:prstGeom>
+            <a:noFill/>
+          </p:spPr>
+          <p:txBody>
+            <a:bodyPr wrap="none" rtlCol="0">
+              <a:spAutoFit/>
+            </a:bodyPr>
+            <a:lstStyle/>
+            <a:p>
+              <a:r>
+                <a:rPr lang="en-GB" sz="700" dirty="0"/>
+                <a:t>Leaderboard</a:t>
+              </a:r>
+            </a:p>
+          </p:txBody>
+        </p:sp>
+        <p:sp>
+          <p:nvSpPr>
+            <p:cNvPr id="62" name="TextBox 61">
+              <a:extLst>
+                <a:ext uri="{FF2B5EF4-FFF2-40B4-BE49-F238E27FC236}">
+                  <a16:creationId xmlns:a16="http://schemas.microsoft.com/office/drawing/2014/main" id="{34727201-9282-0789-ADF6-BEE57094CED0}"/>
+                </a:ext>
+              </a:extLst>
+            </p:cNvPr>
+            <p:cNvSpPr txBox="1"/>
+            <p:nvPr/>
+          </p:nvSpPr>
+          <p:spPr>
+            <a:xfrm>
+              <a:off x="8730884" y="1008116"/>
+              <a:ext cx="928256" cy="436830"/>
+            </a:xfrm>
+            <a:prstGeom prst="rect">
+              <a:avLst/>
+            </a:prstGeom>
+            <a:noFill/>
+          </p:spPr>
+          <p:txBody>
+            <a:bodyPr wrap="none" rtlCol="0">
+              <a:spAutoFit/>
+            </a:bodyPr>
+            <a:lstStyle/>
+            <a:p>
+              <a:r>
+                <a:rPr lang="en-GB" sz="700" dirty="0"/>
+                <a:t>Profile</a:t>
+              </a:r>
+            </a:p>
+          </p:txBody>
+        </p:sp>
+        <p:sp>
+          <p:nvSpPr>
+            <p:cNvPr id="63" name="Rectangle 62">
+              <a:extLst>
+                <a:ext uri="{FF2B5EF4-FFF2-40B4-BE49-F238E27FC236}">
+                  <a16:creationId xmlns:a16="http://schemas.microsoft.com/office/drawing/2014/main" id="{A0304A61-5A5B-2D3A-FB0D-6CE96B717CBD}"/>
+                </a:ext>
+              </a:extLst>
+            </p:cNvPr>
+            <p:cNvSpPr/>
+            <p:nvPr/>
+          </p:nvSpPr>
+          <p:spPr>
+            <a:xfrm>
+              <a:off x="9597252" y="1037068"/>
+              <a:ext cx="1249754" cy="325385"/>
+            </a:xfrm>
+            <a:prstGeom prst="rect">
+              <a:avLst/>
+            </a:prstGeom>
+            <a:solidFill>
+              <a:schemeClr val="accent1"/>
+            </a:solidFill>
+            <a:ln>
+              <a:noFill/>
+            </a:ln>
+          </p:spPr>
+          <p:style>
+            <a:lnRef idx="2">
+              <a:schemeClr val="accent1">
+                <a:shade val="50000"/>
+              </a:schemeClr>
+            </a:lnRef>
+            <a:fillRef idx="1">
+              <a:schemeClr val="accent1"/>
+            </a:fillRef>
+            <a:effectRef idx="0">
+              <a:schemeClr val="accent1"/>
+            </a:effectRef>
+            <a:fontRef idx="minor">
+              <a:schemeClr val="lt1"/>
+            </a:fontRef>
+          </p:style>
+          <p:txBody>
+            <a:bodyPr rtlCol="0" anchor="ctr"/>
+            <a:lstStyle/>
+            <a:p>
+              <a:pPr algn="ctr"/>
+              <a:r>
+                <a:rPr lang="en-GB" sz="700" dirty="0">
+                  <a:solidFill>
+                    <a:schemeClr val="bg1"/>
+                  </a:solidFill>
+                </a:rPr>
+                <a:t>Download</a:t>
+              </a:r>
+            </a:p>
+          </p:txBody>
+        </p:sp>
+      </p:grpSp>
     </p:spTree>
     <p:extLst>
       <p:ext uri="{BB962C8B-B14F-4D97-AF65-F5344CB8AC3E}">
@@ -5160,6 +11427,1151 @@
           </a:p>
         </p:txBody>
       </p:sp>
+      <p:grpSp>
+        <p:nvGrpSpPr>
+          <p:cNvPr id="3" name="Group 2">
+            <a:extLst>
+              <a:ext uri="{FF2B5EF4-FFF2-40B4-BE49-F238E27FC236}">
+                <a16:creationId xmlns:a16="http://schemas.microsoft.com/office/drawing/2014/main" id="{510D3C28-3F93-E404-7EAC-322D9EF6EB13}"/>
+              </a:ext>
+            </a:extLst>
+          </p:cNvPr>
+          <p:cNvGrpSpPr/>
+          <p:nvPr/>
+        </p:nvGrpSpPr>
+        <p:grpSpPr>
+          <a:xfrm>
+            <a:off x="1944130" y="1863482"/>
+            <a:ext cx="3125261" cy="4503997"/>
+            <a:chOff x="5920739" y="365126"/>
+            <a:chExt cx="4251962" cy="6127750"/>
+          </a:xfrm>
+        </p:grpSpPr>
+        <p:sp>
+          <p:nvSpPr>
+            <p:cNvPr id="4" name="Rectangle 3">
+              <a:extLst>
+                <a:ext uri="{FF2B5EF4-FFF2-40B4-BE49-F238E27FC236}">
+                  <a16:creationId xmlns:a16="http://schemas.microsoft.com/office/drawing/2014/main" id="{008035AF-4B90-0AC9-9153-3357E6179696}"/>
+                </a:ext>
+              </a:extLst>
+            </p:cNvPr>
+            <p:cNvSpPr/>
+            <p:nvPr/>
+          </p:nvSpPr>
+          <p:spPr>
+            <a:xfrm>
+              <a:off x="5920740" y="365126"/>
+              <a:ext cx="4251960" cy="6127750"/>
+            </a:xfrm>
+            <a:prstGeom prst="rect">
+              <a:avLst/>
+            </a:prstGeom>
+            <a:solidFill>
+              <a:schemeClr val="bg1"/>
+            </a:solidFill>
+            <a:ln>
+              <a:solidFill>
+                <a:schemeClr val="tx1"/>
+              </a:solidFill>
+              <a:prstDash val="lgDash"/>
+            </a:ln>
+          </p:spPr>
+          <p:style>
+            <a:lnRef idx="2">
+              <a:schemeClr val="accent1">
+                <a:shade val="50000"/>
+              </a:schemeClr>
+            </a:lnRef>
+            <a:fillRef idx="1">
+              <a:schemeClr val="accent1"/>
+            </a:fillRef>
+            <a:effectRef idx="0">
+              <a:schemeClr val="accent1"/>
+            </a:effectRef>
+            <a:fontRef idx="minor">
+              <a:schemeClr val="lt1"/>
+            </a:fontRef>
+          </p:style>
+          <p:txBody>
+            <a:bodyPr rtlCol="0" anchor="ctr"/>
+            <a:lstStyle/>
+            <a:p>
+              <a:pPr algn="ctr"/>
+              <a:endParaRPr lang="en-GB" sz="1100" dirty="0">
+                <a:solidFill>
+                  <a:schemeClr val="tx1"/>
+                </a:solidFill>
+              </a:endParaRPr>
+            </a:p>
+          </p:txBody>
+        </p:sp>
+        <p:sp>
+          <p:nvSpPr>
+            <p:cNvPr id="5" name="Rectangle 4">
+              <a:extLst>
+                <a:ext uri="{FF2B5EF4-FFF2-40B4-BE49-F238E27FC236}">
+                  <a16:creationId xmlns:a16="http://schemas.microsoft.com/office/drawing/2014/main" id="{566E279D-11D4-F350-C472-14EDD627B35D}"/>
+                </a:ext>
+              </a:extLst>
+            </p:cNvPr>
+            <p:cNvSpPr/>
+            <p:nvPr/>
+          </p:nvSpPr>
+          <p:spPr>
+            <a:xfrm>
+              <a:off x="7429500" y="717604"/>
+              <a:ext cx="1234440" cy="727288"/>
+            </a:xfrm>
+            <a:prstGeom prst="rect">
+              <a:avLst/>
+            </a:prstGeom>
+            <a:solidFill>
+              <a:schemeClr val="bg1"/>
+            </a:solidFill>
+            <a:ln>
+              <a:solidFill>
+                <a:schemeClr val="tx1"/>
+              </a:solidFill>
+            </a:ln>
+          </p:spPr>
+          <p:style>
+            <a:lnRef idx="2">
+              <a:schemeClr val="accent1">
+                <a:shade val="50000"/>
+              </a:schemeClr>
+            </a:lnRef>
+            <a:fillRef idx="1">
+              <a:schemeClr val="accent1"/>
+            </a:fillRef>
+            <a:effectRef idx="0">
+              <a:schemeClr val="accent1"/>
+            </a:effectRef>
+            <a:fontRef idx="minor">
+              <a:schemeClr val="lt1"/>
+            </a:fontRef>
+          </p:style>
+          <p:txBody>
+            <a:bodyPr rtlCol="0" anchor="ctr"/>
+            <a:lstStyle/>
+            <a:p>
+              <a:pPr algn="ctr"/>
+              <a:r>
+                <a:rPr lang="en-GB" sz="900" dirty="0">
+                  <a:solidFill>
+                    <a:schemeClr val="tx1"/>
+                  </a:solidFill>
+                </a:rPr>
+                <a:t>Image of App /</a:t>
+              </a:r>
+              <a:br>
+                <a:rPr lang="en-GB" sz="900" dirty="0">
+                  <a:solidFill>
+                    <a:schemeClr val="tx1"/>
+                  </a:solidFill>
+                </a:rPr>
+              </a:br>
+              <a:r>
+                <a:rPr lang="en-GB" sz="900" dirty="0">
+                  <a:solidFill>
+                    <a:schemeClr val="tx1"/>
+                  </a:solidFill>
+                </a:rPr>
+                <a:t>Logo</a:t>
+              </a:r>
+            </a:p>
+          </p:txBody>
+        </p:sp>
+        <p:sp>
+          <p:nvSpPr>
+            <p:cNvPr id="6" name="TextBox 5">
+              <a:extLst>
+                <a:ext uri="{FF2B5EF4-FFF2-40B4-BE49-F238E27FC236}">
+                  <a16:creationId xmlns:a16="http://schemas.microsoft.com/office/drawing/2014/main" id="{B893CD1D-0988-59E9-9B15-2CE986F738C0}"/>
+                </a:ext>
+              </a:extLst>
+            </p:cNvPr>
+            <p:cNvSpPr txBox="1"/>
+            <p:nvPr/>
+          </p:nvSpPr>
+          <p:spPr>
+            <a:xfrm>
+              <a:off x="5920739" y="1523048"/>
+              <a:ext cx="4251962" cy="355924"/>
+            </a:xfrm>
+            <a:prstGeom prst="rect">
+              <a:avLst/>
+            </a:prstGeom>
+            <a:noFill/>
+          </p:spPr>
+          <p:txBody>
+            <a:bodyPr wrap="square" rtlCol="0">
+              <a:spAutoFit/>
+            </a:bodyPr>
+            <a:lstStyle/>
+            <a:p>
+              <a:pPr algn="ctr"/>
+              <a:r>
+                <a:rPr lang="en-GB" sz="1100" dirty="0"/>
+                <a:t>A minimal, cross platform pomodoro timer</a:t>
+              </a:r>
+            </a:p>
+          </p:txBody>
+        </p:sp>
+        <p:sp>
+          <p:nvSpPr>
+            <p:cNvPr id="7" name="TextBox 6">
+              <a:extLst>
+                <a:ext uri="{FF2B5EF4-FFF2-40B4-BE49-F238E27FC236}">
+                  <a16:creationId xmlns:a16="http://schemas.microsoft.com/office/drawing/2014/main" id="{6256D4DD-FF83-3BF0-9F98-597752214D64}"/>
+                </a:ext>
+              </a:extLst>
+            </p:cNvPr>
+            <p:cNvSpPr txBox="1"/>
+            <p:nvPr/>
+          </p:nvSpPr>
+          <p:spPr>
+            <a:xfrm>
+              <a:off x="5920739" y="3432742"/>
+              <a:ext cx="4251962" cy="355924"/>
+            </a:xfrm>
+            <a:prstGeom prst="rect">
+              <a:avLst/>
+            </a:prstGeom>
+            <a:noFill/>
+          </p:spPr>
+          <p:txBody>
+            <a:bodyPr wrap="square" rtlCol="0">
+              <a:spAutoFit/>
+            </a:bodyPr>
+            <a:lstStyle/>
+            <a:p>
+              <a:pPr algn="ctr"/>
+              <a:r>
+                <a:rPr lang="en-GB" sz="1100" dirty="0"/>
+                <a:t>Why the pomodoro technique</a:t>
+              </a:r>
+            </a:p>
+          </p:txBody>
+        </p:sp>
+        <p:sp>
+          <p:nvSpPr>
+            <p:cNvPr id="8" name="Rectangle 7">
+              <a:extLst>
+                <a:ext uri="{FF2B5EF4-FFF2-40B4-BE49-F238E27FC236}">
+                  <a16:creationId xmlns:a16="http://schemas.microsoft.com/office/drawing/2014/main" id="{BDC0FCB0-6AB5-77B2-BBBA-F7778D144840}"/>
+                </a:ext>
+              </a:extLst>
+            </p:cNvPr>
+            <p:cNvSpPr/>
+            <p:nvPr/>
+          </p:nvSpPr>
+          <p:spPr>
+            <a:xfrm>
+              <a:off x="7429500" y="2611343"/>
+              <a:ext cx="1234440" cy="727288"/>
+            </a:xfrm>
+            <a:prstGeom prst="rect">
+              <a:avLst/>
+            </a:prstGeom>
+            <a:solidFill>
+              <a:schemeClr val="bg1"/>
+            </a:solidFill>
+            <a:ln>
+              <a:solidFill>
+                <a:schemeClr val="tx1"/>
+              </a:solidFill>
+            </a:ln>
+          </p:spPr>
+          <p:style>
+            <a:lnRef idx="2">
+              <a:schemeClr val="accent1">
+                <a:shade val="50000"/>
+              </a:schemeClr>
+            </a:lnRef>
+            <a:fillRef idx="1">
+              <a:schemeClr val="accent1"/>
+            </a:fillRef>
+            <a:effectRef idx="0">
+              <a:schemeClr val="accent1"/>
+            </a:effectRef>
+            <a:fontRef idx="minor">
+              <a:schemeClr val="lt1"/>
+            </a:fontRef>
+          </p:style>
+          <p:txBody>
+            <a:bodyPr rtlCol="0" anchor="ctr"/>
+            <a:lstStyle/>
+            <a:p>
+              <a:pPr algn="ctr"/>
+              <a:r>
+                <a:rPr lang="en-GB" sz="900" dirty="0">
+                  <a:solidFill>
+                    <a:schemeClr val="tx1"/>
+                  </a:solidFill>
+                </a:rPr>
+                <a:t>Image to represent pomodoro</a:t>
+              </a:r>
+            </a:p>
+          </p:txBody>
+        </p:sp>
+        <p:sp>
+          <p:nvSpPr>
+            <p:cNvPr id="9" name="Rectangle 8">
+              <a:extLst>
+                <a:ext uri="{FF2B5EF4-FFF2-40B4-BE49-F238E27FC236}">
+                  <a16:creationId xmlns:a16="http://schemas.microsoft.com/office/drawing/2014/main" id="{6A23A948-52D7-2B5C-0C6E-9E23710CC8B1}"/>
+                </a:ext>
+              </a:extLst>
+            </p:cNvPr>
+            <p:cNvSpPr/>
+            <p:nvPr/>
+          </p:nvSpPr>
+          <p:spPr>
+            <a:xfrm>
+              <a:off x="6385557" y="1892380"/>
+              <a:ext cx="3322326" cy="226562"/>
+            </a:xfrm>
+            <a:prstGeom prst="rect">
+              <a:avLst/>
+            </a:prstGeom>
+            <a:solidFill>
+              <a:schemeClr val="bg1">
+                <a:lumMod val="95000"/>
+              </a:schemeClr>
+            </a:solidFill>
+            <a:ln>
+              <a:noFill/>
+            </a:ln>
+          </p:spPr>
+          <p:style>
+            <a:lnRef idx="2">
+              <a:schemeClr val="accent1">
+                <a:shade val="50000"/>
+              </a:schemeClr>
+            </a:lnRef>
+            <a:fillRef idx="1">
+              <a:schemeClr val="accent1"/>
+            </a:fillRef>
+            <a:effectRef idx="0">
+              <a:schemeClr val="accent1"/>
+            </a:effectRef>
+            <a:fontRef idx="minor">
+              <a:schemeClr val="lt1"/>
+            </a:fontRef>
+          </p:style>
+          <p:txBody>
+            <a:bodyPr rtlCol="0" anchor="ctr"/>
+            <a:lstStyle/>
+            <a:p>
+              <a:pPr algn="ctr"/>
+              <a:r>
+                <a:rPr lang="en-GB" sz="800" dirty="0">
+                  <a:solidFill>
+                    <a:schemeClr val="tx1"/>
+                  </a:solidFill>
+                </a:rPr>
+                <a:t>App description</a:t>
+              </a:r>
+            </a:p>
+          </p:txBody>
+        </p:sp>
+        <p:sp>
+          <p:nvSpPr>
+            <p:cNvPr id="10" name="Rectangle 9">
+              <a:extLst>
+                <a:ext uri="{FF2B5EF4-FFF2-40B4-BE49-F238E27FC236}">
+                  <a16:creationId xmlns:a16="http://schemas.microsoft.com/office/drawing/2014/main" id="{D8E374B0-D730-A381-4EC7-312503674ACB}"/>
+                </a:ext>
+              </a:extLst>
+            </p:cNvPr>
+            <p:cNvSpPr/>
+            <p:nvPr/>
+          </p:nvSpPr>
+          <p:spPr>
+            <a:xfrm>
+              <a:off x="6385557" y="3836026"/>
+              <a:ext cx="3322326" cy="827414"/>
+            </a:xfrm>
+            <a:prstGeom prst="rect">
+              <a:avLst/>
+            </a:prstGeom>
+            <a:solidFill>
+              <a:schemeClr val="bg1">
+                <a:lumMod val="95000"/>
+              </a:schemeClr>
+            </a:solidFill>
+            <a:ln>
+              <a:noFill/>
+            </a:ln>
+          </p:spPr>
+          <p:style>
+            <a:lnRef idx="2">
+              <a:schemeClr val="accent1">
+                <a:shade val="50000"/>
+              </a:schemeClr>
+            </a:lnRef>
+            <a:fillRef idx="1">
+              <a:schemeClr val="accent1"/>
+            </a:fillRef>
+            <a:effectRef idx="0">
+              <a:schemeClr val="accent1"/>
+            </a:effectRef>
+            <a:fontRef idx="minor">
+              <a:schemeClr val="lt1"/>
+            </a:fontRef>
+          </p:style>
+          <p:txBody>
+            <a:bodyPr rtlCol="0" anchor="ctr"/>
+            <a:lstStyle/>
+            <a:p>
+              <a:pPr algn="ctr"/>
+              <a:r>
+                <a:rPr lang="en-GB" sz="900" dirty="0">
+                  <a:solidFill>
+                    <a:schemeClr val="tx1"/>
+                  </a:solidFill>
+                </a:rPr>
+                <a:t>Describe the technique and its benefits</a:t>
+              </a:r>
+            </a:p>
+          </p:txBody>
+        </p:sp>
+        <p:sp>
+          <p:nvSpPr>
+            <p:cNvPr id="11" name="TextBox 10">
+              <a:extLst>
+                <a:ext uri="{FF2B5EF4-FFF2-40B4-BE49-F238E27FC236}">
+                  <a16:creationId xmlns:a16="http://schemas.microsoft.com/office/drawing/2014/main" id="{79C2AB1C-D06D-6FC1-B535-3E30442A1497}"/>
+                </a:ext>
+              </a:extLst>
+            </p:cNvPr>
+            <p:cNvSpPr txBox="1"/>
+            <p:nvPr/>
+          </p:nvSpPr>
+          <p:spPr>
+            <a:xfrm>
+              <a:off x="5920739" y="4746544"/>
+              <a:ext cx="4251962" cy="355924"/>
+            </a:xfrm>
+            <a:prstGeom prst="rect">
+              <a:avLst/>
+            </a:prstGeom>
+            <a:noFill/>
+          </p:spPr>
+          <p:txBody>
+            <a:bodyPr wrap="square" rtlCol="0">
+              <a:spAutoFit/>
+            </a:bodyPr>
+            <a:lstStyle/>
+            <a:p>
+              <a:pPr algn="ctr"/>
+              <a:r>
+                <a:rPr lang="en-GB" sz="1100" dirty="0"/>
+                <a:t>Get started!</a:t>
+              </a:r>
+            </a:p>
+          </p:txBody>
+        </p:sp>
+        <p:sp>
+          <p:nvSpPr>
+            <p:cNvPr id="12" name="Rectangle 11">
+              <a:extLst>
+                <a:ext uri="{FF2B5EF4-FFF2-40B4-BE49-F238E27FC236}">
+                  <a16:creationId xmlns:a16="http://schemas.microsoft.com/office/drawing/2014/main" id="{02F26BA4-64CE-19DA-D7B0-7CB4EF4399D1}"/>
+                </a:ext>
+              </a:extLst>
+            </p:cNvPr>
+            <p:cNvSpPr/>
+            <p:nvPr/>
+          </p:nvSpPr>
+          <p:spPr>
+            <a:xfrm>
+              <a:off x="7071360" y="5677852"/>
+              <a:ext cx="1950720" cy="341852"/>
+            </a:xfrm>
+            <a:prstGeom prst="rect">
+              <a:avLst/>
+            </a:prstGeom>
+          </p:spPr>
+          <p:style>
+            <a:lnRef idx="2">
+              <a:schemeClr val="accent1">
+                <a:shade val="50000"/>
+              </a:schemeClr>
+            </a:lnRef>
+            <a:fillRef idx="1">
+              <a:schemeClr val="accent1"/>
+            </a:fillRef>
+            <a:effectRef idx="0">
+              <a:schemeClr val="accent1"/>
+            </a:effectRef>
+            <a:fontRef idx="minor">
+              <a:schemeClr val="lt1"/>
+            </a:fontRef>
+          </p:style>
+          <p:txBody>
+            <a:bodyPr rtlCol="0" anchor="ctr"/>
+            <a:lstStyle/>
+            <a:p>
+              <a:pPr algn="ctr"/>
+              <a:r>
+                <a:rPr lang="en-GB" sz="1100" dirty="0"/>
+                <a:t>Download</a:t>
+              </a:r>
+            </a:p>
+          </p:txBody>
+        </p:sp>
+        <p:sp>
+          <p:nvSpPr>
+            <p:cNvPr id="13" name="Rectangle 12">
+              <a:extLst>
+                <a:ext uri="{FF2B5EF4-FFF2-40B4-BE49-F238E27FC236}">
+                  <a16:creationId xmlns:a16="http://schemas.microsoft.com/office/drawing/2014/main" id="{B422952F-37B8-2854-1E41-2A32B6701D6F}"/>
+                </a:ext>
+              </a:extLst>
+            </p:cNvPr>
+            <p:cNvSpPr/>
+            <p:nvPr/>
+          </p:nvSpPr>
+          <p:spPr>
+            <a:xfrm>
+              <a:off x="7071360" y="5252316"/>
+              <a:ext cx="1950720" cy="341852"/>
+            </a:xfrm>
+            <a:prstGeom prst="rect">
+              <a:avLst/>
+            </a:prstGeom>
+          </p:spPr>
+          <p:style>
+            <a:lnRef idx="2">
+              <a:schemeClr val="accent1">
+                <a:shade val="50000"/>
+              </a:schemeClr>
+            </a:lnRef>
+            <a:fillRef idx="1">
+              <a:schemeClr val="accent1"/>
+            </a:fillRef>
+            <a:effectRef idx="0">
+              <a:schemeClr val="accent1"/>
+            </a:effectRef>
+            <a:fontRef idx="minor">
+              <a:schemeClr val="lt1"/>
+            </a:fontRef>
+          </p:style>
+          <p:txBody>
+            <a:bodyPr rtlCol="0" anchor="ctr"/>
+            <a:lstStyle/>
+            <a:p>
+              <a:pPr algn="ctr"/>
+              <a:r>
+                <a:rPr lang="en-GB" sz="1100" dirty="0"/>
+                <a:t>Sign up</a:t>
+              </a:r>
+            </a:p>
+          </p:txBody>
+        </p:sp>
+      </p:grpSp>
+      <p:grpSp>
+        <p:nvGrpSpPr>
+          <p:cNvPr id="14" name="Group 13">
+            <a:extLst>
+              <a:ext uri="{FF2B5EF4-FFF2-40B4-BE49-F238E27FC236}">
+                <a16:creationId xmlns:a16="http://schemas.microsoft.com/office/drawing/2014/main" id="{75BAD269-9B4B-5910-087B-077826F407B2}"/>
+              </a:ext>
+            </a:extLst>
+          </p:cNvPr>
+          <p:cNvGrpSpPr/>
+          <p:nvPr/>
+        </p:nvGrpSpPr>
+        <p:grpSpPr>
+          <a:xfrm>
+            <a:off x="1944131" y="1690688"/>
+            <a:ext cx="3125260" cy="203545"/>
+            <a:chOff x="4064860" y="1000495"/>
+            <a:chExt cx="6824120" cy="444451"/>
+          </a:xfrm>
+        </p:grpSpPr>
+        <p:sp>
+          <p:nvSpPr>
+            <p:cNvPr id="15" name="Rectangle 14">
+              <a:extLst>
+                <a:ext uri="{FF2B5EF4-FFF2-40B4-BE49-F238E27FC236}">
+                  <a16:creationId xmlns:a16="http://schemas.microsoft.com/office/drawing/2014/main" id="{449FD89A-6A6D-0026-D1F0-23465031A4E1}"/>
+                </a:ext>
+              </a:extLst>
+            </p:cNvPr>
+            <p:cNvSpPr/>
+            <p:nvPr/>
+          </p:nvSpPr>
+          <p:spPr>
+            <a:xfrm>
+              <a:off x="4064860" y="1000495"/>
+              <a:ext cx="6824120" cy="390464"/>
+            </a:xfrm>
+            <a:prstGeom prst="rect">
+              <a:avLst/>
+            </a:prstGeom>
+            <a:solidFill>
+              <a:schemeClr val="bg1"/>
+            </a:solidFill>
+            <a:ln>
+              <a:solidFill>
+                <a:schemeClr val="tx1"/>
+              </a:solidFill>
+            </a:ln>
+          </p:spPr>
+          <p:style>
+            <a:lnRef idx="2">
+              <a:schemeClr val="accent1">
+                <a:shade val="50000"/>
+              </a:schemeClr>
+            </a:lnRef>
+            <a:fillRef idx="1">
+              <a:schemeClr val="accent1"/>
+            </a:fillRef>
+            <a:effectRef idx="0">
+              <a:schemeClr val="accent1"/>
+            </a:effectRef>
+            <a:fontRef idx="minor">
+              <a:schemeClr val="lt1"/>
+            </a:fontRef>
+          </p:style>
+          <p:txBody>
+            <a:bodyPr rtlCol="0" anchor="ctr"/>
+            <a:lstStyle/>
+            <a:p>
+              <a:r>
+                <a:rPr lang="en-GB" sz="700" dirty="0">
+                  <a:solidFill>
+                    <a:schemeClr val="tx1"/>
+                  </a:solidFill>
+                </a:rPr>
+                <a:t>Quark</a:t>
+              </a:r>
+            </a:p>
+          </p:txBody>
+        </p:sp>
+        <p:sp>
+          <p:nvSpPr>
+            <p:cNvPr id="16" name="TextBox 15">
+              <a:extLst>
+                <a:ext uri="{FF2B5EF4-FFF2-40B4-BE49-F238E27FC236}">
+                  <a16:creationId xmlns:a16="http://schemas.microsoft.com/office/drawing/2014/main" id="{52061416-EC39-FD67-4FB2-87AC8D91321E}"/>
+                </a:ext>
+              </a:extLst>
+            </p:cNvPr>
+            <p:cNvSpPr txBox="1"/>
+            <p:nvPr/>
+          </p:nvSpPr>
+          <p:spPr>
+            <a:xfrm>
+              <a:off x="6441284" y="1008116"/>
+              <a:ext cx="886254" cy="436830"/>
+            </a:xfrm>
+            <a:prstGeom prst="rect">
+              <a:avLst/>
+            </a:prstGeom>
+            <a:noFill/>
+          </p:spPr>
+          <p:txBody>
+            <a:bodyPr wrap="none" rtlCol="0">
+              <a:spAutoFit/>
+            </a:bodyPr>
+            <a:lstStyle/>
+            <a:p>
+              <a:r>
+                <a:rPr lang="en-GB" sz="700" dirty="0"/>
+                <a:t>Home</a:t>
+              </a:r>
+            </a:p>
+          </p:txBody>
+        </p:sp>
+        <p:sp>
+          <p:nvSpPr>
+            <p:cNvPr id="17" name="TextBox 16">
+              <a:extLst>
+                <a:ext uri="{FF2B5EF4-FFF2-40B4-BE49-F238E27FC236}">
+                  <a16:creationId xmlns:a16="http://schemas.microsoft.com/office/drawing/2014/main" id="{50CD9E3E-D0A2-8603-BC90-307B1CABE1E4}"/>
+                </a:ext>
+              </a:extLst>
+            </p:cNvPr>
+            <p:cNvSpPr txBox="1"/>
+            <p:nvPr/>
+          </p:nvSpPr>
+          <p:spPr>
+            <a:xfrm>
+              <a:off x="7271864" y="1008116"/>
+              <a:ext cx="1421788" cy="436830"/>
+            </a:xfrm>
+            <a:prstGeom prst="rect">
+              <a:avLst/>
+            </a:prstGeom>
+            <a:noFill/>
+          </p:spPr>
+          <p:txBody>
+            <a:bodyPr wrap="none" rtlCol="0">
+              <a:spAutoFit/>
+            </a:bodyPr>
+            <a:lstStyle/>
+            <a:p>
+              <a:r>
+                <a:rPr lang="en-GB" sz="700" dirty="0"/>
+                <a:t>Leaderboard</a:t>
+              </a:r>
+            </a:p>
+          </p:txBody>
+        </p:sp>
+        <p:sp>
+          <p:nvSpPr>
+            <p:cNvPr id="18" name="TextBox 17">
+              <a:extLst>
+                <a:ext uri="{FF2B5EF4-FFF2-40B4-BE49-F238E27FC236}">
+                  <a16:creationId xmlns:a16="http://schemas.microsoft.com/office/drawing/2014/main" id="{679AE063-FA64-4C80-68F4-D9C05F948E91}"/>
+                </a:ext>
+              </a:extLst>
+            </p:cNvPr>
+            <p:cNvSpPr txBox="1"/>
+            <p:nvPr/>
+          </p:nvSpPr>
+          <p:spPr>
+            <a:xfrm>
+              <a:off x="8730884" y="1008116"/>
+              <a:ext cx="928256" cy="436830"/>
+            </a:xfrm>
+            <a:prstGeom prst="rect">
+              <a:avLst/>
+            </a:prstGeom>
+            <a:noFill/>
+          </p:spPr>
+          <p:txBody>
+            <a:bodyPr wrap="none" rtlCol="0">
+              <a:spAutoFit/>
+            </a:bodyPr>
+            <a:lstStyle/>
+            <a:p>
+              <a:r>
+                <a:rPr lang="en-GB" sz="700" dirty="0"/>
+                <a:t>Profile</a:t>
+              </a:r>
+            </a:p>
+          </p:txBody>
+        </p:sp>
+        <p:sp>
+          <p:nvSpPr>
+            <p:cNvPr id="19" name="Rectangle 18">
+              <a:extLst>
+                <a:ext uri="{FF2B5EF4-FFF2-40B4-BE49-F238E27FC236}">
+                  <a16:creationId xmlns:a16="http://schemas.microsoft.com/office/drawing/2014/main" id="{3A9610BE-FF5D-C642-804F-C55A8F866332}"/>
+                </a:ext>
+              </a:extLst>
+            </p:cNvPr>
+            <p:cNvSpPr/>
+            <p:nvPr/>
+          </p:nvSpPr>
+          <p:spPr>
+            <a:xfrm>
+              <a:off x="9597252" y="1037068"/>
+              <a:ext cx="1249754" cy="325385"/>
+            </a:xfrm>
+            <a:prstGeom prst="rect">
+              <a:avLst/>
+            </a:prstGeom>
+            <a:solidFill>
+              <a:schemeClr val="accent1"/>
+            </a:solidFill>
+            <a:ln>
+              <a:noFill/>
+            </a:ln>
+          </p:spPr>
+          <p:style>
+            <a:lnRef idx="2">
+              <a:schemeClr val="accent1">
+                <a:shade val="50000"/>
+              </a:schemeClr>
+            </a:lnRef>
+            <a:fillRef idx="1">
+              <a:schemeClr val="accent1"/>
+            </a:fillRef>
+            <a:effectRef idx="0">
+              <a:schemeClr val="accent1"/>
+            </a:effectRef>
+            <a:fontRef idx="minor">
+              <a:schemeClr val="lt1"/>
+            </a:fontRef>
+          </p:style>
+          <p:txBody>
+            <a:bodyPr rtlCol="0" anchor="ctr"/>
+            <a:lstStyle/>
+            <a:p>
+              <a:pPr algn="ctr"/>
+              <a:r>
+                <a:rPr lang="en-GB" sz="700" dirty="0">
+                  <a:solidFill>
+                    <a:schemeClr val="bg1"/>
+                  </a:solidFill>
+                </a:rPr>
+                <a:t>Download</a:t>
+              </a:r>
+            </a:p>
+          </p:txBody>
+        </p:sp>
+      </p:grpSp>
+      <p:grpSp>
+        <p:nvGrpSpPr>
+          <p:cNvPr id="21" name="Group 20">
+            <a:extLst>
+              <a:ext uri="{FF2B5EF4-FFF2-40B4-BE49-F238E27FC236}">
+                <a16:creationId xmlns:a16="http://schemas.microsoft.com/office/drawing/2014/main" id="{1B5CD306-EA29-5EA2-A2F1-9A3C76054DC2}"/>
+              </a:ext>
+            </a:extLst>
+          </p:cNvPr>
+          <p:cNvGrpSpPr/>
+          <p:nvPr/>
+        </p:nvGrpSpPr>
+        <p:grpSpPr>
+          <a:xfrm>
+            <a:off x="6118449" y="1863482"/>
+            <a:ext cx="3125262" cy="4503997"/>
+            <a:chOff x="5920740" y="365126"/>
+            <a:chExt cx="4251962" cy="6127750"/>
+          </a:xfrm>
+        </p:grpSpPr>
+        <p:sp>
+          <p:nvSpPr>
+            <p:cNvPr id="22" name="Rectangle 21">
+              <a:extLst>
+                <a:ext uri="{FF2B5EF4-FFF2-40B4-BE49-F238E27FC236}">
+                  <a16:creationId xmlns:a16="http://schemas.microsoft.com/office/drawing/2014/main" id="{12C8272D-1385-E2ED-7342-3C8CBBAFD063}"/>
+                </a:ext>
+              </a:extLst>
+            </p:cNvPr>
+            <p:cNvSpPr/>
+            <p:nvPr/>
+          </p:nvSpPr>
+          <p:spPr>
+            <a:xfrm>
+              <a:off x="5920740" y="365126"/>
+              <a:ext cx="4251960" cy="6127750"/>
+            </a:xfrm>
+            <a:prstGeom prst="rect">
+              <a:avLst/>
+            </a:prstGeom>
+            <a:solidFill>
+              <a:schemeClr val="bg1"/>
+            </a:solidFill>
+            <a:ln>
+              <a:solidFill>
+                <a:schemeClr val="tx1"/>
+              </a:solidFill>
+              <a:prstDash val="lgDash"/>
+            </a:ln>
+          </p:spPr>
+          <p:style>
+            <a:lnRef idx="2">
+              <a:schemeClr val="accent1">
+                <a:shade val="50000"/>
+              </a:schemeClr>
+            </a:lnRef>
+            <a:fillRef idx="1">
+              <a:schemeClr val="accent1"/>
+            </a:fillRef>
+            <a:effectRef idx="0">
+              <a:schemeClr val="accent1"/>
+            </a:effectRef>
+            <a:fontRef idx="minor">
+              <a:schemeClr val="lt1"/>
+            </a:fontRef>
+          </p:style>
+          <p:txBody>
+            <a:bodyPr rtlCol="0" anchor="ctr"/>
+            <a:lstStyle/>
+            <a:p>
+              <a:pPr algn="ctr"/>
+              <a:endParaRPr lang="en-GB" dirty="0">
+                <a:solidFill>
+                  <a:schemeClr val="tx1"/>
+                </a:solidFill>
+              </a:endParaRPr>
+            </a:p>
+          </p:txBody>
+        </p:sp>
+        <p:sp>
+          <p:nvSpPr>
+            <p:cNvPr id="23" name="TextBox 22">
+              <a:extLst>
+                <a:ext uri="{FF2B5EF4-FFF2-40B4-BE49-F238E27FC236}">
+                  <a16:creationId xmlns:a16="http://schemas.microsoft.com/office/drawing/2014/main" id="{33F6BAFA-AAC2-C2C0-5F50-FE96B2A860B9}"/>
+                </a:ext>
+              </a:extLst>
+            </p:cNvPr>
+            <p:cNvSpPr txBox="1"/>
+            <p:nvPr/>
+          </p:nvSpPr>
+          <p:spPr>
+            <a:xfrm>
+              <a:off x="5920740" y="1523048"/>
+              <a:ext cx="4251962" cy="369332"/>
+            </a:xfrm>
+            <a:prstGeom prst="rect">
+              <a:avLst/>
+            </a:prstGeom>
+            <a:noFill/>
+          </p:spPr>
+          <p:txBody>
+            <a:bodyPr wrap="square" rtlCol="0">
+              <a:spAutoFit/>
+            </a:bodyPr>
+            <a:lstStyle/>
+            <a:p>
+              <a:pPr algn="ctr"/>
+              <a:r>
+                <a:rPr lang="en-GB" dirty="0"/>
+                <a:t>Download The App!</a:t>
+              </a:r>
+            </a:p>
+          </p:txBody>
+        </p:sp>
+        <p:sp>
+          <p:nvSpPr>
+            <p:cNvPr id="24" name="Rectangle 23">
+              <a:extLst>
+                <a:ext uri="{FF2B5EF4-FFF2-40B4-BE49-F238E27FC236}">
+                  <a16:creationId xmlns:a16="http://schemas.microsoft.com/office/drawing/2014/main" id="{3A308AC3-B362-9429-205D-94C37B003C37}"/>
+                </a:ext>
+              </a:extLst>
+            </p:cNvPr>
+            <p:cNvSpPr/>
+            <p:nvPr/>
+          </p:nvSpPr>
+          <p:spPr>
+            <a:xfrm>
+              <a:off x="7071361" y="2454358"/>
+              <a:ext cx="1950720" cy="341852"/>
+            </a:xfrm>
+            <a:prstGeom prst="rect">
+              <a:avLst/>
+            </a:prstGeom>
+          </p:spPr>
+          <p:style>
+            <a:lnRef idx="2">
+              <a:schemeClr val="accent1">
+                <a:shade val="50000"/>
+              </a:schemeClr>
+            </a:lnRef>
+            <a:fillRef idx="1">
+              <a:schemeClr val="accent1"/>
+            </a:fillRef>
+            <a:effectRef idx="0">
+              <a:schemeClr val="accent1"/>
+            </a:effectRef>
+            <a:fontRef idx="minor">
+              <a:schemeClr val="lt1"/>
+            </a:fontRef>
+          </p:style>
+          <p:txBody>
+            <a:bodyPr rtlCol="0" anchor="ctr"/>
+            <a:lstStyle/>
+            <a:p>
+              <a:pPr algn="ctr"/>
+              <a:r>
+                <a:rPr lang="en-GB" dirty="0"/>
+                <a:t>MacOS</a:t>
+              </a:r>
+            </a:p>
+          </p:txBody>
+        </p:sp>
+        <p:sp>
+          <p:nvSpPr>
+            <p:cNvPr id="25" name="Rectangle 24">
+              <a:extLst>
+                <a:ext uri="{FF2B5EF4-FFF2-40B4-BE49-F238E27FC236}">
+                  <a16:creationId xmlns:a16="http://schemas.microsoft.com/office/drawing/2014/main" id="{19BC2486-70C3-C629-D464-40FC035F4F78}"/>
+                </a:ext>
+              </a:extLst>
+            </p:cNvPr>
+            <p:cNvSpPr/>
+            <p:nvPr/>
+          </p:nvSpPr>
+          <p:spPr>
+            <a:xfrm>
+              <a:off x="7071361" y="2028822"/>
+              <a:ext cx="1950720" cy="341852"/>
+            </a:xfrm>
+            <a:prstGeom prst="rect">
+              <a:avLst/>
+            </a:prstGeom>
+          </p:spPr>
+          <p:style>
+            <a:lnRef idx="2">
+              <a:schemeClr val="accent1">
+                <a:shade val="50000"/>
+              </a:schemeClr>
+            </a:lnRef>
+            <a:fillRef idx="1">
+              <a:schemeClr val="accent1"/>
+            </a:fillRef>
+            <a:effectRef idx="0">
+              <a:schemeClr val="accent1"/>
+            </a:effectRef>
+            <a:fontRef idx="minor">
+              <a:schemeClr val="lt1"/>
+            </a:fontRef>
+          </p:style>
+          <p:txBody>
+            <a:bodyPr rtlCol="0" anchor="ctr"/>
+            <a:lstStyle/>
+            <a:p>
+              <a:pPr algn="ctr"/>
+              <a:r>
+                <a:rPr lang="en-GB" dirty="0"/>
+                <a:t>Windows</a:t>
+              </a:r>
+            </a:p>
+          </p:txBody>
+        </p:sp>
+        <p:sp>
+          <p:nvSpPr>
+            <p:cNvPr id="26" name="Rectangle 25">
+              <a:extLst>
+                <a:ext uri="{FF2B5EF4-FFF2-40B4-BE49-F238E27FC236}">
+                  <a16:creationId xmlns:a16="http://schemas.microsoft.com/office/drawing/2014/main" id="{601B79F9-BB83-EEA2-CE98-041A4EF1CF18}"/>
+                </a:ext>
+              </a:extLst>
+            </p:cNvPr>
+            <p:cNvSpPr/>
+            <p:nvPr/>
+          </p:nvSpPr>
+          <p:spPr>
+            <a:xfrm>
+              <a:off x="7071361" y="2879894"/>
+              <a:ext cx="1950720" cy="341852"/>
+            </a:xfrm>
+            <a:prstGeom prst="rect">
+              <a:avLst/>
+            </a:prstGeom>
+          </p:spPr>
+          <p:style>
+            <a:lnRef idx="2">
+              <a:schemeClr val="accent1">
+                <a:shade val="50000"/>
+              </a:schemeClr>
+            </a:lnRef>
+            <a:fillRef idx="1">
+              <a:schemeClr val="accent1"/>
+            </a:fillRef>
+            <a:effectRef idx="0">
+              <a:schemeClr val="accent1"/>
+            </a:effectRef>
+            <a:fontRef idx="minor">
+              <a:schemeClr val="lt1"/>
+            </a:fontRef>
+          </p:style>
+          <p:txBody>
+            <a:bodyPr rtlCol="0" anchor="ctr"/>
+            <a:lstStyle/>
+            <a:p>
+              <a:pPr algn="ctr"/>
+              <a:r>
+                <a:rPr lang="en-GB" dirty="0"/>
+                <a:t>Linux</a:t>
+              </a:r>
+            </a:p>
+          </p:txBody>
+        </p:sp>
+      </p:grpSp>
+      <p:cxnSp>
+        <p:nvCxnSpPr>
+          <p:cNvPr id="20" name="Straight Arrow Connector 19">
+            <a:extLst>
+              <a:ext uri="{FF2B5EF4-FFF2-40B4-BE49-F238E27FC236}">
+                <a16:creationId xmlns:a16="http://schemas.microsoft.com/office/drawing/2014/main" id="{3DA697BC-AE9D-4BE4-90AF-DCC44CBE22ED}"/>
+              </a:ext>
+            </a:extLst>
+          </p:cNvPr>
+          <p:cNvCxnSpPr>
+            <a:cxnSpLocks/>
+            <a:stCxn id="19" idx="3"/>
+            <a:endCxn id="22" idx="1"/>
+          </p:cNvCxnSpPr>
+          <p:nvPr/>
+        </p:nvCxnSpPr>
+        <p:spPr>
+          <a:xfrm>
+            <a:off x="5050168" y="1781945"/>
+            <a:ext cx="1068281" cy="2333536"/>
+          </a:xfrm>
+          <a:prstGeom prst="straightConnector1">
+            <a:avLst/>
+          </a:prstGeom>
+          <a:ln w="57150">
+            <a:solidFill>
+              <a:srgbClr val="FF0000"/>
+            </a:solidFill>
+            <a:tailEnd type="triangle"/>
+          </a:ln>
+        </p:spPr>
+        <p:style>
+          <a:lnRef idx="1">
+            <a:schemeClr val="accent1"/>
+          </a:lnRef>
+          <a:fillRef idx="0">
+            <a:schemeClr val="accent1"/>
+          </a:fillRef>
+          <a:effectRef idx="0">
+            <a:schemeClr val="accent1"/>
+          </a:effectRef>
+          <a:fontRef idx="minor">
+            <a:schemeClr val="tx1"/>
+          </a:fontRef>
+        </p:style>
+      </p:cxnSp>
+      <p:cxnSp>
+        <p:nvCxnSpPr>
+          <p:cNvPr id="29" name="Straight Arrow Connector 28">
+            <a:extLst>
+              <a:ext uri="{FF2B5EF4-FFF2-40B4-BE49-F238E27FC236}">
+                <a16:creationId xmlns:a16="http://schemas.microsoft.com/office/drawing/2014/main" id="{FF546529-C9A9-492F-5078-D20618AA0D04}"/>
+              </a:ext>
+            </a:extLst>
+          </p:cNvPr>
+          <p:cNvCxnSpPr>
+            <a:cxnSpLocks/>
+            <a:stCxn id="12" idx="3"/>
+            <a:endCxn id="22" idx="1"/>
+          </p:cNvCxnSpPr>
+          <p:nvPr/>
+        </p:nvCxnSpPr>
+        <p:spPr>
+          <a:xfrm flipV="1">
+            <a:off x="4223666" y="4115481"/>
+            <a:ext cx="1894783" cy="1778576"/>
+          </a:xfrm>
+          <a:prstGeom prst="straightConnector1">
+            <a:avLst/>
+          </a:prstGeom>
+          <a:ln w="57150">
+            <a:solidFill>
+              <a:srgbClr val="FF0000"/>
+            </a:solidFill>
+            <a:tailEnd type="triangle"/>
+          </a:ln>
+        </p:spPr>
+        <p:style>
+          <a:lnRef idx="1">
+            <a:schemeClr val="accent1"/>
+          </a:lnRef>
+          <a:fillRef idx="0">
+            <a:schemeClr val="accent1"/>
+          </a:fillRef>
+          <a:effectRef idx="0">
+            <a:schemeClr val="accent1"/>
+          </a:effectRef>
+          <a:fontRef idx="minor">
+            <a:schemeClr val="tx1"/>
+          </a:fontRef>
+        </p:style>
+      </p:cxnSp>
     </p:spTree>
     <p:extLst>
       <p:ext uri="{BB962C8B-B14F-4D97-AF65-F5344CB8AC3E}">
@@ -11937,6 +19349,774 @@
           <a:p>
             <a:r>
               <a:rPr lang="en-GB" dirty="0"/>
+              <a:t>Profile Page</a:t>
+            </a:r>
+          </a:p>
+        </p:txBody>
+      </p:sp>
+      <p:sp>
+        <p:nvSpPr>
+          <p:cNvPr id="37" name="TextBox 36">
+            <a:extLst>
+              <a:ext uri="{FF2B5EF4-FFF2-40B4-BE49-F238E27FC236}">
+                <a16:creationId xmlns:a16="http://schemas.microsoft.com/office/drawing/2014/main" id="{D5FAD78A-C10D-11AD-3D24-7D377684D22B}"/>
+              </a:ext>
+            </a:extLst>
+          </p:cNvPr>
+          <p:cNvSpPr txBox="1"/>
+          <p:nvPr/>
+        </p:nvSpPr>
+        <p:spPr>
+          <a:xfrm>
+            <a:off x="838199" y="1523048"/>
+            <a:ext cx="3154681" cy="646331"/>
+          </a:xfrm>
+          <a:prstGeom prst="rect">
+            <a:avLst/>
+          </a:prstGeom>
+          <a:noFill/>
+        </p:spPr>
+        <p:txBody>
+          <a:bodyPr wrap="square" rtlCol="0">
+            <a:spAutoFit/>
+          </a:bodyPr>
+          <a:lstStyle/>
+          <a:p>
+            <a:endParaRPr lang="en-GB" dirty="0"/>
+          </a:p>
+          <a:p>
+            <a:endParaRPr lang="en-GB" dirty="0"/>
+          </a:p>
+        </p:txBody>
+      </p:sp>
+      <p:grpSp>
+        <p:nvGrpSpPr>
+          <p:cNvPr id="21" name="Group 20">
+            <a:extLst>
+              <a:ext uri="{FF2B5EF4-FFF2-40B4-BE49-F238E27FC236}">
+                <a16:creationId xmlns:a16="http://schemas.microsoft.com/office/drawing/2014/main" id="{9CD47183-7990-D6C0-48A1-E691EBF8DA83}"/>
+              </a:ext>
+            </a:extLst>
+          </p:cNvPr>
+          <p:cNvGrpSpPr/>
+          <p:nvPr/>
+        </p:nvGrpSpPr>
+        <p:grpSpPr>
+          <a:xfrm>
+            <a:off x="5920738" y="365126"/>
+            <a:ext cx="4251964" cy="6127750"/>
+            <a:chOff x="5920738" y="365126"/>
+            <a:chExt cx="4251964" cy="6127750"/>
+          </a:xfrm>
+        </p:grpSpPr>
+        <p:sp>
+          <p:nvSpPr>
+            <p:cNvPr id="11" name="Rectangle 10">
+              <a:extLst>
+                <a:ext uri="{FF2B5EF4-FFF2-40B4-BE49-F238E27FC236}">
+                  <a16:creationId xmlns:a16="http://schemas.microsoft.com/office/drawing/2014/main" id="{817C8EA7-0B3E-A8D5-0C59-1B4DE6195DEA}"/>
+                </a:ext>
+              </a:extLst>
+            </p:cNvPr>
+            <p:cNvSpPr/>
+            <p:nvPr/>
+          </p:nvSpPr>
+          <p:spPr>
+            <a:xfrm>
+              <a:off x="5920740" y="365126"/>
+              <a:ext cx="4251960" cy="6127750"/>
+            </a:xfrm>
+            <a:prstGeom prst="rect">
+              <a:avLst/>
+            </a:prstGeom>
+            <a:solidFill>
+              <a:schemeClr val="bg1"/>
+            </a:solidFill>
+            <a:ln>
+              <a:solidFill>
+                <a:schemeClr val="tx1"/>
+              </a:solidFill>
+              <a:prstDash val="lgDash"/>
+            </a:ln>
+          </p:spPr>
+          <p:style>
+            <a:lnRef idx="2">
+              <a:schemeClr val="accent1">
+                <a:shade val="50000"/>
+              </a:schemeClr>
+            </a:lnRef>
+            <a:fillRef idx="1">
+              <a:schemeClr val="accent1"/>
+            </a:fillRef>
+            <a:effectRef idx="0">
+              <a:schemeClr val="accent1"/>
+            </a:effectRef>
+            <a:fontRef idx="minor">
+              <a:schemeClr val="lt1"/>
+            </a:fontRef>
+          </p:style>
+          <p:txBody>
+            <a:bodyPr rtlCol="0" anchor="ctr"/>
+            <a:lstStyle/>
+            <a:p>
+              <a:pPr algn="ctr"/>
+              <a:endParaRPr lang="en-GB" dirty="0">
+                <a:solidFill>
+                  <a:schemeClr val="tx1"/>
+                </a:solidFill>
+              </a:endParaRPr>
+            </a:p>
+          </p:txBody>
+        </p:sp>
+        <p:sp>
+          <p:nvSpPr>
+            <p:cNvPr id="7" name="TextBox 6">
+              <a:extLst>
+                <a:ext uri="{FF2B5EF4-FFF2-40B4-BE49-F238E27FC236}">
+                  <a16:creationId xmlns:a16="http://schemas.microsoft.com/office/drawing/2014/main" id="{FBE1CE47-47F0-6B5D-D4F4-675A1D5C96F8}"/>
+                </a:ext>
+              </a:extLst>
+            </p:cNvPr>
+            <p:cNvSpPr txBox="1"/>
+            <p:nvPr/>
+          </p:nvSpPr>
+          <p:spPr>
+            <a:xfrm>
+              <a:off x="5920740" y="2486876"/>
+              <a:ext cx="4251962" cy="369332"/>
+            </a:xfrm>
+            <a:prstGeom prst="rect">
+              <a:avLst/>
+            </a:prstGeom>
+            <a:noFill/>
+          </p:spPr>
+          <p:txBody>
+            <a:bodyPr wrap="square" rtlCol="0">
+              <a:spAutoFit/>
+            </a:bodyPr>
+            <a:lstStyle/>
+            <a:p>
+              <a:pPr algn="ctr"/>
+              <a:r>
+                <a:rPr lang="en-GB" dirty="0"/>
+                <a:t>Username</a:t>
+              </a:r>
+            </a:p>
+          </p:txBody>
+        </p:sp>
+        <p:sp>
+          <p:nvSpPr>
+            <p:cNvPr id="12" name="TextBox 11">
+              <a:extLst>
+                <a:ext uri="{FF2B5EF4-FFF2-40B4-BE49-F238E27FC236}">
+                  <a16:creationId xmlns:a16="http://schemas.microsoft.com/office/drawing/2014/main" id="{37EC110A-E6F7-8283-60A8-212701EDBCB5}"/>
+                </a:ext>
+              </a:extLst>
+            </p:cNvPr>
+            <p:cNvSpPr txBox="1"/>
+            <p:nvPr/>
+          </p:nvSpPr>
+          <p:spPr>
+            <a:xfrm>
+              <a:off x="5920740" y="2856208"/>
+              <a:ext cx="4251962" cy="369332"/>
+            </a:xfrm>
+            <a:prstGeom prst="rect">
+              <a:avLst/>
+            </a:prstGeom>
+            <a:noFill/>
+          </p:spPr>
+          <p:txBody>
+            <a:bodyPr wrap="square" rtlCol="0">
+              <a:spAutoFit/>
+            </a:bodyPr>
+            <a:lstStyle/>
+            <a:p>
+              <a:pPr algn="ctr"/>
+              <a:r>
+                <a:rPr lang="en-GB" dirty="0"/>
+                <a:t>Email Address</a:t>
+              </a:r>
+            </a:p>
+          </p:txBody>
+        </p:sp>
+        <p:sp>
+          <p:nvSpPr>
+            <p:cNvPr id="13" name="TextBox 12">
+              <a:extLst>
+                <a:ext uri="{FF2B5EF4-FFF2-40B4-BE49-F238E27FC236}">
+                  <a16:creationId xmlns:a16="http://schemas.microsoft.com/office/drawing/2014/main" id="{9C7E89AA-A85E-2F98-141C-E773A9853D95}"/>
+                </a:ext>
+              </a:extLst>
+            </p:cNvPr>
+            <p:cNvSpPr txBox="1"/>
+            <p:nvPr/>
+          </p:nvSpPr>
+          <p:spPr>
+            <a:xfrm>
+              <a:off x="5920738" y="3242566"/>
+              <a:ext cx="4251962" cy="369332"/>
+            </a:xfrm>
+            <a:prstGeom prst="rect">
+              <a:avLst/>
+            </a:prstGeom>
+            <a:noFill/>
+          </p:spPr>
+          <p:txBody>
+            <a:bodyPr wrap="square" rtlCol="0">
+              <a:spAutoFit/>
+            </a:bodyPr>
+            <a:lstStyle/>
+            <a:p>
+              <a:pPr algn="ctr"/>
+              <a:r>
+                <a:rPr lang="en-GB" dirty="0"/>
+                <a:t>Total Units</a:t>
+              </a:r>
+            </a:p>
+          </p:txBody>
+        </p:sp>
+        <p:sp>
+          <p:nvSpPr>
+            <p:cNvPr id="4" name="Oval 3">
+              <a:extLst>
+                <a:ext uri="{FF2B5EF4-FFF2-40B4-BE49-F238E27FC236}">
+                  <a16:creationId xmlns:a16="http://schemas.microsoft.com/office/drawing/2014/main" id="{80B19E35-8F15-CD3F-A6B8-0F4DF607C0FD}"/>
+                </a:ext>
+              </a:extLst>
+            </p:cNvPr>
+            <p:cNvSpPr/>
+            <p:nvPr/>
+          </p:nvSpPr>
+          <p:spPr>
+            <a:xfrm>
+              <a:off x="7474600" y="1222513"/>
+              <a:ext cx="1144238" cy="1144238"/>
+            </a:xfrm>
+            <a:prstGeom prst="ellipse">
+              <a:avLst/>
+            </a:prstGeom>
+            <a:solidFill>
+              <a:schemeClr val="bg1"/>
+            </a:solidFill>
+            <a:ln>
+              <a:solidFill>
+                <a:schemeClr val="tx1"/>
+              </a:solidFill>
+            </a:ln>
+          </p:spPr>
+          <p:style>
+            <a:lnRef idx="2">
+              <a:schemeClr val="accent1">
+                <a:shade val="50000"/>
+              </a:schemeClr>
+            </a:lnRef>
+            <a:fillRef idx="1">
+              <a:schemeClr val="accent1"/>
+            </a:fillRef>
+            <a:effectRef idx="0">
+              <a:schemeClr val="accent1"/>
+            </a:effectRef>
+            <a:fontRef idx="minor">
+              <a:schemeClr val="lt1"/>
+            </a:fontRef>
+          </p:style>
+          <p:txBody>
+            <a:bodyPr rtlCol="0" anchor="ctr"/>
+            <a:lstStyle/>
+            <a:p>
+              <a:pPr algn="ctr"/>
+              <a:r>
+                <a:rPr lang="en-GB" sz="1400" dirty="0">
+                  <a:solidFill>
+                    <a:sysClr val="windowText" lastClr="000000"/>
+                  </a:solidFill>
+                </a:rPr>
+                <a:t>Profile Picture</a:t>
+              </a:r>
+            </a:p>
+          </p:txBody>
+        </p:sp>
+        <p:grpSp>
+          <p:nvGrpSpPr>
+            <p:cNvPr id="20" name="Group 19">
+              <a:extLst>
+                <a:ext uri="{FF2B5EF4-FFF2-40B4-BE49-F238E27FC236}">
+                  <a16:creationId xmlns:a16="http://schemas.microsoft.com/office/drawing/2014/main" id="{C06E0C5F-DF2E-92B0-EF5D-769C04236B03}"/>
+                </a:ext>
+              </a:extLst>
+            </p:cNvPr>
+            <p:cNvGrpSpPr/>
+            <p:nvPr/>
+          </p:nvGrpSpPr>
+          <p:grpSpPr>
+            <a:xfrm>
+              <a:off x="6764705" y="3887730"/>
+              <a:ext cx="2712927" cy="914400"/>
+              <a:chOff x="6764705" y="3269892"/>
+              <a:chExt cx="2712927" cy="914400"/>
+            </a:xfrm>
+          </p:grpSpPr>
+          <p:grpSp>
+            <p:nvGrpSpPr>
+              <p:cNvPr id="16" name="Group 15">
+                <a:extLst>
+                  <a:ext uri="{FF2B5EF4-FFF2-40B4-BE49-F238E27FC236}">
+                    <a16:creationId xmlns:a16="http://schemas.microsoft.com/office/drawing/2014/main" id="{A5118B3C-5406-FD20-753D-B230B89D7E4B}"/>
+                  </a:ext>
+                </a:extLst>
+              </p:cNvPr>
+              <p:cNvGrpSpPr/>
+              <p:nvPr/>
+            </p:nvGrpSpPr>
+            <p:grpSpPr>
+              <a:xfrm>
+                <a:off x="6764705" y="3269892"/>
+                <a:ext cx="2564027" cy="914400"/>
+                <a:chOff x="2564027" y="2910016"/>
+                <a:chExt cx="2564027" cy="914400"/>
+              </a:xfrm>
+            </p:grpSpPr>
+            <p:cxnSp>
+              <p:nvCxnSpPr>
+                <p:cNvPr id="6" name="Straight Connector 5">
+                  <a:extLst>
+                    <a:ext uri="{FF2B5EF4-FFF2-40B4-BE49-F238E27FC236}">
+                      <a16:creationId xmlns:a16="http://schemas.microsoft.com/office/drawing/2014/main" id="{DE462445-6D79-5BB1-2086-BD605F8BB6DA}"/>
+                    </a:ext>
+                  </a:extLst>
+                </p:cNvPr>
+                <p:cNvCxnSpPr>
+                  <a:cxnSpLocks/>
+                </p:cNvCxnSpPr>
+                <p:nvPr/>
+              </p:nvCxnSpPr>
+              <p:spPr>
+                <a:xfrm>
+                  <a:off x="2564027" y="2910016"/>
+                  <a:ext cx="0" cy="914400"/>
+                </a:xfrm>
+                <a:prstGeom prst="line">
+                  <a:avLst/>
+                </a:prstGeom>
+                <a:ln w="19050">
+                  <a:solidFill>
+                    <a:schemeClr val="tx1"/>
+                  </a:solidFill>
+                </a:ln>
+              </p:spPr>
+              <p:style>
+                <a:lnRef idx="1">
+                  <a:schemeClr val="accent1"/>
+                </a:lnRef>
+                <a:fillRef idx="0">
+                  <a:schemeClr val="accent1"/>
+                </a:fillRef>
+                <a:effectRef idx="0">
+                  <a:schemeClr val="accent1"/>
+                </a:effectRef>
+                <a:fontRef idx="minor">
+                  <a:schemeClr val="tx1"/>
+                </a:fontRef>
+              </p:style>
+            </p:cxnSp>
+            <p:cxnSp>
+              <p:nvCxnSpPr>
+                <p:cNvPr id="17" name="Straight Connector 16">
+                  <a:extLst>
+                    <a:ext uri="{FF2B5EF4-FFF2-40B4-BE49-F238E27FC236}">
+                      <a16:creationId xmlns:a16="http://schemas.microsoft.com/office/drawing/2014/main" id="{ACAC5977-2B6F-5CC4-F3FA-9D05C40714BF}"/>
+                    </a:ext>
+                  </a:extLst>
+                </p:cNvPr>
+                <p:cNvCxnSpPr>
+                  <a:cxnSpLocks/>
+                </p:cNvCxnSpPr>
+                <p:nvPr/>
+              </p:nvCxnSpPr>
+              <p:spPr>
+                <a:xfrm flipH="1">
+                  <a:off x="2564027" y="3824416"/>
+                  <a:ext cx="2564027" cy="0"/>
+                </a:xfrm>
+                <a:prstGeom prst="line">
+                  <a:avLst/>
+                </a:prstGeom>
+                <a:ln w="19050">
+                  <a:solidFill>
+                    <a:schemeClr val="tx1"/>
+                  </a:solidFill>
+                </a:ln>
+              </p:spPr>
+              <p:style>
+                <a:lnRef idx="1">
+                  <a:schemeClr val="accent1"/>
+                </a:lnRef>
+                <a:fillRef idx="0">
+                  <a:schemeClr val="accent1"/>
+                </a:fillRef>
+                <a:effectRef idx="0">
+                  <a:schemeClr val="accent1"/>
+                </a:effectRef>
+                <a:fontRef idx="minor">
+                  <a:schemeClr val="tx1"/>
+                </a:fontRef>
+              </p:style>
+            </p:cxnSp>
+          </p:grpSp>
+          <p:sp>
+            <p:nvSpPr>
+              <p:cNvPr id="18" name="Freeform: Shape 17">
+                <a:extLst>
+                  <a:ext uri="{FF2B5EF4-FFF2-40B4-BE49-F238E27FC236}">
+                    <a16:creationId xmlns:a16="http://schemas.microsoft.com/office/drawing/2014/main" id="{9AF1D7AA-F3AA-1778-8E53-42885E096A40}"/>
+                  </a:ext>
+                </a:extLst>
+              </p:cNvPr>
+              <p:cNvSpPr/>
+              <p:nvPr/>
+            </p:nvSpPr>
+            <p:spPr>
+              <a:xfrm>
+                <a:off x="6765324" y="3379573"/>
+                <a:ext cx="2712308" cy="606126"/>
+              </a:xfrm>
+              <a:custGeom>
+                <a:avLst/>
+                <a:gdLst>
+                  <a:gd name="connsiteX0" fmla="*/ 0 w 2712308"/>
+                  <a:gd name="connsiteY0" fmla="*/ 240957 h 606126"/>
+                  <a:gd name="connsiteX1" fmla="*/ 444844 w 2712308"/>
+                  <a:gd name="connsiteY1" fmla="*/ 24713 h 606126"/>
+                  <a:gd name="connsiteX2" fmla="*/ 1149179 w 2712308"/>
+                  <a:gd name="connsiteY2" fmla="*/ 370703 h 606126"/>
+                  <a:gd name="connsiteX3" fmla="*/ 1513703 w 2712308"/>
+                  <a:gd name="connsiteY3" fmla="*/ 315097 h 606126"/>
+                  <a:gd name="connsiteX4" fmla="*/ 2125362 w 2712308"/>
+                  <a:gd name="connsiteY4" fmla="*/ 605481 h 606126"/>
+                  <a:gd name="connsiteX5" fmla="*/ 2570206 w 2712308"/>
+                  <a:gd name="connsiteY5" fmla="*/ 222422 h 606126"/>
+                  <a:gd name="connsiteX6" fmla="*/ 2712308 w 2712308"/>
+                  <a:gd name="connsiteY6" fmla="*/ 0 h 606126"/>
+                </a:gdLst>
+                <a:ahLst/>
+                <a:cxnLst>
+                  <a:cxn ang="0">
+                    <a:pos x="connsiteX0" y="connsiteY0"/>
+                  </a:cxn>
+                  <a:cxn ang="0">
+                    <a:pos x="connsiteX1" y="connsiteY1"/>
+                  </a:cxn>
+                  <a:cxn ang="0">
+                    <a:pos x="connsiteX2" y="connsiteY2"/>
+                  </a:cxn>
+                  <a:cxn ang="0">
+                    <a:pos x="connsiteX3" y="connsiteY3"/>
+                  </a:cxn>
+                  <a:cxn ang="0">
+                    <a:pos x="connsiteX4" y="connsiteY4"/>
+                  </a:cxn>
+                  <a:cxn ang="0">
+                    <a:pos x="connsiteX5" y="connsiteY5"/>
+                  </a:cxn>
+                  <a:cxn ang="0">
+                    <a:pos x="connsiteX6" y="connsiteY6"/>
+                  </a:cxn>
+                </a:cxnLst>
+                <a:rect l="l" t="t" r="r" b="b"/>
+                <a:pathLst>
+                  <a:path w="2712308" h="606126">
+                    <a:moveTo>
+                      <a:pt x="0" y="240957"/>
+                    </a:moveTo>
+                    <a:cubicBezTo>
+                      <a:pt x="126657" y="122023"/>
+                      <a:pt x="253314" y="3089"/>
+                      <a:pt x="444844" y="24713"/>
+                    </a:cubicBezTo>
+                    <a:cubicBezTo>
+                      <a:pt x="636374" y="46337"/>
+                      <a:pt x="971036" y="322306"/>
+                      <a:pt x="1149179" y="370703"/>
+                    </a:cubicBezTo>
+                    <a:cubicBezTo>
+                      <a:pt x="1327322" y="419100"/>
+                      <a:pt x="1351006" y="275967"/>
+                      <a:pt x="1513703" y="315097"/>
+                    </a:cubicBezTo>
+                    <a:cubicBezTo>
+                      <a:pt x="1676400" y="354227"/>
+                      <a:pt x="1949278" y="620927"/>
+                      <a:pt x="2125362" y="605481"/>
+                    </a:cubicBezTo>
+                    <a:cubicBezTo>
+                      <a:pt x="2301446" y="590035"/>
+                      <a:pt x="2472382" y="323335"/>
+                      <a:pt x="2570206" y="222422"/>
+                    </a:cubicBezTo>
+                    <a:cubicBezTo>
+                      <a:pt x="2668030" y="121509"/>
+                      <a:pt x="2525927" y="64873"/>
+                      <a:pt x="2712308" y="0"/>
+                    </a:cubicBezTo>
+                  </a:path>
+                </a:pathLst>
+              </a:custGeom>
+              <a:ln w="9525">
+                <a:solidFill>
+                  <a:schemeClr val="tx1">
+                    <a:lumMod val="65000"/>
+                    <a:lumOff val="35000"/>
+                  </a:schemeClr>
+                </a:solidFill>
+              </a:ln>
+            </p:spPr>
+            <p:style>
+              <a:lnRef idx="1">
+                <a:schemeClr val="dk1"/>
+              </a:lnRef>
+              <a:fillRef idx="0">
+                <a:schemeClr val="dk1"/>
+              </a:fillRef>
+              <a:effectRef idx="0">
+                <a:schemeClr val="dk1"/>
+              </a:effectRef>
+              <a:fontRef idx="minor">
+                <a:schemeClr val="tx1"/>
+              </a:fontRef>
+            </p:style>
+            <p:txBody>
+              <a:bodyPr rtlCol="0" anchor="ctr"/>
+              <a:lstStyle/>
+              <a:p>
+                <a:pPr algn="ctr"/>
+                <a:endParaRPr lang="en-GB"/>
+              </a:p>
+            </p:txBody>
+          </p:sp>
+          <p:sp>
+            <p:nvSpPr>
+              <p:cNvPr id="19" name="Freeform: Shape 18">
+                <a:extLst>
+                  <a:ext uri="{FF2B5EF4-FFF2-40B4-BE49-F238E27FC236}">
+                    <a16:creationId xmlns:a16="http://schemas.microsoft.com/office/drawing/2014/main" id="{A38D35D3-F057-40A7-1BC2-4DA1EDCFE01D}"/>
+                  </a:ext>
+                </a:extLst>
+              </p:cNvPr>
+              <p:cNvSpPr/>
+              <p:nvPr/>
+            </p:nvSpPr>
+            <p:spPr>
+              <a:xfrm>
+                <a:off x="6765324" y="3288108"/>
+                <a:ext cx="2551671" cy="816185"/>
+              </a:xfrm>
+              <a:custGeom>
+                <a:avLst/>
+                <a:gdLst>
+                  <a:gd name="connsiteX0" fmla="*/ 0 w 2551671"/>
+                  <a:gd name="connsiteY0" fmla="*/ 530130 h 816185"/>
+                  <a:gd name="connsiteX1" fmla="*/ 413952 w 2551671"/>
+                  <a:gd name="connsiteY1" fmla="*/ 4968 h 816185"/>
+                  <a:gd name="connsiteX2" fmla="*/ 1241854 w 2551671"/>
+                  <a:gd name="connsiteY2" fmla="*/ 808157 h 816185"/>
+                  <a:gd name="connsiteX3" fmla="*/ 2057400 w 2551671"/>
+                  <a:gd name="connsiteY3" fmla="*/ 431276 h 816185"/>
+                  <a:gd name="connsiteX4" fmla="*/ 2551671 w 2551671"/>
+                  <a:gd name="connsiteY4" fmla="*/ 659876 h 816185"/>
+                </a:gdLst>
+                <a:ahLst/>
+                <a:cxnLst>
+                  <a:cxn ang="0">
+                    <a:pos x="connsiteX0" y="connsiteY0"/>
+                  </a:cxn>
+                  <a:cxn ang="0">
+                    <a:pos x="connsiteX1" y="connsiteY1"/>
+                  </a:cxn>
+                  <a:cxn ang="0">
+                    <a:pos x="connsiteX2" y="connsiteY2"/>
+                  </a:cxn>
+                  <a:cxn ang="0">
+                    <a:pos x="connsiteX3" y="connsiteY3"/>
+                  </a:cxn>
+                  <a:cxn ang="0">
+                    <a:pos x="connsiteX4" y="connsiteY4"/>
+                  </a:cxn>
+                </a:cxnLst>
+                <a:rect l="l" t="t" r="r" b="b"/>
+                <a:pathLst>
+                  <a:path w="2551671" h="816185">
+                    <a:moveTo>
+                      <a:pt x="0" y="530130"/>
+                    </a:moveTo>
+                    <a:cubicBezTo>
+                      <a:pt x="103488" y="244380"/>
+                      <a:pt x="206976" y="-41370"/>
+                      <a:pt x="413952" y="4968"/>
+                    </a:cubicBezTo>
+                    <a:cubicBezTo>
+                      <a:pt x="620928" y="51306"/>
+                      <a:pt x="967946" y="737106"/>
+                      <a:pt x="1241854" y="808157"/>
+                    </a:cubicBezTo>
+                    <a:cubicBezTo>
+                      <a:pt x="1515762" y="879208"/>
+                      <a:pt x="1839097" y="455989"/>
+                      <a:pt x="2057400" y="431276"/>
+                    </a:cubicBezTo>
+                    <a:cubicBezTo>
+                      <a:pt x="2275703" y="406562"/>
+                      <a:pt x="2413687" y="533219"/>
+                      <a:pt x="2551671" y="659876"/>
+                    </a:cubicBezTo>
+                  </a:path>
+                </a:pathLst>
+              </a:custGeom>
+              <a:noFill/>
+              <a:ln w="19050">
+                <a:solidFill>
+                  <a:schemeClr val="tx1"/>
+                </a:solidFill>
+              </a:ln>
+            </p:spPr>
+            <p:style>
+              <a:lnRef idx="2">
+                <a:schemeClr val="accent1">
+                  <a:shade val="50000"/>
+                </a:schemeClr>
+              </a:lnRef>
+              <a:fillRef idx="1">
+                <a:schemeClr val="accent1"/>
+              </a:fillRef>
+              <a:effectRef idx="0">
+                <a:schemeClr val="accent1"/>
+              </a:effectRef>
+              <a:fontRef idx="minor">
+                <a:schemeClr val="lt1"/>
+              </a:fontRef>
+            </p:style>
+            <p:txBody>
+              <a:bodyPr rtlCol="0" anchor="ctr"/>
+              <a:lstStyle/>
+              <a:p>
+                <a:pPr algn="ctr"/>
+                <a:endParaRPr lang="en-GB"/>
+              </a:p>
+            </p:txBody>
+          </p:sp>
+        </p:grpSp>
+      </p:grpSp>
+    </p:spTree>
+    <p:extLst>
+      <p:ext uri="{BB962C8B-B14F-4D97-AF65-F5344CB8AC3E}">
+        <p14:creationId xmlns:p14="http://schemas.microsoft.com/office/powerpoint/2010/main" val="2592200242"/>
+      </p:ext>
+    </p:extLst>
+  </p:cSld>
+  <p:clrMapOvr>
+    <a:masterClrMapping/>
+  </p:clrMapOvr>
+</p:sld>
+</file>
+
+<file path=ppt/slides/slide9.xml><?xml version="1.0" encoding="utf-8"?>
+<p:sld xmlns:a="http://schemas.openxmlformats.org/drawingml/2006/main" xmlns:r="http://schemas.openxmlformats.org/officeDocument/2006/relationships" xmlns:p="http://schemas.openxmlformats.org/presentationml/2006/main">
+  <p:cSld>
+    <p:spTree>
+      <p:nvGrpSpPr>
+        <p:cNvPr id="1" name=""/>
+        <p:cNvGrpSpPr/>
+        <p:nvPr/>
+      </p:nvGrpSpPr>
+      <p:grpSpPr>
+        <a:xfrm>
+          <a:off x="0" y="0"/>
+          <a:ext cx="0" cy="0"/>
+          <a:chOff x="0" y="0"/>
+          <a:chExt cx="0" cy="0"/>
+        </a:xfrm>
+      </p:grpSpPr>
+      <p:sp>
+        <p:nvSpPr>
+          <p:cNvPr id="25" name="Rectangle 24">
+            <a:extLst>
+              <a:ext uri="{FF2B5EF4-FFF2-40B4-BE49-F238E27FC236}">
+                <a16:creationId xmlns:a16="http://schemas.microsoft.com/office/drawing/2014/main" id="{505ABA61-6089-9968-B629-AC0E5695B58F}"/>
+              </a:ext>
+            </a:extLst>
+          </p:cNvPr>
+          <p:cNvSpPr/>
+          <p:nvPr/>
+        </p:nvSpPr>
+        <p:spPr>
+          <a:xfrm>
+            <a:off x="4442460" y="365125"/>
+            <a:ext cx="7208520" cy="6127750"/>
+          </a:xfrm>
+          <a:prstGeom prst="rect">
+            <a:avLst/>
+          </a:prstGeom>
+          <a:solidFill>
+            <a:schemeClr val="bg1">
+              <a:lumMod val="95000"/>
+            </a:schemeClr>
+          </a:solidFill>
+          <a:ln>
+            <a:noFill/>
+          </a:ln>
+        </p:spPr>
+        <p:style>
+          <a:lnRef idx="2">
+            <a:schemeClr val="accent1">
+              <a:shade val="50000"/>
+            </a:schemeClr>
+          </a:lnRef>
+          <a:fillRef idx="1">
+            <a:schemeClr val="accent1"/>
+          </a:fillRef>
+          <a:effectRef idx="0">
+            <a:schemeClr val="accent1"/>
+          </a:effectRef>
+          <a:fontRef idx="minor">
+            <a:schemeClr val="lt1"/>
+          </a:fontRef>
+        </p:style>
+        <p:txBody>
+          <a:bodyPr rtlCol="0" anchor="ctr"/>
+          <a:lstStyle/>
+          <a:p>
+            <a:pPr algn="ctr"/>
+            <a:endParaRPr lang="en-GB" dirty="0">
+              <a:solidFill>
+                <a:schemeClr val="tx1"/>
+              </a:solidFill>
+            </a:endParaRPr>
+          </a:p>
+        </p:txBody>
+      </p:sp>
+      <p:sp>
+        <p:nvSpPr>
+          <p:cNvPr id="2" name="Title 1">
+            <a:extLst>
+              <a:ext uri="{FF2B5EF4-FFF2-40B4-BE49-F238E27FC236}">
+                <a16:creationId xmlns:a16="http://schemas.microsoft.com/office/drawing/2014/main" id="{E29F74C9-B0C7-BA5C-41DC-C21FA1F2E126}"/>
+              </a:ext>
+            </a:extLst>
+          </p:cNvPr>
+          <p:cNvSpPr>
+            <a:spLocks noGrp="1" noRot="1" noMove="1" noResize="1" noEditPoints="1" noAdjustHandles="1" noChangeArrowheads="1" noChangeShapeType="1"/>
+          </p:cNvSpPr>
+          <p:nvPr>
+            <p:ph type="title"/>
+          </p:nvPr>
+        </p:nvSpPr>
+        <p:spPr/>
+        <p:txBody>
+          <a:bodyPr/>
+          <a:lstStyle/>
+          <a:p>
+            <a:r>
+              <a:rPr lang="en-GB" dirty="0"/>
               <a:t>Leaderboard</a:t>
             </a:r>
           </a:p>
@@ -13749,420 +21929,6 @@
 </p:sld>
 </file>
 
-<file path=ppt/slides/slide9.xml><?xml version="1.0" encoding="utf-8"?>
-<p:sld xmlns:a="http://schemas.openxmlformats.org/drawingml/2006/main" xmlns:r="http://schemas.openxmlformats.org/officeDocument/2006/relationships" xmlns:p="http://schemas.openxmlformats.org/presentationml/2006/main">
-  <p:cSld>
-    <p:spTree>
-      <p:nvGrpSpPr>
-        <p:cNvPr id="1" name=""/>
-        <p:cNvGrpSpPr/>
-        <p:nvPr/>
-      </p:nvGrpSpPr>
-      <p:grpSpPr>
-        <a:xfrm>
-          <a:off x="0" y="0"/>
-          <a:ext cx="0" cy="0"/>
-          <a:chOff x="0" y="0"/>
-          <a:chExt cx="0" cy="0"/>
-        </a:xfrm>
-      </p:grpSpPr>
-      <p:sp>
-        <p:nvSpPr>
-          <p:cNvPr id="25" name="Rectangle 24">
-            <a:extLst>
-              <a:ext uri="{FF2B5EF4-FFF2-40B4-BE49-F238E27FC236}">
-                <a16:creationId xmlns:a16="http://schemas.microsoft.com/office/drawing/2014/main" id="{505ABA61-6089-9968-B629-AC0E5695B58F}"/>
-              </a:ext>
-            </a:extLst>
-          </p:cNvPr>
-          <p:cNvSpPr/>
-          <p:nvPr/>
-        </p:nvSpPr>
-        <p:spPr>
-          <a:xfrm>
-            <a:off x="4442460" y="365125"/>
-            <a:ext cx="7208520" cy="6127750"/>
-          </a:xfrm>
-          <a:prstGeom prst="rect">
-            <a:avLst/>
-          </a:prstGeom>
-          <a:solidFill>
-            <a:schemeClr val="bg1">
-              <a:lumMod val="95000"/>
-            </a:schemeClr>
-          </a:solidFill>
-          <a:ln>
-            <a:noFill/>
-          </a:ln>
-        </p:spPr>
-        <p:style>
-          <a:lnRef idx="2">
-            <a:schemeClr val="accent1">
-              <a:shade val="50000"/>
-            </a:schemeClr>
-          </a:lnRef>
-          <a:fillRef idx="1">
-            <a:schemeClr val="accent1"/>
-          </a:fillRef>
-          <a:effectRef idx="0">
-            <a:schemeClr val="accent1"/>
-          </a:effectRef>
-          <a:fontRef idx="minor">
-            <a:schemeClr val="lt1"/>
-          </a:fontRef>
-        </p:style>
-        <p:txBody>
-          <a:bodyPr rtlCol="0" anchor="ctr"/>
-          <a:lstStyle/>
-          <a:p>
-            <a:pPr algn="ctr"/>
-            <a:endParaRPr lang="en-GB" dirty="0">
-              <a:solidFill>
-                <a:schemeClr val="tx1"/>
-              </a:solidFill>
-            </a:endParaRPr>
-          </a:p>
-        </p:txBody>
-      </p:sp>
-      <p:sp>
-        <p:nvSpPr>
-          <p:cNvPr id="2" name="Title 1">
-            <a:extLst>
-              <a:ext uri="{FF2B5EF4-FFF2-40B4-BE49-F238E27FC236}">
-                <a16:creationId xmlns:a16="http://schemas.microsoft.com/office/drawing/2014/main" id="{E29F74C9-B0C7-BA5C-41DC-C21FA1F2E126}"/>
-              </a:ext>
-            </a:extLst>
-          </p:cNvPr>
-          <p:cNvSpPr>
-            <a:spLocks noGrp="1" noRot="1" noMove="1" noResize="1" noEditPoints="1" noAdjustHandles="1" noChangeArrowheads="1" noChangeShapeType="1"/>
-          </p:cNvSpPr>
-          <p:nvPr>
-            <p:ph type="title"/>
-          </p:nvPr>
-        </p:nvSpPr>
-        <p:spPr/>
-        <p:txBody>
-          <a:bodyPr/>
-          <a:lstStyle/>
-          <a:p>
-            <a:r>
-              <a:rPr lang="en-GB" dirty="0"/>
-              <a:t>Download Page</a:t>
-            </a:r>
-          </a:p>
-        </p:txBody>
-      </p:sp>
-      <p:sp>
-        <p:nvSpPr>
-          <p:cNvPr id="37" name="TextBox 36">
-            <a:extLst>
-              <a:ext uri="{FF2B5EF4-FFF2-40B4-BE49-F238E27FC236}">
-                <a16:creationId xmlns:a16="http://schemas.microsoft.com/office/drawing/2014/main" id="{D5FAD78A-C10D-11AD-3D24-7D377684D22B}"/>
-              </a:ext>
-            </a:extLst>
-          </p:cNvPr>
-          <p:cNvSpPr txBox="1"/>
-          <p:nvPr/>
-        </p:nvSpPr>
-        <p:spPr>
-          <a:xfrm>
-            <a:off x="838199" y="1523048"/>
-            <a:ext cx="3154681" cy="646331"/>
-          </a:xfrm>
-          <a:prstGeom prst="rect">
-            <a:avLst/>
-          </a:prstGeom>
-          <a:noFill/>
-        </p:spPr>
-        <p:txBody>
-          <a:bodyPr wrap="square" rtlCol="0">
-            <a:spAutoFit/>
-          </a:bodyPr>
-          <a:lstStyle/>
-          <a:p>
-            <a:endParaRPr lang="en-GB" dirty="0"/>
-          </a:p>
-          <a:p>
-            <a:endParaRPr lang="en-GB" dirty="0"/>
-          </a:p>
-        </p:txBody>
-      </p:sp>
-      <p:grpSp>
-        <p:nvGrpSpPr>
-          <p:cNvPr id="3" name="Group 2">
-            <a:extLst>
-              <a:ext uri="{FF2B5EF4-FFF2-40B4-BE49-F238E27FC236}">
-                <a16:creationId xmlns:a16="http://schemas.microsoft.com/office/drawing/2014/main" id="{D32A1889-69F8-F163-2E6B-CFEDE8405A41}"/>
-              </a:ext>
-            </a:extLst>
-          </p:cNvPr>
-          <p:cNvGrpSpPr/>
-          <p:nvPr/>
-        </p:nvGrpSpPr>
-        <p:grpSpPr>
-          <a:xfrm>
-            <a:off x="5920740" y="365126"/>
-            <a:ext cx="4251962" cy="6127750"/>
-            <a:chOff x="5920740" y="365126"/>
-            <a:chExt cx="4251962" cy="6127750"/>
-          </a:xfrm>
-        </p:grpSpPr>
-        <p:sp>
-          <p:nvSpPr>
-            <p:cNvPr id="11" name="Rectangle 10">
-              <a:extLst>
-                <a:ext uri="{FF2B5EF4-FFF2-40B4-BE49-F238E27FC236}">
-                  <a16:creationId xmlns:a16="http://schemas.microsoft.com/office/drawing/2014/main" id="{817C8EA7-0B3E-A8D5-0C59-1B4DE6195DEA}"/>
-                </a:ext>
-              </a:extLst>
-            </p:cNvPr>
-            <p:cNvSpPr/>
-            <p:nvPr/>
-          </p:nvSpPr>
-          <p:spPr>
-            <a:xfrm>
-              <a:off x="5920740" y="365126"/>
-              <a:ext cx="4251960" cy="6127750"/>
-            </a:xfrm>
-            <a:prstGeom prst="rect">
-              <a:avLst/>
-            </a:prstGeom>
-            <a:solidFill>
-              <a:schemeClr val="bg1"/>
-            </a:solidFill>
-            <a:ln>
-              <a:solidFill>
-                <a:schemeClr val="tx1"/>
-              </a:solidFill>
-              <a:prstDash val="lgDash"/>
-            </a:ln>
-          </p:spPr>
-          <p:style>
-            <a:lnRef idx="2">
-              <a:schemeClr val="accent1">
-                <a:shade val="50000"/>
-              </a:schemeClr>
-            </a:lnRef>
-            <a:fillRef idx="1">
-              <a:schemeClr val="accent1"/>
-            </a:fillRef>
-            <a:effectRef idx="0">
-              <a:schemeClr val="accent1"/>
-            </a:effectRef>
-            <a:fontRef idx="minor">
-              <a:schemeClr val="lt1"/>
-            </a:fontRef>
-          </p:style>
-          <p:txBody>
-            <a:bodyPr rtlCol="0" anchor="ctr"/>
-            <a:lstStyle/>
-            <a:p>
-              <a:pPr algn="ctr"/>
-              <a:endParaRPr lang="en-GB" dirty="0">
-                <a:solidFill>
-                  <a:schemeClr val="tx1"/>
-                </a:solidFill>
-              </a:endParaRPr>
-            </a:p>
-          </p:txBody>
-        </p:sp>
-        <p:sp>
-          <p:nvSpPr>
-            <p:cNvPr id="7" name="TextBox 6">
-              <a:extLst>
-                <a:ext uri="{FF2B5EF4-FFF2-40B4-BE49-F238E27FC236}">
-                  <a16:creationId xmlns:a16="http://schemas.microsoft.com/office/drawing/2014/main" id="{FBE1CE47-47F0-6B5D-D4F4-675A1D5C96F8}"/>
-                </a:ext>
-              </a:extLst>
-            </p:cNvPr>
-            <p:cNvSpPr txBox="1"/>
-            <p:nvPr/>
-          </p:nvSpPr>
-          <p:spPr>
-            <a:xfrm>
-              <a:off x="5920740" y="1523048"/>
-              <a:ext cx="4251962" cy="369332"/>
-            </a:xfrm>
-            <a:prstGeom prst="rect">
-              <a:avLst/>
-            </a:prstGeom>
-            <a:noFill/>
-          </p:spPr>
-          <p:txBody>
-            <a:bodyPr wrap="square" rtlCol="0">
-              <a:spAutoFit/>
-            </a:bodyPr>
-            <a:lstStyle/>
-            <a:p>
-              <a:pPr algn="ctr"/>
-              <a:r>
-                <a:rPr lang="en-GB" dirty="0"/>
-                <a:t>Download The App!</a:t>
-              </a:r>
-            </a:p>
-          </p:txBody>
-        </p:sp>
-        <p:sp>
-          <p:nvSpPr>
-            <p:cNvPr id="8" name="Rectangle 7">
-              <a:extLst>
-                <a:ext uri="{FF2B5EF4-FFF2-40B4-BE49-F238E27FC236}">
-                  <a16:creationId xmlns:a16="http://schemas.microsoft.com/office/drawing/2014/main" id="{F81785E0-2F36-3B16-519A-73B335E26E19}"/>
-                </a:ext>
-              </a:extLst>
-            </p:cNvPr>
-            <p:cNvSpPr/>
-            <p:nvPr/>
-          </p:nvSpPr>
-          <p:spPr>
-            <a:xfrm>
-              <a:off x="7071361" y="2454358"/>
-              <a:ext cx="1950720" cy="341852"/>
-            </a:xfrm>
-            <a:prstGeom prst="rect">
-              <a:avLst/>
-            </a:prstGeom>
-          </p:spPr>
-          <p:style>
-            <a:lnRef idx="2">
-              <a:schemeClr val="accent1">
-                <a:shade val="50000"/>
-              </a:schemeClr>
-            </a:lnRef>
-            <a:fillRef idx="1">
-              <a:schemeClr val="accent1"/>
-            </a:fillRef>
-            <a:effectRef idx="0">
-              <a:schemeClr val="accent1"/>
-            </a:effectRef>
-            <a:fontRef idx="minor">
-              <a:schemeClr val="lt1"/>
-            </a:fontRef>
-          </p:style>
-          <p:txBody>
-            <a:bodyPr rtlCol="0" anchor="ctr"/>
-            <a:lstStyle/>
-            <a:p>
-              <a:pPr algn="ctr"/>
-              <a:r>
-                <a:rPr lang="en-GB" dirty="0"/>
-                <a:t>MacOS</a:t>
-              </a:r>
-            </a:p>
-          </p:txBody>
-        </p:sp>
-        <p:sp>
-          <p:nvSpPr>
-            <p:cNvPr id="9" name="Rectangle 8">
-              <a:extLst>
-                <a:ext uri="{FF2B5EF4-FFF2-40B4-BE49-F238E27FC236}">
-                  <a16:creationId xmlns:a16="http://schemas.microsoft.com/office/drawing/2014/main" id="{A1EB36E1-015F-DF99-3887-301D1B741170}"/>
-                </a:ext>
-              </a:extLst>
-            </p:cNvPr>
-            <p:cNvSpPr/>
-            <p:nvPr/>
-          </p:nvSpPr>
-          <p:spPr>
-            <a:xfrm>
-              <a:off x="7071361" y="2028822"/>
-              <a:ext cx="1950720" cy="341852"/>
-            </a:xfrm>
-            <a:prstGeom prst="rect">
-              <a:avLst/>
-            </a:prstGeom>
-          </p:spPr>
-          <p:style>
-            <a:lnRef idx="2">
-              <a:schemeClr val="accent1">
-                <a:shade val="50000"/>
-              </a:schemeClr>
-            </a:lnRef>
-            <a:fillRef idx="1">
-              <a:schemeClr val="accent1"/>
-            </a:fillRef>
-            <a:effectRef idx="0">
-              <a:schemeClr val="accent1"/>
-            </a:effectRef>
-            <a:fontRef idx="minor">
-              <a:schemeClr val="lt1"/>
-            </a:fontRef>
-          </p:style>
-          <p:txBody>
-            <a:bodyPr rtlCol="0" anchor="ctr"/>
-            <a:lstStyle/>
-            <a:p>
-              <a:pPr algn="ctr"/>
-              <a:r>
-                <a:rPr lang="en-GB" dirty="0"/>
-                <a:t>Windows</a:t>
-              </a:r>
-            </a:p>
-          </p:txBody>
-        </p:sp>
-        <p:sp>
-          <p:nvSpPr>
-            <p:cNvPr id="10" name="Rectangle 9">
-              <a:extLst>
-                <a:ext uri="{FF2B5EF4-FFF2-40B4-BE49-F238E27FC236}">
-                  <a16:creationId xmlns:a16="http://schemas.microsoft.com/office/drawing/2014/main" id="{93427F94-E8B2-01BE-06B7-6194084F00A7}"/>
-                </a:ext>
-              </a:extLst>
-            </p:cNvPr>
-            <p:cNvSpPr/>
-            <p:nvPr/>
-          </p:nvSpPr>
-          <p:spPr>
-            <a:xfrm>
-              <a:off x="7071361" y="2879894"/>
-              <a:ext cx="1950720" cy="341852"/>
-            </a:xfrm>
-            <a:prstGeom prst="rect">
-              <a:avLst/>
-            </a:prstGeom>
-          </p:spPr>
-          <p:style>
-            <a:lnRef idx="2">
-              <a:schemeClr val="accent1">
-                <a:shade val="50000"/>
-              </a:schemeClr>
-            </a:lnRef>
-            <a:fillRef idx="1">
-              <a:schemeClr val="accent1"/>
-            </a:fillRef>
-            <a:effectRef idx="0">
-              <a:schemeClr val="accent1"/>
-            </a:effectRef>
-            <a:fontRef idx="minor">
-              <a:schemeClr val="lt1"/>
-            </a:fontRef>
-          </p:style>
-          <p:txBody>
-            <a:bodyPr rtlCol="0" anchor="ctr"/>
-            <a:lstStyle/>
-            <a:p>
-              <a:pPr algn="ctr"/>
-              <a:r>
-                <a:rPr lang="en-GB" dirty="0"/>
-                <a:t>Linux</a:t>
-              </a:r>
-            </a:p>
-          </p:txBody>
-        </p:sp>
-      </p:grpSp>
-    </p:spTree>
-    <p:extLst>
-      <p:ext uri="{BB962C8B-B14F-4D97-AF65-F5344CB8AC3E}">
-        <p14:creationId xmlns:p14="http://schemas.microsoft.com/office/powerpoint/2010/main" val="3903081222"/>
-      </p:ext>
-    </p:extLst>
-  </p:cSld>
-  <p:clrMapOvr>
-    <a:masterClrMapping/>
-  </p:clrMapOvr>
-</p:sld>
-</file>
-
 <file path=ppt/theme/theme1.xml><?xml version="1.0" encoding="utf-8"?>
 <a:theme xmlns:a="http://schemas.openxmlformats.org/drawingml/2006/main" name="Office Theme">
   <a:themeElements>

--- a/documentation/Quark Wireframes and User Stories.pptx
+++ b/documentation/Quark Wireframes and User Stories.pptx
@@ -4,6 +4,9 @@
   <p:sldMasterIdLst>
     <p:sldMasterId id="2147483648" r:id="rId1"/>
   </p:sldMasterIdLst>
+  <p:handoutMasterIdLst>
+    <p:handoutMasterId r:id="rId21"/>
+  </p:handoutMasterIdLst>
   <p:sldIdLst>
     <p:sldId id="259" r:id="rId2"/>
     <p:sldId id="260" r:id="rId3"/>
@@ -23,6 +26,7 @@
     <p:sldId id="272" r:id="rId17"/>
     <p:sldId id="273" r:id="rId18"/>
     <p:sldId id="274" r:id="rId19"/>
+    <p:sldId id="276" r:id="rId20"/>
   </p:sldIdLst>
   <p:sldSz cx="12192000" cy="6858000"/>
   <p:notesSz cx="6858000" cy="9144000"/>
@@ -127,6 +131,195 @@
     </p:ext>
   </p:extLst>
 </p:presentation>
+</file>
+
+<file path=ppt/handoutMasters/handoutMaster1.xml><?xml version="1.0" encoding="utf-8"?>
+<p:handoutMaster xmlns:a="http://schemas.openxmlformats.org/drawingml/2006/main" xmlns:r="http://schemas.openxmlformats.org/officeDocument/2006/relationships" xmlns:p="http://schemas.openxmlformats.org/presentationml/2006/main">
+  <p:cSld>
+    <p:bg>
+      <p:bgRef idx="1001">
+        <a:schemeClr val="bg1"/>
+      </p:bgRef>
+    </p:bg>
+    <p:spTree>
+      <p:nvGrpSpPr>
+        <p:cNvPr id="1" name=""/>
+        <p:cNvGrpSpPr/>
+        <p:nvPr/>
+      </p:nvGrpSpPr>
+      <p:grpSpPr>
+        <a:xfrm>
+          <a:off x="0" y="0"/>
+          <a:ext cx="0" cy="0"/>
+          <a:chOff x="0" y="0"/>
+          <a:chExt cx="0" cy="0"/>
+        </a:xfrm>
+      </p:grpSpPr>
+      <p:sp>
+        <p:nvSpPr>
+          <p:cNvPr id="2" name="Header Placeholder 1">
+            <a:extLst>
+              <a:ext uri="{FF2B5EF4-FFF2-40B4-BE49-F238E27FC236}">
+                <a16:creationId xmlns:a16="http://schemas.microsoft.com/office/drawing/2014/main" id="{AF0751A0-D403-A253-9A4D-D7178128C407}"/>
+              </a:ext>
+            </a:extLst>
+          </p:cNvPr>
+          <p:cNvSpPr>
+            <a:spLocks noGrp="1"/>
+          </p:cNvSpPr>
+          <p:nvPr>
+            <p:ph type="hdr" sz="quarter"/>
+          </p:nvPr>
+        </p:nvSpPr>
+        <p:spPr>
+          <a:xfrm>
+            <a:off x="0" y="0"/>
+            <a:ext cx="2971800" cy="458788"/>
+          </a:xfrm>
+          <a:prstGeom prst="rect">
+            <a:avLst/>
+          </a:prstGeom>
+        </p:spPr>
+        <p:txBody>
+          <a:bodyPr vert="horz" lIns="91440" tIns="45720" rIns="91440" bIns="45720" rtlCol="0"/>
+          <a:lstStyle>
+            <a:lvl1pPr algn="l">
+              <a:defRPr sz="1200"/>
+            </a:lvl1pPr>
+          </a:lstStyle>
+          <a:p>
+            <a:endParaRPr lang="en-GB"/>
+          </a:p>
+        </p:txBody>
+      </p:sp>
+      <p:sp>
+        <p:nvSpPr>
+          <p:cNvPr id="3" name="Date Placeholder 2">
+            <a:extLst>
+              <a:ext uri="{FF2B5EF4-FFF2-40B4-BE49-F238E27FC236}">
+                <a16:creationId xmlns:a16="http://schemas.microsoft.com/office/drawing/2014/main" id="{244A42CA-011A-BDC5-4762-7D6D2BB85E30}"/>
+              </a:ext>
+            </a:extLst>
+          </p:cNvPr>
+          <p:cNvSpPr>
+            <a:spLocks noGrp="1"/>
+          </p:cNvSpPr>
+          <p:nvPr>
+            <p:ph type="dt" sz="quarter" idx="1"/>
+          </p:nvPr>
+        </p:nvSpPr>
+        <p:spPr>
+          <a:xfrm>
+            <a:off x="3884613" y="0"/>
+            <a:ext cx="2971800" cy="458788"/>
+          </a:xfrm>
+          <a:prstGeom prst="rect">
+            <a:avLst/>
+          </a:prstGeom>
+        </p:spPr>
+        <p:txBody>
+          <a:bodyPr vert="horz" lIns="91440" tIns="45720" rIns="91440" bIns="45720" rtlCol="0"/>
+          <a:lstStyle>
+            <a:lvl1pPr algn="r">
+              <a:defRPr sz="1200"/>
+            </a:lvl1pPr>
+          </a:lstStyle>
+          <a:p>
+            <a:fld id="{256BB62E-8856-43CF-832D-225DB6CA7A7B}" type="datetimeFigureOut">
+              <a:rPr lang="en-GB" smtClean="0"/>
+              <a:t>02/06/2022</a:t>
+            </a:fld>
+            <a:endParaRPr lang="en-GB"/>
+          </a:p>
+        </p:txBody>
+      </p:sp>
+      <p:sp>
+        <p:nvSpPr>
+          <p:cNvPr id="4" name="Footer Placeholder 3">
+            <a:extLst>
+              <a:ext uri="{FF2B5EF4-FFF2-40B4-BE49-F238E27FC236}">
+                <a16:creationId xmlns:a16="http://schemas.microsoft.com/office/drawing/2014/main" id="{CCE51625-3903-3A45-3111-89A542C555C2}"/>
+              </a:ext>
+            </a:extLst>
+          </p:cNvPr>
+          <p:cNvSpPr>
+            <a:spLocks noGrp="1"/>
+          </p:cNvSpPr>
+          <p:nvPr>
+            <p:ph type="ftr" sz="quarter" idx="2"/>
+          </p:nvPr>
+        </p:nvSpPr>
+        <p:spPr>
+          <a:xfrm>
+            <a:off x="0" y="8685213"/>
+            <a:ext cx="2971800" cy="458787"/>
+          </a:xfrm>
+          <a:prstGeom prst="rect">
+            <a:avLst/>
+          </a:prstGeom>
+        </p:spPr>
+        <p:txBody>
+          <a:bodyPr vert="horz" lIns="91440" tIns="45720" rIns="91440" bIns="45720" rtlCol="0" anchor="b"/>
+          <a:lstStyle>
+            <a:lvl1pPr algn="l">
+              <a:defRPr sz="1200"/>
+            </a:lvl1pPr>
+          </a:lstStyle>
+          <a:p>
+            <a:endParaRPr lang="en-GB"/>
+          </a:p>
+        </p:txBody>
+      </p:sp>
+      <p:sp>
+        <p:nvSpPr>
+          <p:cNvPr id="5" name="Slide Number Placeholder 4">
+            <a:extLst>
+              <a:ext uri="{FF2B5EF4-FFF2-40B4-BE49-F238E27FC236}">
+                <a16:creationId xmlns:a16="http://schemas.microsoft.com/office/drawing/2014/main" id="{5510CD98-AD33-6873-75DD-741BA3B1B17A}"/>
+              </a:ext>
+            </a:extLst>
+          </p:cNvPr>
+          <p:cNvSpPr>
+            <a:spLocks noGrp="1"/>
+          </p:cNvSpPr>
+          <p:nvPr>
+            <p:ph type="sldNum" sz="quarter" idx="3"/>
+          </p:nvPr>
+        </p:nvSpPr>
+        <p:spPr>
+          <a:xfrm>
+            <a:off x="3884613" y="8685213"/>
+            <a:ext cx="2971800" cy="458787"/>
+          </a:xfrm>
+          <a:prstGeom prst="rect">
+            <a:avLst/>
+          </a:prstGeom>
+        </p:spPr>
+        <p:txBody>
+          <a:bodyPr vert="horz" lIns="91440" tIns="45720" rIns="91440" bIns="45720" rtlCol="0" anchor="b"/>
+          <a:lstStyle>
+            <a:lvl1pPr algn="r">
+              <a:defRPr sz="1200"/>
+            </a:lvl1pPr>
+          </a:lstStyle>
+          <a:p>
+            <a:fld id="{BAC4D30B-A285-48FA-AB88-FC5CEFA9C2DC}" type="slidenum">
+              <a:rPr lang="en-GB" smtClean="0"/>
+              <a:t>‹#›</a:t>
+            </a:fld>
+            <a:endParaRPr lang="en-GB"/>
+          </a:p>
+        </p:txBody>
+      </p:sp>
+    </p:spTree>
+    <p:extLst>
+      <p:ext uri="{BB962C8B-B14F-4D97-AF65-F5344CB8AC3E}">
+        <p14:creationId xmlns:p14="http://schemas.microsoft.com/office/powerpoint/2010/main" val="128963838"/>
+      </p:ext>
+    </p:extLst>
+  </p:cSld>
+  <p:clrMap bg1="lt1" tx1="dk1" bg2="lt2" tx2="dk2" accent1="accent1" accent2="accent2" accent3="accent3" accent4="accent4" accent5="accent5" accent6="accent6" hlink="hlink" folHlink="folHlink"/>
+</p:handoutMaster>
 </file>
 
 <file path=ppt/slideLayouts/slideLayout1.xml><?xml version="1.0" encoding="utf-8"?>
@@ -3904,7 +4097,7 @@
           <a:p>
             <a:r>
               <a:rPr lang="en-GB" dirty="0"/>
-              <a:t>Signup Process</a:t>
+              <a:t>Signup Story</a:t>
             </a:r>
           </a:p>
         </p:txBody>
@@ -5356,7 +5549,7 @@
         </p:nvGrpSpPr>
         <p:grpSpPr>
           <a:xfrm>
-            <a:off x="838199" y="1510446"/>
+            <a:off x="838199" y="1516624"/>
             <a:ext cx="3125260" cy="203545"/>
             <a:chOff x="4064860" y="1000495"/>
             <a:chExt cx="6824120" cy="444451"/>
@@ -6130,7 +6323,7 @@
           <a:p>
             <a:r>
               <a:rPr lang="en-GB" dirty="0"/>
-              <a:t>Login / View Profile Process</a:t>
+              <a:t>Login / View Profile Story</a:t>
             </a:r>
           </a:p>
         </p:txBody>
@@ -6149,7 +6342,7 @@
         </p:nvGrpSpPr>
         <p:grpSpPr>
           <a:xfrm>
-            <a:off x="4410301" y="2011963"/>
+            <a:off x="4410301" y="1857505"/>
             <a:ext cx="3125260" cy="4503997"/>
             <a:chOff x="5920740" y="365126"/>
             <a:chExt cx="4251960" cy="6127750"/>
@@ -6503,7 +6696,7 @@
         </p:nvGrpSpPr>
         <p:grpSpPr>
           <a:xfrm>
-            <a:off x="838200" y="2011964"/>
+            <a:off x="838200" y="1857506"/>
             <a:ext cx="3125261" cy="4503997"/>
             <a:chOff x="5920739" y="365126"/>
             <a:chExt cx="4251962" cy="6127750"/>
@@ -7048,7 +7241,7 @@
         </p:nvGrpSpPr>
         <p:grpSpPr>
           <a:xfrm>
-            <a:off x="8138179" y="2011963"/>
+            <a:off x="8138179" y="1857505"/>
             <a:ext cx="3125263" cy="4503997"/>
             <a:chOff x="5920738" y="365126"/>
             <a:chExt cx="4251964" cy="6127750"/>
@@ -7665,7 +7858,7 @@
         </p:nvGrpSpPr>
         <p:grpSpPr>
           <a:xfrm>
-            <a:off x="838201" y="1839170"/>
+            <a:off x="838201" y="1684712"/>
             <a:ext cx="3125260" cy="203545"/>
             <a:chOff x="4064860" y="1000495"/>
             <a:chExt cx="6824120" cy="444451"/>
@@ -7913,7 +8106,7 @@
         </p:nvCxnSpPr>
         <p:spPr>
           <a:xfrm>
-            <a:off x="3165228" y="2042715"/>
+            <a:off x="3165228" y="1888257"/>
             <a:ext cx="1245073" cy="1371637"/>
           </a:xfrm>
           <a:prstGeom prst="straightConnector1">
@@ -7959,7 +8152,7 @@
         </p:nvCxnSpPr>
         <p:spPr>
           <a:xfrm flipV="1">
-            <a:off x="7024674" y="4280818"/>
+            <a:off x="7024674" y="4126360"/>
             <a:ext cx="1113505" cy="888341"/>
           </a:xfrm>
           <a:prstGeom prst="straightConnector1">
@@ -8001,7 +8194,7 @@
         </p:nvGrpSpPr>
         <p:grpSpPr>
           <a:xfrm>
-            <a:off x="4410301" y="1847866"/>
+            <a:off x="4410301" y="1693408"/>
             <a:ext cx="3125260" cy="203545"/>
             <a:chOff x="4064860" y="1000495"/>
             <a:chExt cx="6824120" cy="444451"/>
@@ -8246,7 +8439,7 @@
         </p:nvGrpSpPr>
         <p:grpSpPr>
           <a:xfrm>
-            <a:off x="8140272" y="1839170"/>
+            <a:off x="8140272" y="1684712"/>
             <a:ext cx="3125260" cy="203545"/>
             <a:chOff x="4064860" y="1000495"/>
             <a:chExt cx="6824120" cy="444451"/>
@@ -8530,7 +8723,15 @@
           <a:p>
             <a:r>
               <a:rPr lang="en-GB" dirty="0"/>
-              <a:t>View Leaderboard</a:t>
+              <a:t>View </a:t>
+            </a:r>
+            <a:r>
+              <a:rPr lang="en-GB" dirty="0" err="1"/>
+              <a:t>Leaderboard</a:t>
+            </a:r>
+            <a:r>
+              <a:rPr lang="en-GB" dirty="0"/>
+              <a:t> Story</a:t>
             </a:r>
           </a:p>
         </p:txBody>
@@ -11422,7 +11623,7 @@
           <a:p>
             <a:r>
               <a:rPr lang="en-GB" dirty="0"/>
-              <a:t>Download Application</a:t>
+              <a:t>Download Application Story</a:t>
             </a:r>
           </a:p>
         </p:txBody>
@@ -12713,6 +12914,552 @@
           </a:p>
         </p:txBody>
       </p:sp>
+      <p:grpSp>
+        <p:nvGrpSpPr>
+          <p:cNvPr id="19" name="Group 18">
+            <a:extLst>
+              <a:ext uri="{FF2B5EF4-FFF2-40B4-BE49-F238E27FC236}">
+                <a16:creationId xmlns:a16="http://schemas.microsoft.com/office/drawing/2014/main" id="{1467BD81-0C96-136D-AEF0-647B3E4316D3}"/>
+              </a:ext>
+            </a:extLst>
+          </p:cNvPr>
+          <p:cNvGrpSpPr/>
+          <p:nvPr/>
+        </p:nvGrpSpPr>
+        <p:grpSpPr>
+          <a:xfrm>
+            <a:off x="4269259" y="2406820"/>
+            <a:ext cx="2991653" cy="2165179"/>
+            <a:chOff x="4269259" y="2406820"/>
+            <a:chExt cx="2991653" cy="2165179"/>
+          </a:xfrm>
+        </p:grpSpPr>
+        <p:sp>
+          <p:nvSpPr>
+            <p:cNvPr id="4" name="Rectangle 3">
+              <a:extLst>
+                <a:ext uri="{FF2B5EF4-FFF2-40B4-BE49-F238E27FC236}">
+                  <a16:creationId xmlns:a16="http://schemas.microsoft.com/office/drawing/2014/main" id="{F8A50C65-F421-CBF2-4268-0D26FA4EFAB5}"/>
+                </a:ext>
+              </a:extLst>
+            </p:cNvPr>
+            <p:cNvSpPr/>
+            <p:nvPr/>
+          </p:nvSpPr>
+          <p:spPr>
+            <a:xfrm>
+              <a:off x="4269259" y="2730842"/>
+              <a:ext cx="2991652" cy="1841157"/>
+            </a:xfrm>
+            <a:prstGeom prst="rect">
+              <a:avLst/>
+            </a:prstGeom>
+            <a:solidFill>
+              <a:schemeClr val="bg1"/>
+            </a:solidFill>
+            <a:ln>
+              <a:solidFill>
+                <a:schemeClr val="tx1"/>
+              </a:solidFill>
+              <a:prstDash val="lgDash"/>
+            </a:ln>
+          </p:spPr>
+          <p:style>
+            <a:lnRef idx="2">
+              <a:schemeClr val="accent1">
+                <a:shade val="50000"/>
+              </a:schemeClr>
+            </a:lnRef>
+            <a:fillRef idx="1">
+              <a:schemeClr val="accent1"/>
+            </a:fillRef>
+            <a:effectRef idx="0">
+              <a:schemeClr val="accent1"/>
+            </a:effectRef>
+            <a:fontRef idx="minor">
+              <a:schemeClr val="lt1"/>
+            </a:fontRef>
+          </p:style>
+          <p:txBody>
+            <a:bodyPr rtlCol="0" anchor="ctr"/>
+            <a:lstStyle/>
+            <a:p>
+              <a:pPr algn="ctr"/>
+              <a:endParaRPr lang="en-GB" dirty="0">
+                <a:solidFill>
+                  <a:schemeClr val="tx1"/>
+                </a:solidFill>
+              </a:endParaRPr>
+            </a:p>
+          </p:txBody>
+        </p:sp>
+        <p:sp>
+          <p:nvSpPr>
+            <p:cNvPr id="5" name="TextBox 4">
+              <a:extLst>
+                <a:ext uri="{FF2B5EF4-FFF2-40B4-BE49-F238E27FC236}">
+                  <a16:creationId xmlns:a16="http://schemas.microsoft.com/office/drawing/2014/main" id="{8B34A376-CDD5-F09E-F377-DE77782FBD8D}"/>
+                </a:ext>
+              </a:extLst>
+            </p:cNvPr>
+            <p:cNvSpPr txBox="1"/>
+            <p:nvPr/>
+          </p:nvSpPr>
+          <p:spPr>
+            <a:xfrm>
+              <a:off x="4615248" y="3181583"/>
+              <a:ext cx="829757" cy="261610"/>
+            </a:xfrm>
+            <a:prstGeom prst="rect">
+              <a:avLst/>
+            </a:prstGeom>
+            <a:noFill/>
+          </p:spPr>
+          <p:txBody>
+            <a:bodyPr wrap="square" rtlCol="0">
+              <a:spAutoFit/>
+            </a:bodyPr>
+            <a:lstStyle/>
+            <a:p>
+              <a:r>
+                <a:rPr lang="en-GB" sz="1100" dirty="0"/>
+                <a:t>Email</a:t>
+              </a:r>
+            </a:p>
+          </p:txBody>
+        </p:sp>
+        <p:sp>
+          <p:nvSpPr>
+            <p:cNvPr id="8" name="Rectangle 7">
+              <a:extLst>
+                <a:ext uri="{FF2B5EF4-FFF2-40B4-BE49-F238E27FC236}">
+                  <a16:creationId xmlns:a16="http://schemas.microsoft.com/office/drawing/2014/main" id="{1365EF1B-6D33-2BD7-C8D4-0260258CFEAB}"/>
+                </a:ext>
+              </a:extLst>
+            </p:cNvPr>
+            <p:cNvSpPr/>
+            <p:nvPr/>
+          </p:nvSpPr>
+          <p:spPr>
+            <a:xfrm>
+              <a:off x="5603789" y="4005735"/>
+              <a:ext cx="1291281" cy="251267"/>
+            </a:xfrm>
+            <a:prstGeom prst="rect">
+              <a:avLst/>
+            </a:prstGeom>
+            <a:solidFill>
+              <a:schemeClr val="bg1"/>
+            </a:solidFill>
+            <a:ln>
+              <a:solidFill>
+                <a:schemeClr val="tx1"/>
+              </a:solidFill>
+            </a:ln>
+          </p:spPr>
+          <p:style>
+            <a:lnRef idx="2">
+              <a:schemeClr val="accent1">
+                <a:shade val="50000"/>
+              </a:schemeClr>
+            </a:lnRef>
+            <a:fillRef idx="1">
+              <a:schemeClr val="accent1"/>
+            </a:fillRef>
+            <a:effectRef idx="0">
+              <a:schemeClr val="accent1"/>
+            </a:effectRef>
+            <a:fontRef idx="minor">
+              <a:schemeClr val="lt1"/>
+            </a:fontRef>
+          </p:style>
+          <p:txBody>
+            <a:bodyPr rtlCol="0" anchor="ctr"/>
+            <a:lstStyle/>
+            <a:p>
+              <a:pPr algn="ctr"/>
+              <a:r>
+                <a:rPr lang="en-GB" sz="1400" dirty="0">
+                  <a:solidFill>
+                    <a:sysClr val="windowText" lastClr="000000"/>
+                  </a:solidFill>
+                </a:rPr>
+                <a:t>Login</a:t>
+              </a:r>
+            </a:p>
+          </p:txBody>
+        </p:sp>
+        <p:sp>
+          <p:nvSpPr>
+            <p:cNvPr id="10" name="Rectangle: Rounded Corners 9">
+              <a:extLst>
+                <a:ext uri="{FF2B5EF4-FFF2-40B4-BE49-F238E27FC236}">
+                  <a16:creationId xmlns:a16="http://schemas.microsoft.com/office/drawing/2014/main" id="{B70F0397-8F71-27F0-573A-077B2DD0C8D9}"/>
+                </a:ext>
+              </a:extLst>
+            </p:cNvPr>
+            <p:cNvSpPr/>
+            <p:nvPr/>
+          </p:nvSpPr>
+          <p:spPr>
+            <a:xfrm>
+              <a:off x="5603789" y="3208414"/>
+              <a:ext cx="1291281" cy="234779"/>
+            </a:xfrm>
+            <a:prstGeom prst="roundRect">
+              <a:avLst/>
+            </a:prstGeom>
+            <a:solidFill>
+              <a:schemeClr val="bg1"/>
+            </a:solidFill>
+            <a:ln>
+              <a:solidFill>
+                <a:schemeClr val="tx1"/>
+              </a:solidFill>
+            </a:ln>
+          </p:spPr>
+          <p:style>
+            <a:lnRef idx="2">
+              <a:schemeClr val="accent1">
+                <a:shade val="50000"/>
+              </a:schemeClr>
+            </a:lnRef>
+            <a:fillRef idx="1">
+              <a:schemeClr val="accent1"/>
+            </a:fillRef>
+            <a:effectRef idx="0">
+              <a:schemeClr val="accent1"/>
+            </a:effectRef>
+            <a:fontRef idx="minor">
+              <a:schemeClr val="lt1"/>
+            </a:fontRef>
+          </p:style>
+          <p:txBody>
+            <a:bodyPr rtlCol="0" anchor="ctr"/>
+            <a:lstStyle/>
+            <a:p>
+              <a:pPr algn="ctr"/>
+              <a:endParaRPr lang="en-GB"/>
+            </a:p>
+          </p:txBody>
+        </p:sp>
+        <p:sp>
+          <p:nvSpPr>
+            <p:cNvPr id="11" name="Rectangle 10">
+              <a:extLst>
+                <a:ext uri="{FF2B5EF4-FFF2-40B4-BE49-F238E27FC236}">
+                  <a16:creationId xmlns:a16="http://schemas.microsoft.com/office/drawing/2014/main" id="{B48BE85C-060D-8DA2-07BB-C14CDE15FCCE}"/>
+                </a:ext>
+              </a:extLst>
+            </p:cNvPr>
+            <p:cNvSpPr/>
+            <p:nvPr/>
+          </p:nvSpPr>
+          <p:spPr>
+            <a:xfrm>
+              <a:off x="4615249" y="4005734"/>
+              <a:ext cx="829756" cy="251267"/>
+            </a:xfrm>
+            <a:prstGeom prst="rect">
+              <a:avLst/>
+            </a:prstGeom>
+            <a:solidFill>
+              <a:schemeClr val="bg1"/>
+            </a:solidFill>
+            <a:ln>
+              <a:solidFill>
+                <a:schemeClr val="tx1"/>
+              </a:solidFill>
+            </a:ln>
+          </p:spPr>
+          <p:style>
+            <a:lnRef idx="2">
+              <a:schemeClr val="accent1">
+                <a:shade val="50000"/>
+              </a:schemeClr>
+            </a:lnRef>
+            <a:fillRef idx="1">
+              <a:schemeClr val="accent1"/>
+            </a:fillRef>
+            <a:effectRef idx="0">
+              <a:schemeClr val="accent1"/>
+            </a:effectRef>
+            <a:fontRef idx="minor">
+              <a:schemeClr val="lt1"/>
+            </a:fontRef>
+          </p:style>
+          <p:txBody>
+            <a:bodyPr rtlCol="0" anchor="ctr"/>
+            <a:lstStyle/>
+            <a:p>
+              <a:pPr algn="ctr"/>
+              <a:r>
+                <a:rPr lang="en-GB" sz="1400" dirty="0">
+                  <a:solidFill>
+                    <a:sysClr val="windowText" lastClr="000000"/>
+                  </a:solidFill>
+                </a:rPr>
+                <a:t>Signup</a:t>
+              </a:r>
+            </a:p>
+          </p:txBody>
+        </p:sp>
+        <p:sp>
+          <p:nvSpPr>
+            <p:cNvPr id="12" name="TextBox 11">
+              <a:extLst>
+                <a:ext uri="{FF2B5EF4-FFF2-40B4-BE49-F238E27FC236}">
+                  <a16:creationId xmlns:a16="http://schemas.microsoft.com/office/drawing/2014/main" id="{96E84A59-D5C2-1956-8328-20DB80C4C0D8}"/>
+                </a:ext>
+              </a:extLst>
+            </p:cNvPr>
+            <p:cNvSpPr txBox="1"/>
+            <p:nvPr/>
+          </p:nvSpPr>
+          <p:spPr>
+            <a:xfrm>
+              <a:off x="4615248" y="3558225"/>
+              <a:ext cx="829757" cy="261610"/>
+            </a:xfrm>
+            <a:prstGeom prst="rect">
+              <a:avLst/>
+            </a:prstGeom>
+            <a:noFill/>
+          </p:spPr>
+          <p:txBody>
+            <a:bodyPr wrap="square" rtlCol="0">
+              <a:spAutoFit/>
+            </a:bodyPr>
+            <a:lstStyle/>
+            <a:p>
+              <a:r>
+                <a:rPr lang="en-GB" sz="1100" dirty="0"/>
+                <a:t>Password</a:t>
+              </a:r>
+            </a:p>
+          </p:txBody>
+        </p:sp>
+        <p:sp>
+          <p:nvSpPr>
+            <p:cNvPr id="13" name="Rectangle: Rounded Corners 12">
+              <a:extLst>
+                <a:ext uri="{FF2B5EF4-FFF2-40B4-BE49-F238E27FC236}">
+                  <a16:creationId xmlns:a16="http://schemas.microsoft.com/office/drawing/2014/main" id="{1C2074DF-2C90-A73C-07C6-CF2D3D5DDB8D}"/>
+                </a:ext>
+              </a:extLst>
+            </p:cNvPr>
+            <p:cNvSpPr/>
+            <p:nvPr/>
+          </p:nvSpPr>
+          <p:spPr>
+            <a:xfrm>
+              <a:off x="5603789" y="3585056"/>
+              <a:ext cx="1291281" cy="234779"/>
+            </a:xfrm>
+            <a:prstGeom prst="roundRect">
+              <a:avLst/>
+            </a:prstGeom>
+            <a:solidFill>
+              <a:schemeClr val="bg1"/>
+            </a:solidFill>
+            <a:ln>
+              <a:solidFill>
+                <a:schemeClr val="tx1"/>
+              </a:solidFill>
+            </a:ln>
+          </p:spPr>
+          <p:style>
+            <a:lnRef idx="2">
+              <a:schemeClr val="accent1">
+                <a:shade val="50000"/>
+              </a:schemeClr>
+            </a:lnRef>
+            <a:fillRef idx="1">
+              <a:schemeClr val="accent1"/>
+            </a:fillRef>
+            <a:effectRef idx="0">
+              <a:schemeClr val="accent1"/>
+            </a:effectRef>
+            <a:fontRef idx="minor">
+              <a:schemeClr val="lt1"/>
+            </a:fontRef>
+          </p:style>
+          <p:txBody>
+            <a:bodyPr rtlCol="0" anchor="ctr"/>
+            <a:lstStyle/>
+            <a:p>
+              <a:pPr algn="ctr"/>
+              <a:endParaRPr lang="en-GB"/>
+            </a:p>
+          </p:txBody>
+        </p:sp>
+        <p:sp>
+          <p:nvSpPr>
+            <p:cNvPr id="14" name="Rectangle 13">
+              <a:extLst>
+                <a:ext uri="{FF2B5EF4-FFF2-40B4-BE49-F238E27FC236}">
+                  <a16:creationId xmlns:a16="http://schemas.microsoft.com/office/drawing/2014/main" id="{25586954-10B9-631E-A13F-9475AD2D168A}"/>
+                </a:ext>
+              </a:extLst>
+            </p:cNvPr>
+            <p:cNvSpPr/>
+            <p:nvPr/>
+          </p:nvSpPr>
+          <p:spPr>
+            <a:xfrm>
+              <a:off x="4269260" y="2406820"/>
+              <a:ext cx="2991652" cy="324019"/>
+            </a:xfrm>
+            <a:prstGeom prst="rect">
+              <a:avLst/>
+            </a:prstGeom>
+            <a:solidFill>
+              <a:schemeClr val="bg1"/>
+            </a:solidFill>
+            <a:ln>
+              <a:solidFill>
+                <a:schemeClr val="tx1"/>
+              </a:solidFill>
+              <a:prstDash val="lgDash"/>
+            </a:ln>
+          </p:spPr>
+          <p:style>
+            <a:lnRef idx="2">
+              <a:schemeClr val="accent1">
+                <a:shade val="50000"/>
+              </a:schemeClr>
+            </a:lnRef>
+            <a:fillRef idx="1">
+              <a:schemeClr val="accent1"/>
+            </a:fillRef>
+            <a:effectRef idx="0">
+              <a:schemeClr val="accent1"/>
+            </a:effectRef>
+            <a:fontRef idx="minor">
+              <a:schemeClr val="lt1"/>
+            </a:fontRef>
+          </p:style>
+          <p:txBody>
+            <a:bodyPr rtlCol="0" anchor="ctr"/>
+            <a:lstStyle/>
+            <a:p>
+              <a:r>
+                <a:rPr lang="en-GB" sz="1400" dirty="0">
+                  <a:solidFill>
+                    <a:schemeClr val="tx1"/>
+                  </a:solidFill>
+                </a:rPr>
+                <a:t>Quark Login</a:t>
+              </a:r>
+            </a:p>
+          </p:txBody>
+        </p:sp>
+        <p:grpSp>
+          <p:nvGrpSpPr>
+            <p:cNvPr id="18" name="Group 17">
+              <a:extLst>
+                <a:ext uri="{FF2B5EF4-FFF2-40B4-BE49-F238E27FC236}">
+                  <a16:creationId xmlns:a16="http://schemas.microsoft.com/office/drawing/2014/main" id="{C5F314A6-A1F7-305B-6663-0891067C1BBD}"/>
+                </a:ext>
+              </a:extLst>
+            </p:cNvPr>
+            <p:cNvGrpSpPr/>
+            <p:nvPr/>
+          </p:nvGrpSpPr>
+          <p:grpSpPr>
+            <a:xfrm>
+              <a:off x="7037501" y="2505671"/>
+              <a:ext cx="124490" cy="126316"/>
+              <a:chOff x="8334632" y="2855188"/>
+              <a:chExt cx="914400" cy="927815"/>
+            </a:xfrm>
+          </p:grpSpPr>
+          <p:cxnSp>
+            <p:nvCxnSpPr>
+              <p:cNvPr id="16" name="Straight Connector 15">
+                <a:extLst>
+                  <a:ext uri="{FF2B5EF4-FFF2-40B4-BE49-F238E27FC236}">
+                    <a16:creationId xmlns:a16="http://schemas.microsoft.com/office/drawing/2014/main" id="{CC5F682F-95F1-1B75-07C2-99B32ABD1FAE}"/>
+                  </a:ext>
+                </a:extLst>
+              </p:cNvPr>
+              <p:cNvCxnSpPr/>
+              <p:nvPr/>
+            </p:nvCxnSpPr>
+            <p:spPr>
+              <a:xfrm>
+                <a:off x="8334632" y="2855188"/>
+                <a:ext cx="914400" cy="914400"/>
+              </a:xfrm>
+              <a:prstGeom prst="line">
+                <a:avLst/>
+              </a:prstGeom>
+              <a:ln w="19050">
+                <a:solidFill>
+                  <a:schemeClr val="tx1"/>
+                </a:solidFill>
+              </a:ln>
+            </p:spPr>
+            <p:style>
+              <a:lnRef idx="1">
+                <a:schemeClr val="dk1"/>
+              </a:lnRef>
+              <a:fillRef idx="0">
+                <a:schemeClr val="dk1"/>
+              </a:fillRef>
+              <a:effectRef idx="0">
+                <a:schemeClr val="dk1"/>
+              </a:effectRef>
+              <a:fontRef idx="minor">
+                <a:schemeClr val="tx1"/>
+              </a:fontRef>
+            </p:style>
+          </p:cxnSp>
+          <p:cxnSp>
+            <p:nvCxnSpPr>
+              <p:cNvPr id="17" name="Straight Connector 16">
+                <a:extLst>
+                  <a:ext uri="{FF2B5EF4-FFF2-40B4-BE49-F238E27FC236}">
+                    <a16:creationId xmlns:a16="http://schemas.microsoft.com/office/drawing/2014/main" id="{749FA2D1-599F-1472-8E6F-FF22B79A288A}"/>
+                  </a:ext>
+                </a:extLst>
+              </p:cNvPr>
+              <p:cNvCxnSpPr>
+                <a:cxnSpLocks/>
+              </p:cNvCxnSpPr>
+              <p:nvPr/>
+            </p:nvCxnSpPr>
+            <p:spPr>
+              <a:xfrm flipV="1">
+                <a:off x="8334632" y="2868603"/>
+                <a:ext cx="914400" cy="914400"/>
+              </a:xfrm>
+              <a:prstGeom prst="line">
+                <a:avLst/>
+              </a:prstGeom>
+              <a:ln w="19050">
+                <a:solidFill>
+                  <a:schemeClr val="tx1"/>
+                </a:solidFill>
+              </a:ln>
+            </p:spPr>
+            <p:style>
+              <a:lnRef idx="1">
+                <a:schemeClr val="dk1"/>
+              </a:lnRef>
+              <a:fillRef idx="0">
+                <a:schemeClr val="dk1"/>
+              </a:fillRef>
+              <a:effectRef idx="0">
+                <a:schemeClr val="dk1"/>
+              </a:effectRef>
+              <a:fontRef idx="minor">
+                <a:schemeClr val="tx1"/>
+              </a:fontRef>
+            </p:style>
+          </p:cxnSp>
+        </p:grpSp>
+      </p:grpSp>
     </p:spTree>
     <p:extLst>
       <p:ext uri="{BB962C8B-B14F-4D97-AF65-F5344CB8AC3E}">
@@ -12771,6 +13518,641 @@
           </a:p>
         </p:txBody>
       </p:sp>
+      <p:grpSp>
+        <p:nvGrpSpPr>
+          <p:cNvPr id="17" name="Group 16">
+            <a:extLst>
+              <a:ext uri="{FF2B5EF4-FFF2-40B4-BE49-F238E27FC236}">
+                <a16:creationId xmlns:a16="http://schemas.microsoft.com/office/drawing/2014/main" id="{759B2B99-01C8-44D7-0651-CBC52F8E35D1}"/>
+              </a:ext>
+            </a:extLst>
+          </p:cNvPr>
+          <p:cNvGrpSpPr/>
+          <p:nvPr/>
+        </p:nvGrpSpPr>
+        <p:grpSpPr>
+          <a:xfrm>
+            <a:off x="4269259" y="2406820"/>
+            <a:ext cx="2991653" cy="2325818"/>
+            <a:chOff x="4269259" y="2406820"/>
+            <a:chExt cx="2991653" cy="2325818"/>
+          </a:xfrm>
+        </p:grpSpPr>
+        <p:sp>
+          <p:nvSpPr>
+            <p:cNvPr id="4" name="Rectangle 3">
+              <a:extLst>
+                <a:ext uri="{FF2B5EF4-FFF2-40B4-BE49-F238E27FC236}">
+                  <a16:creationId xmlns:a16="http://schemas.microsoft.com/office/drawing/2014/main" id="{54B5A676-9315-6641-0EE9-8164498DD6CF}"/>
+                </a:ext>
+              </a:extLst>
+            </p:cNvPr>
+            <p:cNvSpPr/>
+            <p:nvPr/>
+          </p:nvSpPr>
+          <p:spPr>
+            <a:xfrm>
+              <a:off x="4269259" y="2730843"/>
+              <a:ext cx="2991652" cy="2001795"/>
+            </a:xfrm>
+            <a:prstGeom prst="rect">
+              <a:avLst/>
+            </a:prstGeom>
+            <a:solidFill>
+              <a:schemeClr val="bg1"/>
+            </a:solidFill>
+            <a:ln>
+              <a:solidFill>
+                <a:schemeClr val="tx1"/>
+              </a:solidFill>
+              <a:prstDash val="lgDash"/>
+            </a:ln>
+          </p:spPr>
+          <p:style>
+            <a:lnRef idx="2">
+              <a:schemeClr val="accent1">
+                <a:shade val="50000"/>
+              </a:schemeClr>
+            </a:lnRef>
+            <a:fillRef idx="1">
+              <a:schemeClr val="accent1"/>
+            </a:fillRef>
+            <a:effectRef idx="0">
+              <a:schemeClr val="accent1"/>
+            </a:effectRef>
+            <a:fontRef idx="minor">
+              <a:schemeClr val="lt1"/>
+            </a:fontRef>
+          </p:style>
+          <p:txBody>
+            <a:bodyPr rtlCol="0" anchor="ctr"/>
+            <a:lstStyle/>
+            <a:p>
+              <a:pPr algn="ctr"/>
+              <a:endParaRPr lang="en-GB" dirty="0">
+                <a:solidFill>
+                  <a:schemeClr val="tx1"/>
+                </a:solidFill>
+              </a:endParaRPr>
+            </a:p>
+          </p:txBody>
+        </p:sp>
+        <p:sp>
+          <p:nvSpPr>
+            <p:cNvPr id="5" name="TextBox 4">
+              <a:extLst>
+                <a:ext uri="{FF2B5EF4-FFF2-40B4-BE49-F238E27FC236}">
+                  <a16:creationId xmlns:a16="http://schemas.microsoft.com/office/drawing/2014/main" id="{6883CB33-3A67-8C65-D11D-D7008C357794}"/>
+                </a:ext>
+              </a:extLst>
+            </p:cNvPr>
+            <p:cNvSpPr txBox="1"/>
+            <p:nvPr/>
+          </p:nvSpPr>
+          <p:spPr>
+            <a:xfrm>
+              <a:off x="4615248" y="3064195"/>
+              <a:ext cx="829757" cy="261610"/>
+            </a:xfrm>
+            <a:prstGeom prst="rect">
+              <a:avLst/>
+            </a:prstGeom>
+            <a:noFill/>
+          </p:spPr>
+          <p:txBody>
+            <a:bodyPr wrap="square" rtlCol="0">
+              <a:spAutoFit/>
+            </a:bodyPr>
+            <a:lstStyle/>
+            <a:p>
+              <a:r>
+                <a:rPr lang="en-GB" sz="1100" dirty="0"/>
+                <a:t>Email</a:t>
+              </a:r>
+            </a:p>
+          </p:txBody>
+        </p:sp>
+        <p:sp>
+          <p:nvSpPr>
+            <p:cNvPr id="6" name="Rectangle 5">
+              <a:extLst>
+                <a:ext uri="{FF2B5EF4-FFF2-40B4-BE49-F238E27FC236}">
+                  <a16:creationId xmlns:a16="http://schemas.microsoft.com/office/drawing/2014/main" id="{1987CF62-2DEF-0B38-7922-84F91139D602}"/>
+                </a:ext>
+              </a:extLst>
+            </p:cNvPr>
+            <p:cNvSpPr/>
+            <p:nvPr/>
+          </p:nvSpPr>
+          <p:spPr>
+            <a:xfrm>
+              <a:off x="5603789" y="4190764"/>
+              <a:ext cx="1291281" cy="251267"/>
+            </a:xfrm>
+            <a:prstGeom prst="rect">
+              <a:avLst/>
+            </a:prstGeom>
+            <a:solidFill>
+              <a:schemeClr val="bg1"/>
+            </a:solidFill>
+            <a:ln>
+              <a:solidFill>
+                <a:schemeClr val="tx1"/>
+              </a:solidFill>
+            </a:ln>
+          </p:spPr>
+          <p:style>
+            <a:lnRef idx="2">
+              <a:schemeClr val="accent1">
+                <a:shade val="50000"/>
+              </a:schemeClr>
+            </a:lnRef>
+            <a:fillRef idx="1">
+              <a:schemeClr val="accent1"/>
+            </a:fillRef>
+            <a:effectRef idx="0">
+              <a:schemeClr val="accent1"/>
+            </a:effectRef>
+            <a:fontRef idx="minor">
+              <a:schemeClr val="lt1"/>
+            </a:fontRef>
+          </p:style>
+          <p:txBody>
+            <a:bodyPr rtlCol="0" anchor="ctr"/>
+            <a:lstStyle/>
+            <a:p>
+              <a:pPr algn="ctr"/>
+              <a:r>
+                <a:rPr lang="en-GB" sz="1400" dirty="0">
+                  <a:solidFill>
+                    <a:sysClr val="windowText" lastClr="000000"/>
+                  </a:solidFill>
+                </a:rPr>
+                <a:t>Create</a:t>
+              </a:r>
+            </a:p>
+          </p:txBody>
+        </p:sp>
+        <p:sp>
+          <p:nvSpPr>
+            <p:cNvPr id="7" name="Rectangle: Rounded Corners 6">
+              <a:extLst>
+                <a:ext uri="{FF2B5EF4-FFF2-40B4-BE49-F238E27FC236}">
+                  <a16:creationId xmlns:a16="http://schemas.microsoft.com/office/drawing/2014/main" id="{7C4A7082-59DB-BFDC-7014-F09AD5ED94DB}"/>
+                </a:ext>
+              </a:extLst>
+            </p:cNvPr>
+            <p:cNvSpPr/>
+            <p:nvPr/>
+          </p:nvSpPr>
+          <p:spPr>
+            <a:xfrm>
+              <a:off x="5603789" y="3091026"/>
+              <a:ext cx="1291281" cy="234779"/>
+            </a:xfrm>
+            <a:prstGeom prst="roundRect">
+              <a:avLst/>
+            </a:prstGeom>
+            <a:solidFill>
+              <a:schemeClr val="bg1"/>
+            </a:solidFill>
+            <a:ln>
+              <a:solidFill>
+                <a:schemeClr val="tx1"/>
+              </a:solidFill>
+            </a:ln>
+          </p:spPr>
+          <p:style>
+            <a:lnRef idx="2">
+              <a:schemeClr val="accent1">
+                <a:shade val="50000"/>
+              </a:schemeClr>
+            </a:lnRef>
+            <a:fillRef idx="1">
+              <a:schemeClr val="accent1"/>
+            </a:fillRef>
+            <a:effectRef idx="0">
+              <a:schemeClr val="accent1"/>
+            </a:effectRef>
+            <a:fontRef idx="minor">
+              <a:schemeClr val="lt1"/>
+            </a:fontRef>
+          </p:style>
+          <p:txBody>
+            <a:bodyPr rtlCol="0" anchor="ctr"/>
+            <a:lstStyle/>
+            <a:p>
+              <a:pPr algn="ctr"/>
+              <a:endParaRPr lang="en-GB"/>
+            </a:p>
+          </p:txBody>
+        </p:sp>
+        <p:sp>
+          <p:nvSpPr>
+            <p:cNvPr id="8" name="Rectangle 7">
+              <a:extLst>
+                <a:ext uri="{FF2B5EF4-FFF2-40B4-BE49-F238E27FC236}">
+                  <a16:creationId xmlns:a16="http://schemas.microsoft.com/office/drawing/2014/main" id="{C96DA3B3-FD16-6541-64A4-44AF048F5C91}"/>
+                </a:ext>
+              </a:extLst>
+            </p:cNvPr>
+            <p:cNvSpPr/>
+            <p:nvPr/>
+          </p:nvSpPr>
+          <p:spPr>
+            <a:xfrm>
+              <a:off x="4615249" y="4190763"/>
+              <a:ext cx="829756" cy="251267"/>
+            </a:xfrm>
+            <a:prstGeom prst="rect">
+              <a:avLst/>
+            </a:prstGeom>
+            <a:solidFill>
+              <a:schemeClr val="bg1"/>
+            </a:solidFill>
+            <a:ln>
+              <a:solidFill>
+                <a:schemeClr val="tx1"/>
+              </a:solidFill>
+            </a:ln>
+          </p:spPr>
+          <p:style>
+            <a:lnRef idx="2">
+              <a:schemeClr val="accent1">
+                <a:shade val="50000"/>
+              </a:schemeClr>
+            </a:lnRef>
+            <a:fillRef idx="1">
+              <a:schemeClr val="accent1"/>
+            </a:fillRef>
+            <a:effectRef idx="0">
+              <a:schemeClr val="accent1"/>
+            </a:effectRef>
+            <a:fontRef idx="minor">
+              <a:schemeClr val="lt1"/>
+            </a:fontRef>
+          </p:style>
+          <p:txBody>
+            <a:bodyPr rtlCol="0" anchor="ctr"/>
+            <a:lstStyle/>
+            <a:p>
+              <a:pPr algn="ctr"/>
+              <a:r>
+                <a:rPr lang="en-GB" sz="1400" dirty="0">
+                  <a:solidFill>
+                    <a:sysClr val="windowText" lastClr="000000"/>
+                  </a:solidFill>
+                </a:rPr>
+                <a:t>Login</a:t>
+              </a:r>
+            </a:p>
+          </p:txBody>
+        </p:sp>
+        <p:sp>
+          <p:nvSpPr>
+            <p:cNvPr id="9" name="TextBox 8">
+              <a:extLst>
+                <a:ext uri="{FF2B5EF4-FFF2-40B4-BE49-F238E27FC236}">
+                  <a16:creationId xmlns:a16="http://schemas.microsoft.com/office/drawing/2014/main" id="{0C6ADAD8-B014-0035-0D69-64BE2A12EEAE}"/>
+                </a:ext>
+              </a:extLst>
+            </p:cNvPr>
+            <p:cNvSpPr txBox="1"/>
+            <p:nvPr/>
+          </p:nvSpPr>
+          <p:spPr>
+            <a:xfrm>
+              <a:off x="4615248" y="3440837"/>
+              <a:ext cx="829757" cy="261610"/>
+            </a:xfrm>
+            <a:prstGeom prst="rect">
+              <a:avLst/>
+            </a:prstGeom>
+            <a:noFill/>
+          </p:spPr>
+          <p:txBody>
+            <a:bodyPr wrap="square" rtlCol="0">
+              <a:spAutoFit/>
+            </a:bodyPr>
+            <a:lstStyle/>
+            <a:p>
+              <a:r>
+                <a:rPr lang="en-GB" sz="1100" dirty="0"/>
+                <a:t>Username</a:t>
+              </a:r>
+            </a:p>
+          </p:txBody>
+        </p:sp>
+        <p:sp>
+          <p:nvSpPr>
+            <p:cNvPr id="10" name="Rectangle: Rounded Corners 9">
+              <a:extLst>
+                <a:ext uri="{FF2B5EF4-FFF2-40B4-BE49-F238E27FC236}">
+                  <a16:creationId xmlns:a16="http://schemas.microsoft.com/office/drawing/2014/main" id="{DF7589C4-32D7-4961-3ED6-321443747EF6}"/>
+                </a:ext>
+              </a:extLst>
+            </p:cNvPr>
+            <p:cNvSpPr/>
+            <p:nvPr/>
+          </p:nvSpPr>
+          <p:spPr>
+            <a:xfrm>
+              <a:off x="5603789" y="3467668"/>
+              <a:ext cx="1291281" cy="234779"/>
+            </a:xfrm>
+            <a:prstGeom prst="roundRect">
+              <a:avLst/>
+            </a:prstGeom>
+            <a:solidFill>
+              <a:schemeClr val="bg1"/>
+            </a:solidFill>
+            <a:ln>
+              <a:solidFill>
+                <a:schemeClr val="tx1"/>
+              </a:solidFill>
+            </a:ln>
+          </p:spPr>
+          <p:style>
+            <a:lnRef idx="2">
+              <a:schemeClr val="accent1">
+                <a:shade val="50000"/>
+              </a:schemeClr>
+            </a:lnRef>
+            <a:fillRef idx="1">
+              <a:schemeClr val="accent1"/>
+            </a:fillRef>
+            <a:effectRef idx="0">
+              <a:schemeClr val="accent1"/>
+            </a:effectRef>
+            <a:fontRef idx="minor">
+              <a:schemeClr val="lt1"/>
+            </a:fontRef>
+          </p:style>
+          <p:txBody>
+            <a:bodyPr rtlCol="0" anchor="ctr"/>
+            <a:lstStyle/>
+            <a:p>
+              <a:pPr algn="ctr"/>
+              <a:endParaRPr lang="en-GB"/>
+            </a:p>
+          </p:txBody>
+        </p:sp>
+        <p:sp>
+          <p:nvSpPr>
+            <p:cNvPr id="11" name="Rectangle 10">
+              <a:extLst>
+                <a:ext uri="{FF2B5EF4-FFF2-40B4-BE49-F238E27FC236}">
+                  <a16:creationId xmlns:a16="http://schemas.microsoft.com/office/drawing/2014/main" id="{337CFE1D-8914-688D-8D2F-FC3EE7316C29}"/>
+                </a:ext>
+              </a:extLst>
+            </p:cNvPr>
+            <p:cNvSpPr/>
+            <p:nvPr/>
+          </p:nvSpPr>
+          <p:spPr>
+            <a:xfrm>
+              <a:off x="4269260" y="2406820"/>
+              <a:ext cx="2991652" cy="324019"/>
+            </a:xfrm>
+            <a:prstGeom prst="rect">
+              <a:avLst/>
+            </a:prstGeom>
+            <a:solidFill>
+              <a:schemeClr val="bg1"/>
+            </a:solidFill>
+            <a:ln>
+              <a:solidFill>
+                <a:schemeClr val="tx1"/>
+              </a:solidFill>
+              <a:prstDash val="lgDash"/>
+            </a:ln>
+          </p:spPr>
+          <p:style>
+            <a:lnRef idx="2">
+              <a:schemeClr val="accent1">
+                <a:shade val="50000"/>
+              </a:schemeClr>
+            </a:lnRef>
+            <a:fillRef idx="1">
+              <a:schemeClr val="accent1"/>
+            </a:fillRef>
+            <a:effectRef idx="0">
+              <a:schemeClr val="accent1"/>
+            </a:effectRef>
+            <a:fontRef idx="minor">
+              <a:schemeClr val="lt1"/>
+            </a:fontRef>
+          </p:style>
+          <p:txBody>
+            <a:bodyPr rtlCol="0" anchor="ctr"/>
+            <a:lstStyle/>
+            <a:p>
+              <a:r>
+                <a:rPr lang="en-GB" sz="1400" dirty="0">
+                  <a:solidFill>
+                    <a:schemeClr val="tx1"/>
+                  </a:solidFill>
+                </a:rPr>
+                <a:t>Quark Signup</a:t>
+              </a:r>
+            </a:p>
+          </p:txBody>
+        </p:sp>
+        <p:grpSp>
+          <p:nvGrpSpPr>
+            <p:cNvPr id="12" name="Group 11">
+              <a:extLst>
+                <a:ext uri="{FF2B5EF4-FFF2-40B4-BE49-F238E27FC236}">
+                  <a16:creationId xmlns:a16="http://schemas.microsoft.com/office/drawing/2014/main" id="{54F525FB-E099-994F-B8D0-721BBB118908}"/>
+                </a:ext>
+              </a:extLst>
+            </p:cNvPr>
+            <p:cNvGrpSpPr/>
+            <p:nvPr/>
+          </p:nvGrpSpPr>
+          <p:grpSpPr>
+            <a:xfrm>
+              <a:off x="7037501" y="2505671"/>
+              <a:ext cx="124490" cy="126316"/>
+              <a:chOff x="8334632" y="2855188"/>
+              <a:chExt cx="914400" cy="927815"/>
+            </a:xfrm>
+          </p:grpSpPr>
+          <p:cxnSp>
+            <p:nvCxnSpPr>
+              <p:cNvPr id="13" name="Straight Connector 12">
+                <a:extLst>
+                  <a:ext uri="{FF2B5EF4-FFF2-40B4-BE49-F238E27FC236}">
+                    <a16:creationId xmlns:a16="http://schemas.microsoft.com/office/drawing/2014/main" id="{E77BED60-09BA-9CE9-289F-FF6FAF80CDFC}"/>
+                  </a:ext>
+                </a:extLst>
+              </p:cNvPr>
+              <p:cNvCxnSpPr/>
+              <p:nvPr/>
+            </p:nvCxnSpPr>
+            <p:spPr>
+              <a:xfrm>
+                <a:off x="8334632" y="2855188"/>
+                <a:ext cx="914400" cy="914400"/>
+              </a:xfrm>
+              <a:prstGeom prst="line">
+                <a:avLst/>
+              </a:prstGeom>
+              <a:ln w="19050">
+                <a:solidFill>
+                  <a:schemeClr val="tx1"/>
+                </a:solidFill>
+              </a:ln>
+            </p:spPr>
+            <p:style>
+              <a:lnRef idx="1">
+                <a:schemeClr val="dk1"/>
+              </a:lnRef>
+              <a:fillRef idx="0">
+                <a:schemeClr val="dk1"/>
+              </a:fillRef>
+              <a:effectRef idx="0">
+                <a:schemeClr val="dk1"/>
+              </a:effectRef>
+              <a:fontRef idx="minor">
+                <a:schemeClr val="tx1"/>
+              </a:fontRef>
+            </p:style>
+          </p:cxnSp>
+          <p:cxnSp>
+            <p:nvCxnSpPr>
+              <p:cNvPr id="14" name="Straight Connector 13">
+                <a:extLst>
+                  <a:ext uri="{FF2B5EF4-FFF2-40B4-BE49-F238E27FC236}">
+                    <a16:creationId xmlns:a16="http://schemas.microsoft.com/office/drawing/2014/main" id="{E8F7C80C-6AA9-469B-C346-27584F77ADBA}"/>
+                  </a:ext>
+                </a:extLst>
+              </p:cNvPr>
+              <p:cNvCxnSpPr>
+                <a:cxnSpLocks/>
+              </p:cNvCxnSpPr>
+              <p:nvPr/>
+            </p:nvCxnSpPr>
+            <p:spPr>
+              <a:xfrm flipV="1">
+                <a:off x="8334632" y="2868603"/>
+                <a:ext cx="914400" cy="914400"/>
+              </a:xfrm>
+              <a:prstGeom prst="line">
+                <a:avLst/>
+              </a:prstGeom>
+              <a:ln w="19050">
+                <a:solidFill>
+                  <a:schemeClr val="tx1"/>
+                </a:solidFill>
+              </a:ln>
+            </p:spPr>
+            <p:style>
+              <a:lnRef idx="1">
+                <a:schemeClr val="dk1"/>
+              </a:lnRef>
+              <a:fillRef idx="0">
+                <a:schemeClr val="dk1"/>
+              </a:fillRef>
+              <a:effectRef idx="0">
+                <a:schemeClr val="dk1"/>
+              </a:effectRef>
+              <a:fontRef idx="minor">
+                <a:schemeClr val="tx1"/>
+              </a:fontRef>
+            </p:style>
+          </p:cxnSp>
+        </p:grpSp>
+        <p:sp>
+          <p:nvSpPr>
+            <p:cNvPr id="15" name="TextBox 14">
+              <a:extLst>
+                <a:ext uri="{FF2B5EF4-FFF2-40B4-BE49-F238E27FC236}">
+                  <a16:creationId xmlns:a16="http://schemas.microsoft.com/office/drawing/2014/main" id="{D810D4FA-7664-29C8-E34A-1A7FE73C9699}"/>
+                </a:ext>
+              </a:extLst>
+            </p:cNvPr>
+            <p:cNvSpPr txBox="1"/>
+            <p:nvPr/>
+          </p:nvSpPr>
+          <p:spPr>
+            <a:xfrm>
+              <a:off x="4615248" y="3798347"/>
+              <a:ext cx="829757" cy="261610"/>
+            </a:xfrm>
+            <a:prstGeom prst="rect">
+              <a:avLst/>
+            </a:prstGeom>
+            <a:noFill/>
+          </p:spPr>
+          <p:txBody>
+            <a:bodyPr wrap="square" rtlCol="0">
+              <a:spAutoFit/>
+            </a:bodyPr>
+            <a:lstStyle/>
+            <a:p>
+              <a:r>
+                <a:rPr lang="en-GB" sz="1100" dirty="0"/>
+                <a:t>Password</a:t>
+              </a:r>
+            </a:p>
+          </p:txBody>
+        </p:sp>
+        <p:sp>
+          <p:nvSpPr>
+            <p:cNvPr id="16" name="Rectangle: Rounded Corners 15">
+              <a:extLst>
+                <a:ext uri="{FF2B5EF4-FFF2-40B4-BE49-F238E27FC236}">
+                  <a16:creationId xmlns:a16="http://schemas.microsoft.com/office/drawing/2014/main" id="{BE08FDF6-5FD4-47C5-DE6F-6E68197BD1F7}"/>
+                </a:ext>
+              </a:extLst>
+            </p:cNvPr>
+            <p:cNvSpPr/>
+            <p:nvPr/>
+          </p:nvSpPr>
+          <p:spPr>
+            <a:xfrm>
+              <a:off x="5603789" y="3825178"/>
+              <a:ext cx="1291281" cy="234779"/>
+            </a:xfrm>
+            <a:prstGeom prst="roundRect">
+              <a:avLst/>
+            </a:prstGeom>
+            <a:solidFill>
+              <a:schemeClr val="bg1"/>
+            </a:solidFill>
+            <a:ln>
+              <a:solidFill>
+                <a:schemeClr val="tx1"/>
+              </a:solidFill>
+            </a:ln>
+          </p:spPr>
+          <p:style>
+            <a:lnRef idx="2">
+              <a:schemeClr val="accent1">
+                <a:shade val="50000"/>
+              </a:schemeClr>
+            </a:lnRef>
+            <a:fillRef idx="1">
+              <a:schemeClr val="accent1"/>
+            </a:fillRef>
+            <a:effectRef idx="0">
+              <a:schemeClr val="accent1"/>
+            </a:effectRef>
+            <a:fontRef idx="minor">
+              <a:schemeClr val="lt1"/>
+            </a:fontRef>
+          </p:style>
+          <p:txBody>
+            <a:bodyPr rtlCol="0" anchor="ctr"/>
+            <a:lstStyle/>
+            <a:p>
+              <a:pPr algn="ctr"/>
+              <a:endParaRPr lang="en-GB"/>
+            </a:p>
+          </p:txBody>
+        </p:sp>
+      </p:grpSp>
     </p:spTree>
     <p:extLst>
       <p:ext uri="{BB962C8B-B14F-4D97-AF65-F5344CB8AC3E}">
@@ -12829,10 +14211,4157 @@
           </a:p>
         </p:txBody>
       </p:sp>
+      <p:grpSp>
+        <p:nvGrpSpPr>
+          <p:cNvPr id="18" name="Group 17">
+            <a:extLst>
+              <a:ext uri="{FF2B5EF4-FFF2-40B4-BE49-F238E27FC236}">
+                <a16:creationId xmlns:a16="http://schemas.microsoft.com/office/drawing/2014/main" id="{0176E4A2-09F8-5382-4C9D-F7FC318B713A}"/>
+              </a:ext>
+            </a:extLst>
+          </p:cNvPr>
+          <p:cNvGrpSpPr/>
+          <p:nvPr/>
+        </p:nvGrpSpPr>
+        <p:grpSpPr>
+          <a:xfrm>
+            <a:off x="2106828" y="2693773"/>
+            <a:ext cx="2361456" cy="1470453"/>
+            <a:chOff x="2366319" y="2483709"/>
+            <a:chExt cx="2361456" cy="1470453"/>
+          </a:xfrm>
+        </p:grpSpPr>
+        <p:sp>
+          <p:nvSpPr>
+            <p:cNvPr id="4" name="Rectangle 3">
+              <a:extLst>
+                <a:ext uri="{FF2B5EF4-FFF2-40B4-BE49-F238E27FC236}">
+                  <a16:creationId xmlns:a16="http://schemas.microsoft.com/office/drawing/2014/main" id="{702CB835-DD75-C62D-2AC0-AC14DC6E87B3}"/>
+                </a:ext>
+              </a:extLst>
+            </p:cNvPr>
+            <p:cNvSpPr/>
+            <p:nvPr/>
+          </p:nvSpPr>
+          <p:spPr>
+            <a:xfrm>
+              <a:off x="2366319" y="2483709"/>
+              <a:ext cx="2361456" cy="1470453"/>
+            </a:xfrm>
+            <a:prstGeom prst="rect">
+              <a:avLst/>
+            </a:prstGeom>
+            <a:solidFill>
+              <a:schemeClr val="accent2">
+                <a:lumMod val="60000"/>
+                <a:lumOff val="40000"/>
+              </a:schemeClr>
+            </a:solidFill>
+            <a:ln>
+              <a:solidFill>
+                <a:schemeClr val="tx1"/>
+              </a:solidFill>
+              <a:prstDash val="lgDash"/>
+            </a:ln>
+          </p:spPr>
+          <p:style>
+            <a:lnRef idx="2">
+              <a:schemeClr val="accent1">
+                <a:shade val="50000"/>
+              </a:schemeClr>
+            </a:lnRef>
+            <a:fillRef idx="1">
+              <a:schemeClr val="accent1"/>
+            </a:fillRef>
+            <a:effectRef idx="0">
+              <a:schemeClr val="accent1"/>
+            </a:effectRef>
+            <a:fontRef idx="minor">
+              <a:schemeClr val="lt1"/>
+            </a:fontRef>
+          </p:style>
+          <p:txBody>
+            <a:bodyPr rtlCol="0" anchor="ctr"/>
+            <a:lstStyle/>
+            <a:p>
+              <a:pPr algn="ctr"/>
+              <a:endParaRPr lang="en-GB" dirty="0">
+                <a:solidFill>
+                  <a:schemeClr val="tx1"/>
+                </a:solidFill>
+              </a:endParaRPr>
+            </a:p>
+          </p:txBody>
+        </p:sp>
+        <p:sp>
+          <p:nvSpPr>
+            <p:cNvPr id="5" name="TextBox 4">
+              <a:extLst>
+                <a:ext uri="{FF2B5EF4-FFF2-40B4-BE49-F238E27FC236}">
+                  <a16:creationId xmlns:a16="http://schemas.microsoft.com/office/drawing/2014/main" id="{092DF1D6-D72D-D1ED-ED8A-20EE55A99E3D}"/>
+                </a:ext>
+              </a:extLst>
+            </p:cNvPr>
+            <p:cNvSpPr txBox="1"/>
+            <p:nvPr/>
+          </p:nvSpPr>
+          <p:spPr>
+            <a:xfrm>
+              <a:off x="2366319" y="2779991"/>
+              <a:ext cx="2361456" cy="646331"/>
+            </a:xfrm>
+            <a:prstGeom prst="rect">
+              <a:avLst/>
+            </a:prstGeom>
+            <a:noFill/>
+          </p:spPr>
+          <p:txBody>
+            <a:bodyPr wrap="square" rtlCol="0">
+              <a:spAutoFit/>
+            </a:bodyPr>
+            <a:lstStyle/>
+            <a:p>
+              <a:pPr algn="ctr"/>
+              <a:r>
+                <a:rPr lang="en-GB" sz="3600" dirty="0"/>
+                <a:t>25:00</a:t>
+              </a:r>
+            </a:p>
+          </p:txBody>
+        </p:sp>
+        <p:grpSp>
+          <p:nvGrpSpPr>
+            <p:cNvPr id="12" name="Group 11">
+              <a:extLst>
+                <a:ext uri="{FF2B5EF4-FFF2-40B4-BE49-F238E27FC236}">
+                  <a16:creationId xmlns:a16="http://schemas.microsoft.com/office/drawing/2014/main" id="{E845A5CE-0163-1002-FAB5-8A3CD7CDEC52}"/>
+                </a:ext>
+              </a:extLst>
+            </p:cNvPr>
+            <p:cNvGrpSpPr/>
+            <p:nvPr/>
+          </p:nvGrpSpPr>
+          <p:grpSpPr>
+            <a:xfrm>
+              <a:off x="4473473" y="2587227"/>
+              <a:ext cx="124490" cy="126316"/>
+              <a:chOff x="8334632" y="2855188"/>
+              <a:chExt cx="914400" cy="927815"/>
+            </a:xfrm>
+          </p:grpSpPr>
+          <p:cxnSp>
+            <p:nvCxnSpPr>
+              <p:cNvPr id="15" name="Straight Connector 14">
+                <a:extLst>
+                  <a:ext uri="{FF2B5EF4-FFF2-40B4-BE49-F238E27FC236}">
+                    <a16:creationId xmlns:a16="http://schemas.microsoft.com/office/drawing/2014/main" id="{19BA8B51-D2B0-D5A2-2DB0-923230EE5054}"/>
+                  </a:ext>
+                </a:extLst>
+              </p:cNvPr>
+              <p:cNvCxnSpPr/>
+              <p:nvPr/>
+            </p:nvCxnSpPr>
+            <p:spPr>
+              <a:xfrm>
+                <a:off x="8334632" y="2855188"/>
+                <a:ext cx="914400" cy="914400"/>
+              </a:xfrm>
+              <a:prstGeom prst="line">
+                <a:avLst/>
+              </a:prstGeom>
+              <a:ln w="19050">
+                <a:solidFill>
+                  <a:schemeClr val="tx1"/>
+                </a:solidFill>
+              </a:ln>
+            </p:spPr>
+            <p:style>
+              <a:lnRef idx="1">
+                <a:schemeClr val="dk1"/>
+              </a:lnRef>
+              <a:fillRef idx="0">
+                <a:schemeClr val="dk1"/>
+              </a:fillRef>
+              <a:effectRef idx="0">
+                <a:schemeClr val="dk1"/>
+              </a:effectRef>
+              <a:fontRef idx="minor">
+                <a:schemeClr val="tx1"/>
+              </a:fontRef>
+            </p:style>
+          </p:cxnSp>
+          <p:cxnSp>
+            <p:nvCxnSpPr>
+              <p:cNvPr id="16" name="Straight Connector 15">
+                <a:extLst>
+                  <a:ext uri="{FF2B5EF4-FFF2-40B4-BE49-F238E27FC236}">
+                    <a16:creationId xmlns:a16="http://schemas.microsoft.com/office/drawing/2014/main" id="{F7FA81E1-0134-E8D4-A52A-43C9F2038502}"/>
+                  </a:ext>
+                </a:extLst>
+              </p:cNvPr>
+              <p:cNvCxnSpPr>
+                <a:cxnSpLocks/>
+              </p:cNvCxnSpPr>
+              <p:nvPr/>
+            </p:nvCxnSpPr>
+            <p:spPr>
+              <a:xfrm flipV="1">
+                <a:off x="8334632" y="2868603"/>
+                <a:ext cx="914400" cy="914400"/>
+              </a:xfrm>
+              <a:prstGeom prst="line">
+                <a:avLst/>
+              </a:prstGeom>
+              <a:ln w="19050">
+                <a:solidFill>
+                  <a:schemeClr val="tx1"/>
+                </a:solidFill>
+              </a:ln>
+            </p:spPr>
+            <p:style>
+              <a:lnRef idx="1">
+                <a:schemeClr val="dk1"/>
+              </a:lnRef>
+              <a:fillRef idx="0">
+                <a:schemeClr val="dk1"/>
+              </a:fillRef>
+              <a:effectRef idx="0">
+                <a:schemeClr val="dk1"/>
+              </a:effectRef>
+              <a:fontRef idx="minor">
+                <a:schemeClr val="tx1"/>
+              </a:fontRef>
+            </p:style>
+          </p:cxnSp>
+        </p:grpSp>
+        <p:sp>
+          <p:nvSpPr>
+            <p:cNvPr id="17" name="Isosceles Triangle 16">
+              <a:extLst>
+                <a:ext uri="{FF2B5EF4-FFF2-40B4-BE49-F238E27FC236}">
+                  <a16:creationId xmlns:a16="http://schemas.microsoft.com/office/drawing/2014/main" id="{E89F4F8D-0C76-041D-B45E-459DF5F5F8CA}"/>
+                </a:ext>
+              </a:extLst>
+            </p:cNvPr>
+            <p:cNvSpPr/>
+            <p:nvPr/>
+          </p:nvSpPr>
+          <p:spPr>
+            <a:xfrm rot="5400000">
+              <a:off x="3424063" y="3511244"/>
+              <a:ext cx="245966" cy="212040"/>
+            </a:xfrm>
+            <a:prstGeom prst="triangle">
+              <a:avLst/>
+            </a:prstGeom>
+            <a:solidFill>
+              <a:schemeClr val="accent2">
+                <a:lumMod val="60000"/>
+                <a:lumOff val="40000"/>
+              </a:schemeClr>
+            </a:solidFill>
+            <a:ln>
+              <a:solidFill>
+                <a:schemeClr val="tx1"/>
+              </a:solidFill>
+            </a:ln>
+          </p:spPr>
+          <p:style>
+            <a:lnRef idx="2">
+              <a:schemeClr val="accent1">
+                <a:shade val="50000"/>
+              </a:schemeClr>
+            </a:lnRef>
+            <a:fillRef idx="1">
+              <a:schemeClr val="accent1"/>
+            </a:fillRef>
+            <a:effectRef idx="0">
+              <a:schemeClr val="accent1"/>
+            </a:effectRef>
+            <a:fontRef idx="minor">
+              <a:schemeClr val="lt1"/>
+            </a:fontRef>
+          </p:style>
+          <p:txBody>
+            <a:bodyPr rtlCol="0" anchor="ctr"/>
+            <a:lstStyle/>
+            <a:p>
+              <a:pPr algn="ctr"/>
+              <a:endParaRPr lang="en-GB"/>
+            </a:p>
+          </p:txBody>
+        </p:sp>
+      </p:grpSp>
+      <p:grpSp>
+        <p:nvGrpSpPr>
+          <p:cNvPr id="27" name="Group 26">
+            <a:extLst>
+              <a:ext uri="{FF2B5EF4-FFF2-40B4-BE49-F238E27FC236}">
+                <a16:creationId xmlns:a16="http://schemas.microsoft.com/office/drawing/2014/main" id="{CE330CE1-38B6-341D-2ED8-4A4D42323607}"/>
+              </a:ext>
+            </a:extLst>
+          </p:cNvPr>
+          <p:cNvGrpSpPr/>
+          <p:nvPr/>
+        </p:nvGrpSpPr>
+        <p:grpSpPr>
+          <a:xfrm>
+            <a:off x="4905633" y="2693773"/>
+            <a:ext cx="2361456" cy="1470453"/>
+            <a:chOff x="4411362" y="2693773"/>
+            <a:chExt cx="2361456" cy="1470453"/>
+          </a:xfrm>
+        </p:grpSpPr>
+        <p:sp>
+          <p:nvSpPr>
+            <p:cNvPr id="19" name="Rectangle 18">
+              <a:extLst>
+                <a:ext uri="{FF2B5EF4-FFF2-40B4-BE49-F238E27FC236}">
+                  <a16:creationId xmlns:a16="http://schemas.microsoft.com/office/drawing/2014/main" id="{85B7A9CA-145C-1E4D-3D22-ABD90988320B}"/>
+                </a:ext>
+              </a:extLst>
+            </p:cNvPr>
+            <p:cNvSpPr/>
+            <p:nvPr/>
+          </p:nvSpPr>
+          <p:spPr>
+            <a:xfrm>
+              <a:off x="4411362" y="2693773"/>
+              <a:ext cx="2361456" cy="1470453"/>
+            </a:xfrm>
+            <a:prstGeom prst="rect">
+              <a:avLst/>
+            </a:prstGeom>
+            <a:solidFill>
+              <a:schemeClr val="accent1">
+                <a:lumMod val="60000"/>
+                <a:lumOff val="40000"/>
+              </a:schemeClr>
+            </a:solidFill>
+            <a:ln>
+              <a:solidFill>
+                <a:schemeClr val="tx1"/>
+              </a:solidFill>
+              <a:prstDash val="lgDash"/>
+            </a:ln>
+          </p:spPr>
+          <p:style>
+            <a:lnRef idx="2">
+              <a:schemeClr val="accent1">
+                <a:shade val="50000"/>
+              </a:schemeClr>
+            </a:lnRef>
+            <a:fillRef idx="1">
+              <a:schemeClr val="accent1"/>
+            </a:fillRef>
+            <a:effectRef idx="0">
+              <a:schemeClr val="accent1"/>
+            </a:effectRef>
+            <a:fontRef idx="minor">
+              <a:schemeClr val="lt1"/>
+            </a:fontRef>
+          </p:style>
+          <p:txBody>
+            <a:bodyPr rtlCol="0" anchor="ctr"/>
+            <a:lstStyle/>
+            <a:p>
+              <a:pPr algn="ctr"/>
+              <a:endParaRPr lang="en-GB" dirty="0">
+                <a:solidFill>
+                  <a:schemeClr val="tx1"/>
+                </a:solidFill>
+              </a:endParaRPr>
+            </a:p>
+          </p:txBody>
+        </p:sp>
+        <p:sp>
+          <p:nvSpPr>
+            <p:cNvPr id="20" name="TextBox 19">
+              <a:extLst>
+                <a:ext uri="{FF2B5EF4-FFF2-40B4-BE49-F238E27FC236}">
+                  <a16:creationId xmlns:a16="http://schemas.microsoft.com/office/drawing/2014/main" id="{AC5F3975-4F15-213D-B848-BFE5439C6A13}"/>
+                </a:ext>
+              </a:extLst>
+            </p:cNvPr>
+            <p:cNvSpPr txBox="1"/>
+            <p:nvPr/>
+          </p:nvSpPr>
+          <p:spPr>
+            <a:xfrm>
+              <a:off x="4411362" y="2990055"/>
+              <a:ext cx="2361456" cy="646331"/>
+            </a:xfrm>
+            <a:prstGeom prst="rect">
+              <a:avLst/>
+            </a:prstGeom>
+            <a:noFill/>
+          </p:spPr>
+          <p:txBody>
+            <a:bodyPr wrap="square" rtlCol="0">
+              <a:spAutoFit/>
+            </a:bodyPr>
+            <a:lstStyle/>
+            <a:p>
+              <a:pPr algn="ctr"/>
+              <a:r>
+                <a:rPr lang="en-GB" sz="3600" dirty="0"/>
+                <a:t>22:52</a:t>
+              </a:r>
+            </a:p>
+          </p:txBody>
+        </p:sp>
+        <p:grpSp>
+          <p:nvGrpSpPr>
+            <p:cNvPr id="21" name="Group 20">
+              <a:extLst>
+                <a:ext uri="{FF2B5EF4-FFF2-40B4-BE49-F238E27FC236}">
+                  <a16:creationId xmlns:a16="http://schemas.microsoft.com/office/drawing/2014/main" id="{42457B4C-6C23-D254-B6FB-C9A58AB5BD01}"/>
+                </a:ext>
+              </a:extLst>
+            </p:cNvPr>
+            <p:cNvGrpSpPr/>
+            <p:nvPr/>
+          </p:nvGrpSpPr>
+          <p:grpSpPr>
+            <a:xfrm>
+              <a:off x="6518516" y="2797291"/>
+              <a:ext cx="124490" cy="126316"/>
+              <a:chOff x="8334632" y="2855188"/>
+              <a:chExt cx="914400" cy="927815"/>
+            </a:xfrm>
+          </p:grpSpPr>
+          <p:cxnSp>
+            <p:nvCxnSpPr>
+              <p:cNvPr id="22" name="Straight Connector 21">
+                <a:extLst>
+                  <a:ext uri="{FF2B5EF4-FFF2-40B4-BE49-F238E27FC236}">
+                    <a16:creationId xmlns:a16="http://schemas.microsoft.com/office/drawing/2014/main" id="{FD386A39-636B-340A-7FAA-3BFED7554ED8}"/>
+                  </a:ext>
+                </a:extLst>
+              </p:cNvPr>
+              <p:cNvCxnSpPr/>
+              <p:nvPr/>
+            </p:nvCxnSpPr>
+            <p:spPr>
+              <a:xfrm>
+                <a:off x="8334632" y="2855188"/>
+                <a:ext cx="914400" cy="914400"/>
+              </a:xfrm>
+              <a:prstGeom prst="line">
+                <a:avLst/>
+              </a:prstGeom>
+              <a:ln w="19050">
+                <a:solidFill>
+                  <a:schemeClr val="tx1"/>
+                </a:solidFill>
+              </a:ln>
+            </p:spPr>
+            <p:style>
+              <a:lnRef idx="1">
+                <a:schemeClr val="dk1"/>
+              </a:lnRef>
+              <a:fillRef idx="0">
+                <a:schemeClr val="dk1"/>
+              </a:fillRef>
+              <a:effectRef idx="0">
+                <a:schemeClr val="dk1"/>
+              </a:effectRef>
+              <a:fontRef idx="minor">
+                <a:schemeClr val="tx1"/>
+              </a:fontRef>
+            </p:style>
+          </p:cxnSp>
+          <p:cxnSp>
+            <p:nvCxnSpPr>
+              <p:cNvPr id="23" name="Straight Connector 22">
+                <a:extLst>
+                  <a:ext uri="{FF2B5EF4-FFF2-40B4-BE49-F238E27FC236}">
+                    <a16:creationId xmlns:a16="http://schemas.microsoft.com/office/drawing/2014/main" id="{9150551C-2683-B00F-4323-C304737526C1}"/>
+                  </a:ext>
+                </a:extLst>
+              </p:cNvPr>
+              <p:cNvCxnSpPr>
+                <a:cxnSpLocks/>
+              </p:cNvCxnSpPr>
+              <p:nvPr/>
+            </p:nvCxnSpPr>
+            <p:spPr>
+              <a:xfrm flipV="1">
+                <a:off x="8334632" y="2868603"/>
+                <a:ext cx="914400" cy="914400"/>
+              </a:xfrm>
+              <a:prstGeom prst="line">
+                <a:avLst/>
+              </a:prstGeom>
+              <a:ln w="19050">
+                <a:solidFill>
+                  <a:schemeClr val="tx1"/>
+                </a:solidFill>
+              </a:ln>
+            </p:spPr>
+            <p:style>
+              <a:lnRef idx="1">
+                <a:schemeClr val="dk1"/>
+              </a:lnRef>
+              <a:fillRef idx="0">
+                <a:schemeClr val="dk1"/>
+              </a:fillRef>
+              <a:effectRef idx="0">
+                <a:schemeClr val="dk1"/>
+              </a:effectRef>
+              <a:fontRef idx="minor">
+                <a:schemeClr val="tx1"/>
+              </a:fontRef>
+            </p:style>
+          </p:cxnSp>
+        </p:grpSp>
+        <p:sp>
+          <p:nvSpPr>
+            <p:cNvPr id="26" name="Rectangle 25">
+              <a:extLst>
+                <a:ext uri="{FF2B5EF4-FFF2-40B4-BE49-F238E27FC236}">
+                  <a16:creationId xmlns:a16="http://schemas.microsoft.com/office/drawing/2014/main" id="{2E7527A3-B0AA-4C7E-548D-4E43CE62C96A}"/>
+                </a:ext>
+              </a:extLst>
+            </p:cNvPr>
+            <p:cNvSpPr/>
+            <p:nvPr/>
+          </p:nvSpPr>
+          <p:spPr>
+            <a:xfrm>
+              <a:off x="5486069" y="3756453"/>
+              <a:ext cx="212040" cy="212392"/>
+            </a:xfrm>
+            <a:prstGeom prst="rect">
+              <a:avLst/>
+            </a:prstGeom>
+            <a:solidFill>
+              <a:schemeClr val="accent1">
+                <a:lumMod val="60000"/>
+                <a:lumOff val="40000"/>
+              </a:schemeClr>
+            </a:solidFill>
+            <a:ln>
+              <a:solidFill>
+                <a:schemeClr val="tx1"/>
+              </a:solidFill>
+            </a:ln>
+          </p:spPr>
+          <p:style>
+            <a:lnRef idx="2">
+              <a:schemeClr val="accent1">
+                <a:shade val="50000"/>
+              </a:schemeClr>
+            </a:lnRef>
+            <a:fillRef idx="1">
+              <a:schemeClr val="accent1"/>
+            </a:fillRef>
+            <a:effectRef idx="0">
+              <a:schemeClr val="accent1"/>
+            </a:effectRef>
+            <a:fontRef idx="minor">
+              <a:schemeClr val="lt1"/>
+            </a:fontRef>
+          </p:style>
+          <p:txBody>
+            <a:bodyPr rtlCol="0" anchor="ctr"/>
+            <a:lstStyle/>
+            <a:p>
+              <a:pPr algn="ctr"/>
+              <a:endParaRPr lang="en-GB"/>
+            </a:p>
+          </p:txBody>
+        </p:sp>
+      </p:grpSp>
+      <p:sp>
+        <p:nvSpPr>
+          <p:cNvPr id="28" name="Rectangle 27">
+            <a:extLst>
+              <a:ext uri="{FF2B5EF4-FFF2-40B4-BE49-F238E27FC236}">
+                <a16:creationId xmlns:a16="http://schemas.microsoft.com/office/drawing/2014/main" id="{CDA4C9B5-898F-1398-1150-E89AA62072F2}"/>
+              </a:ext>
+            </a:extLst>
+          </p:cNvPr>
+          <p:cNvSpPr/>
+          <p:nvPr/>
+        </p:nvSpPr>
+        <p:spPr>
+          <a:xfrm>
+            <a:off x="7704438" y="2693773"/>
+            <a:ext cx="2361456" cy="1470453"/>
+          </a:xfrm>
+          <a:prstGeom prst="rect">
+            <a:avLst/>
+          </a:prstGeom>
+          <a:solidFill>
+            <a:schemeClr val="accent6">
+              <a:lumMod val="60000"/>
+              <a:lumOff val="40000"/>
+            </a:schemeClr>
+          </a:solidFill>
+          <a:ln>
+            <a:solidFill>
+              <a:schemeClr val="tx1"/>
+            </a:solidFill>
+            <a:prstDash val="lgDash"/>
+          </a:ln>
+        </p:spPr>
+        <p:style>
+          <a:lnRef idx="2">
+            <a:schemeClr val="accent1">
+              <a:shade val="50000"/>
+            </a:schemeClr>
+          </a:lnRef>
+          <a:fillRef idx="1">
+            <a:schemeClr val="accent1"/>
+          </a:fillRef>
+          <a:effectRef idx="0">
+            <a:schemeClr val="accent1"/>
+          </a:effectRef>
+          <a:fontRef idx="minor">
+            <a:schemeClr val="lt1"/>
+          </a:fontRef>
+        </p:style>
+        <p:txBody>
+          <a:bodyPr rtlCol="0" anchor="ctr"/>
+          <a:lstStyle/>
+          <a:p>
+            <a:pPr algn="ctr"/>
+            <a:endParaRPr lang="en-GB" dirty="0">
+              <a:solidFill>
+                <a:schemeClr val="tx1"/>
+              </a:solidFill>
+            </a:endParaRPr>
+          </a:p>
+        </p:txBody>
+      </p:sp>
+      <p:sp>
+        <p:nvSpPr>
+          <p:cNvPr id="29" name="TextBox 28">
+            <a:extLst>
+              <a:ext uri="{FF2B5EF4-FFF2-40B4-BE49-F238E27FC236}">
+                <a16:creationId xmlns:a16="http://schemas.microsoft.com/office/drawing/2014/main" id="{D83F8D66-9778-2F88-2957-343AAD583F0A}"/>
+              </a:ext>
+            </a:extLst>
+          </p:cNvPr>
+          <p:cNvSpPr txBox="1"/>
+          <p:nvPr/>
+        </p:nvSpPr>
+        <p:spPr>
+          <a:xfrm>
+            <a:off x="7704438" y="2990055"/>
+            <a:ext cx="2361456" cy="646331"/>
+          </a:xfrm>
+          <a:prstGeom prst="rect">
+            <a:avLst/>
+          </a:prstGeom>
+          <a:noFill/>
+        </p:spPr>
+        <p:txBody>
+          <a:bodyPr wrap="square" rtlCol="0">
+            <a:spAutoFit/>
+          </a:bodyPr>
+          <a:lstStyle/>
+          <a:p>
+            <a:pPr algn="ctr"/>
+            <a:r>
+              <a:rPr lang="en-GB" sz="3600" dirty="0"/>
+              <a:t> 5:00</a:t>
+            </a:r>
+          </a:p>
+        </p:txBody>
+      </p:sp>
+      <p:grpSp>
+        <p:nvGrpSpPr>
+          <p:cNvPr id="30" name="Group 29">
+            <a:extLst>
+              <a:ext uri="{FF2B5EF4-FFF2-40B4-BE49-F238E27FC236}">
+                <a16:creationId xmlns:a16="http://schemas.microsoft.com/office/drawing/2014/main" id="{1C019624-2F7B-BF69-91BA-3477368A5D5E}"/>
+              </a:ext>
+            </a:extLst>
+          </p:cNvPr>
+          <p:cNvGrpSpPr/>
+          <p:nvPr/>
+        </p:nvGrpSpPr>
+        <p:grpSpPr>
+          <a:xfrm>
+            <a:off x="9811592" y="2797291"/>
+            <a:ext cx="124490" cy="126316"/>
+            <a:chOff x="8334632" y="2855188"/>
+            <a:chExt cx="914400" cy="927815"/>
+          </a:xfrm>
+        </p:grpSpPr>
+        <p:cxnSp>
+          <p:nvCxnSpPr>
+            <p:cNvPr id="31" name="Straight Connector 30">
+              <a:extLst>
+                <a:ext uri="{FF2B5EF4-FFF2-40B4-BE49-F238E27FC236}">
+                  <a16:creationId xmlns:a16="http://schemas.microsoft.com/office/drawing/2014/main" id="{721B13C7-2A5E-C4C7-87D2-65B448C94F92}"/>
+                </a:ext>
+              </a:extLst>
+            </p:cNvPr>
+            <p:cNvCxnSpPr/>
+            <p:nvPr/>
+          </p:nvCxnSpPr>
+          <p:spPr>
+            <a:xfrm>
+              <a:off x="8334632" y="2855188"/>
+              <a:ext cx="914400" cy="914400"/>
+            </a:xfrm>
+            <a:prstGeom prst="line">
+              <a:avLst/>
+            </a:prstGeom>
+            <a:ln w="19050">
+              <a:solidFill>
+                <a:schemeClr val="tx1"/>
+              </a:solidFill>
+            </a:ln>
+          </p:spPr>
+          <p:style>
+            <a:lnRef idx="1">
+              <a:schemeClr val="dk1"/>
+            </a:lnRef>
+            <a:fillRef idx="0">
+              <a:schemeClr val="dk1"/>
+            </a:fillRef>
+            <a:effectRef idx="0">
+              <a:schemeClr val="dk1"/>
+            </a:effectRef>
+            <a:fontRef idx="minor">
+              <a:schemeClr val="tx1"/>
+            </a:fontRef>
+          </p:style>
+        </p:cxnSp>
+        <p:cxnSp>
+          <p:nvCxnSpPr>
+            <p:cNvPr id="32" name="Straight Connector 31">
+              <a:extLst>
+                <a:ext uri="{FF2B5EF4-FFF2-40B4-BE49-F238E27FC236}">
+                  <a16:creationId xmlns:a16="http://schemas.microsoft.com/office/drawing/2014/main" id="{07854BAE-6B8A-2143-21E8-59D20DF8133A}"/>
+                </a:ext>
+              </a:extLst>
+            </p:cNvPr>
+            <p:cNvCxnSpPr>
+              <a:cxnSpLocks/>
+            </p:cNvCxnSpPr>
+            <p:nvPr/>
+          </p:nvCxnSpPr>
+          <p:spPr>
+            <a:xfrm flipV="1">
+              <a:off x="8334632" y="2868603"/>
+              <a:ext cx="914400" cy="914400"/>
+            </a:xfrm>
+            <a:prstGeom prst="line">
+              <a:avLst/>
+            </a:prstGeom>
+            <a:ln w="19050">
+              <a:solidFill>
+                <a:schemeClr val="tx1"/>
+              </a:solidFill>
+            </a:ln>
+          </p:spPr>
+          <p:style>
+            <a:lnRef idx="1">
+              <a:schemeClr val="dk1"/>
+            </a:lnRef>
+            <a:fillRef idx="0">
+              <a:schemeClr val="dk1"/>
+            </a:fillRef>
+            <a:effectRef idx="0">
+              <a:schemeClr val="dk1"/>
+            </a:effectRef>
+            <a:fontRef idx="minor">
+              <a:schemeClr val="tx1"/>
+            </a:fontRef>
+          </p:style>
+        </p:cxnSp>
+      </p:grpSp>
+      <p:sp>
+        <p:nvSpPr>
+          <p:cNvPr id="33" name="Rectangle 32">
+            <a:extLst>
+              <a:ext uri="{FF2B5EF4-FFF2-40B4-BE49-F238E27FC236}">
+                <a16:creationId xmlns:a16="http://schemas.microsoft.com/office/drawing/2014/main" id="{781B219C-49BE-4EBC-7579-19D052D2F472}"/>
+              </a:ext>
+            </a:extLst>
+          </p:cNvPr>
+          <p:cNvSpPr/>
+          <p:nvPr/>
+        </p:nvSpPr>
+        <p:spPr>
+          <a:xfrm>
+            <a:off x="8779145" y="3756453"/>
+            <a:ext cx="212040" cy="212392"/>
+          </a:xfrm>
+          <a:prstGeom prst="rect">
+            <a:avLst/>
+          </a:prstGeom>
+          <a:solidFill>
+            <a:schemeClr val="accent6">
+              <a:lumMod val="60000"/>
+              <a:lumOff val="40000"/>
+            </a:schemeClr>
+          </a:solidFill>
+          <a:ln>
+            <a:solidFill>
+              <a:schemeClr val="tx1"/>
+            </a:solidFill>
+          </a:ln>
+        </p:spPr>
+        <p:style>
+          <a:lnRef idx="2">
+            <a:schemeClr val="accent1">
+              <a:shade val="50000"/>
+            </a:schemeClr>
+          </a:lnRef>
+          <a:fillRef idx="1">
+            <a:schemeClr val="accent1"/>
+          </a:fillRef>
+          <a:effectRef idx="0">
+            <a:schemeClr val="accent1"/>
+          </a:effectRef>
+          <a:fontRef idx="minor">
+            <a:schemeClr val="lt1"/>
+          </a:fontRef>
+        </p:style>
+        <p:txBody>
+          <a:bodyPr rtlCol="0" anchor="ctr"/>
+          <a:lstStyle/>
+          <a:p>
+            <a:pPr algn="ctr"/>
+            <a:endParaRPr lang="en-GB"/>
+          </a:p>
+        </p:txBody>
+      </p:sp>
+      <p:sp>
+        <p:nvSpPr>
+          <p:cNvPr id="34" name="Oval 33">
+            <a:extLst>
+              <a:ext uri="{FF2B5EF4-FFF2-40B4-BE49-F238E27FC236}">
+                <a16:creationId xmlns:a16="http://schemas.microsoft.com/office/drawing/2014/main" id="{B0BBD8EE-44A3-F3E4-F798-0BA15C44A46E}"/>
+              </a:ext>
+            </a:extLst>
+          </p:cNvPr>
+          <p:cNvSpPr/>
+          <p:nvPr/>
+        </p:nvSpPr>
+        <p:spPr>
+          <a:xfrm>
+            <a:off x="3231949" y="2878843"/>
+            <a:ext cx="111212" cy="111212"/>
+          </a:xfrm>
+          <a:prstGeom prst="ellipse">
+            <a:avLst/>
+          </a:prstGeom>
+          <a:noFill/>
+          <a:ln>
+            <a:solidFill>
+              <a:schemeClr val="tx1"/>
+            </a:solidFill>
+          </a:ln>
+        </p:spPr>
+        <p:style>
+          <a:lnRef idx="2">
+            <a:schemeClr val="accent1">
+              <a:shade val="50000"/>
+            </a:schemeClr>
+          </a:lnRef>
+          <a:fillRef idx="1">
+            <a:schemeClr val="accent1"/>
+          </a:fillRef>
+          <a:effectRef idx="0">
+            <a:schemeClr val="accent1"/>
+          </a:effectRef>
+          <a:fontRef idx="minor">
+            <a:schemeClr val="lt1"/>
+          </a:fontRef>
+        </p:style>
+        <p:txBody>
+          <a:bodyPr rtlCol="0" anchor="ctr"/>
+          <a:lstStyle/>
+          <a:p>
+            <a:pPr algn="ctr"/>
+            <a:endParaRPr lang="en-GB"/>
+          </a:p>
+        </p:txBody>
+      </p:sp>
+      <p:grpSp>
+        <p:nvGrpSpPr>
+          <p:cNvPr id="37" name="Group 36">
+            <a:extLst>
+              <a:ext uri="{FF2B5EF4-FFF2-40B4-BE49-F238E27FC236}">
+                <a16:creationId xmlns:a16="http://schemas.microsoft.com/office/drawing/2014/main" id="{41C442C7-8F91-0EF0-079A-C7CEE7F0444E}"/>
+              </a:ext>
+            </a:extLst>
+          </p:cNvPr>
+          <p:cNvGrpSpPr/>
+          <p:nvPr/>
+        </p:nvGrpSpPr>
+        <p:grpSpPr>
+          <a:xfrm>
+            <a:off x="5958860" y="2878843"/>
+            <a:ext cx="274280" cy="113889"/>
+            <a:chOff x="6030754" y="2876166"/>
+            <a:chExt cx="274280" cy="113889"/>
+          </a:xfrm>
+        </p:grpSpPr>
+        <p:sp>
+          <p:nvSpPr>
+            <p:cNvPr id="35" name="Oval 34">
+              <a:extLst>
+                <a:ext uri="{FF2B5EF4-FFF2-40B4-BE49-F238E27FC236}">
+                  <a16:creationId xmlns:a16="http://schemas.microsoft.com/office/drawing/2014/main" id="{6D7DDEC7-ECCE-8078-084C-3A65CCB05FC1}"/>
+                </a:ext>
+              </a:extLst>
+            </p:cNvPr>
+            <p:cNvSpPr/>
+            <p:nvPr/>
+          </p:nvSpPr>
+          <p:spPr>
+            <a:xfrm>
+              <a:off x="6030754" y="2878843"/>
+              <a:ext cx="111212" cy="111212"/>
+            </a:xfrm>
+            <a:prstGeom prst="ellipse">
+              <a:avLst/>
+            </a:prstGeom>
+            <a:solidFill>
+              <a:schemeClr val="tx1"/>
+            </a:solidFill>
+            <a:ln>
+              <a:solidFill>
+                <a:schemeClr val="tx1"/>
+              </a:solidFill>
+            </a:ln>
+          </p:spPr>
+          <p:style>
+            <a:lnRef idx="2">
+              <a:schemeClr val="accent1">
+                <a:shade val="50000"/>
+              </a:schemeClr>
+            </a:lnRef>
+            <a:fillRef idx="1">
+              <a:schemeClr val="accent1"/>
+            </a:fillRef>
+            <a:effectRef idx="0">
+              <a:schemeClr val="accent1"/>
+            </a:effectRef>
+            <a:fontRef idx="minor">
+              <a:schemeClr val="lt1"/>
+            </a:fontRef>
+          </p:style>
+          <p:txBody>
+            <a:bodyPr rtlCol="0" anchor="ctr"/>
+            <a:lstStyle/>
+            <a:p>
+              <a:pPr algn="ctr"/>
+              <a:endParaRPr lang="en-GB"/>
+            </a:p>
+          </p:txBody>
+        </p:sp>
+        <p:sp>
+          <p:nvSpPr>
+            <p:cNvPr id="36" name="Oval 35">
+              <a:extLst>
+                <a:ext uri="{FF2B5EF4-FFF2-40B4-BE49-F238E27FC236}">
+                  <a16:creationId xmlns:a16="http://schemas.microsoft.com/office/drawing/2014/main" id="{1411B009-C86D-C0F5-A546-6BAC4CEA33CA}"/>
+                </a:ext>
+              </a:extLst>
+            </p:cNvPr>
+            <p:cNvSpPr/>
+            <p:nvPr/>
+          </p:nvSpPr>
+          <p:spPr>
+            <a:xfrm>
+              <a:off x="6193822" y="2876166"/>
+              <a:ext cx="111212" cy="111212"/>
+            </a:xfrm>
+            <a:prstGeom prst="ellipse">
+              <a:avLst/>
+            </a:prstGeom>
+            <a:noFill/>
+            <a:ln>
+              <a:solidFill>
+                <a:schemeClr val="tx1"/>
+              </a:solidFill>
+            </a:ln>
+          </p:spPr>
+          <p:style>
+            <a:lnRef idx="2">
+              <a:schemeClr val="accent1">
+                <a:shade val="50000"/>
+              </a:schemeClr>
+            </a:lnRef>
+            <a:fillRef idx="1">
+              <a:schemeClr val="accent1"/>
+            </a:fillRef>
+            <a:effectRef idx="0">
+              <a:schemeClr val="accent1"/>
+            </a:effectRef>
+            <a:fontRef idx="minor">
+              <a:schemeClr val="lt1"/>
+            </a:fontRef>
+          </p:style>
+          <p:txBody>
+            <a:bodyPr rtlCol="0" anchor="ctr"/>
+            <a:lstStyle/>
+            <a:p>
+              <a:pPr algn="ctr"/>
+              <a:endParaRPr lang="en-GB"/>
+            </a:p>
+          </p:txBody>
+        </p:sp>
+      </p:grpSp>
+      <p:grpSp>
+        <p:nvGrpSpPr>
+          <p:cNvPr id="38" name="Group 37">
+            <a:extLst>
+              <a:ext uri="{FF2B5EF4-FFF2-40B4-BE49-F238E27FC236}">
+                <a16:creationId xmlns:a16="http://schemas.microsoft.com/office/drawing/2014/main" id="{3D6685D6-FC49-BEB0-17EE-2D7C40FFA13D}"/>
+              </a:ext>
+            </a:extLst>
+          </p:cNvPr>
+          <p:cNvGrpSpPr/>
+          <p:nvPr/>
+        </p:nvGrpSpPr>
+        <p:grpSpPr>
+          <a:xfrm>
+            <a:off x="8716905" y="2859872"/>
+            <a:ext cx="274280" cy="114713"/>
+            <a:chOff x="6030754" y="2878843"/>
+            <a:chExt cx="274280" cy="114713"/>
+          </a:xfrm>
+        </p:grpSpPr>
+        <p:sp>
+          <p:nvSpPr>
+            <p:cNvPr id="39" name="Oval 38">
+              <a:extLst>
+                <a:ext uri="{FF2B5EF4-FFF2-40B4-BE49-F238E27FC236}">
+                  <a16:creationId xmlns:a16="http://schemas.microsoft.com/office/drawing/2014/main" id="{122C17A7-5814-7C8C-D60C-BCEE388E5200}"/>
+                </a:ext>
+              </a:extLst>
+            </p:cNvPr>
+            <p:cNvSpPr/>
+            <p:nvPr/>
+          </p:nvSpPr>
+          <p:spPr>
+            <a:xfrm>
+              <a:off x="6030754" y="2878843"/>
+              <a:ext cx="111212" cy="111212"/>
+            </a:xfrm>
+            <a:prstGeom prst="ellipse">
+              <a:avLst/>
+            </a:prstGeom>
+            <a:solidFill>
+              <a:schemeClr val="tx1"/>
+            </a:solidFill>
+            <a:ln>
+              <a:solidFill>
+                <a:schemeClr val="tx1"/>
+              </a:solidFill>
+            </a:ln>
+          </p:spPr>
+          <p:style>
+            <a:lnRef idx="2">
+              <a:schemeClr val="accent1">
+                <a:shade val="50000"/>
+              </a:schemeClr>
+            </a:lnRef>
+            <a:fillRef idx="1">
+              <a:schemeClr val="accent1"/>
+            </a:fillRef>
+            <a:effectRef idx="0">
+              <a:schemeClr val="accent1"/>
+            </a:effectRef>
+            <a:fontRef idx="minor">
+              <a:schemeClr val="lt1"/>
+            </a:fontRef>
+          </p:style>
+          <p:txBody>
+            <a:bodyPr rtlCol="0" anchor="ctr"/>
+            <a:lstStyle/>
+            <a:p>
+              <a:pPr algn="ctr"/>
+              <a:endParaRPr lang="en-GB"/>
+            </a:p>
+          </p:txBody>
+        </p:sp>
+        <p:sp>
+          <p:nvSpPr>
+            <p:cNvPr id="40" name="Oval 39">
+              <a:extLst>
+                <a:ext uri="{FF2B5EF4-FFF2-40B4-BE49-F238E27FC236}">
+                  <a16:creationId xmlns:a16="http://schemas.microsoft.com/office/drawing/2014/main" id="{962E92BD-50E9-EC96-DB8D-BBF98DA38453}"/>
+                </a:ext>
+              </a:extLst>
+            </p:cNvPr>
+            <p:cNvSpPr/>
+            <p:nvPr/>
+          </p:nvSpPr>
+          <p:spPr>
+            <a:xfrm>
+              <a:off x="6193822" y="2882344"/>
+              <a:ext cx="111212" cy="111212"/>
+            </a:xfrm>
+            <a:prstGeom prst="ellipse">
+              <a:avLst/>
+            </a:prstGeom>
+            <a:noFill/>
+            <a:ln>
+              <a:solidFill>
+                <a:schemeClr val="tx1"/>
+              </a:solidFill>
+            </a:ln>
+          </p:spPr>
+          <p:style>
+            <a:lnRef idx="2">
+              <a:schemeClr val="accent1">
+                <a:shade val="50000"/>
+              </a:schemeClr>
+            </a:lnRef>
+            <a:fillRef idx="1">
+              <a:schemeClr val="accent1"/>
+            </a:fillRef>
+            <a:effectRef idx="0">
+              <a:schemeClr val="accent1"/>
+            </a:effectRef>
+            <a:fontRef idx="minor">
+              <a:schemeClr val="lt1"/>
+            </a:fontRef>
+          </p:style>
+          <p:txBody>
+            <a:bodyPr rtlCol="0" anchor="ctr"/>
+            <a:lstStyle/>
+            <a:p>
+              <a:pPr algn="ctr"/>
+              <a:endParaRPr lang="en-GB"/>
+            </a:p>
+          </p:txBody>
+        </p:sp>
+      </p:grpSp>
     </p:spTree>
     <p:extLst>
       <p:ext uri="{BB962C8B-B14F-4D97-AF65-F5344CB8AC3E}">
         <p14:creationId xmlns:p14="http://schemas.microsoft.com/office/powerpoint/2010/main" val="1098337830"/>
+      </p:ext>
+    </p:extLst>
+  </p:cSld>
+  <p:clrMapOvr>
+    <a:masterClrMapping/>
+  </p:clrMapOvr>
+</p:sld>
+</file>
+
+<file path=ppt/slides/slide19.xml><?xml version="1.0" encoding="utf-8"?>
+<p:sld xmlns:a="http://schemas.openxmlformats.org/drawingml/2006/main" xmlns:r="http://schemas.openxmlformats.org/officeDocument/2006/relationships" xmlns:p="http://schemas.openxmlformats.org/presentationml/2006/main">
+  <p:cSld>
+    <p:spTree>
+      <p:nvGrpSpPr>
+        <p:cNvPr id="1" name=""/>
+        <p:cNvGrpSpPr/>
+        <p:nvPr/>
+      </p:nvGrpSpPr>
+      <p:grpSpPr>
+        <a:xfrm>
+          <a:off x="0" y="0"/>
+          <a:ext cx="0" cy="0"/>
+          <a:chOff x="0" y="0"/>
+          <a:chExt cx="0" cy="0"/>
+        </a:xfrm>
+      </p:grpSpPr>
+      <p:sp>
+        <p:nvSpPr>
+          <p:cNvPr id="2" name="Title 1">
+            <a:extLst>
+              <a:ext uri="{FF2B5EF4-FFF2-40B4-BE49-F238E27FC236}">
+                <a16:creationId xmlns:a16="http://schemas.microsoft.com/office/drawing/2014/main" id="{E29F74C9-B0C7-BA5C-41DC-C21FA1F2E126}"/>
+              </a:ext>
+            </a:extLst>
+          </p:cNvPr>
+          <p:cNvSpPr>
+            <a:spLocks noGrp="1" noRot="1" noMove="1" noResize="1" noEditPoints="1" noAdjustHandles="1" noChangeArrowheads="1" noChangeShapeType="1"/>
+          </p:cNvSpPr>
+          <p:nvPr>
+            <p:ph type="title"/>
+          </p:nvPr>
+        </p:nvSpPr>
+        <p:spPr/>
+        <p:txBody>
+          <a:bodyPr/>
+          <a:lstStyle/>
+          <a:p>
+            <a:r>
+              <a:rPr lang="en-GB" dirty="0"/>
+              <a:t>User Story (Signup, Login, Timer states)</a:t>
+            </a:r>
+          </a:p>
+        </p:txBody>
+      </p:sp>
+      <p:grpSp>
+        <p:nvGrpSpPr>
+          <p:cNvPr id="18" name="Group 17">
+            <a:extLst>
+              <a:ext uri="{FF2B5EF4-FFF2-40B4-BE49-F238E27FC236}">
+                <a16:creationId xmlns:a16="http://schemas.microsoft.com/office/drawing/2014/main" id="{0176E4A2-09F8-5382-4C9D-F7FC318B713A}"/>
+              </a:ext>
+            </a:extLst>
+          </p:cNvPr>
+          <p:cNvGrpSpPr/>
+          <p:nvPr/>
+        </p:nvGrpSpPr>
+        <p:grpSpPr>
+          <a:xfrm>
+            <a:off x="5489854" y="1462923"/>
+            <a:ext cx="2361456" cy="1470453"/>
+            <a:chOff x="2366319" y="2483709"/>
+            <a:chExt cx="2361456" cy="1470453"/>
+          </a:xfrm>
+        </p:grpSpPr>
+        <p:sp>
+          <p:nvSpPr>
+            <p:cNvPr id="4" name="Rectangle 3">
+              <a:extLst>
+                <a:ext uri="{FF2B5EF4-FFF2-40B4-BE49-F238E27FC236}">
+                  <a16:creationId xmlns:a16="http://schemas.microsoft.com/office/drawing/2014/main" id="{702CB835-DD75-C62D-2AC0-AC14DC6E87B3}"/>
+                </a:ext>
+              </a:extLst>
+            </p:cNvPr>
+            <p:cNvSpPr/>
+            <p:nvPr/>
+          </p:nvSpPr>
+          <p:spPr>
+            <a:xfrm>
+              <a:off x="2366319" y="2483709"/>
+              <a:ext cx="2361456" cy="1470453"/>
+            </a:xfrm>
+            <a:prstGeom prst="rect">
+              <a:avLst/>
+            </a:prstGeom>
+            <a:solidFill>
+              <a:schemeClr val="accent2">
+                <a:lumMod val="60000"/>
+                <a:lumOff val="40000"/>
+              </a:schemeClr>
+            </a:solidFill>
+            <a:ln>
+              <a:solidFill>
+                <a:schemeClr val="tx1"/>
+              </a:solidFill>
+              <a:prstDash val="lgDash"/>
+            </a:ln>
+          </p:spPr>
+          <p:style>
+            <a:lnRef idx="2">
+              <a:schemeClr val="accent1">
+                <a:shade val="50000"/>
+              </a:schemeClr>
+            </a:lnRef>
+            <a:fillRef idx="1">
+              <a:schemeClr val="accent1"/>
+            </a:fillRef>
+            <a:effectRef idx="0">
+              <a:schemeClr val="accent1"/>
+            </a:effectRef>
+            <a:fontRef idx="minor">
+              <a:schemeClr val="lt1"/>
+            </a:fontRef>
+          </p:style>
+          <p:txBody>
+            <a:bodyPr rtlCol="0" anchor="ctr"/>
+            <a:lstStyle/>
+            <a:p>
+              <a:pPr algn="ctr"/>
+              <a:endParaRPr lang="en-GB" dirty="0">
+                <a:solidFill>
+                  <a:schemeClr val="tx1"/>
+                </a:solidFill>
+              </a:endParaRPr>
+            </a:p>
+          </p:txBody>
+        </p:sp>
+        <p:sp>
+          <p:nvSpPr>
+            <p:cNvPr id="5" name="TextBox 4">
+              <a:extLst>
+                <a:ext uri="{FF2B5EF4-FFF2-40B4-BE49-F238E27FC236}">
+                  <a16:creationId xmlns:a16="http://schemas.microsoft.com/office/drawing/2014/main" id="{092DF1D6-D72D-D1ED-ED8A-20EE55A99E3D}"/>
+                </a:ext>
+              </a:extLst>
+            </p:cNvPr>
+            <p:cNvSpPr txBox="1"/>
+            <p:nvPr/>
+          </p:nvSpPr>
+          <p:spPr>
+            <a:xfrm>
+              <a:off x="2366319" y="2779991"/>
+              <a:ext cx="2361456" cy="646331"/>
+            </a:xfrm>
+            <a:prstGeom prst="rect">
+              <a:avLst/>
+            </a:prstGeom>
+            <a:noFill/>
+          </p:spPr>
+          <p:txBody>
+            <a:bodyPr wrap="square" rtlCol="0">
+              <a:spAutoFit/>
+            </a:bodyPr>
+            <a:lstStyle/>
+            <a:p>
+              <a:pPr algn="ctr"/>
+              <a:r>
+                <a:rPr lang="en-GB" sz="3600" dirty="0"/>
+                <a:t>25:00</a:t>
+              </a:r>
+            </a:p>
+          </p:txBody>
+        </p:sp>
+        <p:grpSp>
+          <p:nvGrpSpPr>
+            <p:cNvPr id="12" name="Group 11">
+              <a:extLst>
+                <a:ext uri="{FF2B5EF4-FFF2-40B4-BE49-F238E27FC236}">
+                  <a16:creationId xmlns:a16="http://schemas.microsoft.com/office/drawing/2014/main" id="{E845A5CE-0163-1002-FAB5-8A3CD7CDEC52}"/>
+                </a:ext>
+              </a:extLst>
+            </p:cNvPr>
+            <p:cNvGrpSpPr/>
+            <p:nvPr/>
+          </p:nvGrpSpPr>
+          <p:grpSpPr>
+            <a:xfrm>
+              <a:off x="4473473" y="2587227"/>
+              <a:ext cx="124490" cy="126316"/>
+              <a:chOff x="8334632" y="2855188"/>
+              <a:chExt cx="914400" cy="927815"/>
+            </a:xfrm>
+          </p:grpSpPr>
+          <p:cxnSp>
+            <p:nvCxnSpPr>
+              <p:cNvPr id="15" name="Straight Connector 14">
+                <a:extLst>
+                  <a:ext uri="{FF2B5EF4-FFF2-40B4-BE49-F238E27FC236}">
+                    <a16:creationId xmlns:a16="http://schemas.microsoft.com/office/drawing/2014/main" id="{19BA8B51-D2B0-D5A2-2DB0-923230EE5054}"/>
+                  </a:ext>
+                </a:extLst>
+              </p:cNvPr>
+              <p:cNvCxnSpPr/>
+              <p:nvPr/>
+            </p:nvCxnSpPr>
+            <p:spPr>
+              <a:xfrm>
+                <a:off x="8334632" y="2855188"/>
+                <a:ext cx="914400" cy="914400"/>
+              </a:xfrm>
+              <a:prstGeom prst="line">
+                <a:avLst/>
+              </a:prstGeom>
+              <a:ln w="19050">
+                <a:solidFill>
+                  <a:schemeClr val="tx1"/>
+                </a:solidFill>
+              </a:ln>
+            </p:spPr>
+            <p:style>
+              <a:lnRef idx="1">
+                <a:schemeClr val="dk1"/>
+              </a:lnRef>
+              <a:fillRef idx="0">
+                <a:schemeClr val="dk1"/>
+              </a:fillRef>
+              <a:effectRef idx="0">
+                <a:schemeClr val="dk1"/>
+              </a:effectRef>
+              <a:fontRef idx="minor">
+                <a:schemeClr val="tx1"/>
+              </a:fontRef>
+            </p:style>
+          </p:cxnSp>
+          <p:cxnSp>
+            <p:nvCxnSpPr>
+              <p:cNvPr id="16" name="Straight Connector 15">
+                <a:extLst>
+                  <a:ext uri="{FF2B5EF4-FFF2-40B4-BE49-F238E27FC236}">
+                    <a16:creationId xmlns:a16="http://schemas.microsoft.com/office/drawing/2014/main" id="{F7FA81E1-0134-E8D4-A52A-43C9F2038502}"/>
+                  </a:ext>
+                </a:extLst>
+              </p:cNvPr>
+              <p:cNvCxnSpPr>
+                <a:cxnSpLocks/>
+              </p:cNvCxnSpPr>
+              <p:nvPr/>
+            </p:nvCxnSpPr>
+            <p:spPr>
+              <a:xfrm flipV="1">
+                <a:off x="8334632" y="2868603"/>
+                <a:ext cx="914400" cy="914400"/>
+              </a:xfrm>
+              <a:prstGeom prst="line">
+                <a:avLst/>
+              </a:prstGeom>
+              <a:ln w="19050">
+                <a:solidFill>
+                  <a:schemeClr val="tx1"/>
+                </a:solidFill>
+              </a:ln>
+            </p:spPr>
+            <p:style>
+              <a:lnRef idx="1">
+                <a:schemeClr val="dk1"/>
+              </a:lnRef>
+              <a:fillRef idx="0">
+                <a:schemeClr val="dk1"/>
+              </a:fillRef>
+              <a:effectRef idx="0">
+                <a:schemeClr val="dk1"/>
+              </a:effectRef>
+              <a:fontRef idx="minor">
+                <a:schemeClr val="tx1"/>
+              </a:fontRef>
+            </p:style>
+          </p:cxnSp>
+        </p:grpSp>
+        <p:sp>
+          <p:nvSpPr>
+            <p:cNvPr id="17" name="Isosceles Triangle 16">
+              <a:extLst>
+                <a:ext uri="{FF2B5EF4-FFF2-40B4-BE49-F238E27FC236}">
+                  <a16:creationId xmlns:a16="http://schemas.microsoft.com/office/drawing/2014/main" id="{E89F4F8D-0C76-041D-B45E-459DF5F5F8CA}"/>
+                </a:ext>
+              </a:extLst>
+            </p:cNvPr>
+            <p:cNvSpPr/>
+            <p:nvPr/>
+          </p:nvSpPr>
+          <p:spPr>
+            <a:xfrm rot="5400000">
+              <a:off x="3424063" y="3511244"/>
+              <a:ext cx="245966" cy="212040"/>
+            </a:xfrm>
+            <a:prstGeom prst="triangle">
+              <a:avLst/>
+            </a:prstGeom>
+            <a:solidFill>
+              <a:schemeClr val="accent2">
+                <a:lumMod val="60000"/>
+                <a:lumOff val="40000"/>
+              </a:schemeClr>
+            </a:solidFill>
+            <a:ln>
+              <a:solidFill>
+                <a:schemeClr val="tx1"/>
+              </a:solidFill>
+            </a:ln>
+          </p:spPr>
+          <p:style>
+            <a:lnRef idx="2">
+              <a:schemeClr val="accent1">
+                <a:shade val="50000"/>
+              </a:schemeClr>
+            </a:lnRef>
+            <a:fillRef idx="1">
+              <a:schemeClr val="accent1"/>
+            </a:fillRef>
+            <a:effectRef idx="0">
+              <a:schemeClr val="accent1"/>
+            </a:effectRef>
+            <a:fontRef idx="minor">
+              <a:schemeClr val="lt1"/>
+            </a:fontRef>
+          </p:style>
+          <p:txBody>
+            <a:bodyPr rtlCol="0" anchor="ctr"/>
+            <a:lstStyle/>
+            <a:p>
+              <a:pPr algn="ctr"/>
+              <a:endParaRPr lang="en-GB"/>
+            </a:p>
+          </p:txBody>
+        </p:sp>
+      </p:grpSp>
+      <p:grpSp>
+        <p:nvGrpSpPr>
+          <p:cNvPr id="6" name="Group 5">
+            <a:extLst>
+              <a:ext uri="{FF2B5EF4-FFF2-40B4-BE49-F238E27FC236}">
+                <a16:creationId xmlns:a16="http://schemas.microsoft.com/office/drawing/2014/main" id="{C72F3903-0F00-A256-5718-189FC107EEAC}"/>
+              </a:ext>
+            </a:extLst>
+          </p:cNvPr>
+          <p:cNvGrpSpPr/>
+          <p:nvPr/>
+        </p:nvGrpSpPr>
+        <p:grpSpPr>
+          <a:xfrm>
+            <a:off x="5489855" y="3265073"/>
+            <a:ext cx="2361456" cy="1470453"/>
+            <a:chOff x="4905633" y="2693773"/>
+            <a:chExt cx="2361456" cy="1470453"/>
+          </a:xfrm>
+        </p:grpSpPr>
+        <p:grpSp>
+          <p:nvGrpSpPr>
+            <p:cNvPr id="27" name="Group 26">
+              <a:extLst>
+                <a:ext uri="{FF2B5EF4-FFF2-40B4-BE49-F238E27FC236}">
+                  <a16:creationId xmlns:a16="http://schemas.microsoft.com/office/drawing/2014/main" id="{CE330CE1-38B6-341D-2ED8-4A4D42323607}"/>
+                </a:ext>
+              </a:extLst>
+            </p:cNvPr>
+            <p:cNvGrpSpPr/>
+            <p:nvPr/>
+          </p:nvGrpSpPr>
+          <p:grpSpPr>
+            <a:xfrm>
+              <a:off x="4905633" y="2693773"/>
+              <a:ext cx="2361456" cy="1470453"/>
+              <a:chOff x="4411362" y="2693773"/>
+              <a:chExt cx="2361456" cy="1470453"/>
+            </a:xfrm>
+          </p:grpSpPr>
+          <p:sp>
+            <p:nvSpPr>
+              <p:cNvPr id="19" name="Rectangle 18">
+                <a:extLst>
+                  <a:ext uri="{FF2B5EF4-FFF2-40B4-BE49-F238E27FC236}">
+                    <a16:creationId xmlns:a16="http://schemas.microsoft.com/office/drawing/2014/main" id="{85B7A9CA-145C-1E4D-3D22-ABD90988320B}"/>
+                  </a:ext>
+                </a:extLst>
+              </p:cNvPr>
+              <p:cNvSpPr/>
+              <p:nvPr/>
+            </p:nvSpPr>
+            <p:spPr>
+              <a:xfrm>
+                <a:off x="4411362" y="2693773"/>
+                <a:ext cx="2361456" cy="1470453"/>
+              </a:xfrm>
+              <a:prstGeom prst="rect">
+                <a:avLst/>
+              </a:prstGeom>
+              <a:solidFill>
+                <a:schemeClr val="accent1">
+                  <a:lumMod val="60000"/>
+                  <a:lumOff val="40000"/>
+                </a:schemeClr>
+              </a:solidFill>
+              <a:ln>
+                <a:solidFill>
+                  <a:schemeClr val="tx1"/>
+                </a:solidFill>
+                <a:prstDash val="lgDash"/>
+              </a:ln>
+            </p:spPr>
+            <p:style>
+              <a:lnRef idx="2">
+                <a:schemeClr val="accent1">
+                  <a:shade val="50000"/>
+                </a:schemeClr>
+              </a:lnRef>
+              <a:fillRef idx="1">
+                <a:schemeClr val="accent1"/>
+              </a:fillRef>
+              <a:effectRef idx="0">
+                <a:schemeClr val="accent1"/>
+              </a:effectRef>
+              <a:fontRef idx="minor">
+                <a:schemeClr val="lt1"/>
+              </a:fontRef>
+            </p:style>
+            <p:txBody>
+              <a:bodyPr rtlCol="0" anchor="ctr"/>
+              <a:lstStyle/>
+              <a:p>
+                <a:pPr algn="ctr"/>
+                <a:endParaRPr lang="en-GB" dirty="0">
+                  <a:solidFill>
+                    <a:schemeClr val="tx1"/>
+                  </a:solidFill>
+                </a:endParaRPr>
+              </a:p>
+            </p:txBody>
+          </p:sp>
+          <p:sp>
+            <p:nvSpPr>
+              <p:cNvPr id="20" name="TextBox 19">
+                <a:extLst>
+                  <a:ext uri="{FF2B5EF4-FFF2-40B4-BE49-F238E27FC236}">
+                    <a16:creationId xmlns:a16="http://schemas.microsoft.com/office/drawing/2014/main" id="{AC5F3975-4F15-213D-B848-BFE5439C6A13}"/>
+                  </a:ext>
+                </a:extLst>
+              </p:cNvPr>
+              <p:cNvSpPr txBox="1"/>
+              <p:nvPr/>
+            </p:nvSpPr>
+            <p:spPr>
+              <a:xfrm>
+                <a:off x="4411362" y="2990055"/>
+                <a:ext cx="2361456" cy="646331"/>
+              </a:xfrm>
+              <a:prstGeom prst="rect">
+                <a:avLst/>
+              </a:prstGeom>
+              <a:noFill/>
+            </p:spPr>
+            <p:txBody>
+              <a:bodyPr wrap="square" rtlCol="0">
+                <a:spAutoFit/>
+              </a:bodyPr>
+              <a:lstStyle/>
+              <a:p>
+                <a:pPr algn="ctr"/>
+                <a:r>
+                  <a:rPr lang="en-GB" sz="3600" dirty="0"/>
+                  <a:t>22:52</a:t>
+                </a:r>
+              </a:p>
+            </p:txBody>
+          </p:sp>
+          <p:grpSp>
+            <p:nvGrpSpPr>
+              <p:cNvPr id="21" name="Group 20">
+                <a:extLst>
+                  <a:ext uri="{FF2B5EF4-FFF2-40B4-BE49-F238E27FC236}">
+                    <a16:creationId xmlns:a16="http://schemas.microsoft.com/office/drawing/2014/main" id="{42457B4C-6C23-D254-B6FB-C9A58AB5BD01}"/>
+                  </a:ext>
+                </a:extLst>
+              </p:cNvPr>
+              <p:cNvGrpSpPr/>
+              <p:nvPr/>
+            </p:nvGrpSpPr>
+            <p:grpSpPr>
+              <a:xfrm>
+                <a:off x="6518516" y="2797291"/>
+                <a:ext cx="124490" cy="126316"/>
+                <a:chOff x="8334632" y="2855188"/>
+                <a:chExt cx="914400" cy="927815"/>
+              </a:xfrm>
+            </p:grpSpPr>
+            <p:cxnSp>
+              <p:nvCxnSpPr>
+                <p:cNvPr id="22" name="Straight Connector 21">
+                  <a:extLst>
+                    <a:ext uri="{FF2B5EF4-FFF2-40B4-BE49-F238E27FC236}">
+                      <a16:creationId xmlns:a16="http://schemas.microsoft.com/office/drawing/2014/main" id="{FD386A39-636B-340A-7FAA-3BFED7554ED8}"/>
+                    </a:ext>
+                  </a:extLst>
+                </p:cNvPr>
+                <p:cNvCxnSpPr/>
+                <p:nvPr/>
+              </p:nvCxnSpPr>
+              <p:spPr>
+                <a:xfrm>
+                  <a:off x="8334632" y="2855188"/>
+                  <a:ext cx="914400" cy="914400"/>
+                </a:xfrm>
+                <a:prstGeom prst="line">
+                  <a:avLst/>
+                </a:prstGeom>
+                <a:ln w="19050">
+                  <a:solidFill>
+                    <a:schemeClr val="tx1"/>
+                  </a:solidFill>
+                </a:ln>
+              </p:spPr>
+              <p:style>
+                <a:lnRef idx="1">
+                  <a:schemeClr val="dk1"/>
+                </a:lnRef>
+                <a:fillRef idx="0">
+                  <a:schemeClr val="dk1"/>
+                </a:fillRef>
+                <a:effectRef idx="0">
+                  <a:schemeClr val="dk1"/>
+                </a:effectRef>
+                <a:fontRef idx="minor">
+                  <a:schemeClr val="tx1"/>
+                </a:fontRef>
+              </p:style>
+            </p:cxnSp>
+            <p:cxnSp>
+              <p:nvCxnSpPr>
+                <p:cNvPr id="23" name="Straight Connector 22">
+                  <a:extLst>
+                    <a:ext uri="{FF2B5EF4-FFF2-40B4-BE49-F238E27FC236}">
+                      <a16:creationId xmlns:a16="http://schemas.microsoft.com/office/drawing/2014/main" id="{9150551C-2683-B00F-4323-C304737526C1}"/>
+                    </a:ext>
+                  </a:extLst>
+                </p:cNvPr>
+                <p:cNvCxnSpPr>
+                  <a:cxnSpLocks/>
+                </p:cNvCxnSpPr>
+                <p:nvPr/>
+              </p:nvCxnSpPr>
+              <p:spPr>
+                <a:xfrm flipV="1">
+                  <a:off x="8334632" y="2868603"/>
+                  <a:ext cx="914400" cy="914400"/>
+                </a:xfrm>
+                <a:prstGeom prst="line">
+                  <a:avLst/>
+                </a:prstGeom>
+                <a:ln w="19050">
+                  <a:solidFill>
+                    <a:schemeClr val="tx1"/>
+                  </a:solidFill>
+                </a:ln>
+              </p:spPr>
+              <p:style>
+                <a:lnRef idx="1">
+                  <a:schemeClr val="dk1"/>
+                </a:lnRef>
+                <a:fillRef idx="0">
+                  <a:schemeClr val="dk1"/>
+                </a:fillRef>
+                <a:effectRef idx="0">
+                  <a:schemeClr val="dk1"/>
+                </a:effectRef>
+                <a:fontRef idx="minor">
+                  <a:schemeClr val="tx1"/>
+                </a:fontRef>
+              </p:style>
+            </p:cxnSp>
+          </p:grpSp>
+          <p:sp>
+            <p:nvSpPr>
+              <p:cNvPr id="26" name="Rectangle 25">
+                <a:extLst>
+                  <a:ext uri="{FF2B5EF4-FFF2-40B4-BE49-F238E27FC236}">
+                    <a16:creationId xmlns:a16="http://schemas.microsoft.com/office/drawing/2014/main" id="{2E7527A3-B0AA-4C7E-548D-4E43CE62C96A}"/>
+                  </a:ext>
+                </a:extLst>
+              </p:cNvPr>
+              <p:cNvSpPr/>
+              <p:nvPr/>
+            </p:nvSpPr>
+            <p:spPr>
+              <a:xfrm>
+                <a:off x="5486069" y="3756453"/>
+                <a:ext cx="212040" cy="212392"/>
+              </a:xfrm>
+              <a:prstGeom prst="rect">
+                <a:avLst/>
+              </a:prstGeom>
+              <a:solidFill>
+                <a:schemeClr val="accent1">
+                  <a:lumMod val="60000"/>
+                  <a:lumOff val="40000"/>
+                </a:schemeClr>
+              </a:solidFill>
+              <a:ln>
+                <a:solidFill>
+                  <a:schemeClr val="tx1"/>
+                </a:solidFill>
+              </a:ln>
+            </p:spPr>
+            <p:style>
+              <a:lnRef idx="2">
+                <a:schemeClr val="accent1">
+                  <a:shade val="50000"/>
+                </a:schemeClr>
+              </a:lnRef>
+              <a:fillRef idx="1">
+                <a:schemeClr val="accent1"/>
+              </a:fillRef>
+              <a:effectRef idx="0">
+                <a:schemeClr val="accent1"/>
+              </a:effectRef>
+              <a:fontRef idx="minor">
+                <a:schemeClr val="lt1"/>
+              </a:fontRef>
+            </p:style>
+            <p:txBody>
+              <a:bodyPr rtlCol="0" anchor="ctr"/>
+              <a:lstStyle/>
+              <a:p>
+                <a:pPr algn="ctr"/>
+                <a:endParaRPr lang="en-GB"/>
+              </a:p>
+            </p:txBody>
+          </p:sp>
+        </p:grpSp>
+        <p:sp>
+          <p:nvSpPr>
+            <p:cNvPr id="36" name="Oval 35">
+              <a:extLst>
+                <a:ext uri="{FF2B5EF4-FFF2-40B4-BE49-F238E27FC236}">
+                  <a16:creationId xmlns:a16="http://schemas.microsoft.com/office/drawing/2014/main" id="{1411B009-C86D-C0F5-A546-6BAC4CEA33CA}"/>
+                </a:ext>
+              </a:extLst>
+            </p:cNvPr>
+            <p:cNvSpPr/>
+            <p:nvPr/>
+          </p:nvSpPr>
+          <p:spPr>
+            <a:xfrm>
+              <a:off x="6042035" y="2878843"/>
+              <a:ext cx="111212" cy="111212"/>
+            </a:xfrm>
+            <a:prstGeom prst="ellipse">
+              <a:avLst/>
+            </a:prstGeom>
+            <a:noFill/>
+            <a:ln>
+              <a:solidFill>
+                <a:schemeClr val="tx1"/>
+              </a:solidFill>
+            </a:ln>
+          </p:spPr>
+          <p:style>
+            <a:lnRef idx="2">
+              <a:schemeClr val="accent1">
+                <a:shade val="50000"/>
+              </a:schemeClr>
+            </a:lnRef>
+            <a:fillRef idx="1">
+              <a:schemeClr val="accent1"/>
+            </a:fillRef>
+            <a:effectRef idx="0">
+              <a:schemeClr val="accent1"/>
+            </a:effectRef>
+            <a:fontRef idx="minor">
+              <a:schemeClr val="lt1"/>
+            </a:fontRef>
+          </p:style>
+          <p:txBody>
+            <a:bodyPr rtlCol="0" anchor="ctr"/>
+            <a:lstStyle/>
+            <a:p>
+              <a:pPr algn="ctr"/>
+              <a:endParaRPr lang="en-GB"/>
+            </a:p>
+          </p:txBody>
+        </p:sp>
+      </p:grpSp>
+      <p:grpSp>
+        <p:nvGrpSpPr>
+          <p:cNvPr id="3" name="Group 2">
+            <a:extLst>
+              <a:ext uri="{FF2B5EF4-FFF2-40B4-BE49-F238E27FC236}">
+                <a16:creationId xmlns:a16="http://schemas.microsoft.com/office/drawing/2014/main" id="{306829B4-6A2A-620A-E1E8-B15CB042FCD1}"/>
+              </a:ext>
+            </a:extLst>
+          </p:cNvPr>
+          <p:cNvGrpSpPr/>
+          <p:nvPr/>
+        </p:nvGrpSpPr>
+        <p:grpSpPr>
+          <a:xfrm>
+            <a:off x="5489857" y="5066040"/>
+            <a:ext cx="2361456" cy="1470453"/>
+            <a:chOff x="7704438" y="2693773"/>
+            <a:chExt cx="2361456" cy="1470453"/>
+          </a:xfrm>
+        </p:grpSpPr>
+        <p:sp>
+          <p:nvSpPr>
+            <p:cNvPr id="28" name="Rectangle 27">
+              <a:extLst>
+                <a:ext uri="{FF2B5EF4-FFF2-40B4-BE49-F238E27FC236}">
+                  <a16:creationId xmlns:a16="http://schemas.microsoft.com/office/drawing/2014/main" id="{CDA4C9B5-898F-1398-1150-E89AA62072F2}"/>
+                </a:ext>
+              </a:extLst>
+            </p:cNvPr>
+            <p:cNvSpPr/>
+            <p:nvPr/>
+          </p:nvSpPr>
+          <p:spPr>
+            <a:xfrm>
+              <a:off x="7704438" y="2693773"/>
+              <a:ext cx="2361456" cy="1470453"/>
+            </a:xfrm>
+            <a:prstGeom prst="rect">
+              <a:avLst/>
+            </a:prstGeom>
+            <a:solidFill>
+              <a:schemeClr val="accent6">
+                <a:lumMod val="60000"/>
+                <a:lumOff val="40000"/>
+              </a:schemeClr>
+            </a:solidFill>
+            <a:ln>
+              <a:solidFill>
+                <a:schemeClr val="tx1"/>
+              </a:solidFill>
+              <a:prstDash val="lgDash"/>
+            </a:ln>
+          </p:spPr>
+          <p:style>
+            <a:lnRef idx="2">
+              <a:schemeClr val="accent1">
+                <a:shade val="50000"/>
+              </a:schemeClr>
+            </a:lnRef>
+            <a:fillRef idx="1">
+              <a:schemeClr val="accent1"/>
+            </a:fillRef>
+            <a:effectRef idx="0">
+              <a:schemeClr val="accent1"/>
+            </a:effectRef>
+            <a:fontRef idx="minor">
+              <a:schemeClr val="lt1"/>
+            </a:fontRef>
+          </p:style>
+          <p:txBody>
+            <a:bodyPr rtlCol="0" anchor="ctr"/>
+            <a:lstStyle/>
+            <a:p>
+              <a:pPr algn="ctr"/>
+              <a:endParaRPr lang="en-GB" dirty="0">
+                <a:solidFill>
+                  <a:schemeClr val="tx1"/>
+                </a:solidFill>
+              </a:endParaRPr>
+            </a:p>
+          </p:txBody>
+        </p:sp>
+        <p:sp>
+          <p:nvSpPr>
+            <p:cNvPr id="29" name="TextBox 28">
+              <a:extLst>
+                <a:ext uri="{FF2B5EF4-FFF2-40B4-BE49-F238E27FC236}">
+                  <a16:creationId xmlns:a16="http://schemas.microsoft.com/office/drawing/2014/main" id="{D83F8D66-9778-2F88-2957-343AAD583F0A}"/>
+                </a:ext>
+              </a:extLst>
+            </p:cNvPr>
+            <p:cNvSpPr txBox="1"/>
+            <p:nvPr/>
+          </p:nvSpPr>
+          <p:spPr>
+            <a:xfrm>
+              <a:off x="7704438" y="2990055"/>
+              <a:ext cx="2361456" cy="646331"/>
+            </a:xfrm>
+            <a:prstGeom prst="rect">
+              <a:avLst/>
+            </a:prstGeom>
+            <a:noFill/>
+          </p:spPr>
+          <p:txBody>
+            <a:bodyPr wrap="square" rtlCol="0">
+              <a:spAutoFit/>
+            </a:bodyPr>
+            <a:lstStyle/>
+            <a:p>
+              <a:pPr algn="ctr"/>
+              <a:r>
+                <a:rPr lang="en-GB" sz="3600" dirty="0"/>
+                <a:t> 5:00</a:t>
+              </a:r>
+            </a:p>
+          </p:txBody>
+        </p:sp>
+        <p:grpSp>
+          <p:nvGrpSpPr>
+            <p:cNvPr id="30" name="Group 29">
+              <a:extLst>
+                <a:ext uri="{FF2B5EF4-FFF2-40B4-BE49-F238E27FC236}">
+                  <a16:creationId xmlns:a16="http://schemas.microsoft.com/office/drawing/2014/main" id="{1C019624-2F7B-BF69-91BA-3477368A5D5E}"/>
+                </a:ext>
+              </a:extLst>
+            </p:cNvPr>
+            <p:cNvGrpSpPr/>
+            <p:nvPr/>
+          </p:nvGrpSpPr>
+          <p:grpSpPr>
+            <a:xfrm>
+              <a:off x="9811592" y="2797291"/>
+              <a:ext cx="124490" cy="126316"/>
+              <a:chOff x="8334632" y="2855188"/>
+              <a:chExt cx="914400" cy="927815"/>
+            </a:xfrm>
+          </p:grpSpPr>
+          <p:cxnSp>
+            <p:nvCxnSpPr>
+              <p:cNvPr id="31" name="Straight Connector 30">
+                <a:extLst>
+                  <a:ext uri="{FF2B5EF4-FFF2-40B4-BE49-F238E27FC236}">
+                    <a16:creationId xmlns:a16="http://schemas.microsoft.com/office/drawing/2014/main" id="{721B13C7-2A5E-C4C7-87D2-65B448C94F92}"/>
+                  </a:ext>
+                </a:extLst>
+              </p:cNvPr>
+              <p:cNvCxnSpPr/>
+              <p:nvPr/>
+            </p:nvCxnSpPr>
+            <p:spPr>
+              <a:xfrm>
+                <a:off x="8334632" y="2855188"/>
+                <a:ext cx="914400" cy="914400"/>
+              </a:xfrm>
+              <a:prstGeom prst="line">
+                <a:avLst/>
+              </a:prstGeom>
+              <a:ln w="19050">
+                <a:solidFill>
+                  <a:schemeClr val="tx1"/>
+                </a:solidFill>
+              </a:ln>
+            </p:spPr>
+            <p:style>
+              <a:lnRef idx="1">
+                <a:schemeClr val="dk1"/>
+              </a:lnRef>
+              <a:fillRef idx="0">
+                <a:schemeClr val="dk1"/>
+              </a:fillRef>
+              <a:effectRef idx="0">
+                <a:schemeClr val="dk1"/>
+              </a:effectRef>
+              <a:fontRef idx="minor">
+                <a:schemeClr val="tx1"/>
+              </a:fontRef>
+            </p:style>
+          </p:cxnSp>
+          <p:cxnSp>
+            <p:nvCxnSpPr>
+              <p:cNvPr id="32" name="Straight Connector 31">
+                <a:extLst>
+                  <a:ext uri="{FF2B5EF4-FFF2-40B4-BE49-F238E27FC236}">
+                    <a16:creationId xmlns:a16="http://schemas.microsoft.com/office/drawing/2014/main" id="{07854BAE-6B8A-2143-21E8-59D20DF8133A}"/>
+                  </a:ext>
+                </a:extLst>
+              </p:cNvPr>
+              <p:cNvCxnSpPr>
+                <a:cxnSpLocks/>
+              </p:cNvCxnSpPr>
+              <p:nvPr/>
+            </p:nvCxnSpPr>
+            <p:spPr>
+              <a:xfrm flipV="1">
+                <a:off x="8334632" y="2868603"/>
+                <a:ext cx="914400" cy="914400"/>
+              </a:xfrm>
+              <a:prstGeom prst="line">
+                <a:avLst/>
+              </a:prstGeom>
+              <a:ln w="19050">
+                <a:solidFill>
+                  <a:schemeClr val="tx1"/>
+                </a:solidFill>
+              </a:ln>
+            </p:spPr>
+            <p:style>
+              <a:lnRef idx="1">
+                <a:schemeClr val="dk1"/>
+              </a:lnRef>
+              <a:fillRef idx="0">
+                <a:schemeClr val="dk1"/>
+              </a:fillRef>
+              <a:effectRef idx="0">
+                <a:schemeClr val="dk1"/>
+              </a:effectRef>
+              <a:fontRef idx="minor">
+                <a:schemeClr val="tx1"/>
+              </a:fontRef>
+            </p:style>
+          </p:cxnSp>
+        </p:grpSp>
+        <p:sp>
+          <p:nvSpPr>
+            <p:cNvPr id="33" name="Rectangle 32">
+              <a:extLst>
+                <a:ext uri="{FF2B5EF4-FFF2-40B4-BE49-F238E27FC236}">
+                  <a16:creationId xmlns:a16="http://schemas.microsoft.com/office/drawing/2014/main" id="{781B219C-49BE-4EBC-7579-19D052D2F472}"/>
+                </a:ext>
+              </a:extLst>
+            </p:cNvPr>
+            <p:cNvSpPr/>
+            <p:nvPr/>
+          </p:nvSpPr>
+          <p:spPr>
+            <a:xfrm>
+              <a:off x="8779145" y="3756453"/>
+              <a:ext cx="212040" cy="212392"/>
+            </a:xfrm>
+            <a:prstGeom prst="rect">
+              <a:avLst/>
+            </a:prstGeom>
+            <a:solidFill>
+              <a:schemeClr val="accent6">
+                <a:lumMod val="60000"/>
+                <a:lumOff val="40000"/>
+              </a:schemeClr>
+            </a:solidFill>
+            <a:ln>
+              <a:solidFill>
+                <a:schemeClr val="tx1"/>
+              </a:solidFill>
+            </a:ln>
+          </p:spPr>
+          <p:style>
+            <a:lnRef idx="2">
+              <a:schemeClr val="accent1">
+                <a:shade val="50000"/>
+              </a:schemeClr>
+            </a:lnRef>
+            <a:fillRef idx="1">
+              <a:schemeClr val="accent1"/>
+            </a:fillRef>
+            <a:effectRef idx="0">
+              <a:schemeClr val="accent1"/>
+            </a:effectRef>
+            <a:fontRef idx="minor">
+              <a:schemeClr val="lt1"/>
+            </a:fontRef>
+          </p:style>
+          <p:txBody>
+            <a:bodyPr rtlCol="0" anchor="ctr"/>
+            <a:lstStyle/>
+            <a:p>
+              <a:pPr algn="ctr"/>
+              <a:endParaRPr lang="en-GB"/>
+            </a:p>
+          </p:txBody>
+        </p:sp>
+        <p:sp>
+          <p:nvSpPr>
+            <p:cNvPr id="39" name="Oval 38">
+              <a:extLst>
+                <a:ext uri="{FF2B5EF4-FFF2-40B4-BE49-F238E27FC236}">
+                  <a16:creationId xmlns:a16="http://schemas.microsoft.com/office/drawing/2014/main" id="{122C17A7-5814-7C8C-D60C-BCEE388E5200}"/>
+                </a:ext>
+              </a:extLst>
+            </p:cNvPr>
+            <p:cNvSpPr/>
+            <p:nvPr/>
+          </p:nvSpPr>
+          <p:spPr>
+            <a:xfrm>
+              <a:off x="8791047" y="2859872"/>
+              <a:ext cx="111212" cy="111212"/>
+            </a:xfrm>
+            <a:prstGeom prst="ellipse">
+              <a:avLst/>
+            </a:prstGeom>
+            <a:noFill/>
+            <a:ln>
+              <a:solidFill>
+                <a:schemeClr val="tx1"/>
+              </a:solidFill>
+            </a:ln>
+          </p:spPr>
+          <p:style>
+            <a:lnRef idx="2">
+              <a:schemeClr val="accent1">
+                <a:shade val="50000"/>
+              </a:schemeClr>
+            </a:lnRef>
+            <a:fillRef idx="1">
+              <a:schemeClr val="accent1"/>
+            </a:fillRef>
+            <a:effectRef idx="0">
+              <a:schemeClr val="accent1"/>
+            </a:effectRef>
+            <a:fontRef idx="minor">
+              <a:schemeClr val="lt1"/>
+            </a:fontRef>
+          </p:style>
+          <p:txBody>
+            <a:bodyPr rtlCol="0" anchor="ctr"/>
+            <a:lstStyle/>
+            <a:p>
+              <a:pPr algn="ctr"/>
+              <a:endParaRPr lang="en-GB"/>
+            </a:p>
+          </p:txBody>
+        </p:sp>
+      </p:grpSp>
+      <p:grpSp>
+        <p:nvGrpSpPr>
+          <p:cNvPr id="41" name="Group 40">
+            <a:extLst>
+              <a:ext uri="{FF2B5EF4-FFF2-40B4-BE49-F238E27FC236}">
+                <a16:creationId xmlns:a16="http://schemas.microsoft.com/office/drawing/2014/main" id="{D6BEF5B6-33E3-5558-6B6C-A2B1E1959CB2}"/>
+              </a:ext>
+            </a:extLst>
+          </p:cNvPr>
+          <p:cNvGrpSpPr/>
+          <p:nvPr/>
+        </p:nvGrpSpPr>
+        <p:grpSpPr>
+          <a:xfrm>
+            <a:off x="838200" y="4150492"/>
+            <a:ext cx="2991653" cy="2165179"/>
+            <a:chOff x="4269259" y="2406820"/>
+            <a:chExt cx="2991653" cy="2165179"/>
+          </a:xfrm>
+        </p:grpSpPr>
+        <p:sp>
+          <p:nvSpPr>
+            <p:cNvPr id="42" name="Rectangle 41">
+              <a:extLst>
+                <a:ext uri="{FF2B5EF4-FFF2-40B4-BE49-F238E27FC236}">
+                  <a16:creationId xmlns:a16="http://schemas.microsoft.com/office/drawing/2014/main" id="{0623C7FE-2649-5BA2-C1D2-03B43772A0A3}"/>
+                </a:ext>
+              </a:extLst>
+            </p:cNvPr>
+            <p:cNvSpPr/>
+            <p:nvPr/>
+          </p:nvSpPr>
+          <p:spPr>
+            <a:xfrm>
+              <a:off x="4269259" y="2730842"/>
+              <a:ext cx="2991652" cy="1841157"/>
+            </a:xfrm>
+            <a:prstGeom prst="rect">
+              <a:avLst/>
+            </a:prstGeom>
+            <a:solidFill>
+              <a:schemeClr val="bg1"/>
+            </a:solidFill>
+            <a:ln>
+              <a:solidFill>
+                <a:schemeClr val="tx1"/>
+              </a:solidFill>
+              <a:prstDash val="lgDash"/>
+            </a:ln>
+          </p:spPr>
+          <p:style>
+            <a:lnRef idx="2">
+              <a:schemeClr val="accent1">
+                <a:shade val="50000"/>
+              </a:schemeClr>
+            </a:lnRef>
+            <a:fillRef idx="1">
+              <a:schemeClr val="accent1"/>
+            </a:fillRef>
+            <a:effectRef idx="0">
+              <a:schemeClr val="accent1"/>
+            </a:effectRef>
+            <a:fontRef idx="minor">
+              <a:schemeClr val="lt1"/>
+            </a:fontRef>
+          </p:style>
+          <p:txBody>
+            <a:bodyPr rtlCol="0" anchor="ctr"/>
+            <a:lstStyle/>
+            <a:p>
+              <a:pPr algn="ctr"/>
+              <a:endParaRPr lang="en-GB" dirty="0">
+                <a:solidFill>
+                  <a:schemeClr val="tx1"/>
+                </a:solidFill>
+              </a:endParaRPr>
+            </a:p>
+          </p:txBody>
+        </p:sp>
+        <p:sp>
+          <p:nvSpPr>
+            <p:cNvPr id="43" name="TextBox 42">
+              <a:extLst>
+                <a:ext uri="{FF2B5EF4-FFF2-40B4-BE49-F238E27FC236}">
+                  <a16:creationId xmlns:a16="http://schemas.microsoft.com/office/drawing/2014/main" id="{3D495163-3C22-30B2-DC3D-5B9E26E7E2E7}"/>
+                </a:ext>
+              </a:extLst>
+            </p:cNvPr>
+            <p:cNvSpPr txBox="1"/>
+            <p:nvPr/>
+          </p:nvSpPr>
+          <p:spPr>
+            <a:xfrm>
+              <a:off x="4615248" y="3181583"/>
+              <a:ext cx="829757" cy="261610"/>
+            </a:xfrm>
+            <a:prstGeom prst="rect">
+              <a:avLst/>
+            </a:prstGeom>
+            <a:noFill/>
+          </p:spPr>
+          <p:txBody>
+            <a:bodyPr wrap="square" rtlCol="0">
+              <a:spAutoFit/>
+            </a:bodyPr>
+            <a:lstStyle/>
+            <a:p>
+              <a:r>
+                <a:rPr lang="en-GB" sz="1100" dirty="0"/>
+                <a:t>Email</a:t>
+              </a:r>
+            </a:p>
+          </p:txBody>
+        </p:sp>
+        <p:sp>
+          <p:nvSpPr>
+            <p:cNvPr id="44" name="Rectangle 43">
+              <a:extLst>
+                <a:ext uri="{FF2B5EF4-FFF2-40B4-BE49-F238E27FC236}">
+                  <a16:creationId xmlns:a16="http://schemas.microsoft.com/office/drawing/2014/main" id="{F26BFCBC-5286-E1DD-56CD-1FA4A31C5740}"/>
+                </a:ext>
+              </a:extLst>
+            </p:cNvPr>
+            <p:cNvSpPr/>
+            <p:nvPr/>
+          </p:nvSpPr>
+          <p:spPr>
+            <a:xfrm>
+              <a:off x="5603789" y="4005735"/>
+              <a:ext cx="1291281" cy="251267"/>
+            </a:xfrm>
+            <a:prstGeom prst="rect">
+              <a:avLst/>
+            </a:prstGeom>
+            <a:solidFill>
+              <a:schemeClr val="bg1"/>
+            </a:solidFill>
+            <a:ln>
+              <a:solidFill>
+                <a:schemeClr val="tx1"/>
+              </a:solidFill>
+            </a:ln>
+          </p:spPr>
+          <p:style>
+            <a:lnRef idx="2">
+              <a:schemeClr val="accent1">
+                <a:shade val="50000"/>
+              </a:schemeClr>
+            </a:lnRef>
+            <a:fillRef idx="1">
+              <a:schemeClr val="accent1"/>
+            </a:fillRef>
+            <a:effectRef idx="0">
+              <a:schemeClr val="accent1"/>
+            </a:effectRef>
+            <a:fontRef idx="minor">
+              <a:schemeClr val="lt1"/>
+            </a:fontRef>
+          </p:style>
+          <p:txBody>
+            <a:bodyPr rtlCol="0" anchor="ctr"/>
+            <a:lstStyle/>
+            <a:p>
+              <a:pPr algn="ctr"/>
+              <a:r>
+                <a:rPr lang="en-GB" sz="1400" dirty="0">
+                  <a:solidFill>
+                    <a:sysClr val="windowText" lastClr="000000"/>
+                  </a:solidFill>
+                </a:rPr>
+                <a:t>Login</a:t>
+              </a:r>
+            </a:p>
+          </p:txBody>
+        </p:sp>
+        <p:sp>
+          <p:nvSpPr>
+            <p:cNvPr id="45" name="Rectangle: Rounded Corners 44">
+              <a:extLst>
+                <a:ext uri="{FF2B5EF4-FFF2-40B4-BE49-F238E27FC236}">
+                  <a16:creationId xmlns:a16="http://schemas.microsoft.com/office/drawing/2014/main" id="{C3270641-AE0A-BCA5-6A66-A25ACB311FC3}"/>
+                </a:ext>
+              </a:extLst>
+            </p:cNvPr>
+            <p:cNvSpPr/>
+            <p:nvPr/>
+          </p:nvSpPr>
+          <p:spPr>
+            <a:xfrm>
+              <a:off x="5603789" y="3208414"/>
+              <a:ext cx="1291281" cy="234779"/>
+            </a:xfrm>
+            <a:prstGeom prst="roundRect">
+              <a:avLst/>
+            </a:prstGeom>
+            <a:solidFill>
+              <a:schemeClr val="bg1"/>
+            </a:solidFill>
+            <a:ln>
+              <a:solidFill>
+                <a:schemeClr val="tx1"/>
+              </a:solidFill>
+            </a:ln>
+          </p:spPr>
+          <p:style>
+            <a:lnRef idx="2">
+              <a:schemeClr val="accent1">
+                <a:shade val="50000"/>
+              </a:schemeClr>
+            </a:lnRef>
+            <a:fillRef idx="1">
+              <a:schemeClr val="accent1"/>
+            </a:fillRef>
+            <a:effectRef idx="0">
+              <a:schemeClr val="accent1"/>
+            </a:effectRef>
+            <a:fontRef idx="minor">
+              <a:schemeClr val="lt1"/>
+            </a:fontRef>
+          </p:style>
+          <p:txBody>
+            <a:bodyPr rtlCol="0" anchor="ctr"/>
+            <a:lstStyle/>
+            <a:p>
+              <a:pPr algn="ctr"/>
+              <a:endParaRPr lang="en-GB"/>
+            </a:p>
+          </p:txBody>
+        </p:sp>
+        <p:sp>
+          <p:nvSpPr>
+            <p:cNvPr id="46" name="Rectangle 45">
+              <a:extLst>
+                <a:ext uri="{FF2B5EF4-FFF2-40B4-BE49-F238E27FC236}">
+                  <a16:creationId xmlns:a16="http://schemas.microsoft.com/office/drawing/2014/main" id="{B76A0BA5-E7AC-96F5-3B16-FB2260CA4E4F}"/>
+                </a:ext>
+              </a:extLst>
+            </p:cNvPr>
+            <p:cNvSpPr/>
+            <p:nvPr/>
+          </p:nvSpPr>
+          <p:spPr>
+            <a:xfrm>
+              <a:off x="4615249" y="4005734"/>
+              <a:ext cx="829756" cy="251267"/>
+            </a:xfrm>
+            <a:prstGeom prst="rect">
+              <a:avLst/>
+            </a:prstGeom>
+            <a:solidFill>
+              <a:schemeClr val="bg1"/>
+            </a:solidFill>
+            <a:ln>
+              <a:solidFill>
+                <a:schemeClr val="tx1"/>
+              </a:solidFill>
+            </a:ln>
+          </p:spPr>
+          <p:style>
+            <a:lnRef idx="2">
+              <a:schemeClr val="accent1">
+                <a:shade val="50000"/>
+              </a:schemeClr>
+            </a:lnRef>
+            <a:fillRef idx="1">
+              <a:schemeClr val="accent1"/>
+            </a:fillRef>
+            <a:effectRef idx="0">
+              <a:schemeClr val="accent1"/>
+            </a:effectRef>
+            <a:fontRef idx="minor">
+              <a:schemeClr val="lt1"/>
+            </a:fontRef>
+          </p:style>
+          <p:txBody>
+            <a:bodyPr rtlCol="0" anchor="ctr"/>
+            <a:lstStyle/>
+            <a:p>
+              <a:pPr algn="ctr"/>
+              <a:r>
+                <a:rPr lang="en-GB" sz="1400" dirty="0">
+                  <a:solidFill>
+                    <a:sysClr val="windowText" lastClr="000000"/>
+                  </a:solidFill>
+                </a:rPr>
+                <a:t>Signup</a:t>
+              </a:r>
+            </a:p>
+          </p:txBody>
+        </p:sp>
+        <p:sp>
+          <p:nvSpPr>
+            <p:cNvPr id="47" name="TextBox 46">
+              <a:extLst>
+                <a:ext uri="{FF2B5EF4-FFF2-40B4-BE49-F238E27FC236}">
+                  <a16:creationId xmlns:a16="http://schemas.microsoft.com/office/drawing/2014/main" id="{E9F39CBB-1930-41EF-24FA-4860847D4A90}"/>
+                </a:ext>
+              </a:extLst>
+            </p:cNvPr>
+            <p:cNvSpPr txBox="1"/>
+            <p:nvPr/>
+          </p:nvSpPr>
+          <p:spPr>
+            <a:xfrm>
+              <a:off x="4615248" y="3558225"/>
+              <a:ext cx="829757" cy="261610"/>
+            </a:xfrm>
+            <a:prstGeom prst="rect">
+              <a:avLst/>
+            </a:prstGeom>
+            <a:noFill/>
+          </p:spPr>
+          <p:txBody>
+            <a:bodyPr wrap="square" rtlCol="0">
+              <a:spAutoFit/>
+            </a:bodyPr>
+            <a:lstStyle/>
+            <a:p>
+              <a:r>
+                <a:rPr lang="en-GB" sz="1100" dirty="0"/>
+                <a:t>Password</a:t>
+              </a:r>
+            </a:p>
+          </p:txBody>
+        </p:sp>
+        <p:sp>
+          <p:nvSpPr>
+            <p:cNvPr id="48" name="Rectangle: Rounded Corners 47">
+              <a:extLst>
+                <a:ext uri="{FF2B5EF4-FFF2-40B4-BE49-F238E27FC236}">
+                  <a16:creationId xmlns:a16="http://schemas.microsoft.com/office/drawing/2014/main" id="{E1D6474A-212C-DF4F-9E19-E4BF56C95A42}"/>
+                </a:ext>
+              </a:extLst>
+            </p:cNvPr>
+            <p:cNvSpPr/>
+            <p:nvPr/>
+          </p:nvSpPr>
+          <p:spPr>
+            <a:xfrm>
+              <a:off x="5603789" y="3585056"/>
+              <a:ext cx="1291281" cy="234779"/>
+            </a:xfrm>
+            <a:prstGeom prst="roundRect">
+              <a:avLst/>
+            </a:prstGeom>
+            <a:solidFill>
+              <a:schemeClr val="bg1"/>
+            </a:solidFill>
+            <a:ln>
+              <a:solidFill>
+                <a:schemeClr val="tx1"/>
+              </a:solidFill>
+            </a:ln>
+          </p:spPr>
+          <p:style>
+            <a:lnRef idx="2">
+              <a:schemeClr val="accent1">
+                <a:shade val="50000"/>
+              </a:schemeClr>
+            </a:lnRef>
+            <a:fillRef idx="1">
+              <a:schemeClr val="accent1"/>
+            </a:fillRef>
+            <a:effectRef idx="0">
+              <a:schemeClr val="accent1"/>
+            </a:effectRef>
+            <a:fontRef idx="minor">
+              <a:schemeClr val="lt1"/>
+            </a:fontRef>
+          </p:style>
+          <p:txBody>
+            <a:bodyPr rtlCol="0" anchor="ctr"/>
+            <a:lstStyle/>
+            <a:p>
+              <a:pPr algn="ctr"/>
+              <a:endParaRPr lang="en-GB"/>
+            </a:p>
+          </p:txBody>
+        </p:sp>
+        <p:sp>
+          <p:nvSpPr>
+            <p:cNvPr id="49" name="Rectangle 48">
+              <a:extLst>
+                <a:ext uri="{FF2B5EF4-FFF2-40B4-BE49-F238E27FC236}">
+                  <a16:creationId xmlns:a16="http://schemas.microsoft.com/office/drawing/2014/main" id="{AC93BCAF-A7BC-C6BF-3A20-CD6E641BADCF}"/>
+                </a:ext>
+              </a:extLst>
+            </p:cNvPr>
+            <p:cNvSpPr/>
+            <p:nvPr/>
+          </p:nvSpPr>
+          <p:spPr>
+            <a:xfrm>
+              <a:off x="4269260" y="2406820"/>
+              <a:ext cx="2991652" cy="324019"/>
+            </a:xfrm>
+            <a:prstGeom prst="rect">
+              <a:avLst/>
+            </a:prstGeom>
+            <a:solidFill>
+              <a:schemeClr val="bg1"/>
+            </a:solidFill>
+            <a:ln>
+              <a:solidFill>
+                <a:schemeClr val="tx1"/>
+              </a:solidFill>
+              <a:prstDash val="lgDash"/>
+            </a:ln>
+          </p:spPr>
+          <p:style>
+            <a:lnRef idx="2">
+              <a:schemeClr val="accent1">
+                <a:shade val="50000"/>
+              </a:schemeClr>
+            </a:lnRef>
+            <a:fillRef idx="1">
+              <a:schemeClr val="accent1"/>
+            </a:fillRef>
+            <a:effectRef idx="0">
+              <a:schemeClr val="accent1"/>
+            </a:effectRef>
+            <a:fontRef idx="minor">
+              <a:schemeClr val="lt1"/>
+            </a:fontRef>
+          </p:style>
+          <p:txBody>
+            <a:bodyPr rtlCol="0" anchor="ctr"/>
+            <a:lstStyle/>
+            <a:p>
+              <a:r>
+                <a:rPr lang="en-GB" sz="1400" dirty="0">
+                  <a:solidFill>
+                    <a:schemeClr val="tx1"/>
+                  </a:solidFill>
+                </a:rPr>
+                <a:t>Quark Login</a:t>
+              </a:r>
+            </a:p>
+          </p:txBody>
+        </p:sp>
+        <p:grpSp>
+          <p:nvGrpSpPr>
+            <p:cNvPr id="50" name="Group 49">
+              <a:extLst>
+                <a:ext uri="{FF2B5EF4-FFF2-40B4-BE49-F238E27FC236}">
+                  <a16:creationId xmlns:a16="http://schemas.microsoft.com/office/drawing/2014/main" id="{CE006515-7D21-3B48-098C-7501DE89167D}"/>
+                </a:ext>
+              </a:extLst>
+            </p:cNvPr>
+            <p:cNvGrpSpPr/>
+            <p:nvPr/>
+          </p:nvGrpSpPr>
+          <p:grpSpPr>
+            <a:xfrm>
+              <a:off x="7037501" y="2505671"/>
+              <a:ext cx="124490" cy="126316"/>
+              <a:chOff x="8334632" y="2855188"/>
+              <a:chExt cx="914400" cy="927815"/>
+            </a:xfrm>
+          </p:grpSpPr>
+          <p:cxnSp>
+            <p:nvCxnSpPr>
+              <p:cNvPr id="51" name="Straight Connector 50">
+                <a:extLst>
+                  <a:ext uri="{FF2B5EF4-FFF2-40B4-BE49-F238E27FC236}">
+                    <a16:creationId xmlns:a16="http://schemas.microsoft.com/office/drawing/2014/main" id="{3264A6D5-F563-4D53-6C35-AF7A5B496F5E}"/>
+                  </a:ext>
+                </a:extLst>
+              </p:cNvPr>
+              <p:cNvCxnSpPr/>
+              <p:nvPr/>
+            </p:nvCxnSpPr>
+            <p:spPr>
+              <a:xfrm>
+                <a:off x="8334632" y="2855188"/>
+                <a:ext cx="914400" cy="914400"/>
+              </a:xfrm>
+              <a:prstGeom prst="line">
+                <a:avLst/>
+              </a:prstGeom>
+              <a:ln w="19050">
+                <a:solidFill>
+                  <a:schemeClr val="tx1"/>
+                </a:solidFill>
+              </a:ln>
+            </p:spPr>
+            <p:style>
+              <a:lnRef idx="1">
+                <a:schemeClr val="dk1"/>
+              </a:lnRef>
+              <a:fillRef idx="0">
+                <a:schemeClr val="dk1"/>
+              </a:fillRef>
+              <a:effectRef idx="0">
+                <a:schemeClr val="dk1"/>
+              </a:effectRef>
+              <a:fontRef idx="minor">
+                <a:schemeClr val="tx1"/>
+              </a:fontRef>
+            </p:style>
+          </p:cxnSp>
+          <p:cxnSp>
+            <p:nvCxnSpPr>
+              <p:cNvPr id="52" name="Straight Connector 51">
+                <a:extLst>
+                  <a:ext uri="{FF2B5EF4-FFF2-40B4-BE49-F238E27FC236}">
+                    <a16:creationId xmlns:a16="http://schemas.microsoft.com/office/drawing/2014/main" id="{EE38C74E-E482-0E9C-1075-704BFDA02A67}"/>
+                  </a:ext>
+                </a:extLst>
+              </p:cNvPr>
+              <p:cNvCxnSpPr>
+                <a:cxnSpLocks/>
+              </p:cNvCxnSpPr>
+              <p:nvPr/>
+            </p:nvCxnSpPr>
+            <p:spPr>
+              <a:xfrm flipV="1">
+                <a:off x="8334632" y="2868603"/>
+                <a:ext cx="914400" cy="914400"/>
+              </a:xfrm>
+              <a:prstGeom prst="line">
+                <a:avLst/>
+              </a:prstGeom>
+              <a:ln w="19050">
+                <a:solidFill>
+                  <a:schemeClr val="tx1"/>
+                </a:solidFill>
+              </a:ln>
+            </p:spPr>
+            <p:style>
+              <a:lnRef idx="1">
+                <a:schemeClr val="dk1"/>
+              </a:lnRef>
+              <a:fillRef idx="0">
+                <a:schemeClr val="dk1"/>
+              </a:fillRef>
+              <a:effectRef idx="0">
+                <a:schemeClr val="dk1"/>
+              </a:effectRef>
+              <a:fontRef idx="minor">
+                <a:schemeClr val="tx1"/>
+              </a:fontRef>
+            </p:style>
+          </p:cxnSp>
+        </p:grpSp>
+      </p:grpSp>
+      <p:grpSp>
+        <p:nvGrpSpPr>
+          <p:cNvPr id="53" name="Group 52">
+            <a:extLst>
+              <a:ext uri="{FF2B5EF4-FFF2-40B4-BE49-F238E27FC236}">
+                <a16:creationId xmlns:a16="http://schemas.microsoft.com/office/drawing/2014/main" id="{BDF9A1FD-488B-7F05-2266-C8F5D34BDB18}"/>
+              </a:ext>
+            </a:extLst>
+          </p:cNvPr>
+          <p:cNvGrpSpPr/>
+          <p:nvPr/>
+        </p:nvGrpSpPr>
+        <p:grpSpPr>
+          <a:xfrm>
+            <a:off x="838199" y="1634382"/>
+            <a:ext cx="2991653" cy="2325818"/>
+            <a:chOff x="4269259" y="2406820"/>
+            <a:chExt cx="2991653" cy="2325818"/>
+          </a:xfrm>
+        </p:grpSpPr>
+        <p:sp>
+          <p:nvSpPr>
+            <p:cNvPr id="54" name="Rectangle 53">
+              <a:extLst>
+                <a:ext uri="{FF2B5EF4-FFF2-40B4-BE49-F238E27FC236}">
+                  <a16:creationId xmlns:a16="http://schemas.microsoft.com/office/drawing/2014/main" id="{6622A61D-AE48-2309-4770-CA372F42CFAA}"/>
+                </a:ext>
+              </a:extLst>
+            </p:cNvPr>
+            <p:cNvSpPr/>
+            <p:nvPr/>
+          </p:nvSpPr>
+          <p:spPr>
+            <a:xfrm>
+              <a:off x="4269259" y="2730843"/>
+              <a:ext cx="2991652" cy="2001795"/>
+            </a:xfrm>
+            <a:prstGeom prst="rect">
+              <a:avLst/>
+            </a:prstGeom>
+            <a:solidFill>
+              <a:schemeClr val="bg1"/>
+            </a:solidFill>
+            <a:ln>
+              <a:solidFill>
+                <a:schemeClr val="tx1"/>
+              </a:solidFill>
+              <a:prstDash val="lgDash"/>
+            </a:ln>
+          </p:spPr>
+          <p:style>
+            <a:lnRef idx="2">
+              <a:schemeClr val="accent1">
+                <a:shade val="50000"/>
+              </a:schemeClr>
+            </a:lnRef>
+            <a:fillRef idx="1">
+              <a:schemeClr val="accent1"/>
+            </a:fillRef>
+            <a:effectRef idx="0">
+              <a:schemeClr val="accent1"/>
+            </a:effectRef>
+            <a:fontRef idx="minor">
+              <a:schemeClr val="lt1"/>
+            </a:fontRef>
+          </p:style>
+          <p:txBody>
+            <a:bodyPr rtlCol="0" anchor="ctr"/>
+            <a:lstStyle/>
+            <a:p>
+              <a:pPr algn="ctr"/>
+              <a:endParaRPr lang="en-GB" dirty="0">
+                <a:solidFill>
+                  <a:schemeClr val="tx1"/>
+                </a:solidFill>
+              </a:endParaRPr>
+            </a:p>
+          </p:txBody>
+        </p:sp>
+        <p:sp>
+          <p:nvSpPr>
+            <p:cNvPr id="55" name="TextBox 54">
+              <a:extLst>
+                <a:ext uri="{FF2B5EF4-FFF2-40B4-BE49-F238E27FC236}">
+                  <a16:creationId xmlns:a16="http://schemas.microsoft.com/office/drawing/2014/main" id="{B425AE8A-7F9C-8B2E-827D-6B3DAA28B1A1}"/>
+                </a:ext>
+              </a:extLst>
+            </p:cNvPr>
+            <p:cNvSpPr txBox="1"/>
+            <p:nvPr/>
+          </p:nvSpPr>
+          <p:spPr>
+            <a:xfrm>
+              <a:off x="4615248" y="3064195"/>
+              <a:ext cx="829757" cy="261610"/>
+            </a:xfrm>
+            <a:prstGeom prst="rect">
+              <a:avLst/>
+            </a:prstGeom>
+            <a:noFill/>
+          </p:spPr>
+          <p:txBody>
+            <a:bodyPr wrap="square" rtlCol="0">
+              <a:spAutoFit/>
+            </a:bodyPr>
+            <a:lstStyle/>
+            <a:p>
+              <a:r>
+                <a:rPr lang="en-GB" sz="1100" dirty="0"/>
+                <a:t>Email</a:t>
+              </a:r>
+            </a:p>
+          </p:txBody>
+        </p:sp>
+        <p:sp>
+          <p:nvSpPr>
+            <p:cNvPr id="56" name="Rectangle 55">
+              <a:extLst>
+                <a:ext uri="{FF2B5EF4-FFF2-40B4-BE49-F238E27FC236}">
+                  <a16:creationId xmlns:a16="http://schemas.microsoft.com/office/drawing/2014/main" id="{102B965A-270E-2510-EF84-B3206F9C840B}"/>
+                </a:ext>
+              </a:extLst>
+            </p:cNvPr>
+            <p:cNvSpPr/>
+            <p:nvPr/>
+          </p:nvSpPr>
+          <p:spPr>
+            <a:xfrm>
+              <a:off x="5603789" y="4190764"/>
+              <a:ext cx="1291281" cy="251267"/>
+            </a:xfrm>
+            <a:prstGeom prst="rect">
+              <a:avLst/>
+            </a:prstGeom>
+            <a:solidFill>
+              <a:schemeClr val="bg1"/>
+            </a:solidFill>
+            <a:ln>
+              <a:solidFill>
+                <a:schemeClr val="tx1"/>
+              </a:solidFill>
+            </a:ln>
+          </p:spPr>
+          <p:style>
+            <a:lnRef idx="2">
+              <a:schemeClr val="accent1">
+                <a:shade val="50000"/>
+              </a:schemeClr>
+            </a:lnRef>
+            <a:fillRef idx="1">
+              <a:schemeClr val="accent1"/>
+            </a:fillRef>
+            <a:effectRef idx="0">
+              <a:schemeClr val="accent1"/>
+            </a:effectRef>
+            <a:fontRef idx="minor">
+              <a:schemeClr val="lt1"/>
+            </a:fontRef>
+          </p:style>
+          <p:txBody>
+            <a:bodyPr rtlCol="0" anchor="ctr"/>
+            <a:lstStyle/>
+            <a:p>
+              <a:pPr algn="ctr"/>
+              <a:r>
+                <a:rPr lang="en-GB" sz="1400" dirty="0">
+                  <a:solidFill>
+                    <a:sysClr val="windowText" lastClr="000000"/>
+                  </a:solidFill>
+                </a:rPr>
+                <a:t>Create</a:t>
+              </a:r>
+            </a:p>
+          </p:txBody>
+        </p:sp>
+        <p:sp>
+          <p:nvSpPr>
+            <p:cNvPr id="57" name="Rectangle: Rounded Corners 56">
+              <a:extLst>
+                <a:ext uri="{FF2B5EF4-FFF2-40B4-BE49-F238E27FC236}">
+                  <a16:creationId xmlns:a16="http://schemas.microsoft.com/office/drawing/2014/main" id="{EA12F436-1D2C-CCB0-C34D-704C284D87B6}"/>
+                </a:ext>
+              </a:extLst>
+            </p:cNvPr>
+            <p:cNvSpPr/>
+            <p:nvPr/>
+          </p:nvSpPr>
+          <p:spPr>
+            <a:xfrm>
+              <a:off x="5603789" y="3091026"/>
+              <a:ext cx="1291281" cy="234779"/>
+            </a:xfrm>
+            <a:prstGeom prst="roundRect">
+              <a:avLst/>
+            </a:prstGeom>
+            <a:solidFill>
+              <a:schemeClr val="bg1"/>
+            </a:solidFill>
+            <a:ln>
+              <a:solidFill>
+                <a:schemeClr val="tx1"/>
+              </a:solidFill>
+            </a:ln>
+          </p:spPr>
+          <p:style>
+            <a:lnRef idx="2">
+              <a:schemeClr val="accent1">
+                <a:shade val="50000"/>
+              </a:schemeClr>
+            </a:lnRef>
+            <a:fillRef idx="1">
+              <a:schemeClr val="accent1"/>
+            </a:fillRef>
+            <a:effectRef idx="0">
+              <a:schemeClr val="accent1"/>
+            </a:effectRef>
+            <a:fontRef idx="minor">
+              <a:schemeClr val="lt1"/>
+            </a:fontRef>
+          </p:style>
+          <p:txBody>
+            <a:bodyPr rtlCol="0" anchor="ctr"/>
+            <a:lstStyle/>
+            <a:p>
+              <a:pPr algn="ctr"/>
+              <a:endParaRPr lang="en-GB"/>
+            </a:p>
+          </p:txBody>
+        </p:sp>
+        <p:sp>
+          <p:nvSpPr>
+            <p:cNvPr id="58" name="Rectangle 57">
+              <a:extLst>
+                <a:ext uri="{FF2B5EF4-FFF2-40B4-BE49-F238E27FC236}">
+                  <a16:creationId xmlns:a16="http://schemas.microsoft.com/office/drawing/2014/main" id="{82C89B6D-DC5A-04AB-47CE-B7B068331E14}"/>
+                </a:ext>
+              </a:extLst>
+            </p:cNvPr>
+            <p:cNvSpPr/>
+            <p:nvPr/>
+          </p:nvSpPr>
+          <p:spPr>
+            <a:xfrm>
+              <a:off x="4615249" y="4190763"/>
+              <a:ext cx="829756" cy="251267"/>
+            </a:xfrm>
+            <a:prstGeom prst="rect">
+              <a:avLst/>
+            </a:prstGeom>
+            <a:solidFill>
+              <a:schemeClr val="bg1"/>
+            </a:solidFill>
+            <a:ln>
+              <a:solidFill>
+                <a:schemeClr val="tx1"/>
+              </a:solidFill>
+            </a:ln>
+          </p:spPr>
+          <p:style>
+            <a:lnRef idx="2">
+              <a:schemeClr val="accent1">
+                <a:shade val="50000"/>
+              </a:schemeClr>
+            </a:lnRef>
+            <a:fillRef idx="1">
+              <a:schemeClr val="accent1"/>
+            </a:fillRef>
+            <a:effectRef idx="0">
+              <a:schemeClr val="accent1"/>
+            </a:effectRef>
+            <a:fontRef idx="minor">
+              <a:schemeClr val="lt1"/>
+            </a:fontRef>
+          </p:style>
+          <p:txBody>
+            <a:bodyPr rtlCol="0" anchor="ctr"/>
+            <a:lstStyle/>
+            <a:p>
+              <a:pPr algn="ctr"/>
+              <a:r>
+                <a:rPr lang="en-GB" sz="1400" dirty="0">
+                  <a:solidFill>
+                    <a:sysClr val="windowText" lastClr="000000"/>
+                  </a:solidFill>
+                </a:rPr>
+                <a:t>Login</a:t>
+              </a:r>
+            </a:p>
+          </p:txBody>
+        </p:sp>
+        <p:sp>
+          <p:nvSpPr>
+            <p:cNvPr id="59" name="TextBox 58">
+              <a:extLst>
+                <a:ext uri="{FF2B5EF4-FFF2-40B4-BE49-F238E27FC236}">
+                  <a16:creationId xmlns:a16="http://schemas.microsoft.com/office/drawing/2014/main" id="{0239DA1C-6422-4308-667B-5CB8ECD75C20}"/>
+                </a:ext>
+              </a:extLst>
+            </p:cNvPr>
+            <p:cNvSpPr txBox="1"/>
+            <p:nvPr/>
+          </p:nvSpPr>
+          <p:spPr>
+            <a:xfrm>
+              <a:off x="4615248" y="3440837"/>
+              <a:ext cx="829757" cy="261610"/>
+            </a:xfrm>
+            <a:prstGeom prst="rect">
+              <a:avLst/>
+            </a:prstGeom>
+            <a:noFill/>
+          </p:spPr>
+          <p:txBody>
+            <a:bodyPr wrap="square" rtlCol="0">
+              <a:spAutoFit/>
+            </a:bodyPr>
+            <a:lstStyle/>
+            <a:p>
+              <a:r>
+                <a:rPr lang="en-GB" sz="1100" dirty="0"/>
+                <a:t>Username</a:t>
+              </a:r>
+            </a:p>
+          </p:txBody>
+        </p:sp>
+        <p:sp>
+          <p:nvSpPr>
+            <p:cNvPr id="60" name="Rectangle: Rounded Corners 59">
+              <a:extLst>
+                <a:ext uri="{FF2B5EF4-FFF2-40B4-BE49-F238E27FC236}">
+                  <a16:creationId xmlns:a16="http://schemas.microsoft.com/office/drawing/2014/main" id="{9CCCC439-8B74-CB07-15D1-13D1D827FB7D}"/>
+                </a:ext>
+              </a:extLst>
+            </p:cNvPr>
+            <p:cNvSpPr/>
+            <p:nvPr/>
+          </p:nvSpPr>
+          <p:spPr>
+            <a:xfrm>
+              <a:off x="5603789" y="3467668"/>
+              <a:ext cx="1291281" cy="234779"/>
+            </a:xfrm>
+            <a:prstGeom prst="roundRect">
+              <a:avLst/>
+            </a:prstGeom>
+            <a:solidFill>
+              <a:schemeClr val="bg1"/>
+            </a:solidFill>
+            <a:ln>
+              <a:solidFill>
+                <a:schemeClr val="tx1"/>
+              </a:solidFill>
+            </a:ln>
+          </p:spPr>
+          <p:style>
+            <a:lnRef idx="2">
+              <a:schemeClr val="accent1">
+                <a:shade val="50000"/>
+              </a:schemeClr>
+            </a:lnRef>
+            <a:fillRef idx="1">
+              <a:schemeClr val="accent1"/>
+            </a:fillRef>
+            <a:effectRef idx="0">
+              <a:schemeClr val="accent1"/>
+            </a:effectRef>
+            <a:fontRef idx="minor">
+              <a:schemeClr val="lt1"/>
+            </a:fontRef>
+          </p:style>
+          <p:txBody>
+            <a:bodyPr rtlCol="0" anchor="ctr"/>
+            <a:lstStyle/>
+            <a:p>
+              <a:pPr algn="ctr"/>
+              <a:endParaRPr lang="en-GB"/>
+            </a:p>
+          </p:txBody>
+        </p:sp>
+        <p:sp>
+          <p:nvSpPr>
+            <p:cNvPr id="61" name="Rectangle 60">
+              <a:extLst>
+                <a:ext uri="{FF2B5EF4-FFF2-40B4-BE49-F238E27FC236}">
+                  <a16:creationId xmlns:a16="http://schemas.microsoft.com/office/drawing/2014/main" id="{8ABD2AF1-5A67-A0FB-498E-D0953CD915DD}"/>
+                </a:ext>
+              </a:extLst>
+            </p:cNvPr>
+            <p:cNvSpPr/>
+            <p:nvPr/>
+          </p:nvSpPr>
+          <p:spPr>
+            <a:xfrm>
+              <a:off x="4269260" y="2406820"/>
+              <a:ext cx="2991652" cy="324019"/>
+            </a:xfrm>
+            <a:prstGeom prst="rect">
+              <a:avLst/>
+            </a:prstGeom>
+            <a:solidFill>
+              <a:schemeClr val="bg1"/>
+            </a:solidFill>
+            <a:ln>
+              <a:solidFill>
+                <a:schemeClr val="tx1"/>
+              </a:solidFill>
+              <a:prstDash val="lgDash"/>
+            </a:ln>
+          </p:spPr>
+          <p:style>
+            <a:lnRef idx="2">
+              <a:schemeClr val="accent1">
+                <a:shade val="50000"/>
+              </a:schemeClr>
+            </a:lnRef>
+            <a:fillRef idx="1">
+              <a:schemeClr val="accent1"/>
+            </a:fillRef>
+            <a:effectRef idx="0">
+              <a:schemeClr val="accent1"/>
+            </a:effectRef>
+            <a:fontRef idx="minor">
+              <a:schemeClr val="lt1"/>
+            </a:fontRef>
+          </p:style>
+          <p:txBody>
+            <a:bodyPr rtlCol="0" anchor="ctr"/>
+            <a:lstStyle/>
+            <a:p>
+              <a:r>
+                <a:rPr lang="en-GB" sz="1400" dirty="0">
+                  <a:solidFill>
+                    <a:schemeClr val="tx1"/>
+                  </a:solidFill>
+                </a:rPr>
+                <a:t>Quark Signup</a:t>
+              </a:r>
+            </a:p>
+          </p:txBody>
+        </p:sp>
+        <p:grpSp>
+          <p:nvGrpSpPr>
+            <p:cNvPr id="62" name="Group 61">
+              <a:extLst>
+                <a:ext uri="{FF2B5EF4-FFF2-40B4-BE49-F238E27FC236}">
+                  <a16:creationId xmlns:a16="http://schemas.microsoft.com/office/drawing/2014/main" id="{11EB0E29-3ACC-2C73-EF92-953B276E69D6}"/>
+                </a:ext>
+              </a:extLst>
+            </p:cNvPr>
+            <p:cNvGrpSpPr/>
+            <p:nvPr/>
+          </p:nvGrpSpPr>
+          <p:grpSpPr>
+            <a:xfrm>
+              <a:off x="7037501" y="2505671"/>
+              <a:ext cx="124490" cy="126316"/>
+              <a:chOff x="8334632" y="2855188"/>
+              <a:chExt cx="914400" cy="927815"/>
+            </a:xfrm>
+          </p:grpSpPr>
+          <p:cxnSp>
+            <p:nvCxnSpPr>
+              <p:cNvPr id="65" name="Straight Connector 64">
+                <a:extLst>
+                  <a:ext uri="{FF2B5EF4-FFF2-40B4-BE49-F238E27FC236}">
+                    <a16:creationId xmlns:a16="http://schemas.microsoft.com/office/drawing/2014/main" id="{93A84679-E220-6A26-2AA9-F862386E8A40}"/>
+                  </a:ext>
+                </a:extLst>
+              </p:cNvPr>
+              <p:cNvCxnSpPr/>
+              <p:nvPr/>
+            </p:nvCxnSpPr>
+            <p:spPr>
+              <a:xfrm>
+                <a:off x="8334632" y="2855188"/>
+                <a:ext cx="914400" cy="914400"/>
+              </a:xfrm>
+              <a:prstGeom prst="line">
+                <a:avLst/>
+              </a:prstGeom>
+              <a:ln w="19050">
+                <a:solidFill>
+                  <a:schemeClr val="tx1"/>
+                </a:solidFill>
+              </a:ln>
+            </p:spPr>
+            <p:style>
+              <a:lnRef idx="1">
+                <a:schemeClr val="dk1"/>
+              </a:lnRef>
+              <a:fillRef idx="0">
+                <a:schemeClr val="dk1"/>
+              </a:fillRef>
+              <a:effectRef idx="0">
+                <a:schemeClr val="dk1"/>
+              </a:effectRef>
+              <a:fontRef idx="minor">
+                <a:schemeClr val="tx1"/>
+              </a:fontRef>
+            </p:style>
+          </p:cxnSp>
+          <p:cxnSp>
+            <p:nvCxnSpPr>
+              <p:cNvPr id="66" name="Straight Connector 65">
+                <a:extLst>
+                  <a:ext uri="{FF2B5EF4-FFF2-40B4-BE49-F238E27FC236}">
+                    <a16:creationId xmlns:a16="http://schemas.microsoft.com/office/drawing/2014/main" id="{474761EB-3975-0EBB-F03C-A081BA8BFF8E}"/>
+                  </a:ext>
+                </a:extLst>
+              </p:cNvPr>
+              <p:cNvCxnSpPr>
+                <a:cxnSpLocks/>
+              </p:cNvCxnSpPr>
+              <p:nvPr/>
+            </p:nvCxnSpPr>
+            <p:spPr>
+              <a:xfrm flipV="1">
+                <a:off x="8334632" y="2868603"/>
+                <a:ext cx="914400" cy="914400"/>
+              </a:xfrm>
+              <a:prstGeom prst="line">
+                <a:avLst/>
+              </a:prstGeom>
+              <a:ln w="19050">
+                <a:solidFill>
+                  <a:schemeClr val="tx1"/>
+                </a:solidFill>
+              </a:ln>
+            </p:spPr>
+            <p:style>
+              <a:lnRef idx="1">
+                <a:schemeClr val="dk1"/>
+              </a:lnRef>
+              <a:fillRef idx="0">
+                <a:schemeClr val="dk1"/>
+              </a:fillRef>
+              <a:effectRef idx="0">
+                <a:schemeClr val="dk1"/>
+              </a:effectRef>
+              <a:fontRef idx="minor">
+                <a:schemeClr val="tx1"/>
+              </a:fontRef>
+            </p:style>
+          </p:cxnSp>
+        </p:grpSp>
+        <p:sp>
+          <p:nvSpPr>
+            <p:cNvPr id="63" name="TextBox 62">
+              <a:extLst>
+                <a:ext uri="{FF2B5EF4-FFF2-40B4-BE49-F238E27FC236}">
+                  <a16:creationId xmlns:a16="http://schemas.microsoft.com/office/drawing/2014/main" id="{ABF1F32F-3BEA-ACC3-7240-CA8F63DB4298}"/>
+                </a:ext>
+              </a:extLst>
+            </p:cNvPr>
+            <p:cNvSpPr txBox="1"/>
+            <p:nvPr/>
+          </p:nvSpPr>
+          <p:spPr>
+            <a:xfrm>
+              <a:off x="4615248" y="3798347"/>
+              <a:ext cx="829757" cy="261610"/>
+            </a:xfrm>
+            <a:prstGeom prst="rect">
+              <a:avLst/>
+            </a:prstGeom>
+            <a:noFill/>
+          </p:spPr>
+          <p:txBody>
+            <a:bodyPr wrap="square" rtlCol="0">
+              <a:spAutoFit/>
+            </a:bodyPr>
+            <a:lstStyle/>
+            <a:p>
+              <a:r>
+                <a:rPr lang="en-GB" sz="1100" dirty="0"/>
+                <a:t>Password</a:t>
+              </a:r>
+            </a:p>
+          </p:txBody>
+        </p:sp>
+        <p:sp>
+          <p:nvSpPr>
+            <p:cNvPr id="64" name="Rectangle: Rounded Corners 63">
+              <a:extLst>
+                <a:ext uri="{FF2B5EF4-FFF2-40B4-BE49-F238E27FC236}">
+                  <a16:creationId xmlns:a16="http://schemas.microsoft.com/office/drawing/2014/main" id="{B808C2CF-3E4D-A37D-1AFE-C19BC0F82A7D}"/>
+                </a:ext>
+              </a:extLst>
+            </p:cNvPr>
+            <p:cNvSpPr/>
+            <p:nvPr/>
+          </p:nvSpPr>
+          <p:spPr>
+            <a:xfrm>
+              <a:off x="5603789" y="3825178"/>
+              <a:ext cx="1291281" cy="234779"/>
+            </a:xfrm>
+            <a:prstGeom prst="roundRect">
+              <a:avLst/>
+            </a:prstGeom>
+            <a:solidFill>
+              <a:schemeClr val="bg1"/>
+            </a:solidFill>
+            <a:ln>
+              <a:solidFill>
+                <a:schemeClr val="tx1"/>
+              </a:solidFill>
+            </a:ln>
+          </p:spPr>
+          <p:style>
+            <a:lnRef idx="2">
+              <a:schemeClr val="accent1">
+                <a:shade val="50000"/>
+              </a:schemeClr>
+            </a:lnRef>
+            <a:fillRef idx="1">
+              <a:schemeClr val="accent1"/>
+            </a:fillRef>
+            <a:effectRef idx="0">
+              <a:schemeClr val="accent1"/>
+            </a:effectRef>
+            <a:fontRef idx="minor">
+              <a:schemeClr val="lt1"/>
+            </a:fontRef>
+          </p:style>
+          <p:txBody>
+            <a:bodyPr rtlCol="0" anchor="ctr"/>
+            <a:lstStyle/>
+            <a:p>
+              <a:pPr algn="ctr"/>
+              <a:endParaRPr lang="en-GB"/>
+            </a:p>
+          </p:txBody>
+        </p:sp>
+      </p:grpSp>
+      <p:sp>
+        <p:nvSpPr>
+          <p:cNvPr id="8" name="Arrow: Curved Right 7">
+            <a:extLst>
+              <a:ext uri="{FF2B5EF4-FFF2-40B4-BE49-F238E27FC236}">
+                <a16:creationId xmlns:a16="http://schemas.microsoft.com/office/drawing/2014/main" id="{1BE732CF-A89A-0EE1-8AC3-85FC5E76216A}"/>
+              </a:ext>
+            </a:extLst>
+          </p:cNvPr>
+          <p:cNvSpPr/>
+          <p:nvPr/>
+        </p:nvSpPr>
+        <p:spPr>
+          <a:xfrm>
+            <a:off x="450008" y="3433879"/>
+            <a:ext cx="671804" cy="1217142"/>
+          </a:xfrm>
+          <a:prstGeom prst="curvedRightArrow">
+            <a:avLst>
+              <a:gd name="adj1" fmla="val 25000"/>
+              <a:gd name="adj2" fmla="val 43189"/>
+              <a:gd name="adj3" fmla="val 56531"/>
+            </a:avLst>
+          </a:prstGeom>
+          <a:solidFill>
+            <a:srgbClr val="FF0000"/>
+          </a:solidFill>
+          <a:ln>
+            <a:noFill/>
+          </a:ln>
+        </p:spPr>
+        <p:style>
+          <a:lnRef idx="2">
+            <a:schemeClr val="accent1">
+              <a:shade val="50000"/>
+            </a:schemeClr>
+          </a:lnRef>
+          <a:fillRef idx="1">
+            <a:schemeClr val="accent1"/>
+          </a:fillRef>
+          <a:effectRef idx="0">
+            <a:schemeClr val="accent1"/>
+          </a:effectRef>
+          <a:fontRef idx="minor">
+            <a:schemeClr val="lt1"/>
+          </a:fontRef>
+        </p:style>
+        <p:txBody>
+          <a:bodyPr rtlCol="0" anchor="ctr"/>
+          <a:lstStyle/>
+          <a:p>
+            <a:pPr algn="ctr"/>
+            <a:endParaRPr lang="en-GB">
+              <a:solidFill>
+                <a:schemeClr val="tx1"/>
+              </a:solidFill>
+            </a:endParaRPr>
+          </a:p>
+        </p:txBody>
+      </p:sp>
+      <p:sp>
+        <p:nvSpPr>
+          <p:cNvPr id="67" name="Arrow: Curved Right 66">
+            <a:extLst>
+              <a:ext uri="{FF2B5EF4-FFF2-40B4-BE49-F238E27FC236}">
+                <a16:creationId xmlns:a16="http://schemas.microsoft.com/office/drawing/2014/main" id="{31A0A238-8E62-1D19-81AA-0DB9487077DF}"/>
+              </a:ext>
+            </a:extLst>
+          </p:cNvPr>
+          <p:cNvSpPr/>
+          <p:nvPr/>
+        </p:nvSpPr>
+        <p:spPr>
+          <a:xfrm flipH="1" flipV="1">
+            <a:off x="2066236" y="3669592"/>
+            <a:ext cx="671804" cy="2303208"/>
+          </a:xfrm>
+          <a:prstGeom prst="curvedRightArrow">
+            <a:avLst>
+              <a:gd name="adj1" fmla="val 25000"/>
+              <a:gd name="adj2" fmla="val 43189"/>
+              <a:gd name="adj3" fmla="val 56531"/>
+            </a:avLst>
+          </a:prstGeom>
+          <a:solidFill>
+            <a:srgbClr val="FF0000"/>
+          </a:solidFill>
+          <a:ln>
+            <a:noFill/>
+          </a:ln>
+        </p:spPr>
+        <p:style>
+          <a:lnRef idx="2">
+            <a:schemeClr val="accent1">
+              <a:shade val="50000"/>
+            </a:schemeClr>
+          </a:lnRef>
+          <a:fillRef idx="1">
+            <a:schemeClr val="accent1"/>
+          </a:fillRef>
+          <a:effectRef idx="0">
+            <a:schemeClr val="accent1"/>
+          </a:effectRef>
+          <a:fontRef idx="minor">
+            <a:schemeClr val="lt1"/>
+          </a:fontRef>
+        </p:style>
+        <p:txBody>
+          <a:bodyPr rtlCol="0" anchor="ctr"/>
+          <a:lstStyle/>
+          <a:p>
+            <a:pPr algn="ctr"/>
+            <a:endParaRPr lang="en-GB">
+              <a:solidFill>
+                <a:schemeClr val="tx1"/>
+              </a:solidFill>
+            </a:endParaRPr>
+          </a:p>
+        </p:txBody>
+      </p:sp>
+      <p:sp>
+        <p:nvSpPr>
+          <p:cNvPr id="10" name="Arrow: Bent 9">
+            <a:extLst>
+              <a:ext uri="{FF2B5EF4-FFF2-40B4-BE49-F238E27FC236}">
+                <a16:creationId xmlns:a16="http://schemas.microsoft.com/office/drawing/2014/main" id="{BA3D92A5-2A05-6E39-C84A-82081EE37006}"/>
+              </a:ext>
+            </a:extLst>
+          </p:cNvPr>
+          <p:cNvSpPr/>
+          <p:nvPr/>
+        </p:nvSpPr>
+        <p:spPr>
+          <a:xfrm>
+            <a:off x="4003277" y="2094302"/>
+            <a:ext cx="1434726" cy="3726467"/>
+          </a:xfrm>
+          <a:prstGeom prst="bentArrow">
+            <a:avLst>
+              <a:gd name="adj1" fmla="val 12475"/>
+              <a:gd name="adj2" fmla="val 17619"/>
+              <a:gd name="adj3" fmla="val 29473"/>
+              <a:gd name="adj4" fmla="val 49118"/>
+            </a:avLst>
+          </a:prstGeom>
+          <a:solidFill>
+            <a:srgbClr val="FF0000"/>
+          </a:solidFill>
+          <a:ln>
+            <a:noFill/>
+          </a:ln>
+        </p:spPr>
+        <p:style>
+          <a:lnRef idx="2">
+            <a:schemeClr val="accent1">
+              <a:shade val="50000"/>
+            </a:schemeClr>
+          </a:lnRef>
+          <a:fillRef idx="1">
+            <a:schemeClr val="accent1"/>
+          </a:fillRef>
+          <a:effectRef idx="0">
+            <a:schemeClr val="accent1"/>
+          </a:effectRef>
+          <a:fontRef idx="minor">
+            <a:schemeClr val="lt1"/>
+          </a:fontRef>
+        </p:style>
+        <p:txBody>
+          <a:bodyPr rtlCol="0" anchor="ctr"/>
+          <a:lstStyle/>
+          <a:p>
+            <a:pPr algn="ctr"/>
+            <a:endParaRPr lang="en-GB">
+              <a:solidFill>
+                <a:schemeClr val="tx1"/>
+              </a:solidFill>
+            </a:endParaRPr>
+          </a:p>
+        </p:txBody>
+      </p:sp>
+      <p:sp>
+        <p:nvSpPr>
+          <p:cNvPr id="13" name="Rectangle 12">
+            <a:extLst>
+              <a:ext uri="{FF2B5EF4-FFF2-40B4-BE49-F238E27FC236}">
+                <a16:creationId xmlns:a16="http://schemas.microsoft.com/office/drawing/2014/main" id="{82A2786F-3221-4C8A-CBF8-B78B8DBC4664}"/>
+              </a:ext>
+            </a:extLst>
+          </p:cNvPr>
+          <p:cNvSpPr/>
+          <p:nvPr/>
+        </p:nvSpPr>
+        <p:spPr>
+          <a:xfrm>
+            <a:off x="3539674" y="5768315"/>
+            <a:ext cx="644406" cy="213448"/>
+          </a:xfrm>
+          <a:prstGeom prst="rect">
+            <a:avLst/>
+          </a:prstGeom>
+          <a:solidFill>
+            <a:srgbClr val="FF0000"/>
+          </a:solidFill>
+          <a:ln>
+            <a:noFill/>
+          </a:ln>
+        </p:spPr>
+        <p:style>
+          <a:lnRef idx="2">
+            <a:schemeClr val="accent1">
+              <a:shade val="50000"/>
+            </a:schemeClr>
+          </a:lnRef>
+          <a:fillRef idx="1">
+            <a:schemeClr val="accent1"/>
+          </a:fillRef>
+          <a:effectRef idx="0">
+            <a:schemeClr val="accent1"/>
+          </a:effectRef>
+          <a:fontRef idx="minor">
+            <a:schemeClr val="lt1"/>
+          </a:fontRef>
+        </p:style>
+        <p:txBody>
+          <a:bodyPr rtlCol="0" anchor="ctr"/>
+          <a:lstStyle/>
+          <a:p>
+            <a:pPr algn="ctr"/>
+            <a:endParaRPr lang="en-GB"/>
+          </a:p>
+        </p:txBody>
+      </p:sp>
+      <p:sp>
+        <p:nvSpPr>
+          <p:cNvPr id="14" name="Arrow: Right 13">
+            <a:extLst>
+              <a:ext uri="{FF2B5EF4-FFF2-40B4-BE49-F238E27FC236}">
+                <a16:creationId xmlns:a16="http://schemas.microsoft.com/office/drawing/2014/main" id="{6DF5BF1F-AFF9-E7C6-A1F3-01C45220EB36}"/>
+              </a:ext>
+            </a:extLst>
+          </p:cNvPr>
+          <p:cNvSpPr/>
+          <p:nvPr/>
+        </p:nvSpPr>
+        <p:spPr>
+          <a:xfrm rot="5400000">
+            <a:off x="6546702" y="2863150"/>
+            <a:ext cx="159110" cy="484632"/>
+          </a:xfrm>
+          <a:prstGeom prst="rightArrow">
+            <a:avLst/>
+          </a:prstGeom>
+          <a:solidFill>
+            <a:srgbClr val="FF0000"/>
+          </a:solidFill>
+          <a:ln>
+            <a:solidFill>
+              <a:schemeClr val="accent2"/>
+            </a:solidFill>
+          </a:ln>
+        </p:spPr>
+        <p:style>
+          <a:lnRef idx="2">
+            <a:schemeClr val="accent1">
+              <a:shade val="50000"/>
+            </a:schemeClr>
+          </a:lnRef>
+          <a:fillRef idx="1">
+            <a:schemeClr val="accent1"/>
+          </a:fillRef>
+          <a:effectRef idx="0">
+            <a:schemeClr val="accent1"/>
+          </a:effectRef>
+          <a:fontRef idx="minor">
+            <a:schemeClr val="lt1"/>
+          </a:fontRef>
+        </p:style>
+        <p:txBody>
+          <a:bodyPr rtlCol="0" anchor="ctr"/>
+          <a:lstStyle/>
+          <a:p>
+            <a:pPr algn="ctr"/>
+            <a:endParaRPr lang="en-GB"/>
+          </a:p>
+        </p:txBody>
+      </p:sp>
+      <p:sp>
+        <p:nvSpPr>
+          <p:cNvPr id="68" name="Arrow: Right 67">
+            <a:extLst>
+              <a:ext uri="{FF2B5EF4-FFF2-40B4-BE49-F238E27FC236}">
+                <a16:creationId xmlns:a16="http://schemas.microsoft.com/office/drawing/2014/main" id="{C09C5028-8877-2F81-FF95-85E4C4CF7401}"/>
+              </a:ext>
+            </a:extLst>
+          </p:cNvPr>
+          <p:cNvSpPr/>
+          <p:nvPr/>
+        </p:nvSpPr>
+        <p:spPr>
+          <a:xfrm rot="5400000">
+            <a:off x="6554432" y="4676498"/>
+            <a:ext cx="232303" cy="484632"/>
+          </a:xfrm>
+          <a:prstGeom prst="rightArrow">
+            <a:avLst/>
+          </a:prstGeom>
+          <a:solidFill>
+            <a:srgbClr val="FF0000"/>
+          </a:solidFill>
+          <a:ln>
+            <a:solidFill>
+              <a:schemeClr val="accent2"/>
+            </a:solidFill>
+          </a:ln>
+        </p:spPr>
+        <p:style>
+          <a:lnRef idx="2">
+            <a:schemeClr val="accent1">
+              <a:shade val="50000"/>
+            </a:schemeClr>
+          </a:lnRef>
+          <a:fillRef idx="1">
+            <a:schemeClr val="accent1"/>
+          </a:fillRef>
+          <a:effectRef idx="0">
+            <a:schemeClr val="accent1"/>
+          </a:effectRef>
+          <a:fontRef idx="minor">
+            <a:schemeClr val="lt1"/>
+          </a:fontRef>
+        </p:style>
+        <p:txBody>
+          <a:bodyPr rtlCol="0" anchor="ctr"/>
+          <a:lstStyle/>
+          <a:p>
+            <a:pPr algn="ctr"/>
+            <a:endParaRPr lang="en-GB"/>
+          </a:p>
+        </p:txBody>
+      </p:sp>
+      <p:sp>
+        <p:nvSpPr>
+          <p:cNvPr id="84" name="Arrow: Right 83">
+            <a:extLst>
+              <a:ext uri="{FF2B5EF4-FFF2-40B4-BE49-F238E27FC236}">
+                <a16:creationId xmlns:a16="http://schemas.microsoft.com/office/drawing/2014/main" id="{FA6DCD05-C106-7BCF-06EC-A097880D7032}"/>
+              </a:ext>
+            </a:extLst>
+          </p:cNvPr>
+          <p:cNvSpPr/>
+          <p:nvPr/>
+        </p:nvSpPr>
+        <p:spPr>
+          <a:xfrm>
+            <a:off x="7911405" y="5488168"/>
+            <a:ext cx="364147" cy="484632"/>
+          </a:xfrm>
+          <a:prstGeom prst="rightArrow">
+            <a:avLst/>
+          </a:prstGeom>
+          <a:solidFill>
+            <a:srgbClr val="FF0000"/>
+          </a:solidFill>
+          <a:ln>
+            <a:solidFill>
+              <a:schemeClr val="accent2"/>
+            </a:solidFill>
+          </a:ln>
+        </p:spPr>
+        <p:style>
+          <a:lnRef idx="2">
+            <a:schemeClr val="accent1">
+              <a:shade val="50000"/>
+            </a:schemeClr>
+          </a:lnRef>
+          <a:fillRef idx="1">
+            <a:schemeClr val="accent1"/>
+          </a:fillRef>
+          <a:effectRef idx="0">
+            <a:schemeClr val="accent1"/>
+          </a:effectRef>
+          <a:fontRef idx="minor">
+            <a:schemeClr val="lt1"/>
+          </a:fontRef>
+        </p:style>
+        <p:txBody>
+          <a:bodyPr rtlCol="0" anchor="ctr"/>
+          <a:lstStyle/>
+          <a:p>
+            <a:pPr algn="ctr"/>
+            <a:endParaRPr lang="en-GB"/>
+          </a:p>
+        </p:txBody>
+      </p:sp>
+      <p:grpSp>
+        <p:nvGrpSpPr>
+          <p:cNvPr id="24" name="Group 23">
+            <a:extLst>
+              <a:ext uri="{FF2B5EF4-FFF2-40B4-BE49-F238E27FC236}">
+                <a16:creationId xmlns:a16="http://schemas.microsoft.com/office/drawing/2014/main" id="{5B88F559-B277-0E26-28D6-037A08DD54E3}"/>
+              </a:ext>
+            </a:extLst>
+          </p:cNvPr>
+          <p:cNvGrpSpPr/>
+          <p:nvPr/>
+        </p:nvGrpSpPr>
+        <p:grpSpPr>
+          <a:xfrm>
+            <a:off x="8330590" y="5056764"/>
+            <a:ext cx="2361456" cy="1470453"/>
+            <a:chOff x="8330590" y="5056764"/>
+            <a:chExt cx="2361456" cy="1470453"/>
+          </a:xfrm>
+        </p:grpSpPr>
+        <p:grpSp>
+          <p:nvGrpSpPr>
+            <p:cNvPr id="77" name="Group 76">
+              <a:extLst>
+                <a:ext uri="{FF2B5EF4-FFF2-40B4-BE49-F238E27FC236}">
+                  <a16:creationId xmlns:a16="http://schemas.microsoft.com/office/drawing/2014/main" id="{E803BA6B-248F-F54E-7C4C-CFF17F42F751}"/>
+                </a:ext>
+              </a:extLst>
+            </p:cNvPr>
+            <p:cNvGrpSpPr/>
+            <p:nvPr/>
+          </p:nvGrpSpPr>
+          <p:grpSpPr>
+            <a:xfrm>
+              <a:off x="8330590" y="5056764"/>
+              <a:ext cx="2361456" cy="1470453"/>
+              <a:chOff x="2366319" y="2483709"/>
+              <a:chExt cx="2361456" cy="1470453"/>
+            </a:xfrm>
+          </p:grpSpPr>
+          <p:sp>
+            <p:nvSpPr>
+              <p:cNvPr id="78" name="Rectangle 77">
+                <a:extLst>
+                  <a:ext uri="{FF2B5EF4-FFF2-40B4-BE49-F238E27FC236}">
+                    <a16:creationId xmlns:a16="http://schemas.microsoft.com/office/drawing/2014/main" id="{31B9496C-ADC4-3895-DA0B-7446CB07348C}"/>
+                  </a:ext>
+                </a:extLst>
+              </p:cNvPr>
+              <p:cNvSpPr/>
+              <p:nvPr/>
+            </p:nvSpPr>
+            <p:spPr>
+              <a:xfrm>
+                <a:off x="2366319" y="2483709"/>
+                <a:ext cx="2361456" cy="1470453"/>
+              </a:xfrm>
+              <a:prstGeom prst="rect">
+                <a:avLst/>
+              </a:prstGeom>
+              <a:solidFill>
+                <a:schemeClr val="accent2">
+                  <a:lumMod val="60000"/>
+                  <a:lumOff val="40000"/>
+                </a:schemeClr>
+              </a:solidFill>
+              <a:ln>
+                <a:solidFill>
+                  <a:schemeClr val="tx1"/>
+                </a:solidFill>
+                <a:prstDash val="lgDash"/>
+              </a:ln>
+            </p:spPr>
+            <p:style>
+              <a:lnRef idx="2">
+                <a:schemeClr val="accent1">
+                  <a:shade val="50000"/>
+                </a:schemeClr>
+              </a:lnRef>
+              <a:fillRef idx="1">
+                <a:schemeClr val="accent1"/>
+              </a:fillRef>
+              <a:effectRef idx="0">
+                <a:schemeClr val="accent1"/>
+              </a:effectRef>
+              <a:fontRef idx="minor">
+                <a:schemeClr val="lt1"/>
+              </a:fontRef>
+            </p:style>
+            <p:txBody>
+              <a:bodyPr rtlCol="0" anchor="ctr"/>
+              <a:lstStyle/>
+              <a:p>
+                <a:pPr algn="ctr"/>
+                <a:endParaRPr lang="en-GB" dirty="0">
+                  <a:solidFill>
+                    <a:schemeClr val="tx1"/>
+                  </a:solidFill>
+                </a:endParaRPr>
+              </a:p>
+            </p:txBody>
+          </p:sp>
+          <p:sp>
+            <p:nvSpPr>
+              <p:cNvPr id="79" name="TextBox 78">
+                <a:extLst>
+                  <a:ext uri="{FF2B5EF4-FFF2-40B4-BE49-F238E27FC236}">
+                    <a16:creationId xmlns:a16="http://schemas.microsoft.com/office/drawing/2014/main" id="{A876DA40-6D53-BB08-9486-F375D4A8C6BA}"/>
+                  </a:ext>
+                </a:extLst>
+              </p:cNvPr>
+              <p:cNvSpPr txBox="1"/>
+              <p:nvPr/>
+            </p:nvSpPr>
+            <p:spPr>
+              <a:xfrm>
+                <a:off x="2366319" y="2779991"/>
+                <a:ext cx="2361456" cy="646331"/>
+              </a:xfrm>
+              <a:prstGeom prst="rect">
+                <a:avLst/>
+              </a:prstGeom>
+              <a:noFill/>
+            </p:spPr>
+            <p:txBody>
+              <a:bodyPr wrap="square" rtlCol="0">
+                <a:spAutoFit/>
+              </a:bodyPr>
+              <a:lstStyle/>
+              <a:p>
+                <a:pPr algn="ctr"/>
+                <a:r>
+                  <a:rPr lang="en-GB" sz="3600" dirty="0"/>
+                  <a:t>25:00</a:t>
+                </a:r>
+              </a:p>
+            </p:txBody>
+          </p:sp>
+          <p:grpSp>
+            <p:nvGrpSpPr>
+              <p:cNvPr id="80" name="Group 79">
+                <a:extLst>
+                  <a:ext uri="{FF2B5EF4-FFF2-40B4-BE49-F238E27FC236}">
+                    <a16:creationId xmlns:a16="http://schemas.microsoft.com/office/drawing/2014/main" id="{0443E01D-8AB9-733F-16BC-1608FB3E1650}"/>
+                  </a:ext>
+                </a:extLst>
+              </p:cNvPr>
+              <p:cNvGrpSpPr/>
+              <p:nvPr/>
+            </p:nvGrpSpPr>
+            <p:grpSpPr>
+              <a:xfrm>
+                <a:off x="4473473" y="2587227"/>
+                <a:ext cx="124490" cy="126316"/>
+                <a:chOff x="8334632" y="2855188"/>
+                <a:chExt cx="914400" cy="927815"/>
+              </a:xfrm>
+            </p:grpSpPr>
+            <p:cxnSp>
+              <p:nvCxnSpPr>
+                <p:cNvPr id="82" name="Straight Connector 81">
+                  <a:extLst>
+                    <a:ext uri="{FF2B5EF4-FFF2-40B4-BE49-F238E27FC236}">
+                      <a16:creationId xmlns:a16="http://schemas.microsoft.com/office/drawing/2014/main" id="{F8329068-329A-DF16-8538-90DCEAAB3478}"/>
+                    </a:ext>
+                  </a:extLst>
+                </p:cNvPr>
+                <p:cNvCxnSpPr/>
+                <p:nvPr/>
+              </p:nvCxnSpPr>
+              <p:spPr>
+                <a:xfrm>
+                  <a:off x="8334632" y="2855188"/>
+                  <a:ext cx="914400" cy="914400"/>
+                </a:xfrm>
+                <a:prstGeom prst="line">
+                  <a:avLst/>
+                </a:prstGeom>
+                <a:ln w="19050">
+                  <a:solidFill>
+                    <a:schemeClr val="tx1"/>
+                  </a:solidFill>
+                </a:ln>
+              </p:spPr>
+              <p:style>
+                <a:lnRef idx="1">
+                  <a:schemeClr val="dk1"/>
+                </a:lnRef>
+                <a:fillRef idx="0">
+                  <a:schemeClr val="dk1"/>
+                </a:fillRef>
+                <a:effectRef idx="0">
+                  <a:schemeClr val="dk1"/>
+                </a:effectRef>
+                <a:fontRef idx="minor">
+                  <a:schemeClr val="tx1"/>
+                </a:fontRef>
+              </p:style>
+            </p:cxnSp>
+            <p:cxnSp>
+              <p:nvCxnSpPr>
+                <p:cNvPr id="83" name="Straight Connector 82">
+                  <a:extLst>
+                    <a:ext uri="{FF2B5EF4-FFF2-40B4-BE49-F238E27FC236}">
+                      <a16:creationId xmlns:a16="http://schemas.microsoft.com/office/drawing/2014/main" id="{0678CC78-103F-F457-6552-2BDB1B8E8DEF}"/>
+                    </a:ext>
+                  </a:extLst>
+                </p:cNvPr>
+                <p:cNvCxnSpPr>
+                  <a:cxnSpLocks/>
+                </p:cNvCxnSpPr>
+                <p:nvPr/>
+              </p:nvCxnSpPr>
+              <p:spPr>
+                <a:xfrm flipV="1">
+                  <a:off x="8334632" y="2868603"/>
+                  <a:ext cx="914400" cy="914400"/>
+                </a:xfrm>
+                <a:prstGeom prst="line">
+                  <a:avLst/>
+                </a:prstGeom>
+                <a:ln w="19050">
+                  <a:solidFill>
+                    <a:schemeClr val="tx1"/>
+                  </a:solidFill>
+                </a:ln>
+              </p:spPr>
+              <p:style>
+                <a:lnRef idx="1">
+                  <a:schemeClr val="dk1"/>
+                </a:lnRef>
+                <a:fillRef idx="0">
+                  <a:schemeClr val="dk1"/>
+                </a:fillRef>
+                <a:effectRef idx="0">
+                  <a:schemeClr val="dk1"/>
+                </a:effectRef>
+                <a:fontRef idx="minor">
+                  <a:schemeClr val="tx1"/>
+                </a:fontRef>
+              </p:style>
+            </p:cxnSp>
+          </p:grpSp>
+          <p:sp>
+            <p:nvSpPr>
+              <p:cNvPr id="81" name="Isosceles Triangle 80">
+                <a:extLst>
+                  <a:ext uri="{FF2B5EF4-FFF2-40B4-BE49-F238E27FC236}">
+                    <a16:creationId xmlns:a16="http://schemas.microsoft.com/office/drawing/2014/main" id="{3A8384B6-4A8F-2323-644F-3FE4B1F8D3B4}"/>
+                  </a:ext>
+                </a:extLst>
+              </p:cNvPr>
+              <p:cNvSpPr/>
+              <p:nvPr/>
+            </p:nvSpPr>
+            <p:spPr>
+              <a:xfrm rot="5400000">
+                <a:off x="3424063" y="3511244"/>
+                <a:ext cx="245966" cy="212040"/>
+              </a:xfrm>
+              <a:prstGeom prst="triangle">
+                <a:avLst/>
+              </a:prstGeom>
+              <a:solidFill>
+                <a:schemeClr val="accent2">
+                  <a:lumMod val="60000"/>
+                  <a:lumOff val="40000"/>
+                </a:schemeClr>
+              </a:solidFill>
+              <a:ln>
+                <a:solidFill>
+                  <a:schemeClr val="tx1"/>
+                </a:solidFill>
+              </a:ln>
+            </p:spPr>
+            <p:style>
+              <a:lnRef idx="2">
+                <a:schemeClr val="accent1">
+                  <a:shade val="50000"/>
+                </a:schemeClr>
+              </a:lnRef>
+              <a:fillRef idx="1">
+                <a:schemeClr val="accent1"/>
+              </a:fillRef>
+              <a:effectRef idx="0">
+                <a:schemeClr val="accent1"/>
+              </a:effectRef>
+              <a:fontRef idx="minor">
+                <a:schemeClr val="lt1"/>
+              </a:fontRef>
+            </p:style>
+            <p:txBody>
+              <a:bodyPr rtlCol="0" anchor="ctr"/>
+              <a:lstStyle/>
+              <a:p>
+                <a:pPr algn="ctr"/>
+                <a:endParaRPr lang="en-GB"/>
+              </a:p>
+            </p:txBody>
+          </p:sp>
+        </p:grpSp>
+        <p:sp>
+          <p:nvSpPr>
+            <p:cNvPr id="85" name="Oval 84">
+              <a:extLst>
+                <a:ext uri="{FF2B5EF4-FFF2-40B4-BE49-F238E27FC236}">
+                  <a16:creationId xmlns:a16="http://schemas.microsoft.com/office/drawing/2014/main" id="{12B7DEEE-DC70-1834-AD73-B8B3F979E468}"/>
+                </a:ext>
+              </a:extLst>
+            </p:cNvPr>
+            <p:cNvSpPr/>
+            <p:nvPr/>
+          </p:nvSpPr>
+          <p:spPr>
+            <a:xfrm>
+              <a:off x="9455711" y="5273122"/>
+              <a:ext cx="111212" cy="111212"/>
+            </a:xfrm>
+            <a:prstGeom prst="ellipse">
+              <a:avLst/>
+            </a:prstGeom>
+            <a:solidFill>
+              <a:schemeClr val="tx1"/>
+            </a:solidFill>
+            <a:ln>
+              <a:solidFill>
+                <a:schemeClr val="tx1"/>
+              </a:solidFill>
+            </a:ln>
+          </p:spPr>
+          <p:style>
+            <a:lnRef idx="2">
+              <a:schemeClr val="accent1">
+                <a:shade val="50000"/>
+              </a:schemeClr>
+            </a:lnRef>
+            <a:fillRef idx="1">
+              <a:schemeClr val="accent1"/>
+            </a:fillRef>
+            <a:effectRef idx="0">
+              <a:schemeClr val="accent1"/>
+            </a:effectRef>
+            <a:fontRef idx="minor">
+              <a:schemeClr val="lt1"/>
+            </a:fontRef>
+          </p:style>
+          <p:txBody>
+            <a:bodyPr rtlCol="0" anchor="ctr"/>
+            <a:lstStyle/>
+            <a:p>
+              <a:pPr algn="ctr"/>
+              <a:endParaRPr lang="en-GB"/>
+            </a:p>
+          </p:txBody>
+        </p:sp>
+      </p:grpSp>
+      <p:sp>
+        <p:nvSpPr>
+          <p:cNvPr id="86" name="Arrow: Bent 85">
+            <a:extLst>
+              <a:ext uri="{FF2B5EF4-FFF2-40B4-BE49-F238E27FC236}">
+                <a16:creationId xmlns:a16="http://schemas.microsoft.com/office/drawing/2014/main" id="{511B5A07-7910-7471-6857-19DA0AD77C82}"/>
+              </a:ext>
+            </a:extLst>
+          </p:cNvPr>
+          <p:cNvSpPr/>
+          <p:nvPr/>
+        </p:nvSpPr>
+        <p:spPr>
+          <a:xfrm flipH="1">
+            <a:off x="8166392" y="1857722"/>
+            <a:ext cx="1434726" cy="3084535"/>
+          </a:xfrm>
+          <a:prstGeom prst="bentArrow">
+            <a:avLst>
+              <a:gd name="adj1" fmla="val 12475"/>
+              <a:gd name="adj2" fmla="val 17619"/>
+              <a:gd name="adj3" fmla="val 29473"/>
+              <a:gd name="adj4" fmla="val 49118"/>
+            </a:avLst>
+          </a:prstGeom>
+          <a:solidFill>
+            <a:srgbClr val="FF0000"/>
+          </a:solidFill>
+          <a:ln>
+            <a:noFill/>
+          </a:ln>
+        </p:spPr>
+        <p:style>
+          <a:lnRef idx="2">
+            <a:schemeClr val="accent1">
+              <a:shade val="50000"/>
+            </a:schemeClr>
+          </a:lnRef>
+          <a:fillRef idx="1">
+            <a:schemeClr val="accent1"/>
+          </a:fillRef>
+          <a:effectRef idx="0">
+            <a:schemeClr val="accent1"/>
+          </a:effectRef>
+          <a:fontRef idx="minor">
+            <a:schemeClr val="lt1"/>
+          </a:fontRef>
+        </p:style>
+        <p:txBody>
+          <a:bodyPr rtlCol="0" anchor="ctr"/>
+          <a:lstStyle/>
+          <a:p>
+            <a:pPr algn="ctr"/>
+            <a:endParaRPr lang="en-GB">
+              <a:solidFill>
+                <a:schemeClr val="tx1"/>
+              </a:solidFill>
+            </a:endParaRPr>
+          </a:p>
+        </p:txBody>
+      </p:sp>
+    </p:spTree>
+    <p:extLst>
+      <p:ext uri="{BB962C8B-B14F-4D97-AF65-F5344CB8AC3E}">
+        <p14:creationId xmlns:p14="http://schemas.microsoft.com/office/powerpoint/2010/main" val="4119249374"/>
       </p:ext>
     </p:extLst>
   </p:cSld>
@@ -22222,4 +27751,299 @@
     </a:ext>
   </a:extLst>
 </a:theme>
+</file>
+
+<file path=ppt/theme/theme2.xml><?xml version="1.0" encoding="utf-8"?>
+<a:theme xmlns:a="http://schemas.openxmlformats.org/drawingml/2006/main" name="Office Theme">
+  <a:themeElements>
+    <a:clrScheme name="Office">
+      <a:dk1>
+        <a:sysClr val="windowText" lastClr="000000"/>
+      </a:dk1>
+      <a:lt1>
+        <a:sysClr val="window" lastClr="FFFFFF"/>
+      </a:lt1>
+      <a:dk2>
+        <a:srgbClr val="44546A"/>
+      </a:dk2>
+      <a:lt2>
+        <a:srgbClr val="E7E6E6"/>
+      </a:lt2>
+      <a:accent1>
+        <a:srgbClr val="4472C4"/>
+      </a:accent1>
+      <a:accent2>
+        <a:srgbClr val="ED7D31"/>
+      </a:accent2>
+      <a:accent3>
+        <a:srgbClr val="A5A5A5"/>
+      </a:accent3>
+      <a:accent4>
+        <a:srgbClr val="FFC000"/>
+      </a:accent4>
+      <a:accent5>
+        <a:srgbClr val="5B9BD5"/>
+      </a:accent5>
+      <a:accent6>
+        <a:srgbClr val="70AD47"/>
+      </a:accent6>
+      <a:hlink>
+        <a:srgbClr val="0563C1"/>
+      </a:hlink>
+      <a:folHlink>
+        <a:srgbClr val="954F72"/>
+      </a:folHlink>
+    </a:clrScheme>
+    <a:fontScheme name="Office">
+      <a:majorFont>
+        <a:latin typeface="Calibri Light" panose="020F0302020204030204"/>
+        <a:ea typeface=""/>
+        <a:cs typeface=""/>
+        <a:font script="Jpan" typeface="游ゴシック Light"/>
+        <a:font script="Hang" typeface="맑은 고딕"/>
+        <a:font script="Hans" typeface="等线 Light"/>
+        <a:font script="Hant" typeface="新細明體"/>
+        <a:font script="Arab" typeface="Times New Roman"/>
+        <a:font script="Hebr" typeface="Times New Roman"/>
+        <a:font script="Thai" typeface="Angsana New"/>
+        <a:font script="Ethi" typeface="Nyala"/>
+        <a:font script="Beng" typeface="Vrinda"/>
+        <a:font script="Gujr" typeface="Shruti"/>
+        <a:font script="Khmr" typeface="MoolBoran"/>
+        <a:font script="Knda" typeface="Tunga"/>
+        <a:font script="Guru" typeface="Raavi"/>
+        <a:font script="Cans" typeface="Euphemia"/>
+        <a:font script="Cher" typeface="Plantagenet Cherokee"/>
+        <a:font script="Yiii" typeface="Microsoft Yi Baiti"/>
+        <a:font script="Tibt" typeface="Microsoft Himalaya"/>
+        <a:font script="Thaa" typeface="MV Boli"/>
+        <a:font script="Deva" typeface="Mangal"/>
+        <a:font script="Telu" typeface="Gautami"/>
+        <a:font script="Taml" typeface="Latha"/>
+        <a:font script="Syrc" typeface="Estrangelo Edessa"/>
+        <a:font script="Orya" typeface="Kalinga"/>
+        <a:font script="Mlym" typeface="Kartika"/>
+        <a:font script="Laoo" typeface="DokChampa"/>
+        <a:font script="Sinh" typeface="Iskoola Pota"/>
+        <a:font script="Mong" typeface="Mongolian Baiti"/>
+        <a:font script="Viet" typeface="Times New Roman"/>
+        <a:font script="Uigh" typeface="Microsoft Uighur"/>
+        <a:font script="Geor" typeface="Sylfaen"/>
+        <a:font script="Armn" typeface="Arial"/>
+        <a:font script="Bugi" typeface="Leelawadee UI"/>
+        <a:font script="Bopo" typeface="Microsoft JhengHei"/>
+        <a:font script="Java" typeface="Javanese Text"/>
+        <a:font script="Lisu" typeface="Segoe UI"/>
+        <a:font script="Mymr" typeface="Myanmar Text"/>
+        <a:font script="Nkoo" typeface="Ebrima"/>
+        <a:font script="Olck" typeface="Nirmala UI"/>
+        <a:font script="Osma" typeface="Ebrima"/>
+        <a:font script="Phag" typeface="Phagspa"/>
+        <a:font script="Syrn" typeface="Estrangelo Edessa"/>
+        <a:font script="Syrj" typeface="Estrangelo Edessa"/>
+        <a:font script="Syre" typeface="Estrangelo Edessa"/>
+        <a:font script="Sora" typeface="Nirmala UI"/>
+        <a:font script="Tale" typeface="Microsoft Tai Le"/>
+        <a:font script="Talu" typeface="Microsoft New Tai Lue"/>
+        <a:font script="Tfng" typeface="Ebrima"/>
+      </a:majorFont>
+      <a:minorFont>
+        <a:latin typeface="Calibri" panose="020F0502020204030204"/>
+        <a:ea typeface=""/>
+        <a:cs typeface=""/>
+        <a:font script="Jpan" typeface="游ゴシック"/>
+        <a:font script="Hang" typeface="맑은 고딕"/>
+        <a:font script="Hans" typeface="等线"/>
+        <a:font script="Hant" typeface="新細明體"/>
+        <a:font script="Arab" typeface="Arial"/>
+        <a:font script="Hebr" typeface="Arial"/>
+        <a:font script="Thai" typeface="Cordia New"/>
+        <a:font script="Ethi" typeface="Nyala"/>
+        <a:font script="Beng" typeface="Vrinda"/>
+        <a:font script="Gujr" typeface="Shruti"/>
+        <a:font script="Khmr" typeface="DaunPenh"/>
+        <a:font script="Knda" typeface="Tunga"/>
+        <a:font script="Guru" typeface="Raavi"/>
+        <a:font script="Cans" typeface="Euphemia"/>
+        <a:font script="Cher" typeface="Plantagenet Cherokee"/>
+        <a:font script="Yiii" typeface="Microsoft Yi Baiti"/>
+        <a:font script="Tibt" typeface="Microsoft Himalaya"/>
+        <a:font script="Thaa" typeface="MV Boli"/>
+        <a:font script="Deva" typeface="Mangal"/>
+        <a:font script="Telu" typeface="Gautami"/>
+        <a:font script="Taml" typeface="Latha"/>
+        <a:font script="Syrc" typeface="Estrangelo Edessa"/>
+        <a:font script="Orya" typeface="Kalinga"/>
+        <a:font script="Mlym" typeface="Kartika"/>
+        <a:font script="Laoo" typeface="DokChampa"/>
+        <a:font script="Sinh" typeface="Iskoola Pota"/>
+        <a:font script="Mong" typeface="Mongolian Baiti"/>
+        <a:font script="Viet" typeface="Arial"/>
+        <a:font script="Uigh" typeface="Microsoft Uighur"/>
+        <a:font script="Geor" typeface="Sylfaen"/>
+        <a:font script="Armn" typeface="Arial"/>
+        <a:font script="Bugi" typeface="Leelawadee UI"/>
+        <a:font script="Bopo" typeface="Microsoft JhengHei"/>
+        <a:font script="Java" typeface="Javanese Text"/>
+        <a:font script="Lisu" typeface="Segoe UI"/>
+        <a:font script="Mymr" typeface="Myanmar Text"/>
+        <a:font script="Nkoo" typeface="Ebrima"/>
+        <a:font script="Olck" typeface="Nirmala UI"/>
+        <a:font script="Osma" typeface="Ebrima"/>
+        <a:font script="Phag" typeface="Phagspa"/>
+        <a:font script="Syrn" typeface="Estrangelo Edessa"/>
+        <a:font script="Syrj" typeface="Estrangelo Edessa"/>
+        <a:font script="Syre" typeface="Estrangelo Edessa"/>
+        <a:font script="Sora" typeface="Nirmala UI"/>
+        <a:font script="Tale" typeface="Microsoft Tai Le"/>
+        <a:font script="Talu" typeface="Microsoft New Tai Lue"/>
+        <a:font script="Tfng" typeface="Ebrima"/>
+      </a:minorFont>
+    </a:fontScheme>
+    <a:fmtScheme name="Office">
+      <a:fillStyleLst>
+        <a:solidFill>
+          <a:schemeClr val="phClr"/>
+        </a:solidFill>
+        <a:gradFill rotWithShape="1">
+          <a:gsLst>
+            <a:gs pos="0">
+              <a:schemeClr val="phClr">
+                <a:lumMod val="110000"/>
+                <a:satMod val="105000"/>
+                <a:tint val="67000"/>
+              </a:schemeClr>
+            </a:gs>
+            <a:gs pos="50000">
+              <a:schemeClr val="phClr">
+                <a:lumMod val="105000"/>
+                <a:satMod val="103000"/>
+                <a:tint val="73000"/>
+              </a:schemeClr>
+            </a:gs>
+            <a:gs pos="100000">
+              <a:schemeClr val="phClr">
+                <a:lumMod val="105000"/>
+                <a:satMod val="109000"/>
+                <a:tint val="81000"/>
+              </a:schemeClr>
+            </a:gs>
+          </a:gsLst>
+          <a:lin ang="5400000" scaled="0"/>
+        </a:gradFill>
+        <a:gradFill rotWithShape="1">
+          <a:gsLst>
+            <a:gs pos="0">
+              <a:schemeClr val="phClr">
+                <a:satMod val="103000"/>
+                <a:lumMod val="102000"/>
+                <a:tint val="94000"/>
+              </a:schemeClr>
+            </a:gs>
+            <a:gs pos="50000">
+              <a:schemeClr val="phClr">
+                <a:satMod val="110000"/>
+                <a:lumMod val="100000"/>
+                <a:shade val="100000"/>
+              </a:schemeClr>
+            </a:gs>
+            <a:gs pos="100000">
+              <a:schemeClr val="phClr">
+                <a:lumMod val="99000"/>
+                <a:satMod val="120000"/>
+                <a:shade val="78000"/>
+              </a:schemeClr>
+            </a:gs>
+          </a:gsLst>
+          <a:lin ang="5400000" scaled="0"/>
+        </a:gradFill>
+      </a:fillStyleLst>
+      <a:lnStyleLst>
+        <a:ln w="6350" cap="flat" cmpd="sng" algn="ctr">
+          <a:solidFill>
+            <a:schemeClr val="phClr"/>
+          </a:solidFill>
+          <a:prstDash val="solid"/>
+          <a:miter lim="800000"/>
+        </a:ln>
+        <a:ln w="12700" cap="flat" cmpd="sng" algn="ctr">
+          <a:solidFill>
+            <a:schemeClr val="phClr"/>
+          </a:solidFill>
+          <a:prstDash val="solid"/>
+          <a:miter lim="800000"/>
+        </a:ln>
+        <a:ln w="19050" cap="flat" cmpd="sng" algn="ctr">
+          <a:solidFill>
+            <a:schemeClr val="phClr"/>
+          </a:solidFill>
+          <a:prstDash val="solid"/>
+          <a:miter lim="800000"/>
+        </a:ln>
+      </a:lnStyleLst>
+      <a:effectStyleLst>
+        <a:effectStyle>
+          <a:effectLst/>
+        </a:effectStyle>
+        <a:effectStyle>
+          <a:effectLst/>
+        </a:effectStyle>
+        <a:effectStyle>
+          <a:effectLst>
+            <a:outerShdw blurRad="57150" dist="19050" dir="5400000" algn="ctr" rotWithShape="0">
+              <a:srgbClr val="000000">
+                <a:alpha val="63000"/>
+              </a:srgbClr>
+            </a:outerShdw>
+          </a:effectLst>
+        </a:effectStyle>
+      </a:effectStyleLst>
+      <a:bgFillStyleLst>
+        <a:solidFill>
+          <a:schemeClr val="phClr"/>
+        </a:solidFill>
+        <a:solidFill>
+          <a:schemeClr val="phClr">
+            <a:tint val="95000"/>
+            <a:satMod val="170000"/>
+          </a:schemeClr>
+        </a:solidFill>
+        <a:gradFill rotWithShape="1">
+          <a:gsLst>
+            <a:gs pos="0">
+              <a:schemeClr val="phClr">
+                <a:tint val="93000"/>
+                <a:satMod val="150000"/>
+                <a:shade val="98000"/>
+                <a:lumMod val="102000"/>
+              </a:schemeClr>
+            </a:gs>
+            <a:gs pos="50000">
+              <a:schemeClr val="phClr">
+                <a:tint val="98000"/>
+                <a:satMod val="130000"/>
+                <a:shade val="90000"/>
+                <a:lumMod val="103000"/>
+              </a:schemeClr>
+            </a:gs>
+            <a:gs pos="100000">
+              <a:schemeClr val="phClr">
+                <a:shade val="63000"/>
+                <a:satMod val="120000"/>
+              </a:schemeClr>
+            </a:gs>
+          </a:gsLst>
+          <a:lin ang="5400000" scaled="0"/>
+        </a:gradFill>
+      </a:bgFillStyleLst>
+    </a:fmtScheme>
+  </a:themeElements>
+  <a:objectDefaults/>
+  <a:extraClrSchemeLst/>
+  <a:extLst>
+    <a:ext uri="{05A4C25C-085E-4340-85A3-A5531E510DB2}">
+      <thm15:themeFamily xmlns:thm15="http://schemas.microsoft.com/office/thememl/2012/main" name="Office Theme" id="{62F939B6-93AF-4DB8-9C6B-D6C7DFDC589F}" vid="{4A3C46E8-61CC-4603-A589-7422A47A8E4A}"/>
+    </a:ext>
+  </a:extLst>
+</a:theme>
 </file>
--- a/documentation/Quark Wireframes and User Stories.pptx
+++ b/documentation/Quark Wireframes and User Stories.pptx
@@ -128,6 +128,9 @@
   <p:extLst>
     <p:ext uri="{EFAFB233-063F-42B5-8137-9DF3F51BA10A}">
       <p15:sldGuideLst xmlns:p15="http://schemas.microsoft.com/office/powerpoint/2012/main"/>
+    </p:ext>
+    <p:ext uri="{2D200454-40CA-4A62-9FC3-DE9A4176ACB9}">
+      <p15:notesGuideLst xmlns:p15="http://schemas.microsoft.com/office/powerpoint/2012/main"/>
     </p:ext>
   </p:extLst>
 </p:presentation>
@@ -4995,7 +4998,7 @@
                     <a:schemeClr val="bg1"/>
                   </a:solidFill>
                 </a:rPr>
-                <a:t>Log In</a:t>
+                <a:t>Signup</a:t>
               </a:r>
             </a:p>
           </p:txBody>
@@ -24672,7 +24675,7 @@
                     <a:schemeClr val="bg1"/>
                   </a:solidFill>
                 </a:rPr>
-                <a:t>Log In</a:t>
+                <a:t>Sign up</a:t>
               </a:r>
             </a:p>
           </p:txBody>
